--- a/presentation/unittestingintro.pptx
+++ b/presentation/unittestingintro.pptx
@@ -5,10 +5,10 @@
     <p:sldMasterId id="2147483648" r:id="rId1"/>
   </p:sldMasterIdLst>
   <p:notesMasterIdLst>
-    <p:notesMasterId r:id="rId43"/>
+    <p:notesMasterId r:id="rId44"/>
   </p:notesMasterIdLst>
   <p:handoutMasterIdLst>
-    <p:handoutMasterId r:id="rId44"/>
+    <p:handoutMasterId r:id="rId45"/>
   </p:handoutMasterIdLst>
   <p:sldIdLst>
     <p:sldId id="297" r:id="rId2"/>
@@ -27,31 +27,32 @@
     <p:sldId id="356" r:id="rId15"/>
     <p:sldId id="359" r:id="rId16"/>
     <p:sldId id="358" r:id="rId17"/>
-    <p:sldId id="350" r:id="rId18"/>
+    <p:sldId id="363" r:id="rId18"/>
     <p:sldId id="337" r:id="rId19"/>
-    <p:sldId id="362" r:id="rId20"/>
-    <p:sldId id="349" r:id="rId21"/>
-    <p:sldId id="342" r:id="rId22"/>
-    <p:sldId id="353" r:id="rId23"/>
-    <p:sldId id="354" r:id="rId24"/>
-    <p:sldId id="320" r:id="rId25"/>
-    <p:sldId id="309" r:id="rId26"/>
-    <p:sldId id="323" r:id="rId27"/>
-    <p:sldId id="324" r:id="rId28"/>
-    <p:sldId id="326" r:id="rId29"/>
-    <p:sldId id="328" r:id="rId30"/>
-    <p:sldId id="330" r:id="rId31"/>
-    <p:sldId id="331" r:id="rId32"/>
-    <p:sldId id="332" r:id="rId33"/>
-    <p:sldId id="311" r:id="rId34"/>
-    <p:sldId id="334" r:id="rId35"/>
-    <p:sldId id="313" r:id="rId36"/>
-    <p:sldId id="317" r:id="rId37"/>
-    <p:sldId id="316" r:id="rId38"/>
-    <p:sldId id="318" r:id="rId39"/>
-    <p:sldId id="333" r:id="rId40"/>
-    <p:sldId id="336" r:id="rId41"/>
-    <p:sldId id="310" r:id="rId42"/>
+    <p:sldId id="350" r:id="rId20"/>
+    <p:sldId id="362" r:id="rId21"/>
+    <p:sldId id="349" r:id="rId22"/>
+    <p:sldId id="342" r:id="rId23"/>
+    <p:sldId id="353" r:id="rId24"/>
+    <p:sldId id="354" r:id="rId25"/>
+    <p:sldId id="320" r:id="rId26"/>
+    <p:sldId id="309" r:id="rId27"/>
+    <p:sldId id="323" r:id="rId28"/>
+    <p:sldId id="324" r:id="rId29"/>
+    <p:sldId id="326" r:id="rId30"/>
+    <p:sldId id="328" r:id="rId31"/>
+    <p:sldId id="330" r:id="rId32"/>
+    <p:sldId id="331" r:id="rId33"/>
+    <p:sldId id="332" r:id="rId34"/>
+    <p:sldId id="311" r:id="rId35"/>
+    <p:sldId id="334" r:id="rId36"/>
+    <p:sldId id="313" r:id="rId37"/>
+    <p:sldId id="317" r:id="rId38"/>
+    <p:sldId id="316" r:id="rId39"/>
+    <p:sldId id="318" r:id="rId40"/>
+    <p:sldId id="333" r:id="rId41"/>
+    <p:sldId id="336" r:id="rId42"/>
+    <p:sldId id="310" r:id="rId43"/>
   </p:sldIdLst>
   <p:sldSz cx="12195175" cy="6859588"/>
   <p:notesSz cx="6858000" cy="9144000"/>
@@ -152,7 +153,7 @@
   </p:defaultTextStyle>
   <p:extLst>
     <p:ext uri="{EFAFB233-063F-42B5-8137-9DF3F51BA10A}">
-      <p15:sldGuideLst xmlns="" xmlns:p15="http://schemas.microsoft.com/office/powerpoint/2012/main">
+      <p15:sldGuideLst xmlns:p15="http://schemas.microsoft.com/office/powerpoint/2012/main">
         <p15:guide id="1" orient="horz" pos="99">
           <p15:clr>
             <a:srgbClr val="A4A3A4"/>
@@ -256,7 +257,7 @@
       </p15:sldGuideLst>
     </p:ext>
     <p:ext uri="{2D200454-40CA-4A62-9FC3-DE9A4176ACB9}">
-      <p15:notesGuideLst xmlns="" xmlns:p15="http://schemas.microsoft.com/office/powerpoint/2012/main">
+      <p15:notesGuideLst xmlns:p15="http://schemas.microsoft.com/office/powerpoint/2012/main">
         <p15:guide id="1" orient="horz" pos="2880">
           <p15:clr>
             <a:srgbClr val="A4A3A4"/>
@@ -4293,7 +4294,7 @@
           <p:cNvPr id="9" name="Text Placeholder 1">
             <a:extLst>
               <a:ext uri="{FF2B5EF4-FFF2-40B4-BE49-F238E27FC236}">
-                <a16:creationId xmlns="" xmlns:a16="http://schemas.microsoft.com/office/drawing/2014/main" id="{E1AEEF35-7430-4190-B1E4-D2447633D22E}"/>
+                <a16:creationId xmlns:a16="http://schemas.microsoft.com/office/drawing/2014/main" id="{E1AEEF35-7430-4190-B1E4-D2447633D22E}"/>
               </a:ext>
             </a:extLst>
           </p:cNvPr>
@@ -4345,7 +4346,7 @@
           <p:cNvPr id="10" name="Text Placeholder 2">
             <a:extLst>
               <a:ext uri="{FF2B5EF4-FFF2-40B4-BE49-F238E27FC236}">
-                <a16:creationId xmlns="" xmlns:a16="http://schemas.microsoft.com/office/drawing/2014/main" id="{72A9D36E-978C-40A9-B7B6-1D3B41514DBD}"/>
+                <a16:creationId xmlns:a16="http://schemas.microsoft.com/office/drawing/2014/main" id="{72A9D36E-978C-40A9-B7B6-1D3B41514DBD}"/>
               </a:ext>
             </a:extLst>
           </p:cNvPr>
@@ -4387,7 +4388,7 @@
           <p:cNvPr id="43" name="Text Placeholder 1">
             <a:extLst>
               <a:ext uri="{FF2B5EF4-FFF2-40B4-BE49-F238E27FC236}">
-                <a16:creationId xmlns="" xmlns:a16="http://schemas.microsoft.com/office/drawing/2014/main" id="{E1AEEF35-7430-4190-B1E4-D2447633D22E}"/>
+                <a16:creationId xmlns:a16="http://schemas.microsoft.com/office/drawing/2014/main" id="{E1AEEF35-7430-4190-B1E4-D2447633D22E}"/>
               </a:ext>
             </a:extLst>
           </p:cNvPr>
@@ -4439,7 +4440,7 @@
           <p:cNvPr id="44" name="Text Placeholder 2">
             <a:extLst>
               <a:ext uri="{FF2B5EF4-FFF2-40B4-BE49-F238E27FC236}">
-                <a16:creationId xmlns="" xmlns:a16="http://schemas.microsoft.com/office/drawing/2014/main" id="{72A9D36E-978C-40A9-B7B6-1D3B41514DBD}"/>
+                <a16:creationId xmlns:a16="http://schemas.microsoft.com/office/drawing/2014/main" id="{72A9D36E-978C-40A9-B7B6-1D3B41514DBD}"/>
               </a:ext>
             </a:extLst>
           </p:cNvPr>
@@ -4481,7 +4482,7 @@
           <p:cNvPr id="45" name="Text Placeholder 1">
             <a:extLst>
               <a:ext uri="{FF2B5EF4-FFF2-40B4-BE49-F238E27FC236}">
-                <a16:creationId xmlns="" xmlns:a16="http://schemas.microsoft.com/office/drawing/2014/main" id="{E1AEEF35-7430-4190-B1E4-D2447633D22E}"/>
+                <a16:creationId xmlns:a16="http://schemas.microsoft.com/office/drawing/2014/main" id="{E1AEEF35-7430-4190-B1E4-D2447633D22E}"/>
               </a:ext>
             </a:extLst>
           </p:cNvPr>
@@ -4533,7 +4534,7 @@
           <p:cNvPr id="46" name="Text Placeholder 2">
             <a:extLst>
               <a:ext uri="{FF2B5EF4-FFF2-40B4-BE49-F238E27FC236}">
-                <a16:creationId xmlns="" xmlns:a16="http://schemas.microsoft.com/office/drawing/2014/main" id="{72A9D36E-978C-40A9-B7B6-1D3B41514DBD}"/>
+                <a16:creationId xmlns:a16="http://schemas.microsoft.com/office/drawing/2014/main" id="{72A9D36E-978C-40A9-B7B6-1D3B41514DBD}"/>
               </a:ext>
             </a:extLst>
           </p:cNvPr>
@@ -4575,7 +4576,7 @@
           <p:cNvPr id="47" name="Text Placeholder 1">
             <a:extLst>
               <a:ext uri="{FF2B5EF4-FFF2-40B4-BE49-F238E27FC236}">
-                <a16:creationId xmlns="" xmlns:a16="http://schemas.microsoft.com/office/drawing/2014/main" id="{E1AEEF35-7430-4190-B1E4-D2447633D22E}"/>
+                <a16:creationId xmlns:a16="http://schemas.microsoft.com/office/drawing/2014/main" id="{E1AEEF35-7430-4190-B1E4-D2447633D22E}"/>
               </a:ext>
             </a:extLst>
           </p:cNvPr>
@@ -4627,7 +4628,7 @@
           <p:cNvPr id="48" name="Text Placeholder 2">
             <a:extLst>
               <a:ext uri="{FF2B5EF4-FFF2-40B4-BE49-F238E27FC236}">
-                <a16:creationId xmlns="" xmlns:a16="http://schemas.microsoft.com/office/drawing/2014/main" id="{72A9D36E-978C-40A9-B7B6-1D3B41514DBD}"/>
+                <a16:creationId xmlns:a16="http://schemas.microsoft.com/office/drawing/2014/main" id="{72A9D36E-978C-40A9-B7B6-1D3B41514DBD}"/>
               </a:ext>
             </a:extLst>
           </p:cNvPr>
@@ -10604,7 +10605,7 @@
           <p:cNvPr id="25" name="Straight Connector 24">
             <a:extLst>
               <a:ext uri="{FF2B5EF4-FFF2-40B4-BE49-F238E27FC236}">
-                <a16:creationId xmlns="" xmlns:a16="http://schemas.microsoft.com/office/drawing/2014/main" id="{2A032BDD-E6FE-4A1E-9741-60886BDBCC86}"/>
+                <a16:creationId xmlns:a16="http://schemas.microsoft.com/office/drawing/2014/main" id="{2A032BDD-E6FE-4A1E-9741-60886BDBCC86}"/>
               </a:ext>
             </a:extLst>
           </p:cNvPr>
@@ -12305,7 +12306,7 @@
           <p:cNvPr id="32" name="Oval 31">
             <a:extLst>
               <a:ext uri="{FF2B5EF4-FFF2-40B4-BE49-F238E27FC236}">
-                <a16:creationId xmlns="" xmlns:a16="http://schemas.microsoft.com/office/drawing/2014/main" id="{85722348-DF80-4DCF-A5FF-C530FF3D3A43}"/>
+                <a16:creationId xmlns:a16="http://schemas.microsoft.com/office/drawing/2014/main" id="{85722348-DF80-4DCF-A5FF-C530FF3D3A43}"/>
               </a:ext>
             </a:extLst>
           </p:cNvPr>
@@ -12388,7 +12389,7 @@
           <p:cNvPr id="46" name="Oval 45">
             <a:extLst>
               <a:ext uri="{FF2B5EF4-FFF2-40B4-BE49-F238E27FC236}">
-                <a16:creationId xmlns="" xmlns:a16="http://schemas.microsoft.com/office/drawing/2014/main" id="{85722348-DF80-4DCF-A5FF-C530FF3D3A43}"/>
+                <a16:creationId xmlns:a16="http://schemas.microsoft.com/office/drawing/2014/main" id="{85722348-DF80-4DCF-A5FF-C530FF3D3A43}"/>
               </a:ext>
             </a:extLst>
           </p:cNvPr>
@@ -12471,7 +12472,7 @@
           <p:cNvPr id="47" name="Oval 46">
             <a:extLst>
               <a:ext uri="{FF2B5EF4-FFF2-40B4-BE49-F238E27FC236}">
-                <a16:creationId xmlns="" xmlns:a16="http://schemas.microsoft.com/office/drawing/2014/main" id="{85722348-DF80-4DCF-A5FF-C530FF3D3A43}"/>
+                <a16:creationId xmlns:a16="http://schemas.microsoft.com/office/drawing/2014/main" id="{85722348-DF80-4DCF-A5FF-C530FF3D3A43}"/>
               </a:ext>
             </a:extLst>
           </p:cNvPr>
@@ -12554,7 +12555,7 @@
           <p:cNvPr id="48" name="Oval 47">
             <a:extLst>
               <a:ext uri="{FF2B5EF4-FFF2-40B4-BE49-F238E27FC236}">
-                <a16:creationId xmlns="" xmlns:a16="http://schemas.microsoft.com/office/drawing/2014/main" id="{85722348-DF80-4DCF-A5FF-C530FF3D3A43}"/>
+                <a16:creationId xmlns:a16="http://schemas.microsoft.com/office/drawing/2014/main" id="{85722348-DF80-4DCF-A5FF-C530FF3D3A43}"/>
               </a:ext>
             </a:extLst>
           </p:cNvPr>
@@ -12637,7 +12638,7 @@
           <p:cNvPr id="49" name="Oval 48">
             <a:extLst>
               <a:ext uri="{FF2B5EF4-FFF2-40B4-BE49-F238E27FC236}">
-                <a16:creationId xmlns="" xmlns:a16="http://schemas.microsoft.com/office/drawing/2014/main" id="{85722348-DF80-4DCF-A5FF-C530FF3D3A43}"/>
+                <a16:creationId xmlns:a16="http://schemas.microsoft.com/office/drawing/2014/main" id="{85722348-DF80-4DCF-A5FF-C530FF3D3A43}"/>
               </a:ext>
             </a:extLst>
           </p:cNvPr>
@@ -12964,7 +12965,7 @@
           <p:cNvPr id="25" name="Straight Connector 24">
             <a:extLst>
               <a:ext uri="{FF2B5EF4-FFF2-40B4-BE49-F238E27FC236}">
-                <a16:creationId xmlns="" xmlns:a16="http://schemas.microsoft.com/office/drawing/2014/main" id="{2A032BDD-E6FE-4A1E-9741-60886BDBCC86}"/>
+                <a16:creationId xmlns:a16="http://schemas.microsoft.com/office/drawing/2014/main" id="{2A032BDD-E6FE-4A1E-9741-60886BDBCC86}"/>
               </a:ext>
             </a:extLst>
           </p:cNvPr>
@@ -13012,7 +13013,7 @@
           <p:cNvPr id="34" name="Oval 33">
             <a:extLst>
               <a:ext uri="{FF2B5EF4-FFF2-40B4-BE49-F238E27FC236}">
-                <a16:creationId xmlns="" xmlns:a16="http://schemas.microsoft.com/office/drawing/2014/main" id="{3FC25BAC-207E-4BD9-B71D-67244181E8A7}"/>
+                <a16:creationId xmlns:a16="http://schemas.microsoft.com/office/drawing/2014/main" id="{3FC25BAC-207E-4BD9-B71D-67244181E8A7}"/>
               </a:ext>
             </a:extLst>
           </p:cNvPr>
@@ -13095,7 +13096,7 @@
           <p:cNvPr id="35" name="Oval 34">
             <a:extLst>
               <a:ext uri="{FF2B5EF4-FFF2-40B4-BE49-F238E27FC236}">
-                <a16:creationId xmlns="" xmlns:a16="http://schemas.microsoft.com/office/drawing/2014/main" id="{6ECEA8AF-DB7B-44B5-A5A9-05718517D3A8}"/>
+                <a16:creationId xmlns:a16="http://schemas.microsoft.com/office/drawing/2014/main" id="{6ECEA8AF-DB7B-44B5-A5A9-05718517D3A8}"/>
               </a:ext>
             </a:extLst>
           </p:cNvPr>
@@ -13178,7 +13179,7 @@
           <p:cNvPr id="36" name="Oval 35">
             <a:extLst>
               <a:ext uri="{FF2B5EF4-FFF2-40B4-BE49-F238E27FC236}">
-                <a16:creationId xmlns="" xmlns:a16="http://schemas.microsoft.com/office/drawing/2014/main" id="{76041FD2-302D-4528-B197-4818DC231D79}"/>
+                <a16:creationId xmlns:a16="http://schemas.microsoft.com/office/drawing/2014/main" id="{76041FD2-302D-4528-B197-4818DC231D79}"/>
               </a:ext>
             </a:extLst>
           </p:cNvPr>
@@ -13261,7 +13262,7 @@
           <p:cNvPr id="37" name="Oval 36">
             <a:extLst>
               <a:ext uri="{FF2B5EF4-FFF2-40B4-BE49-F238E27FC236}">
-                <a16:creationId xmlns="" xmlns:a16="http://schemas.microsoft.com/office/drawing/2014/main" id="{4918B22A-8AD3-4D04-AFDE-7B146EE2D7C3}"/>
+                <a16:creationId xmlns:a16="http://schemas.microsoft.com/office/drawing/2014/main" id="{4918B22A-8AD3-4D04-AFDE-7B146EE2D7C3}"/>
               </a:ext>
             </a:extLst>
           </p:cNvPr>
@@ -13344,7 +13345,7 @@
           <p:cNvPr id="38" name="Oval 37">
             <a:extLst>
               <a:ext uri="{FF2B5EF4-FFF2-40B4-BE49-F238E27FC236}">
-                <a16:creationId xmlns="" xmlns:a16="http://schemas.microsoft.com/office/drawing/2014/main" id="{C02F3EF3-5D54-43B3-8D77-B49AA8FBB079}"/>
+                <a16:creationId xmlns:a16="http://schemas.microsoft.com/office/drawing/2014/main" id="{C02F3EF3-5D54-43B3-8D77-B49AA8FBB079}"/>
               </a:ext>
             </a:extLst>
           </p:cNvPr>
@@ -13427,7 +13428,7 @@
           <p:cNvPr id="39" name="Oval 38">
             <a:extLst>
               <a:ext uri="{FF2B5EF4-FFF2-40B4-BE49-F238E27FC236}">
-                <a16:creationId xmlns="" xmlns:a16="http://schemas.microsoft.com/office/drawing/2014/main" id="{AEBB2BB8-86E4-4CA5-9D29-9AA8E28C552B}"/>
+                <a16:creationId xmlns:a16="http://schemas.microsoft.com/office/drawing/2014/main" id="{AEBB2BB8-86E4-4CA5-9D29-9AA8E28C552B}"/>
               </a:ext>
             </a:extLst>
           </p:cNvPr>
@@ -29935,10 +29936,9 @@
           <a:lstStyle/>
           <a:p>
             <a:r>
-              <a:rPr lang="en-GB" dirty="0" smtClean="0"/>
+              <a:rPr lang="en-GB" dirty="0"/>
               <a:t>Unit Testing Intro</a:t>
             </a:r>
-            <a:endParaRPr lang="en-GB" dirty="0"/>
           </a:p>
         </p:txBody>
       </p:sp>
@@ -30021,13 +30021,6 @@
   <p:transition spd="slow">
     <p:wipe/>
   </p:transition>
-  <p:timing>
-    <p:tnLst>
-      <p:par>
-        <p:cTn id="1" dur="indefinite" restart="never" nodeType="tmRoot"/>
-      </p:par>
-    </p:tnLst>
-  </p:timing>
 </p:sld>
 </file>
 
@@ -30094,7 +30087,7 @@
           <a:p>
             <a:pPr algn="ctr"/>
             <a:r>
-              <a:rPr lang="en-US" sz="3200" dirty="0" smtClean="0">
+              <a:rPr lang="en-US" sz="3200" dirty="0">
                 <a:solidFill>
                   <a:schemeClr val="bg1"/>
                 </a:solidFill>
@@ -30102,7 +30095,7 @@
               <a:t>Lets look at examples in </a:t>
             </a:r>
             <a:r>
-              <a:rPr lang="en-US" sz="3200" dirty="0" err="1" smtClean="0">
+              <a:rPr lang="en-US" sz="3200" dirty="0" err="1">
                 <a:solidFill>
                   <a:schemeClr val="bg1"/>
                 </a:solidFill>
@@ -30110,18 +30103,13 @@
               <a:t>jesttutorial</a:t>
             </a:r>
             <a:r>
-              <a:rPr lang="en-US" sz="3200" dirty="0" smtClean="0">
+              <a:rPr lang="en-US" sz="3200" dirty="0">
                 <a:solidFill>
                   <a:schemeClr val="bg1"/>
                 </a:solidFill>
               </a:rPr>
               <a:t> repo</a:t>
             </a:r>
-            <a:endParaRPr lang="en-US" sz="3200" dirty="0">
-              <a:solidFill>
-                <a:schemeClr val="bg1"/>
-              </a:solidFill>
-            </a:endParaRPr>
           </a:p>
         </p:txBody>
       </p:sp>
@@ -30138,13 +30126,6 @@
   <p:transition spd="slow">
     <p:wipe/>
   </p:transition>
-  <p:timing>
-    <p:tnLst>
-      <p:par>
-        <p:cTn id="1" dur="indefinite" restart="never" nodeType="tmRoot"/>
-      </p:par>
-    </p:tnLst>
-  </p:timing>
 </p:sld>
 </file>
 
@@ -30191,9 +30172,27 @@
                 <a:tableStyleId>{2D5ABB26-0587-4C30-8999-92F81FD0307C}</a:tableStyleId>
               </a:tblPr>
               <a:tblGrid>
-                <a:gridCol w="4554908"/>
-                <a:gridCol w="734939"/>
-                <a:gridCol w="5888054"/>
+                <a:gridCol w="4554908">
+                  <a:extLst>
+                    <a:ext uri="{9D8B030D-6E8A-4147-A177-3AD203B41FA5}">
+                      <a16:colId xmlns:a16="http://schemas.microsoft.com/office/drawing/2014/main" val="20000"/>
+                    </a:ext>
+                  </a:extLst>
+                </a:gridCol>
+                <a:gridCol w="734939">
+                  <a:extLst>
+                    <a:ext uri="{9D8B030D-6E8A-4147-A177-3AD203B41FA5}">
+                      <a16:colId xmlns:a16="http://schemas.microsoft.com/office/drawing/2014/main" val="20001"/>
+                    </a:ext>
+                  </a:extLst>
+                </a:gridCol>
+                <a:gridCol w="5888054">
+                  <a:extLst>
+                    <a:ext uri="{9D8B030D-6E8A-4147-A177-3AD203B41FA5}">
+                      <a16:colId xmlns:a16="http://schemas.microsoft.com/office/drawing/2014/main" val="20002"/>
+                    </a:ext>
+                  </a:extLst>
+                </a:gridCol>
               </a:tblGrid>
               <a:tr h="1784838">
                 <a:tc>
@@ -30202,7 +30201,7 @@
                     <a:lstStyle/>
                     <a:p>
                       <a:r>
-                        <a:rPr lang="en-US" sz="1600" dirty="0" smtClean="0"/>
+                        <a:rPr lang="en-US" sz="1600" dirty="0"/>
                         <a:t>If unit tests should be focused on a specific section of code, how do we handle imports and dependencies?</a:t>
                       </a:r>
                     </a:p>
@@ -30257,7 +30256,7 @@
                         <a:defRPr/>
                       </a:pPr>
                       <a:r>
-                        <a:rPr kumimoji="0" lang="en-US" sz="1400" u="none" strike="noStrike" kern="1200" cap="none" spc="0" normalizeH="0" baseline="0" noProof="0" dirty="0" err="1" smtClean="0">
+                        <a:rPr kumimoji="0" lang="en-US" sz="1400" u="none" strike="noStrike" kern="1200" cap="none" spc="0" normalizeH="0" baseline="0" noProof="0" dirty="0" err="1">
                           <a:ln>
                             <a:noFill/>
                           </a:ln>
@@ -30268,7 +30267,7 @@
                         <a:t>const</a:t>
                       </a:r>
                       <a:r>
-                        <a:rPr kumimoji="0" lang="en-US" sz="1400" u="none" strike="noStrike" kern="1200" cap="none" spc="0" normalizeH="0" baseline="0" noProof="0" dirty="0" smtClean="0">
+                        <a:rPr kumimoji="0" lang="en-US" sz="1400" u="none" strike="noStrike" kern="1200" cap="none" spc="0" normalizeH="0" baseline="0" noProof="0" dirty="0">
                           <a:ln>
                             <a:noFill/>
                           </a:ln>
@@ -30279,7 +30278,7 @@
                         <a:t> </a:t>
                       </a:r>
                       <a:r>
-                        <a:rPr kumimoji="0" lang="en-US" sz="1400" u="none" strike="noStrike" kern="1200" cap="none" spc="0" normalizeH="0" baseline="0" noProof="0" dirty="0" err="1" smtClean="0">
+                        <a:rPr kumimoji="0" lang="en-US" sz="1400" u="none" strike="noStrike" kern="1200" cap="none" spc="0" normalizeH="0" baseline="0" noProof="0" dirty="0" err="1">
                           <a:ln>
                             <a:noFill/>
                           </a:ln>
@@ -30290,7 +30289,7 @@
                         <a:t>axios</a:t>
                       </a:r>
                       <a:r>
-                        <a:rPr kumimoji="0" lang="en-US" sz="1400" u="none" strike="noStrike" kern="1200" cap="none" spc="0" normalizeH="0" baseline="0" noProof="0" dirty="0" smtClean="0">
+                        <a:rPr kumimoji="0" lang="en-US" sz="1400" u="none" strike="noStrike" kern="1200" cap="none" spc="0" normalizeH="0" baseline="0" noProof="0" dirty="0">
                           <a:ln>
                             <a:noFill/>
                           </a:ln>
@@ -30301,7 +30300,7 @@
                         <a:t> = require('</a:t>
                       </a:r>
                       <a:r>
-                        <a:rPr kumimoji="0" lang="en-US" sz="1400" u="none" strike="noStrike" kern="1200" cap="none" spc="0" normalizeH="0" baseline="0" noProof="0" dirty="0" err="1" smtClean="0">
+                        <a:rPr kumimoji="0" lang="en-US" sz="1400" u="none" strike="noStrike" kern="1200" cap="none" spc="0" normalizeH="0" baseline="0" noProof="0" dirty="0" err="1">
                           <a:ln>
                             <a:noFill/>
                           </a:ln>
@@ -30312,7 +30311,7 @@
                         <a:t>axios</a:t>
                       </a:r>
                       <a:r>
-                        <a:rPr kumimoji="0" lang="en-US" sz="1400" u="none" strike="noStrike" kern="1200" cap="none" spc="0" normalizeH="0" baseline="0" noProof="0" dirty="0" smtClean="0">
+                        <a:rPr kumimoji="0" lang="en-US" sz="1400" u="none" strike="noStrike" kern="1200" cap="none" spc="0" normalizeH="0" baseline="0" noProof="0" dirty="0">
                           <a:ln>
                             <a:noFill/>
                           </a:ln>
@@ -30342,7 +30341,7 @@
                         <a:defRPr/>
                       </a:pPr>
                       <a:r>
-                        <a:rPr kumimoji="0" lang="en-US" sz="1400" u="none" strike="noStrike" kern="1200" cap="none" spc="0" normalizeH="0" baseline="0" noProof="0" dirty="0" smtClean="0">
+                        <a:rPr kumimoji="0" lang="en-US" sz="1400" u="none" strike="noStrike" kern="1200" cap="none" spc="0" normalizeH="0" baseline="0" noProof="0" dirty="0">
                           <a:ln>
                             <a:noFill/>
                           </a:ln>
@@ -30353,7 +30352,7 @@
                         <a:t>function </a:t>
                       </a:r>
                       <a:r>
-                        <a:rPr kumimoji="0" lang="en-US" sz="1400" u="none" strike="noStrike" kern="1200" cap="none" spc="0" normalizeH="0" baseline="0" noProof="0" dirty="0" err="1" smtClean="0">
+                        <a:rPr kumimoji="0" lang="en-US" sz="1400" u="none" strike="noStrike" kern="1200" cap="none" spc="0" normalizeH="0" baseline="0" noProof="0" dirty="0" err="1">
                           <a:ln>
                             <a:noFill/>
                           </a:ln>
@@ -30364,7 +30363,7 @@
                         <a:t>getNews</a:t>
                       </a:r>
                       <a:r>
-                        <a:rPr kumimoji="0" lang="en-US" sz="1400" u="none" strike="noStrike" kern="1200" cap="none" spc="0" normalizeH="0" baseline="0" noProof="0" dirty="0" smtClean="0">
+                        <a:rPr kumimoji="0" lang="en-US" sz="1400" u="none" strike="noStrike" kern="1200" cap="none" spc="0" normalizeH="0" baseline="0" noProof="0" dirty="0">
                           <a:ln>
                             <a:noFill/>
                           </a:ln>
@@ -30394,7 +30393,7 @@
                         <a:defRPr/>
                       </a:pPr>
                       <a:r>
-                        <a:rPr kumimoji="0" lang="en-US" sz="1400" u="none" strike="noStrike" kern="1200" cap="none" spc="0" normalizeH="0" baseline="0" noProof="0" dirty="0" smtClean="0">
+                        <a:rPr kumimoji="0" lang="en-US" sz="1400" u="none" strike="noStrike" kern="1200" cap="none" spc="0" normalizeH="0" baseline="0" noProof="0" dirty="0">
                           <a:ln>
                             <a:noFill/>
                           </a:ln>
@@ -30405,7 +30404,7 @@
                         <a:t>  </a:t>
                       </a:r>
                       <a:r>
-                        <a:rPr kumimoji="0" lang="en-US" sz="1400" u="none" strike="noStrike" kern="1200" cap="none" spc="0" normalizeH="0" baseline="0" noProof="0" dirty="0" err="1" smtClean="0">
+                        <a:rPr kumimoji="0" lang="en-US" sz="1400" u="none" strike="noStrike" kern="1200" cap="none" spc="0" normalizeH="0" baseline="0" noProof="0" dirty="0" err="1">
                           <a:ln>
                             <a:noFill/>
                           </a:ln>
@@ -30416,7 +30415,7 @@
                         <a:t>const</a:t>
                       </a:r>
                       <a:r>
-                        <a:rPr kumimoji="0" lang="en-US" sz="1400" u="none" strike="noStrike" kern="1200" cap="none" spc="0" normalizeH="0" baseline="0" noProof="0" dirty="0" smtClean="0">
+                        <a:rPr kumimoji="0" lang="en-US" sz="1400" u="none" strike="noStrike" kern="1200" cap="none" spc="0" normalizeH="0" baseline="0" noProof="0" dirty="0">
                           <a:ln>
                             <a:noFill/>
                           </a:ln>
@@ -30427,7 +30426,7 @@
                         <a:t> </a:t>
                       </a:r>
                       <a:r>
-                        <a:rPr kumimoji="0" lang="en-US" sz="1400" u="none" strike="noStrike" kern="1200" cap="none" spc="0" normalizeH="0" baseline="0" noProof="0" dirty="0" err="1" smtClean="0">
+                        <a:rPr kumimoji="0" lang="en-US" sz="1400" u="none" strike="noStrike" kern="1200" cap="none" spc="0" normalizeH="0" baseline="0" noProof="0" dirty="0" err="1">
                           <a:ln>
                             <a:noFill/>
                           </a:ln>
@@ -30438,7 +30437,7 @@
                         <a:t>url</a:t>
                       </a:r>
                       <a:r>
-                        <a:rPr kumimoji="0" lang="en-US" sz="1400" u="none" strike="noStrike" kern="1200" cap="none" spc="0" normalizeH="0" baseline="0" noProof="0" dirty="0" smtClean="0">
+                        <a:rPr kumimoji="0" lang="en-US" sz="1400" u="none" strike="noStrike" kern="1200" cap="none" spc="0" normalizeH="0" baseline="0" noProof="0" dirty="0">
                           <a:ln>
                             <a:noFill/>
                           </a:ln>
@@ -30449,7 +30448,7 @@
                         <a:t> = ‘endpoint to news </a:t>
                       </a:r>
                       <a:r>
-                        <a:rPr kumimoji="0" lang="en-US" sz="1400" u="none" strike="noStrike" kern="1200" cap="none" spc="0" normalizeH="0" baseline="0" noProof="0" dirty="0" err="1" smtClean="0">
+                        <a:rPr kumimoji="0" lang="en-US" sz="1400" u="none" strike="noStrike" kern="1200" cap="none" spc="0" normalizeH="0" baseline="0" noProof="0" dirty="0" err="1">
                           <a:ln>
                             <a:noFill/>
                           </a:ln>
@@ -30460,7 +30459,7 @@
                         <a:t>api</a:t>
                       </a:r>
                       <a:r>
-                        <a:rPr kumimoji="0" lang="en-US" sz="1400" u="none" strike="noStrike" kern="1200" cap="none" spc="0" normalizeH="0" baseline="0" noProof="0" dirty="0" smtClean="0">
+                        <a:rPr kumimoji="0" lang="en-US" sz="1400" u="none" strike="noStrike" kern="1200" cap="none" spc="0" normalizeH="0" baseline="0" noProof="0" dirty="0">
                           <a:ln>
                             <a:noFill/>
                           </a:ln>
@@ -30490,7 +30489,7 @@
                         <a:defRPr/>
                       </a:pPr>
                       <a:r>
-                        <a:rPr kumimoji="0" lang="en-US" sz="1400" u="none" strike="noStrike" kern="1200" cap="none" spc="0" normalizeH="0" baseline="0" noProof="0" dirty="0" smtClean="0">
+                        <a:rPr kumimoji="0" lang="en-US" sz="1400" u="none" strike="noStrike" kern="1200" cap="none" spc="0" normalizeH="0" baseline="0" noProof="0" dirty="0">
                           <a:ln>
                             <a:noFill/>
                           </a:ln>
@@ -30501,7 +30500,7 @@
                         <a:t>  return </a:t>
                       </a:r>
                       <a:r>
-                        <a:rPr kumimoji="0" lang="en-US" sz="1400" u="none" strike="noStrike" kern="1200" cap="none" spc="0" normalizeH="0" baseline="0" noProof="0" dirty="0" err="1" smtClean="0">
+                        <a:rPr kumimoji="0" lang="en-US" sz="1400" u="none" strike="noStrike" kern="1200" cap="none" spc="0" normalizeH="0" baseline="0" noProof="0" dirty="0" err="1">
                           <a:ln>
                             <a:noFill/>
                           </a:ln>
@@ -30512,7 +30511,7 @@
                         <a:t>axios.get</a:t>
                       </a:r>
                       <a:r>
-                        <a:rPr kumimoji="0" lang="en-US" sz="1400" u="none" strike="noStrike" kern="1200" cap="none" spc="0" normalizeH="0" baseline="0" noProof="0" dirty="0" smtClean="0">
+                        <a:rPr kumimoji="0" lang="en-US" sz="1400" u="none" strike="noStrike" kern="1200" cap="none" spc="0" normalizeH="0" baseline="0" noProof="0" dirty="0">
                           <a:ln>
                             <a:noFill/>
                           </a:ln>
@@ -30523,7 +30522,7 @@
                         <a:t>(</a:t>
                       </a:r>
                       <a:r>
-                        <a:rPr kumimoji="0" lang="en-US" sz="1400" u="none" strike="noStrike" kern="1200" cap="none" spc="0" normalizeH="0" baseline="0" noProof="0" dirty="0" err="1" smtClean="0">
+                        <a:rPr kumimoji="0" lang="en-US" sz="1400" u="none" strike="noStrike" kern="1200" cap="none" spc="0" normalizeH="0" baseline="0" noProof="0" dirty="0" err="1">
                           <a:ln>
                             <a:noFill/>
                           </a:ln>
@@ -30534,7 +30533,7 @@
                         <a:t>url</a:t>
                       </a:r>
                       <a:r>
-                        <a:rPr kumimoji="0" lang="en-US" sz="1400" u="none" strike="noStrike" kern="1200" cap="none" spc="0" normalizeH="0" baseline="0" noProof="0" dirty="0" smtClean="0">
+                        <a:rPr kumimoji="0" lang="en-US" sz="1400" u="none" strike="noStrike" kern="1200" cap="none" spc="0" normalizeH="0" baseline="0" noProof="0" dirty="0">
                           <a:ln>
                             <a:noFill/>
                           </a:ln>
@@ -30564,7 +30563,7 @@
                         <a:defRPr/>
                       </a:pPr>
                       <a:r>
-                        <a:rPr kumimoji="0" lang="en-US" sz="1400" u="none" strike="noStrike" kern="1200" cap="none" spc="0" normalizeH="0" baseline="0" noProof="0" dirty="0" smtClean="0">
+                        <a:rPr kumimoji="0" lang="en-US" sz="1400" u="none" strike="noStrike" kern="1200" cap="none" spc="0" normalizeH="0" baseline="0" noProof="0" dirty="0">
                           <a:ln>
                             <a:noFill/>
                           </a:ln>
@@ -30585,6 +30584,11 @@
                   </a:txBody>
                   <a:tcPr/>
                 </a:tc>
+                <a:extLst>
+                  <a:ext uri="{0D108BD9-81ED-4DB2-BD59-A6C34878D82A}">
+                    <a16:rowId xmlns:a16="http://schemas.microsoft.com/office/drawing/2014/main" val="10000"/>
+                  </a:ext>
+                </a:extLst>
               </a:tr>
             </a:tbl>
           </a:graphicData>
@@ -30637,9 +30641,27 @@
                 <a:tableStyleId>{2D5ABB26-0587-4C30-8999-92F81FD0307C}</a:tableStyleId>
               </a:tblPr>
               <a:tblGrid>
-                <a:gridCol w="4554908"/>
-                <a:gridCol w="734939"/>
-                <a:gridCol w="5888054"/>
+                <a:gridCol w="4554908">
+                  <a:extLst>
+                    <a:ext uri="{9D8B030D-6E8A-4147-A177-3AD203B41FA5}">
+                      <a16:colId xmlns:a16="http://schemas.microsoft.com/office/drawing/2014/main" val="20000"/>
+                    </a:ext>
+                  </a:extLst>
+                </a:gridCol>
+                <a:gridCol w="734939">
+                  <a:extLst>
+                    <a:ext uri="{9D8B030D-6E8A-4147-A177-3AD203B41FA5}">
+                      <a16:colId xmlns:a16="http://schemas.microsoft.com/office/drawing/2014/main" val="20001"/>
+                    </a:ext>
+                  </a:extLst>
+                </a:gridCol>
+                <a:gridCol w="5888054">
+                  <a:extLst>
+                    <a:ext uri="{9D8B030D-6E8A-4147-A177-3AD203B41FA5}">
+                      <a16:colId xmlns:a16="http://schemas.microsoft.com/office/drawing/2014/main" val="20002"/>
+                    </a:ext>
+                  </a:extLst>
+                </a:gridCol>
               </a:tblGrid>
               <a:tr h="2473738">
                 <a:tc>
@@ -30665,7 +30687,7 @@
                         <a:defRPr/>
                       </a:pPr>
                       <a:r>
-                        <a:rPr kumimoji="0" lang="en-US" sz="1600" b="0" i="0" u="none" strike="noStrike" kern="1200" cap="none" spc="0" normalizeH="0" baseline="0" noProof="0" dirty="0" smtClean="0">
+                        <a:rPr kumimoji="0" lang="en-US" sz="1600" b="0" i="0" u="none" strike="noStrike" kern="1200" cap="none" spc="0" normalizeH="0" baseline="0" noProof="0" dirty="0">
                           <a:ln>
                             <a:noFill/>
                           </a:ln>
@@ -30745,7 +30767,7 @@
                         <a:defRPr/>
                       </a:pPr>
                       <a:r>
-                        <a:rPr kumimoji="0" lang="en-US" sz="1400" b="0" i="0" u="none" strike="noStrike" kern="1200" cap="none" spc="0" normalizeH="0" baseline="0" noProof="0" dirty="0" err="1" smtClean="0">
+                        <a:rPr kumimoji="0" lang="en-US" sz="1400" b="0" i="0" u="none" strike="noStrike" kern="1200" cap="none" spc="0" normalizeH="0" baseline="0" noProof="0" dirty="0" err="1">
                           <a:ln>
                             <a:noFill/>
                           </a:ln>
@@ -30764,7 +30786,7 @@
                         <a:t>jest.mock</a:t>
                       </a:r>
                       <a:r>
-                        <a:rPr kumimoji="0" lang="en-US" sz="1400" b="0" i="0" u="none" strike="noStrike" kern="1200" cap="none" spc="0" normalizeH="0" baseline="0" noProof="0" dirty="0" smtClean="0">
+                        <a:rPr kumimoji="0" lang="en-US" sz="1400" b="0" i="0" u="none" strike="noStrike" kern="1200" cap="none" spc="0" normalizeH="0" baseline="0" noProof="0" dirty="0">
                           <a:ln>
                             <a:noFill/>
                           </a:ln>
@@ -30783,7 +30805,7 @@
                         <a:t>('</a:t>
                       </a:r>
                       <a:r>
-                        <a:rPr kumimoji="0" lang="en-US" sz="1400" b="0" i="0" u="none" strike="noStrike" kern="1200" cap="none" spc="0" normalizeH="0" baseline="0" noProof="0" dirty="0" err="1" smtClean="0">
+                        <a:rPr kumimoji="0" lang="en-US" sz="1400" b="0" i="0" u="none" strike="noStrike" kern="1200" cap="none" spc="0" normalizeH="0" baseline="0" noProof="0" dirty="0" err="1">
                           <a:ln>
                             <a:noFill/>
                           </a:ln>
@@ -30802,7 +30824,7 @@
                         <a:t>axios</a:t>
                       </a:r>
                       <a:r>
-                        <a:rPr kumimoji="0" lang="en-US" sz="1400" b="0" i="0" u="none" strike="noStrike" kern="1200" cap="none" spc="0" normalizeH="0" baseline="0" noProof="0" dirty="0" smtClean="0">
+                        <a:rPr kumimoji="0" lang="en-US" sz="1400" b="0" i="0" u="none" strike="noStrike" kern="1200" cap="none" spc="0" normalizeH="0" baseline="0" noProof="0" dirty="0">
                           <a:ln>
                             <a:noFill/>
                           </a:ln>
@@ -30839,7 +30861,7 @@
                         <a:tabLst/>
                         <a:defRPr/>
                       </a:pPr>
-                      <a:endParaRPr kumimoji="0" lang="en-US" sz="1400" b="0" i="0" u="none" strike="noStrike" kern="1200" cap="none" spc="0" normalizeH="0" baseline="0" noProof="0" dirty="0" smtClean="0">
+                      <a:endParaRPr kumimoji="0" lang="en-US" sz="1400" b="0" i="0" u="none" strike="noStrike" kern="1200" cap="none" spc="0" normalizeH="0" baseline="0" noProof="0" dirty="0">
                         <a:ln>
                           <a:noFill/>
                         </a:ln>
@@ -30875,7 +30897,7 @@
                         <a:defRPr/>
                       </a:pPr>
                       <a:r>
-                        <a:rPr kumimoji="0" lang="en-US" sz="1400" b="0" i="0" u="none" strike="noStrike" kern="1200" cap="none" spc="0" normalizeH="0" baseline="0" noProof="0" dirty="0" smtClean="0">
+                        <a:rPr kumimoji="0" lang="en-US" sz="1400" b="0" i="0" u="none" strike="noStrike" kern="1200" cap="none" spc="0" normalizeH="0" baseline="0" noProof="0" dirty="0">
                           <a:ln>
                             <a:noFill/>
                           </a:ln>
@@ -30913,7 +30935,7 @@
                         <a:defRPr/>
                       </a:pPr>
                       <a:r>
-                        <a:rPr kumimoji="0" lang="en-US" sz="1400" b="0" i="0" u="none" strike="noStrike" kern="1200" cap="none" spc="0" normalizeH="0" baseline="0" noProof="0" dirty="0" smtClean="0">
+                        <a:rPr kumimoji="0" lang="en-US" sz="1400" b="0" i="0" u="none" strike="noStrike" kern="1200" cap="none" spc="0" normalizeH="0" baseline="0" noProof="0" dirty="0">
                           <a:ln>
                             <a:noFill/>
                           </a:ln>
@@ -30932,7 +30954,7 @@
                         <a:t>  </a:t>
                       </a:r>
                       <a:r>
-                        <a:rPr kumimoji="0" lang="en-US" sz="1400" b="0" i="0" u="none" strike="noStrike" kern="1200" cap="none" spc="0" normalizeH="0" baseline="0" noProof="0" dirty="0" err="1" smtClean="0">
+                        <a:rPr kumimoji="0" lang="en-US" sz="1400" b="0" i="0" u="none" strike="noStrike" kern="1200" cap="none" spc="0" normalizeH="0" baseline="0" noProof="0" dirty="0" err="1">
                           <a:ln>
                             <a:noFill/>
                           </a:ln>
@@ -30951,7 +30973,7 @@
                         <a:t>const</a:t>
                       </a:r>
                       <a:r>
-                        <a:rPr kumimoji="0" lang="en-US" sz="1400" b="0" i="0" u="none" strike="noStrike" kern="1200" cap="none" spc="0" normalizeH="0" baseline="0" noProof="0" dirty="0" smtClean="0">
+                        <a:rPr kumimoji="0" lang="en-US" sz="1400" b="0" i="0" u="none" strike="noStrike" kern="1200" cap="none" spc="0" normalizeH="0" baseline="0" noProof="0" dirty="0">
                           <a:ln>
                             <a:noFill/>
                           </a:ln>
@@ -30989,7 +31011,7 @@
                         <a:defRPr/>
                       </a:pPr>
                       <a:r>
-                        <a:rPr kumimoji="0" lang="en-US" sz="1400" b="0" i="0" u="none" strike="noStrike" kern="1200" cap="none" spc="0" normalizeH="0" baseline="0" noProof="0" dirty="0" smtClean="0">
+                        <a:rPr kumimoji="0" lang="en-US" sz="1400" b="0" i="0" u="none" strike="noStrike" kern="1200" cap="none" spc="0" normalizeH="0" baseline="0" noProof="0" dirty="0">
                           <a:ln>
                             <a:noFill/>
                           </a:ln>
@@ -31008,7 +31030,7 @@
                         <a:t>  </a:t>
                       </a:r>
                       <a:r>
-                        <a:rPr kumimoji="0" lang="en-US" sz="1400" b="0" i="0" u="none" strike="noStrike" kern="1200" cap="none" spc="0" normalizeH="0" baseline="0" noProof="0" dirty="0" err="1" smtClean="0">
+                        <a:rPr kumimoji="0" lang="en-US" sz="1400" b="0" i="0" u="none" strike="noStrike" kern="1200" cap="none" spc="0" normalizeH="0" baseline="0" noProof="0" dirty="0" err="1">
                           <a:ln>
                             <a:noFill/>
                           </a:ln>
@@ -31027,7 +31049,7 @@
                         <a:t>const</a:t>
                       </a:r>
                       <a:r>
-                        <a:rPr kumimoji="0" lang="en-US" sz="1400" b="0" i="0" u="none" strike="noStrike" kern="1200" cap="none" spc="0" normalizeH="0" baseline="0" noProof="0" dirty="0" smtClean="0">
+                        <a:rPr kumimoji="0" lang="en-US" sz="1400" b="0" i="0" u="none" strike="noStrike" kern="1200" cap="none" spc="0" normalizeH="0" baseline="0" noProof="0" dirty="0">
                           <a:ln>
                             <a:noFill/>
                           </a:ln>
@@ -31046,7 +31068,7 @@
                         <a:t> </a:t>
                       </a:r>
                       <a:r>
-                        <a:rPr kumimoji="0" lang="en-US" sz="1400" b="0" i="0" u="none" strike="noStrike" kern="1200" cap="none" spc="0" normalizeH="0" baseline="0" noProof="0" dirty="0" err="1" smtClean="0">
+                        <a:rPr kumimoji="0" lang="en-US" sz="1400" b="0" i="0" u="none" strike="noStrike" kern="1200" cap="none" spc="0" normalizeH="0" baseline="0" noProof="0" dirty="0" err="1">
                           <a:ln>
                             <a:noFill/>
                           </a:ln>
@@ -31065,7 +31087,7 @@
                         <a:t>resp</a:t>
                       </a:r>
                       <a:r>
-                        <a:rPr kumimoji="0" lang="en-US" sz="1400" b="0" i="0" u="none" strike="noStrike" kern="1200" cap="none" spc="0" normalizeH="0" baseline="0" noProof="0" dirty="0" smtClean="0">
+                        <a:rPr kumimoji="0" lang="en-US" sz="1400" b="0" i="0" u="none" strike="noStrike" kern="1200" cap="none" spc="0" normalizeH="0" baseline="0" noProof="0" dirty="0">
                           <a:ln>
                             <a:noFill/>
                           </a:ln>
@@ -31103,7 +31125,7 @@
                         <a:defRPr/>
                       </a:pPr>
                       <a:r>
-                        <a:rPr kumimoji="0" lang="en-US" sz="1400" b="0" i="0" u="none" strike="noStrike" kern="1200" cap="none" spc="0" normalizeH="0" baseline="0" noProof="0" dirty="0" smtClean="0">
+                        <a:rPr kumimoji="0" lang="en-US" sz="1400" b="0" i="0" u="none" strike="noStrike" kern="1200" cap="none" spc="0" normalizeH="0" baseline="0" noProof="0" dirty="0">
                           <a:ln>
                             <a:noFill/>
                           </a:ln>
@@ -31122,7 +31144,7 @@
                         <a:t>  </a:t>
                       </a:r>
                       <a:r>
-                        <a:rPr kumimoji="0" lang="en-US" sz="1400" b="0" i="0" u="none" strike="noStrike" kern="1200" cap="none" spc="0" normalizeH="0" baseline="0" noProof="0" dirty="0" err="1" smtClean="0">
+                        <a:rPr kumimoji="0" lang="en-US" sz="1400" b="0" i="0" u="none" strike="noStrike" kern="1200" cap="none" spc="0" normalizeH="0" baseline="0" noProof="0" dirty="0" err="1">
                           <a:ln>
                             <a:noFill/>
                           </a:ln>
@@ -31141,7 +31163,7 @@
                         <a:t>axios.get.mockResolvedValue</a:t>
                       </a:r>
                       <a:r>
-                        <a:rPr kumimoji="0" lang="en-US" sz="1400" b="0" i="0" u="none" strike="noStrike" kern="1200" cap="none" spc="0" normalizeH="0" baseline="0" noProof="0" dirty="0" smtClean="0">
+                        <a:rPr kumimoji="0" lang="en-US" sz="1400" b="0" i="0" u="none" strike="noStrike" kern="1200" cap="none" spc="0" normalizeH="0" baseline="0" noProof="0" dirty="0">
                           <a:ln>
                             <a:noFill/>
                           </a:ln>
@@ -31160,7 +31182,7 @@
                         <a:t>(</a:t>
                       </a:r>
                       <a:r>
-                        <a:rPr kumimoji="0" lang="en-US" sz="1400" b="0" i="0" u="none" strike="noStrike" kern="1200" cap="none" spc="0" normalizeH="0" baseline="0" noProof="0" dirty="0" err="1" smtClean="0">
+                        <a:rPr kumimoji="0" lang="en-US" sz="1400" b="0" i="0" u="none" strike="noStrike" kern="1200" cap="none" spc="0" normalizeH="0" baseline="0" noProof="0" dirty="0" err="1">
                           <a:ln>
                             <a:noFill/>
                           </a:ln>
@@ -31179,7 +31201,7 @@
                         <a:t>resp</a:t>
                       </a:r>
                       <a:r>
-                        <a:rPr kumimoji="0" lang="en-US" sz="1400" b="0" i="0" u="none" strike="noStrike" kern="1200" cap="none" spc="0" normalizeH="0" baseline="0" noProof="0" dirty="0" smtClean="0">
+                        <a:rPr kumimoji="0" lang="en-US" sz="1400" b="0" i="0" u="none" strike="noStrike" kern="1200" cap="none" spc="0" normalizeH="0" baseline="0" noProof="0" dirty="0">
                           <a:ln>
                             <a:noFill/>
                           </a:ln>
@@ -31217,7 +31239,7 @@
                         <a:defRPr/>
                       </a:pPr>
                       <a:r>
-                        <a:rPr kumimoji="0" lang="en-US" sz="1400" b="0" i="0" u="none" strike="noStrike" kern="1200" cap="none" spc="0" normalizeH="0" baseline="0" noProof="0" dirty="0" smtClean="0">
+                        <a:rPr kumimoji="0" lang="en-US" sz="1400" b="0" i="0" u="none" strike="noStrike" kern="1200" cap="none" spc="0" normalizeH="0" baseline="0" noProof="0" dirty="0">
                           <a:ln>
                             <a:noFill/>
                           </a:ln>
@@ -31236,7 +31258,7 @@
                         <a:t>  return </a:t>
                       </a:r>
                       <a:r>
-                        <a:rPr kumimoji="0" lang="en-US" sz="1400" b="0" i="0" u="none" strike="noStrike" kern="1200" cap="none" spc="0" normalizeH="0" baseline="0" noProof="0" dirty="0" err="1" smtClean="0">
+                        <a:rPr kumimoji="0" lang="en-US" sz="1400" b="0" i="0" u="none" strike="noStrike" kern="1200" cap="none" spc="0" normalizeH="0" baseline="0" noProof="0" dirty="0" err="1">
                           <a:ln>
                             <a:noFill/>
                           </a:ln>
@@ -31255,7 +31277,7 @@
                         <a:t>getNews</a:t>
                       </a:r>
                       <a:r>
-                        <a:rPr kumimoji="0" lang="en-US" sz="1400" b="0" i="0" u="none" strike="noStrike" kern="1200" cap="none" spc="0" normalizeH="0" baseline="0" noProof="0" dirty="0" smtClean="0">
+                        <a:rPr kumimoji="0" lang="en-US" sz="1400" b="0" i="0" u="none" strike="noStrike" kern="1200" cap="none" spc="0" normalizeH="0" baseline="0" noProof="0" dirty="0">
                           <a:ln>
                             <a:noFill/>
                           </a:ln>
@@ -31274,7 +31296,7 @@
                         <a:t>().then(data =&gt;    expect(data).</a:t>
                       </a:r>
                       <a:r>
-                        <a:rPr kumimoji="0" lang="en-US" sz="1400" b="0" i="0" u="none" strike="noStrike" kern="1200" cap="none" spc="0" normalizeH="0" baseline="0" noProof="0" dirty="0" err="1" smtClean="0">
+                        <a:rPr kumimoji="0" lang="en-US" sz="1400" b="0" i="0" u="none" strike="noStrike" kern="1200" cap="none" spc="0" normalizeH="0" baseline="0" noProof="0" dirty="0" err="1">
                           <a:ln>
                             <a:noFill/>
                           </a:ln>
@@ -31293,7 +31315,7 @@
                         <a:t>toEqual</a:t>
                       </a:r>
                       <a:r>
-                        <a:rPr kumimoji="0" lang="en-US" sz="1400" b="0" i="0" u="none" strike="noStrike" kern="1200" cap="none" spc="0" normalizeH="0" baseline="0" noProof="0" dirty="0" smtClean="0">
+                        <a:rPr kumimoji="0" lang="en-US" sz="1400" b="0" i="0" u="none" strike="noStrike" kern="1200" cap="none" spc="0" normalizeH="0" baseline="0" noProof="0" dirty="0">
                           <a:ln>
                             <a:noFill/>
                           </a:ln>
@@ -31331,7 +31353,7 @@
                         <a:defRPr/>
                       </a:pPr>
                       <a:r>
-                        <a:rPr kumimoji="0" lang="en-US" sz="1400" b="0" i="0" u="none" strike="noStrike" kern="1200" cap="none" spc="0" normalizeH="0" baseline="0" noProof="0" dirty="0" smtClean="0">
+                        <a:rPr kumimoji="0" lang="en-US" sz="1400" b="0" i="0" u="none" strike="noStrike" kern="1200" cap="none" spc="0" normalizeH="0" baseline="0" noProof="0" dirty="0">
                           <a:ln>
                             <a:noFill/>
                           </a:ln>
@@ -31368,42 +31390,16 @@
                     </a:solidFill>
                   </a:tcPr>
                 </a:tc>
+                <a:extLst>
+                  <a:ext uri="{0D108BD9-81ED-4DB2-BD59-A6C34878D82A}">
+                    <a16:rowId xmlns:a16="http://schemas.microsoft.com/office/drawing/2014/main" val="10000"/>
+                  </a:ext>
+                </a:extLst>
               </a:tr>
             </a:tbl>
           </a:graphicData>
         </a:graphic>
       </p:graphicFrame>
-      <p:sp>
-        <p:nvSpPr>
-          <p:cNvPr id="9" name="Rectangle 8"/>
-          <p:cNvSpPr/>
-          <p:nvPr/>
-        </p:nvSpPr>
-        <p:spPr>
-          <a:xfrm>
-            <a:off x="341556" y="5554451"/>
-            <a:ext cx="9540997" cy="461665"/>
-          </a:xfrm>
-          <a:prstGeom prst="rect">
-            <a:avLst/>
-          </a:prstGeom>
-        </p:spPr>
-        <p:txBody>
-          <a:bodyPr wrap="square">
-            <a:spAutoFit/>
-          </a:bodyPr>
-          <a:lstStyle/>
-          <a:p>
-            <a:r>
-              <a:rPr lang="en-US" dirty="0">
-                <a:hlinkClick r:id="rId2"/>
-              </a:rPr>
-              <a:t>https://www.vogella.com/tutorials/Mockito/article.html</a:t>
-            </a:r>
-            <a:endParaRPr lang="en-US" dirty="0"/>
-          </a:p>
-        </p:txBody>
-      </p:sp>
     </p:spTree>
     <p:extLst>
       <p:ext uri="{BB962C8B-B14F-4D97-AF65-F5344CB8AC3E}">
@@ -31573,23 +31569,18 @@
           <a:lstStyle/>
           <a:p>
             <a:r>
-              <a:rPr lang="en-US" dirty="0" smtClean="0"/>
+              <a:rPr lang="en-US" dirty="0"/>
               <a:t>Admin Hub – Services/User</a:t>
             </a:r>
           </a:p>
           <a:p>
             <a:r>
               <a:rPr lang="en-US" dirty="0"/>
-              <a:t>Admin Hub – </a:t>
-            </a:r>
-            <a:r>
-              <a:rPr lang="en-US" dirty="0" smtClean="0"/>
-              <a:t>Services/Authentication</a:t>
-            </a:r>
+              <a:t>Admin Hub – Services/Authentication</a:t>
+            </a:r>
+          </a:p>
+          <a:p>
             <a:endParaRPr lang="en-US" dirty="0"/>
-          </a:p>
-          <a:p>
-            <a:endParaRPr lang="en-US" dirty="0" smtClean="0"/>
           </a:p>
           <a:p>
             <a:endParaRPr lang="en-US" dirty="0"/>
@@ -31612,18 +31603,9 @@
           <a:lstStyle/>
           <a:p>
             <a:r>
-              <a:rPr lang="en-US" dirty="0" smtClean="0"/>
-              <a:t>Mocked Examples – </a:t>
-            </a:r>
-            <a:r>
-              <a:rPr lang="en-US" dirty="0" smtClean="0"/>
-              <a:t>JS/Node </a:t>
-            </a:r>
-            <a:r>
-              <a:rPr lang="en-US" dirty="0" smtClean="0"/>
-              <a:t>only</a:t>
-            </a:r>
-            <a:endParaRPr lang="en-US" dirty="0"/>
+              <a:rPr lang="en-US" dirty="0"/>
+              <a:t>Mocked Examples – JS/Node only</a:t>
+            </a:r>
           </a:p>
         </p:txBody>
       </p:sp>
@@ -31640,13 +31622,6 @@
   <p:transition spd="slow">
     <p:wipe/>
   </p:transition>
-  <p:timing>
-    <p:tnLst>
-      <p:par>
-        <p:cTn id="1" dur="indefinite" restart="never" nodeType="tmRoot"/>
-      </p:par>
-    </p:tnLst>
-  </p:timing>
 </p:sld>
 </file>
 
@@ -31690,23 +31665,23 @@
           <a:lstStyle/>
           <a:p>
             <a:r>
-              <a:rPr lang="en-US" dirty="0" smtClean="0"/>
+              <a:rPr lang="en-US" dirty="0"/>
               <a:t>To test </a:t>
             </a:r>
             <a:r>
-              <a:rPr lang="en-US" dirty="0" err="1" smtClean="0"/>
+              <a:rPr lang="en-US" dirty="0" err="1"/>
               <a:t>vue</a:t>
             </a:r>
             <a:r>
-              <a:rPr lang="en-US" dirty="0" smtClean="0"/>
+              <a:rPr lang="en-US" dirty="0"/>
               <a:t> components, using Jest by itself isn’t enough. Fortunately, </a:t>
             </a:r>
             <a:r>
-              <a:rPr lang="en-US" dirty="0" err="1" smtClean="0"/>
+              <a:rPr lang="en-US" dirty="0" err="1"/>
               <a:t>Vue</a:t>
             </a:r>
             <a:r>
-              <a:rPr lang="en-US" dirty="0" smtClean="0"/>
+              <a:rPr lang="en-US" dirty="0"/>
               <a:t> has a testing utility library that can be used with Jest.  In addition snapshot testing requires an additional library to render html as a string to allow Jest to capture a snapshot.  As result, test suite becomes a little more complicated by default.  </a:t>
             </a:r>
           </a:p>
@@ -31715,7 +31690,7 @@
           </a:p>
           <a:p>
             <a:r>
-              <a:rPr lang="en-US" dirty="0" smtClean="0"/>
+              <a:rPr lang="en-US" dirty="0"/>
               <a:t>Sample imports section: </a:t>
             </a:r>
           </a:p>
@@ -31732,46 +31707,25 @@
               </a:spcAft>
             </a:pPr>
             <a:r>
-              <a:rPr lang="en-US" dirty="0" smtClean="0">
-                <a:latin typeface="Courier New" panose="02070309020205020404" pitchFamily="49" charset="0"/>
-                <a:cs typeface="Courier New" panose="02070309020205020404" pitchFamily="49" charset="0"/>
-              </a:rPr>
-              <a:t>import </a:t>
-            </a:r>
-            <a:r>
               <a:rPr lang="en-US" dirty="0">
                 <a:latin typeface="Courier New" panose="02070309020205020404" pitchFamily="49" charset="0"/>
                 <a:cs typeface="Courier New" panose="02070309020205020404" pitchFamily="49" charset="0"/>
               </a:rPr>
-              <a:t>{ mount, </a:t>
-            </a:r>
-            <a:r>
-              <a:rPr lang="en-US" dirty="0" smtClean="0">
-                <a:latin typeface="Courier New" panose="02070309020205020404" pitchFamily="49" charset="0"/>
-                <a:cs typeface="Courier New" panose="02070309020205020404" pitchFamily="49" charset="0"/>
-              </a:rPr>
-              <a:t>(or </a:t>
-            </a:r>
-            <a:r>
-              <a:rPr lang="en-US" dirty="0" err="1" smtClean="0">
+              <a:t>import { mount, (or </a:t>
+            </a:r>
+            <a:r>
+              <a:rPr lang="en-US" dirty="0" err="1">
                 <a:latin typeface="Courier New" panose="02070309020205020404" pitchFamily="49" charset="0"/>
                 <a:cs typeface="Courier New" panose="02070309020205020404" pitchFamily="49" charset="0"/>
               </a:rPr>
               <a:t>shallowMount</a:t>
             </a:r>
             <a:r>
-              <a:rPr lang="en-US" dirty="0" smtClean="0">
-                <a:latin typeface="Courier New" panose="02070309020205020404" pitchFamily="49" charset="0"/>
-                <a:cs typeface="Courier New" panose="02070309020205020404" pitchFamily="49" charset="0"/>
-              </a:rPr>
-              <a:t>,) </a:t>
-            </a:r>
-            <a:r>
               <a:rPr lang="en-US" dirty="0">
                 <a:latin typeface="Courier New" panose="02070309020205020404" pitchFamily="49" charset="0"/>
                 <a:cs typeface="Courier New" panose="02070309020205020404" pitchFamily="49" charset="0"/>
               </a:rPr>
-              <a:t>createLocalVue } from '@</a:t>
+              <a:t>,) createLocalVue } from '@</a:t>
             </a:r>
             <a:r>
               <a:rPr lang="en-US" dirty="0" err="1">
@@ -31795,7 +31749,7 @@
               <a:t>utils</a:t>
             </a:r>
             <a:r>
-              <a:rPr lang="en-US" dirty="0" smtClean="0">
+              <a:rPr lang="en-US" dirty="0">
                 <a:latin typeface="Courier New" panose="02070309020205020404" pitchFamily="49" charset="0"/>
                 <a:cs typeface="Courier New" panose="02070309020205020404" pitchFamily="49" charset="0"/>
               </a:rPr>
@@ -31815,21 +31769,21 @@
               </a:spcAft>
             </a:pPr>
             <a:r>
-              <a:rPr lang="en-US" dirty="0" smtClean="0">
+              <a:rPr lang="en-US" dirty="0">
                 <a:latin typeface="Courier New" panose="02070309020205020404" pitchFamily="49" charset="0"/>
                 <a:cs typeface="Courier New" panose="02070309020205020404" pitchFamily="49" charset="0"/>
               </a:rPr>
               <a:t>import Parent from '../</a:t>
             </a:r>
             <a:r>
-              <a:rPr lang="en-US" dirty="0" err="1" smtClean="0">
+              <a:rPr lang="en-US" dirty="0" err="1">
                 <a:latin typeface="Courier New" panose="02070309020205020404" pitchFamily="49" charset="0"/>
                 <a:cs typeface="Courier New" panose="02070309020205020404" pitchFamily="49" charset="0"/>
               </a:rPr>
               <a:t>parent.vue</a:t>
             </a:r>
             <a:r>
-              <a:rPr lang="en-US" dirty="0" smtClean="0">
+              <a:rPr lang="en-US" dirty="0">
                 <a:latin typeface="Courier New" panose="02070309020205020404" pitchFamily="49" charset="0"/>
                 <a:cs typeface="Courier New" panose="02070309020205020404" pitchFamily="49" charset="0"/>
               </a:rPr>
@@ -31849,21 +31803,21 @@
               </a:spcAft>
             </a:pPr>
             <a:r>
-              <a:rPr lang="en-US" dirty="0" smtClean="0">
+              <a:rPr lang="en-US" dirty="0">
                 <a:latin typeface="Courier New" panose="02070309020205020404" pitchFamily="49" charset="0"/>
                 <a:cs typeface="Courier New" panose="02070309020205020404" pitchFamily="49" charset="0"/>
               </a:rPr>
               <a:t>import Child from ‘../</a:t>
             </a:r>
             <a:r>
-              <a:rPr lang="en-US" dirty="0" err="1" smtClean="0">
+              <a:rPr lang="en-US" dirty="0" err="1">
                 <a:latin typeface="Courier New" panose="02070309020205020404" pitchFamily="49" charset="0"/>
                 <a:cs typeface="Courier New" panose="02070309020205020404" pitchFamily="49" charset="0"/>
               </a:rPr>
               <a:t>child.vue</a:t>
             </a:r>
             <a:r>
-              <a:rPr lang="en-US" dirty="0" smtClean="0">
+              <a:rPr lang="en-US" dirty="0">
                 <a:latin typeface="Courier New" panose="02070309020205020404" pitchFamily="49" charset="0"/>
                 <a:cs typeface="Courier New" panose="02070309020205020404" pitchFamily="49" charset="0"/>
               </a:rPr>
@@ -31901,24 +31855,17 @@
                 <a:latin typeface="Courier New" panose="02070309020205020404" pitchFamily="49" charset="0"/>
                 <a:cs typeface="Courier New" panose="02070309020205020404" pitchFamily="49" charset="0"/>
               </a:rPr>
-              <a:t> } from </a:t>
-            </a:r>
-            <a:r>
-              <a:rPr lang="en-US" dirty="0" smtClean="0">
-                <a:latin typeface="Courier New" panose="02070309020205020404" pitchFamily="49" charset="0"/>
-                <a:cs typeface="Courier New" panose="02070309020205020404" pitchFamily="49" charset="0"/>
-              </a:rPr>
-              <a:t>'</a:t>
-            </a:r>
-            <a:r>
-              <a:rPr lang="en-US" dirty="0" err="1" smtClean="0">
+              <a:t> } from '</a:t>
+            </a:r>
+            <a:r>
+              <a:rPr lang="en-US" dirty="0" err="1">
                 <a:latin typeface="Courier New" panose="02070309020205020404" pitchFamily="49" charset="0"/>
                 <a:cs typeface="Courier New" panose="02070309020205020404" pitchFamily="49" charset="0"/>
               </a:rPr>
               <a:t>vue</a:t>
             </a:r>
             <a:r>
-              <a:rPr lang="en-US" dirty="0" smtClean="0">
+              <a:rPr lang="en-US" dirty="0">
                 <a:latin typeface="Courier New" panose="02070309020205020404" pitchFamily="49" charset="0"/>
                 <a:cs typeface="Courier New" panose="02070309020205020404" pitchFamily="49" charset="0"/>
               </a:rPr>
@@ -31980,44 +31927,40 @@
               <a:t>vuex</a:t>
             </a:r>
             <a:r>
-              <a:rPr lang="fr-FR" dirty="0" smtClean="0">
+              <a:rPr lang="fr-FR" dirty="0">
                 <a:latin typeface="Courier New" panose="02070309020205020404" pitchFamily="49" charset="0"/>
                 <a:cs typeface="Courier New" panose="02070309020205020404" pitchFamily="49" charset="0"/>
               </a:rPr>
               <a:t>'; (</a:t>
             </a:r>
             <a:r>
-              <a:rPr lang="fr-FR" dirty="0" err="1" smtClean="0">
+              <a:rPr lang="fr-FR" dirty="0" err="1">
                 <a:latin typeface="Courier New" panose="02070309020205020404" pitchFamily="49" charset="0"/>
                 <a:cs typeface="Courier New" panose="02070309020205020404" pitchFamily="49" charset="0"/>
               </a:rPr>
               <a:t>optional</a:t>
             </a:r>
             <a:r>
-              <a:rPr lang="fr-FR" dirty="0" smtClean="0">
+              <a:rPr lang="fr-FR" dirty="0">
                 <a:latin typeface="Courier New" panose="02070309020205020404" pitchFamily="49" charset="0"/>
                 <a:cs typeface="Courier New" panose="02070309020205020404" pitchFamily="49" charset="0"/>
               </a:rPr>
               <a:t> for </a:t>
             </a:r>
             <a:r>
-              <a:rPr lang="fr-FR" dirty="0" err="1" smtClean="0">
+              <a:rPr lang="fr-FR" dirty="0" err="1">
                 <a:latin typeface="Courier New" panose="02070309020205020404" pitchFamily="49" charset="0"/>
                 <a:cs typeface="Courier New" panose="02070309020205020404" pitchFamily="49" charset="0"/>
               </a:rPr>
               <a:t>loading</a:t>
             </a:r>
             <a:r>
-              <a:rPr lang="fr-FR" dirty="0" smtClean="0">
+              <a:rPr lang="fr-FR" dirty="0">
                 <a:latin typeface="Courier New" panose="02070309020205020404" pitchFamily="49" charset="0"/>
                 <a:cs typeface="Courier New" panose="02070309020205020404" pitchFamily="49" charset="0"/>
               </a:rPr>
               <a:t> store)</a:t>
             </a:r>
-            <a:endParaRPr lang="fr-FR" dirty="0">
-              <a:latin typeface="Courier New" panose="02070309020205020404" pitchFamily="49" charset="0"/>
-              <a:cs typeface="Courier New" panose="02070309020205020404" pitchFamily="49" charset="0"/>
-            </a:endParaRPr>
           </a:p>
           <a:p>
             <a:pPr>
@@ -32032,18 +31975,11 @@
               </a:spcAft>
             </a:pPr>
             <a:r>
-              <a:rPr lang="fr-FR" dirty="0" smtClean="0">
-                <a:latin typeface="Courier New" panose="02070309020205020404" pitchFamily="49" charset="0"/>
-                <a:cs typeface="Courier New" panose="02070309020205020404" pitchFamily="49" charset="0"/>
-              </a:rPr>
-              <a:t>import </a:t>
-            </a:r>
-            <a:r>
               <a:rPr lang="fr-FR" dirty="0">
                 <a:latin typeface="Courier New" panose="02070309020205020404" pitchFamily="49" charset="0"/>
                 <a:cs typeface="Courier New" panose="02070309020205020404" pitchFamily="49" charset="0"/>
               </a:rPr>
-              <a:t>Router </a:t>
+              <a:t>import Router </a:t>
             </a:r>
             <a:r>
               <a:rPr lang="fr-FR" dirty="0" err="1">
@@ -32057,36 +31993,29 @@
                 <a:latin typeface="Courier New" panose="02070309020205020404" pitchFamily="49" charset="0"/>
                 <a:cs typeface="Courier New" panose="02070309020205020404" pitchFamily="49" charset="0"/>
               </a:rPr>
-              <a:t> 'vue-router</a:t>
-            </a:r>
-            <a:r>
-              <a:rPr lang="fr-FR" dirty="0" smtClean="0">
-                <a:latin typeface="Courier New" panose="02070309020205020404" pitchFamily="49" charset="0"/>
-                <a:cs typeface="Courier New" panose="02070309020205020404" pitchFamily="49" charset="0"/>
-              </a:rPr>
-              <a:t>';</a:t>
-            </a:r>
-            <a:endParaRPr lang="en-US" dirty="0" smtClean="0">
+              <a:t> 'vue-router';</a:t>
+            </a:r>
+            <a:endParaRPr lang="en-US" dirty="0">
               <a:latin typeface="Courier New" panose="02070309020205020404" pitchFamily="49" charset="0"/>
               <a:cs typeface="Courier New" panose="02070309020205020404" pitchFamily="49" charset="0"/>
             </a:endParaRPr>
           </a:p>
           <a:p>
-            <a:endParaRPr lang="en-US" i="1" dirty="0" smtClean="0">
+            <a:endParaRPr lang="en-US" i="1" dirty="0">
               <a:latin typeface="Courier New" panose="02070309020205020404" pitchFamily="49" charset="0"/>
               <a:cs typeface="Courier New" panose="02070309020205020404" pitchFamily="49" charset="0"/>
             </a:endParaRPr>
           </a:p>
           <a:p>
             <a:r>
-              <a:rPr lang="en-US" i="1" dirty="0" smtClean="0">
+              <a:rPr lang="en-US" i="1" dirty="0">
                 <a:latin typeface="Courier New" panose="02070309020205020404" pitchFamily="49" charset="0"/>
                 <a:cs typeface="Courier New" panose="02070309020205020404" pitchFamily="49" charset="0"/>
               </a:rPr>
               <a:t>Global components also need to be imported and registered to </a:t>
             </a:r>
             <a:r>
-              <a:rPr lang="en-US" i="1" dirty="0" err="1" smtClean="0">
+              <a:rPr lang="en-US" i="1" dirty="0" err="1">
                 <a:latin typeface="Courier New" panose="02070309020205020404" pitchFamily="49" charset="0"/>
                 <a:cs typeface="Courier New" panose="02070309020205020404" pitchFamily="49" charset="0"/>
               </a:rPr>
@@ -32099,30 +32028,26 @@
           </a:p>
           <a:p>
             <a:r>
-              <a:rPr lang="en-US" i="1" dirty="0" smtClean="0">
+              <a:rPr lang="en-US" i="1" dirty="0">
                 <a:latin typeface="Courier New" panose="02070309020205020404" pitchFamily="49" charset="0"/>
                 <a:cs typeface="Courier New" panose="02070309020205020404" pitchFamily="49" charset="0"/>
               </a:rPr>
               <a:t>Plus any other imports that needs mocking, spying, </a:t>
             </a:r>
             <a:r>
-              <a:rPr lang="en-US" i="1" dirty="0" err="1" smtClean="0">
+              <a:rPr lang="en-US" i="1" dirty="0" err="1">
                 <a:latin typeface="Courier New" panose="02070309020205020404" pitchFamily="49" charset="0"/>
                 <a:cs typeface="Courier New" panose="02070309020205020404" pitchFamily="49" charset="0"/>
               </a:rPr>
               <a:t>etc</a:t>
             </a:r>
             <a:r>
-              <a:rPr lang="en-US" i="1" dirty="0" smtClean="0">
+              <a:rPr lang="en-US" i="1" dirty="0">
                 <a:latin typeface="Courier New" panose="02070309020205020404" pitchFamily="49" charset="0"/>
                 <a:cs typeface="Courier New" panose="02070309020205020404" pitchFamily="49" charset="0"/>
               </a:rPr>
               <a:t>…  </a:t>
             </a:r>
-            <a:endParaRPr lang="en-US" i="1" dirty="0">
-              <a:latin typeface="Courier New" panose="02070309020205020404" pitchFamily="49" charset="0"/>
-              <a:cs typeface="Courier New" panose="02070309020205020404" pitchFamily="49" charset="0"/>
-            </a:endParaRPr>
           </a:p>
           <a:p>
             <a:endParaRPr lang="en-US" dirty="0"/>
@@ -32145,18 +32070,17 @@
           <a:lstStyle/>
           <a:p>
             <a:r>
-              <a:rPr lang="en-US" dirty="0" smtClean="0"/>
+              <a:rPr lang="en-US" dirty="0"/>
               <a:t>Testing </a:t>
             </a:r>
             <a:r>
-              <a:rPr lang="en-US" dirty="0" err="1" smtClean="0"/>
+              <a:rPr lang="en-US" dirty="0" err="1"/>
               <a:t>Vue</a:t>
             </a:r>
             <a:r>
-              <a:rPr lang="en-US" dirty="0" smtClean="0"/>
+              <a:rPr lang="en-US" dirty="0"/>
               <a:t> Components</a:t>
             </a:r>
-            <a:endParaRPr lang="en-US" dirty="0"/>
           </a:p>
         </p:txBody>
       </p:sp>
@@ -32176,7 +32100,327 @@
   <p:timing>
     <p:tnLst>
       <p:par>
-        <p:cTn id="1" dur="indefinite" restart="never" nodeType="tmRoot"/>
+        <p:cTn id="1" dur="indefinite" restart="never" nodeType="tmRoot">
+          <p:childTnLst>
+            <p:seq concurrent="1" nextAc="seek">
+              <p:cTn id="2" dur="indefinite" nodeType="mainSeq">
+                <p:childTnLst>
+                  <p:par>
+                    <p:cTn id="3" fill="hold">
+                      <p:stCondLst>
+                        <p:cond delay="indefinite"/>
+                      </p:stCondLst>
+                      <p:childTnLst>
+                        <p:par>
+                          <p:cTn id="4" fill="hold">
+                            <p:stCondLst>
+                              <p:cond delay="0"/>
+                            </p:stCondLst>
+                            <p:childTnLst>
+                              <p:par>
+                                <p:cTn id="5" presetID="1" presetClass="entr" presetSubtype="0" fill="hold" nodeType="clickEffect">
+                                  <p:stCondLst>
+                                    <p:cond delay="0"/>
+                                  </p:stCondLst>
+                                  <p:childTnLst>
+                                    <p:set>
+                                      <p:cBhvr>
+                                        <p:cTn id="6" dur="1" fill="hold">
+                                          <p:stCondLst>
+                                            <p:cond delay="0"/>
+                                          </p:stCondLst>
+                                        </p:cTn>
+                                        <p:tgtEl>
+                                          <p:spTgt spid="6">
+                                            <p:txEl>
+                                              <p:pRg st="2" end="2"/>
+                                            </p:txEl>
+                                          </p:spTgt>
+                                        </p:tgtEl>
+                                        <p:attrNameLst>
+                                          <p:attrName>style.visibility</p:attrName>
+                                        </p:attrNameLst>
+                                      </p:cBhvr>
+                                      <p:to>
+                                        <p:strVal val="visible"/>
+                                      </p:to>
+                                    </p:set>
+                                  </p:childTnLst>
+                                </p:cTn>
+                              </p:par>
+                              <p:par>
+                                <p:cTn id="7" presetID="1" presetClass="entr" presetSubtype="0" fill="hold" nodeType="withEffect">
+                                  <p:stCondLst>
+                                    <p:cond delay="0"/>
+                                  </p:stCondLst>
+                                  <p:childTnLst>
+                                    <p:set>
+                                      <p:cBhvr>
+                                        <p:cTn id="8" dur="1" fill="hold">
+                                          <p:stCondLst>
+                                            <p:cond delay="0"/>
+                                          </p:stCondLst>
+                                        </p:cTn>
+                                        <p:tgtEl>
+                                          <p:spTgt spid="6">
+                                            <p:txEl>
+                                              <p:pRg st="3" end="3"/>
+                                            </p:txEl>
+                                          </p:spTgt>
+                                        </p:tgtEl>
+                                        <p:attrNameLst>
+                                          <p:attrName>style.visibility</p:attrName>
+                                        </p:attrNameLst>
+                                      </p:cBhvr>
+                                      <p:to>
+                                        <p:strVal val="visible"/>
+                                      </p:to>
+                                    </p:set>
+                                  </p:childTnLst>
+                                </p:cTn>
+                              </p:par>
+                              <p:par>
+                                <p:cTn id="9" presetID="1" presetClass="entr" presetSubtype="0" fill="hold" nodeType="withEffect">
+                                  <p:stCondLst>
+                                    <p:cond delay="0"/>
+                                  </p:stCondLst>
+                                  <p:childTnLst>
+                                    <p:set>
+                                      <p:cBhvr>
+                                        <p:cTn id="10" dur="1" fill="hold">
+                                          <p:stCondLst>
+                                            <p:cond delay="0"/>
+                                          </p:stCondLst>
+                                        </p:cTn>
+                                        <p:tgtEl>
+                                          <p:spTgt spid="6">
+                                            <p:txEl>
+                                              <p:pRg st="4" end="4"/>
+                                            </p:txEl>
+                                          </p:spTgt>
+                                        </p:tgtEl>
+                                        <p:attrNameLst>
+                                          <p:attrName>style.visibility</p:attrName>
+                                        </p:attrNameLst>
+                                      </p:cBhvr>
+                                      <p:to>
+                                        <p:strVal val="visible"/>
+                                      </p:to>
+                                    </p:set>
+                                  </p:childTnLst>
+                                </p:cTn>
+                              </p:par>
+                              <p:par>
+                                <p:cTn id="11" presetID="1" presetClass="entr" presetSubtype="0" fill="hold" nodeType="withEffect">
+                                  <p:stCondLst>
+                                    <p:cond delay="0"/>
+                                  </p:stCondLst>
+                                  <p:childTnLst>
+                                    <p:set>
+                                      <p:cBhvr>
+                                        <p:cTn id="12" dur="1" fill="hold">
+                                          <p:stCondLst>
+                                            <p:cond delay="0"/>
+                                          </p:stCondLst>
+                                        </p:cTn>
+                                        <p:tgtEl>
+                                          <p:spTgt spid="6">
+                                            <p:txEl>
+                                              <p:pRg st="5" end="5"/>
+                                            </p:txEl>
+                                          </p:spTgt>
+                                        </p:tgtEl>
+                                        <p:attrNameLst>
+                                          <p:attrName>style.visibility</p:attrName>
+                                        </p:attrNameLst>
+                                      </p:cBhvr>
+                                      <p:to>
+                                        <p:strVal val="visible"/>
+                                      </p:to>
+                                    </p:set>
+                                  </p:childTnLst>
+                                </p:cTn>
+                              </p:par>
+                              <p:par>
+                                <p:cTn id="13" presetID="1" presetClass="entr" presetSubtype="0" fill="hold" nodeType="withEffect">
+                                  <p:stCondLst>
+                                    <p:cond delay="0"/>
+                                  </p:stCondLst>
+                                  <p:childTnLst>
+                                    <p:set>
+                                      <p:cBhvr>
+                                        <p:cTn id="14" dur="1" fill="hold">
+                                          <p:stCondLst>
+                                            <p:cond delay="0"/>
+                                          </p:stCondLst>
+                                        </p:cTn>
+                                        <p:tgtEl>
+                                          <p:spTgt spid="6">
+                                            <p:txEl>
+                                              <p:pRg st="6" end="6"/>
+                                            </p:txEl>
+                                          </p:spTgt>
+                                        </p:tgtEl>
+                                        <p:attrNameLst>
+                                          <p:attrName>style.visibility</p:attrName>
+                                        </p:attrNameLst>
+                                      </p:cBhvr>
+                                      <p:to>
+                                        <p:strVal val="visible"/>
+                                      </p:to>
+                                    </p:set>
+                                  </p:childTnLst>
+                                </p:cTn>
+                              </p:par>
+                              <p:par>
+                                <p:cTn id="15" presetID="1" presetClass="entr" presetSubtype="0" fill="hold" nodeType="withEffect">
+                                  <p:stCondLst>
+                                    <p:cond delay="0"/>
+                                  </p:stCondLst>
+                                  <p:childTnLst>
+                                    <p:set>
+                                      <p:cBhvr>
+                                        <p:cTn id="16" dur="1" fill="hold">
+                                          <p:stCondLst>
+                                            <p:cond delay="0"/>
+                                          </p:stCondLst>
+                                        </p:cTn>
+                                        <p:tgtEl>
+                                          <p:spTgt spid="6">
+                                            <p:txEl>
+                                              <p:pRg st="7" end="7"/>
+                                            </p:txEl>
+                                          </p:spTgt>
+                                        </p:tgtEl>
+                                        <p:attrNameLst>
+                                          <p:attrName>style.visibility</p:attrName>
+                                        </p:attrNameLst>
+                                      </p:cBhvr>
+                                      <p:to>
+                                        <p:strVal val="visible"/>
+                                      </p:to>
+                                    </p:set>
+                                  </p:childTnLst>
+                                </p:cTn>
+                              </p:par>
+                              <p:par>
+                                <p:cTn id="17" presetID="1" presetClass="entr" presetSubtype="0" fill="hold" nodeType="withEffect">
+                                  <p:stCondLst>
+                                    <p:cond delay="0"/>
+                                  </p:stCondLst>
+                                  <p:childTnLst>
+                                    <p:set>
+                                      <p:cBhvr>
+                                        <p:cTn id="18" dur="1" fill="hold">
+                                          <p:stCondLst>
+                                            <p:cond delay="0"/>
+                                          </p:stCondLst>
+                                        </p:cTn>
+                                        <p:tgtEl>
+                                          <p:spTgt spid="6">
+                                            <p:txEl>
+                                              <p:pRg st="8" end="8"/>
+                                            </p:txEl>
+                                          </p:spTgt>
+                                        </p:tgtEl>
+                                        <p:attrNameLst>
+                                          <p:attrName>style.visibility</p:attrName>
+                                        </p:attrNameLst>
+                                      </p:cBhvr>
+                                      <p:to>
+                                        <p:strVal val="visible"/>
+                                      </p:to>
+                                    </p:set>
+                                  </p:childTnLst>
+                                </p:cTn>
+                              </p:par>
+                              <p:par>
+                                <p:cTn id="19" presetID="1" presetClass="entr" presetSubtype="0" fill="hold" nodeType="withEffect">
+                                  <p:stCondLst>
+                                    <p:cond delay="0"/>
+                                  </p:stCondLst>
+                                  <p:childTnLst>
+                                    <p:set>
+                                      <p:cBhvr>
+                                        <p:cTn id="20" dur="1" fill="hold">
+                                          <p:stCondLst>
+                                            <p:cond delay="0"/>
+                                          </p:stCondLst>
+                                        </p:cTn>
+                                        <p:tgtEl>
+                                          <p:spTgt spid="6">
+                                            <p:txEl>
+                                              <p:pRg st="10" end="10"/>
+                                            </p:txEl>
+                                          </p:spTgt>
+                                        </p:tgtEl>
+                                        <p:attrNameLst>
+                                          <p:attrName>style.visibility</p:attrName>
+                                        </p:attrNameLst>
+                                      </p:cBhvr>
+                                      <p:to>
+                                        <p:strVal val="visible"/>
+                                      </p:to>
+                                    </p:set>
+                                  </p:childTnLst>
+                                </p:cTn>
+                              </p:par>
+                              <p:par>
+                                <p:cTn id="21" presetID="1" presetClass="entr" presetSubtype="0" fill="hold" nodeType="withEffect">
+                                  <p:stCondLst>
+                                    <p:cond delay="0"/>
+                                  </p:stCondLst>
+                                  <p:childTnLst>
+                                    <p:set>
+                                      <p:cBhvr>
+                                        <p:cTn id="22" dur="1" fill="hold">
+                                          <p:stCondLst>
+                                            <p:cond delay="0"/>
+                                          </p:stCondLst>
+                                        </p:cTn>
+                                        <p:tgtEl>
+                                          <p:spTgt spid="6">
+                                            <p:txEl>
+                                              <p:pRg st="11" end="11"/>
+                                            </p:txEl>
+                                          </p:spTgt>
+                                        </p:tgtEl>
+                                        <p:attrNameLst>
+                                          <p:attrName>style.visibility</p:attrName>
+                                        </p:attrNameLst>
+                                      </p:cBhvr>
+                                      <p:to>
+                                        <p:strVal val="visible"/>
+                                      </p:to>
+                                    </p:set>
+                                  </p:childTnLst>
+                                </p:cTn>
+                              </p:par>
+                            </p:childTnLst>
+                          </p:cTn>
+                        </p:par>
+                      </p:childTnLst>
+                    </p:cTn>
+                  </p:par>
+                </p:childTnLst>
+              </p:cTn>
+              <p:prevCondLst>
+                <p:cond evt="onPrev" delay="0">
+                  <p:tgtEl>
+                    <p:sldTgt/>
+                  </p:tgtEl>
+                </p:cond>
+              </p:prevCondLst>
+              <p:nextCondLst>
+                <p:cond evt="onNext" delay="0">
+                  <p:tgtEl>
+                    <p:sldTgt/>
+                  </p:tgtEl>
+                </p:cond>
+              </p:nextCondLst>
+            </p:seq>
+          </p:childTnLst>
+        </p:cTn>
       </p:par>
     </p:tnLst>
   </p:timing>
@@ -32217,32 +32461,53 @@
           </a:xfrm>
         </p:spPr>
         <p:txBody>
-          <a:bodyPr/>
+          <a:bodyPr>
+            <a:normAutofit lnSpcReduction="10000"/>
+          </a:bodyPr>
           <a:lstStyle/>
           <a:p>
             <a:r>
-              <a:rPr lang="en-US" dirty="0" smtClean="0"/>
+              <a:rPr lang="en-US" dirty="0"/>
               <a:t>Mounting a component with test-</a:t>
             </a:r>
             <a:r>
-              <a:rPr lang="en-US" dirty="0" err="1" smtClean="0"/>
+              <a:rPr lang="en-US" dirty="0" err="1"/>
               <a:t>utils</a:t>
             </a:r>
             <a:r>
-              <a:rPr lang="en-US" dirty="0" smtClean="0"/>
-              <a:t> creates a wrapper around the component to then be able to use it within a unit test. </a:t>
-            </a:r>
-          </a:p>
-          <a:p>
-            <a:r>
-              <a:rPr lang="en-US" dirty="0" smtClean="0"/>
+              <a:rPr lang="en-US" dirty="0"/>
+              <a:t> creates a wrapper around the component test various aspects of </a:t>
+            </a:r>
+            <a:r>
+              <a:rPr lang="en-US" dirty="0" err="1"/>
+              <a:t>vue</a:t>
+            </a:r>
+            <a:r>
+              <a:rPr lang="en-US" dirty="0"/>
+              <a:t> component including html and </a:t>
+            </a:r>
+            <a:r>
+              <a:rPr lang="en-US" dirty="0" err="1"/>
+              <a:t>css</a:t>
+            </a:r>
+            <a:r>
+              <a:rPr lang="en-US" dirty="0"/>
+              <a:t>.</a:t>
+            </a:r>
+          </a:p>
+          <a:p>
+            <a:endParaRPr lang="en-US" dirty="0"/>
+          </a:p>
+          <a:p>
+            <a:r>
+              <a:rPr lang="en-US" dirty="0"/>
               <a:t>Two mounting options:  mount vs. </a:t>
             </a:r>
             <a:r>
-              <a:rPr lang="en-US" dirty="0" err="1" smtClean="0"/>
+              <a:rPr lang="en-US" dirty="0" err="1"/>
               <a:t>shallowMount</a:t>
             </a:r>
-            <a:endParaRPr lang="en-US" dirty="0" smtClean="0"/>
+            <a:endParaRPr lang="en-US" dirty="0"/>
           </a:p>
           <a:p>
             <a:pPr marL="285750" indent="-285750">
@@ -32250,18 +32515,18 @@
               <a:buChar char="•"/>
             </a:pPr>
             <a:r>
-              <a:rPr lang="en-US" b="1" dirty="0" smtClean="0"/>
+              <a:rPr lang="en-US" b="1" dirty="0"/>
               <a:t>mount</a:t>
             </a:r>
             <a:r>
-              <a:rPr lang="en-US" dirty="0" smtClean="0"/>
+              <a:rPr lang="en-US" dirty="0"/>
               <a:t> – wraps and loads parent and child components</a:t>
             </a:r>
           </a:p>
           <a:p>
             <a:pPr marL="757862" lvl="4" indent="-285750"/>
             <a:r>
-              <a:rPr lang="en-US" dirty="0" smtClean="0"/>
+              <a:rPr lang="en-US" dirty="0"/>
               <a:t>Use when needing to testing output of parent AND child components</a:t>
             </a:r>
           </a:p>
@@ -32271,23 +32536,19 @@
               <a:buChar char="•"/>
             </a:pPr>
             <a:r>
-              <a:rPr lang="en-US" b="1" dirty="0" err="1" smtClean="0"/>
+              <a:rPr lang="en-US" b="1" dirty="0" err="1"/>
               <a:t>shallowMount</a:t>
             </a:r>
             <a:r>
-              <a:rPr lang="en-US" dirty="0" smtClean="0"/>
+              <a:rPr lang="en-US" dirty="0"/>
               <a:t> – wraps and loads parent component, but will stub child components </a:t>
             </a:r>
           </a:p>
           <a:p>
             <a:pPr marL="757862" lvl="4" indent="-285750"/>
             <a:r>
-              <a:rPr lang="en-US" dirty="0" smtClean="0"/>
-              <a:t>Use </a:t>
-            </a:r>
-            <a:r>
-              <a:rPr lang="en-US" dirty="0"/>
-              <a:t>when tests are isolated to parent or component testing</a:t>
+              <a:rPr lang="en-US" dirty="0"/>
+              <a:t>Use when tests are isolated to parent or component testing</a:t>
             </a:r>
           </a:p>
           <a:p>
@@ -32296,11 +32557,11 @@
               <a:buChar char="•"/>
             </a:pPr>
             <a:r>
-              <a:rPr lang="en-US" b="1" dirty="0" smtClean="0"/>
+              <a:rPr lang="en-US" b="1" dirty="0"/>
               <a:t>Options </a:t>
             </a:r>
             <a:r>
-              <a:rPr lang="en-US" dirty="0" smtClean="0"/>
+              <a:rPr lang="en-US" dirty="0"/>
               <a:t>– mounting options can be used with either mounting option to load data, store, props, mock methods, etc.</a:t>
             </a:r>
           </a:p>
@@ -32309,7 +32570,7 @@
               <a:buFont typeface="Arial" panose="020B0604020202020204" pitchFamily="34" charset="0"/>
               <a:buChar char="•"/>
             </a:pPr>
-            <a:endParaRPr lang="en-US" dirty="0" smtClean="0"/>
+            <a:endParaRPr lang="en-US" dirty="0"/>
           </a:p>
         </p:txBody>
       </p:sp>
@@ -32446,18 +32707,6 @@
                 <a:spcPts val="0"/>
               </a:spcAft>
             </a:pPr>
-            <a:r>
-              <a:rPr lang="en-US" sz="2100" dirty="0">
-                <a:solidFill>
-                  <a:schemeClr val="tx1">
-                    <a:lumMod val="75000"/>
-                  </a:schemeClr>
-                </a:solidFill>
-                <a:latin typeface="Courier New" panose="02070309020205020404" pitchFamily="49" charset="0"/>
-                <a:cs typeface="Courier New" panose="02070309020205020404" pitchFamily="49" charset="0"/>
-              </a:rPr>
-              <a:t/>
-            </a:r>
             <a:br>
               <a:rPr lang="en-US" sz="2100" dirty="0">
                 <a:solidFill>
@@ -32544,7 +32793,7 @@
                 <a:spcPts val="0"/>
               </a:spcAft>
             </a:pPr>
-            <a:endParaRPr lang="en-US" sz="2100" dirty="0" smtClean="0">
+            <a:endParaRPr lang="en-US" sz="2100" dirty="0">
               <a:solidFill>
                 <a:schemeClr val="tx1">
                   <a:lumMod val="75000"/>
@@ -32567,18 +32816,6 @@
               </a:spcAft>
             </a:pPr>
             <a:r>
-              <a:rPr lang="en-US" sz="2100" dirty="0" smtClean="0">
-                <a:solidFill>
-                  <a:schemeClr val="tx1">
-                    <a:lumMod val="75000"/>
-                  </a:schemeClr>
-                </a:solidFill>
-                <a:latin typeface="Courier New" panose="02070309020205020404" pitchFamily="49" charset="0"/>
-                <a:cs typeface="Courier New" panose="02070309020205020404" pitchFamily="49" charset="0"/>
-              </a:rPr>
-              <a:t>  let </a:t>
-            </a:r>
-            <a:r>
               <a:rPr lang="en-US" sz="2100" dirty="0">
                 <a:solidFill>
                   <a:schemeClr val="tx1">
@@ -32588,7 +32825,7 @@
                 <a:latin typeface="Courier New" panose="02070309020205020404" pitchFamily="49" charset="0"/>
                 <a:cs typeface="Courier New" panose="02070309020205020404" pitchFamily="49" charset="0"/>
               </a:rPr>
-              <a:t>store; </a:t>
+              <a:t>  let store; </a:t>
             </a:r>
           </a:p>
           <a:p>
@@ -32604,18 +32841,6 @@
               </a:spcAft>
             </a:pPr>
             <a:r>
-              <a:rPr lang="en-US" sz="2100" dirty="0" smtClean="0">
-                <a:solidFill>
-                  <a:schemeClr val="tx1">
-                    <a:lumMod val="75000"/>
-                  </a:schemeClr>
-                </a:solidFill>
-                <a:latin typeface="Courier New" panose="02070309020205020404" pitchFamily="49" charset="0"/>
-                <a:cs typeface="Courier New" panose="02070309020205020404" pitchFamily="49" charset="0"/>
-              </a:rPr>
-              <a:t>  let </a:t>
-            </a:r>
-            <a:r>
               <a:rPr lang="en-US" sz="2100" dirty="0">
                 <a:solidFill>
                   <a:schemeClr val="tx1">
@@ -32625,7 +32850,7 @@
                 <a:latin typeface="Courier New" panose="02070309020205020404" pitchFamily="49" charset="0"/>
                 <a:cs typeface="Courier New" panose="02070309020205020404" pitchFamily="49" charset="0"/>
               </a:rPr>
-              <a:t>cmp; </a:t>
+              <a:t>  let cmp; </a:t>
             </a:r>
           </a:p>
           <a:p>
@@ -32640,7 +32865,7 @@
                 <a:spcPts val="0"/>
               </a:spcAft>
             </a:pPr>
-            <a:endParaRPr lang="en-US" sz="2100" dirty="0" smtClean="0">
+            <a:endParaRPr lang="en-US" sz="2100" dirty="0">
               <a:solidFill>
                 <a:schemeClr val="tx1">
                   <a:lumMod val="75000"/>
@@ -32663,7 +32888,7 @@
               </a:spcAft>
             </a:pPr>
             <a:r>
-              <a:rPr lang="en-US" sz="2100" dirty="0" smtClean="0">
+              <a:rPr lang="en-US" sz="2100" dirty="0">
                 <a:solidFill>
                   <a:schemeClr val="tx1">
                     <a:lumMod val="75000"/>
@@ -32675,7 +32900,7 @@
               <a:t>  </a:t>
             </a:r>
             <a:r>
-              <a:rPr lang="en-US" sz="2100" dirty="0" err="1" smtClean="0">
+              <a:rPr lang="en-US" sz="2100" dirty="0" err="1">
                 <a:solidFill>
                   <a:schemeClr val="tx1">
                     <a:lumMod val="75000"/>
@@ -32687,18 +32912,6 @@
               <a:t>beforeEach</a:t>
             </a:r>
             <a:r>
-              <a:rPr lang="en-US" sz="2100" dirty="0" smtClean="0">
-                <a:solidFill>
-                  <a:schemeClr val="tx1">
-                    <a:lumMod val="75000"/>
-                  </a:schemeClr>
-                </a:solidFill>
-                <a:latin typeface="Courier New" panose="02070309020205020404" pitchFamily="49" charset="0"/>
-                <a:cs typeface="Courier New" panose="02070309020205020404" pitchFamily="49" charset="0"/>
-              </a:rPr>
-              <a:t>(() </a:t>
-            </a:r>
-            <a:r>
               <a:rPr lang="en-US" sz="2100" dirty="0">
                 <a:solidFill>
                   <a:schemeClr val="tx1">
@@ -32708,7 +32921,7 @@
                 <a:latin typeface="Courier New" panose="02070309020205020404" pitchFamily="49" charset="0"/>
                 <a:cs typeface="Courier New" panose="02070309020205020404" pitchFamily="49" charset="0"/>
               </a:rPr>
-              <a:t>=&gt; {</a:t>
+              <a:t>(() =&gt; {</a:t>
             </a:r>
           </a:p>
           <a:p>
@@ -32724,18 +32937,6 @@
               </a:spcAft>
             </a:pPr>
             <a:r>
-              <a:rPr lang="en-US" sz="2100" dirty="0" smtClean="0">
-                <a:solidFill>
-                  <a:schemeClr val="tx1">
-                    <a:lumMod val="75000"/>
-                  </a:schemeClr>
-                </a:solidFill>
-                <a:latin typeface="Courier New" panose="02070309020205020404" pitchFamily="49" charset="0"/>
-                <a:cs typeface="Courier New" panose="02070309020205020404" pitchFamily="49" charset="0"/>
-              </a:rPr>
-              <a:t>    store </a:t>
-            </a:r>
-            <a:r>
               <a:rPr lang="en-US" sz="2100" dirty="0">
                 <a:solidFill>
                   <a:schemeClr val="tx1">
@@ -32745,19 +32946,7 @@
                 <a:latin typeface="Courier New" panose="02070309020205020404" pitchFamily="49" charset="0"/>
                 <a:cs typeface="Courier New" panose="02070309020205020404" pitchFamily="49" charset="0"/>
               </a:rPr>
-              <a:t>= new </a:t>
-            </a:r>
-            <a:r>
-              <a:rPr lang="en-US" sz="2100" dirty="0">
-                <a:solidFill>
-                  <a:schemeClr val="tx1">
-                    <a:lumMod val="75000"/>
-                  </a:schemeClr>
-                </a:solidFill>
-                <a:latin typeface="Courier New" panose="02070309020205020404" pitchFamily="49" charset="0"/>
-                <a:cs typeface="Courier New" panose="02070309020205020404" pitchFamily="49" charset="0"/>
-              </a:rPr>
-              <a:t>Vuex.Store({</a:t>
+              <a:t>    store = new Vuex.Store({</a:t>
             </a:r>
           </a:p>
           <a:p>
@@ -32773,18 +32962,6 @@
               </a:spcAft>
             </a:pPr>
             <a:r>
-              <a:rPr lang="en-US" sz="2100" dirty="0" smtClean="0">
-                <a:solidFill>
-                  <a:schemeClr val="tx1">
-                    <a:lumMod val="75000"/>
-                  </a:schemeClr>
-                </a:solidFill>
-                <a:latin typeface="Courier New" panose="02070309020205020404" pitchFamily="49" charset="0"/>
-                <a:cs typeface="Courier New" panose="02070309020205020404" pitchFamily="49" charset="0"/>
-              </a:rPr>
-              <a:t>      state</a:t>
-            </a:r>
-            <a:r>
               <a:rPr lang="en-US" sz="2100" dirty="0">
                 <a:solidFill>
                   <a:schemeClr val="tx1">
@@ -32794,7 +32971,7 @@
                 <a:latin typeface="Courier New" panose="02070309020205020404" pitchFamily="49" charset="0"/>
                 <a:cs typeface="Courier New" panose="02070309020205020404" pitchFamily="49" charset="0"/>
               </a:rPr>
-              <a:t>: {</a:t>
+              <a:t>      state: {</a:t>
             </a:r>
           </a:p>
           <a:p>
@@ -32810,18 +32987,6 @@
               </a:spcAft>
             </a:pPr>
             <a:r>
-              <a:rPr lang="en-US" sz="2100" dirty="0" smtClean="0">
-                <a:solidFill>
-                  <a:schemeClr val="tx1">
-                    <a:lumMod val="75000"/>
-                  </a:schemeClr>
-                </a:solidFill>
-                <a:latin typeface="Courier New" panose="02070309020205020404" pitchFamily="49" charset="0"/>
-                <a:cs typeface="Courier New" panose="02070309020205020404" pitchFamily="49" charset="0"/>
-              </a:rPr>
-              <a:t>        apps</a:t>
-            </a:r>
-            <a:r>
               <a:rPr lang="en-US" sz="2100" dirty="0">
                 <a:solidFill>
                   <a:schemeClr val="tx1">
@@ -32831,19 +32996,7 @@
                 <a:latin typeface="Courier New" panose="02070309020205020404" pitchFamily="49" charset="0"/>
                 <a:cs typeface="Courier New" panose="02070309020205020404" pitchFamily="49" charset="0"/>
               </a:rPr>
-              <a:t>: </a:t>
-            </a:r>
-            <a:r>
-              <a:rPr lang="en-US" sz="2100" dirty="0">
-                <a:solidFill>
-                  <a:schemeClr val="tx1">
-                    <a:lumMod val="75000"/>
-                  </a:schemeClr>
-                </a:solidFill>
-                <a:latin typeface="Courier New" panose="02070309020205020404" pitchFamily="49" charset="0"/>
-                <a:cs typeface="Courier New" panose="02070309020205020404" pitchFamily="49" charset="0"/>
-              </a:rPr>
-              <a:t>mockAppsArr</a:t>
+              <a:t>        apps: mockAppsArr</a:t>
             </a:r>
           </a:p>
           <a:p>
@@ -32859,7 +33012,7 @@
               </a:spcAft>
             </a:pPr>
             <a:r>
-              <a:rPr lang="en-US" sz="2100" dirty="0" smtClean="0">
+              <a:rPr lang="en-US" sz="2100" dirty="0">
                 <a:solidFill>
                   <a:schemeClr val="tx1">
                     <a:lumMod val="75000"/>
@@ -32870,15 +33023,6 @@
               </a:rPr>
               <a:t>      }</a:t>
             </a:r>
-            <a:endParaRPr lang="en-US" sz="2100" dirty="0">
-              <a:solidFill>
-                <a:schemeClr val="tx1">
-                  <a:lumMod val="75000"/>
-                </a:schemeClr>
-              </a:solidFill>
-              <a:latin typeface="Courier New" panose="02070309020205020404" pitchFamily="49" charset="0"/>
-              <a:cs typeface="Courier New" panose="02070309020205020404" pitchFamily="49" charset="0"/>
-            </a:endParaRPr>
           </a:p>
           <a:p>
             <a:pPr>
@@ -32893,7 +33037,7 @@
               </a:spcAft>
             </a:pPr>
             <a:r>
-              <a:rPr lang="en-US" sz="2100" dirty="0" smtClean="0">
+              <a:rPr lang="en-US" sz="2100" dirty="0">
                 <a:solidFill>
                   <a:schemeClr val="tx1">
                     <a:lumMod val="75000"/>
@@ -32904,15 +33048,6 @@
               </a:rPr>
               <a:t>    });</a:t>
             </a:r>
-            <a:endParaRPr lang="en-US" sz="2100" dirty="0">
-              <a:solidFill>
-                <a:schemeClr val="tx1">
-                  <a:lumMod val="75000"/>
-                </a:schemeClr>
-              </a:solidFill>
-              <a:latin typeface="Courier New" panose="02070309020205020404" pitchFamily="49" charset="0"/>
-              <a:cs typeface="Courier New" panose="02070309020205020404" pitchFamily="49" charset="0"/>
-            </a:endParaRPr>
           </a:p>
           <a:p>
             <a:pPr>
@@ -32927,7 +33062,7 @@
               </a:spcAft>
             </a:pPr>
             <a:r>
-              <a:rPr lang="en-US" sz="2100" dirty="0" smtClean="0">
+              <a:rPr lang="en-US" sz="2100" dirty="0">
                 <a:solidFill>
                   <a:schemeClr val="tx1">
                     <a:lumMod val="75000"/>
@@ -32939,7 +33074,7 @@
               <a:t>    </a:t>
             </a:r>
             <a:r>
-              <a:rPr lang="en-US" sz="2100" dirty="0" err="1" smtClean="0">
+              <a:rPr lang="en-US" sz="2100" dirty="0" err="1">
                 <a:solidFill>
                   <a:schemeClr val="tx1">
                     <a:lumMod val="75000"/>
@@ -32951,18 +33086,6 @@
               <a:t>cmp</a:t>
             </a:r>
             <a:r>
-              <a:rPr lang="en-US" sz="2100" dirty="0" smtClean="0">
-                <a:solidFill>
-                  <a:schemeClr val="tx1">
-                    <a:lumMod val="75000"/>
-                  </a:schemeClr>
-                </a:solidFill>
-                <a:latin typeface="Courier New" panose="02070309020205020404" pitchFamily="49" charset="0"/>
-                <a:cs typeface="Courier New" panose="02070309020205020404" pitchFamily="49" charset="0"/>
-              </a:rPr>
-              <a:t> </a:t>
-            </a:r>
-            <a:r>
               <a:rPr lang="en-US" sz="2100" dirty="0">
                 <a:solidFill>
                   <a:schemeClr val="tx1">
@@ -32972,19 +33095,7 @@
                 <a:latin typeface="Courier New" panose="02070309020205020404" pitchFamily="49" charset="0"/>
                 <a:cs typeface="Courier New" panose="02070309020205020404" pitchFamily="49" charset="0"/>
               </a:rPr>
-              <a:t>= </a:t>
-            </a:r>
-            <a:r>
-              <a:rPr lang="en-US" sz="2100" dirty="0">
-                <a:solidFill>
-                  <a:schemeClr val="tx1">
-                    <a:lumMod val="75000"/>
-                  </a:schemeClr>
-                </a:solidFill>
-                <a:latin typeface="Courier New" panose="02070309020205020404" pitchFamily="49" charset="0"/>
-                <a:cs typeface="Courier New" panose="02070309020205020404" pitchFamily="49" charset="0"/>
-              </a:rPr>
-              <a:t>shallowMount( Tiles, { localVue, store });</a:t>
+              <a:t> = shallowMount( Tiles, { localVue, store });</a:t>
             </a:r>
           </a:p>
           <a:p>
@@ -33000,7 +33111,7 @@
               </a:spcAft>
             </a:pPr>
             <a:r>
-              <a:rPr lang="en-US" sz="2100" dirty="0" smtClean="0">
+              <a:rPr lang="en-US" sz="2100" dirty="0">
                 <a:solidFill>
                   <a:schemeClr val="tx1">
                     <a:lumMod val="75000"/>
@@ -33011,15 +33122,6 @@
               </a:rPr>
               <a:t>  });</a:t>
             </a:r>
-            <a:endParaRPr lang="en-US" sz="2100" dirty="0">
-              <a:solidFill>
-                <a:schemeClr val="tx1">
-                  <a:lumMod val="75000"/>
-                </a:schemeClr>
-              </a:solidFill>
-              <a:latin typeface="Courier New" panose="02070309020205020404" pitchFamily="49" charset="0"/>
-              <a:cs typeface="Courier New" panose="02070309020205020404" pitchFamily="49" charset="0"/>
-            </a:endParaRPr>
           </a:p>
           <a:p>
             <a:pPr>
@@ -33033,18 +33135,6 @@
                 <a:spcPts val="0"/>
               </a:spcAft>
             </a:pPr>
-            <a:r>
-              <a:rPr lang="en-US" sz="2100" dirty="0">
-                <a:solidFill>
-                  <a:schemeClr val="tx1">
-                    <a:lumMod val="75000"/>
-                  </a:schemeClr>
-                </a:solidFill>
-                <a:latin typeface="Courier New" panose="02070309020205020404" pitchFamily="49" charset="0"/>
-                <a:cs typeface="Courier New" panose="02070309020205020404" pitchFamily="49" charset="0"/>
-              </a:rPr>
-              <a:t/>
-            </a:r>
             <a:br>
               <a:rPr lang="en-US" sz="2100" dirty="0">
                 <a:solidFill>
@@ -33057,18 +33147,6 @@
               </a:rPr>
             </a:br>
             <a:r>
-              <a:rPr lang="en-US" sz="2100" dirty="0" smtClean="0">
-                <a:solidFill>
-                  <a:schemeClr val="tx1">
-                    <a:lumMod val="75000"/>
-                  </a:schemeClr>
-                </a:solidFill>
-                <a:latin typeface="Courier New" panose="02070309020205020404" pitchFamily="49" charset="0"/>
-                <a:cs typeface="Courier New" panose="02070309020205020404" pitchFamily="49" charset="0"/>
-              </a:rPr>
-              <a:t>  it</a:t>
-            </a:r>
-            <a:r>
               <a:rPr lang="en-US" sz="2100" dirty="0">
                 <a:solidFill>
                   <a:schemeClr val="tx1">
@@ -33078,7 +33156,7 @@
                 <a:latin typeface="Courier New" panose="02070309020205020404" pitchFamily="49" charset="0"/>
                 <a:cs typeface="Courier New" panose="02070309020205020404" pitchFamily="49" charset="0"/>
               </a:rPr>
-              <a:t>('Check recently viewed added apps array on load', () =&gt; {</a:t>
+              <a:t>  it('Check recently viewed added apps array on load', () =&gt; {</a:t>
             </a:r>
           </a:p>
           <a:p>
@@ -33094,7 +33172,7 @@
               </a:spcAft>
             </a:pPr>
             <a:r>
-              <a:rPr lang="en-US" sz="2100" dirty="0" smtClean="0">
+              <a:rPr lang="en-US" sz="2100" dirty="0">
                 <a:solidFill>
                   <a:schemeClr val="tx1">
                     <a:lumMod val="75000"/>
@@ -33106,7 +33184,7 @@
               <a:t>    expect(</a:t>
             </a:r>
             <a:r>
-              <a:rPr lang="en-US" sz="2100" dirty="0" err="1" smtClean="0">
+              <a:rPr lang="en-US" sz="2100" dirty="0" err="1">
                 <a:solidFill>
                   <a:schemeClr val="tx1">
                     <a:lumMod val="75000"/>
@@ -33118,7 +33196,7 @@
               <a:t>cmp.vm.apps</a:t>
             </a:r>
             <a:r>
-              <a:rPr lang="en-US" sz="2100" dirty="0" smtClean="0">
+              <a:rPr lang="en-US" sz="2100" dirty="0">
                 <a:solidFill>
                   <a:schemeClr val="tx1">
                     <a:lumMod val="75000"/>
@@ -33130,7 +33208,7 @@
               <a:t>).</a:t>
             </a:r>
             <a:r>
-              <a:rPr lang="en-US" sz="2100" dirty="0" err="1" smtClean="0">
+              <a:rPr lang="en-US" sz="2100" dirty="0" err="1">
                 <a:solidFill>
                   <a:schemeClr val="tx1">
                     <a:lumMod val="75000"/>
@@ -33142,7 +33220,7 @@
               <a:t>toHaveLength</a:t>
             </a:r>
             <a:r>
-              <a:rPr lang="en-US" sz="2100" dirty="0" smtClean="0">
+              <a:rPr lang="en-US" sz="2100" dirty="0">
                 <a:solidFill>
                   <a:schemeClr val="tx1">
                     <a:lumMod val="75000"/>
@@ -33167,7 +33245,7 @@
               </a:spcAft>
             </a:pPr>
             <a:r>
-              <a:rPr lang="en-US" sz="2100" dirty="0" smtClean="0">
+              <a:rPr lang="en-US" sz="2100" dirty="0">
                 <a:solidFill>
                   <a:schemeClr val="tx1">
                     <a:lumMod val="75000"/>
@@ -33178,15 +33256,6 @@
               </a:rPr>
               <a:t>  }); </a:t>
             </a:r>
-            <a:endParaRPr lang="en-US" sz="2100" dirty="0">
-              <a:solidFill>
-                <a:schemeClr val="tx1">
-                  <a:lumMod val="75000"/>
-                </a:schemeClr>
-              </a:solidFill>
-              <a:latin typeface="Courier New" panose="02070309020205020404" pitchFamily="49" charset="0"/>
-              <a:cs typeface="Courier New" panose="02070309020205020404" pitchFamily="49" charset="0"/>
-            </a:endParaRPr>
           </a:p>
           <a:p>
             <a:pPr>
@@ -33200,18 +33269,6 @@
                 <a:spcPts val="0"/>
               </a:spcAft>
             </a:pPr>
-            <a:r>
-              <a:rPr lang="en-US" sz="2100" dirty="0">
-                <a:solidFill>
-                  <a:schemeClr val="tx1">
-                    <a:lumMod val="75000"/>
-                  </a:schemeClr>
-                </a:solidFill>
-                <a:latin typeface="Courier New" panose="02070309020205020404" pitchFamily="49" charset="0"/>
-                <a:cs typeface="Courier New" panose="02070309020205020404" pitchFamily="49" charset="0"/>
-              </a:rPr>
-              <a:t/>
-            </a:r>
             <a:br>
               <a:rPr lang="en-US" sz="2100" dirty="0">
                 <a:solidFill>
@@ -33274,10 +33331,9 @@
           <a:lstStyle/>
           <a:p>
             <a:r>
-              <a:rPr lang="en-US" dirty="0" smtClean="0"/>
+              <a:rPr lang="en-US" dirty="0"/>
               <a:t>Mounting components</a:t>
             </a:r>
-            <a:endParaRPr lang="en-US" dirty="0"/>
           </a:p>
         </p:txBody>
       </p:sp>
@@ -33297,7 +33353,699 @@
   <p:timing>
     <p:tnLst>
       <p:par>
-        <p:cTn id="1" dur="indefinite" restart="never" nodeType="tmRoot"/>
+        <p:cTn id="1" dur="indefinite" restart="never" nodeType="tmRoot">
+          <p:childTnLst>
+            <p:seq concurrent="1" nextAc="seek">
+              <p:cTn id="2" dur="indefinite" nodeType="mainSeq">
+                <p:childTnLst>
+                  <p:par>
+                    <p:cTn id="3" fill="hold">
+                      <p:stCondLst>
+                        <p:cond delay="indefinite"/>
+                      </p:stCondLst>
+                      <p:childTnLst>
+                        <p:par>
+                          <p:cTn id="4" fill="hold">
+                            <p:stCondLst>
+                              <p:cond delay="0"/>
+                            </p:stCondLst>
+                            <p:childTnLst>
+                              <p:par>
+                                <p:cTn id="5" presetID="1" presetClass="entr" presetSubtype="0" fill="hold" nodeType="clickEffect">
+                                  <p:stCondLst>
+                                    <p:cond delay="0"/>
+                                  </p:stCondLst>
+                                  <p:childTnLst>
+                                    <p:set>
+                                      <p:cBhvr>
+                                        <p:cTn id="6" dur="1" fill="hold">
+                                          <p:stCondLst>
+                                            <p:cond delay="0"/>
+                                          </p:stCondLst>
+                                        </p:cTn>
+                                        <p:tgtEl>
+                                          <p:spTgt spid="4">
+                                            <p:txEl>
+                                              <p:pRg st="0" end="0"/>
+                                            </p:txEl>
+                                          </p:spTgt>
+                                        </p:tgtEl>
+                                        <p:attrNameLst>
+                                          <p:attrName>style.visibility</p:attrName>
+                                        </p:attrNameLst>
+                                      </p:cBhvr>
+                                      <p:to>
+                                        <p:strVal val="visible"/>
+                                      </p:to>
+                                    </p:set>
+                                  </p:childTnLst>
+                                </p:cTn>
+                              </p:par>
+                              <p:par>
+                                <p:cTn id="7" presetID="1" presetClass="entr" presetSubtype="0" fill="hold" nodeType="withEffect">
+                                  <p:stCondLst>
+                                    <p:cond delay="0"/>
+                                  </p:stCondLst>
+                                  <p:childTnLst>
+                                    <p:set>
+                                      <p:cBhvr>
+                                        <p:cTn id="8" dur="1" fill="hold">
+                                          <p:stCondLst>
+                                            <p:cond delay="0"/>
+                                          </p:stCondLst>
+                                        </p:cTn>
+                                        <p:tgtEl>
+                                          <p:spTgt spid="4">
+                                            <p:txEl>
+                                              <p:pRg st="1" end="1"/>
+                                            </p:txEl>
+                                          </p:spTgt>
+                                        </p:tgtEl>
+                                        <p:attrNameLst>
+                                          <p:attrName>style.visibility</p:attrName>
+                                        </p:attrNameLst>
+                                      </p:cBhvr>
+                                      <p:to>
+                                        <p:strVal val="visible"/>
+                                      </p:to>
+                                    </p:set>
+                                  </p:childTnLst>
+                                </p:cTn>
+                              </p:par>
+                              <p:par>
+                                <p:cTn id="9" presetID="1" presetClass="entr" presetSubtype="0" fill="hold" nodeType="withEffect">
+                                  <p:stCondLst>
+                                    <p:cond delay="0"/>
+                                  </p:stCondLst>
+                                  <p:childTnLst>
+                                    <p:set>
+                                      <p:cBhvr>
+                                        <p:cTn id="10" dur="1" fill="hold">
+                                          <p:stCondLst>
+                                            <p:cond delay="0"/>
+                                          </p:stCondLst>
+                                        </p:cTn>
+                                        <p:tgtEl>
+                                          <p:spTgt spid="4">
+                                            <p:txEl>
+                                              <p:pRg st="2" end="2"/>
+                                            </p:txEl>
+                                          </p:spTgt>
+                                        </p:tgtEl>
+                                        <p:attrNameLst>
+                                          <p:attrName>style.visibility</p:attrName>
+                                        </p:attrNameLst>
+                                      </p:cBhvr>
+                                      <p:to>
+                                        <p:strVal val="visible"/>
+                                      </p:to>
+                                    </p:set>
+                                  </p:childTnLst>
+                                </p:cTn>
+                              </p:par>
+                              <p:par>
+                                <p:cTn id="11" presetID="1" presetClass="entr" presetSubtype="0" fill="hold" nodeType="withEffect">
+                                  <p:stCondLst>
+                                    <p:cond delay="0"/>
+                                  </p:stCondLst>
+                                  <p:childTnLst>
+                                    <p:set>
+                                      <p:cBhvr>
+                                        <p:cTn id="12" dur="1" fill="hold">
+                                          <p:stCondLst>
+                                            <p:cond delay="0"/>
+                                          </p:stCondLst>
+                                        </p:cTn>
+                                        <p:tgtEl>
+                                          <p:spTgt spid="4">
+                                            <p:txEl>
+                                              <p:pRg st="3" end="3"/>
+                                            </p:txEl>
+                                          </p:spTgt>
+                                        </p:tgtEl>
+                                        <p:attrNameLst>
+                                          <p:attrName>style.visibility</p:attrName>
+                                        </p:attrNameLst>
+                                      </p:cBhvr>
+                                      <p:to>
+                                        <p:strVal val="visible"/>
+                                      </p:to>
+                                    </p:set>
+                                  </p:childTnLst>
+                                </p:cTn>
+                              </p:par>
+                              <p:par>
+                                <p:cTn id="13" presetID="1" presetClass="entr" presetSubtype="0" fill="hold" nodeType="withEffect">
+                                  <p:stCondLst>
+                                    <p:cond delay="0"/>
+                                  </p:stCondLst>
+                                  <p:childTnLst>
+                                    <p:set>
+                                      <p:cBhvr>
+                                        <p:cTn id="14" dur="1" fill="hold">
+                                          <p:stCondLst>
+                                            <p:cond delay="0"/>
+                                          </p:stCondLst>
+                                        </p:cTn>
+                                        <p:tgtEl>
+                                          <p:spTgt spid="4">
+                                            <p:txEl>
+                                              <p:pRg st="4" end="4"/>
+                                            </p:txEl>
+                                          </p:spTgt>
+                                        </p:tgtEl>
+                                        <p:attrNameLst>
+                                          <p:attrName>style.visibility</p:attrName>
+                                        </p:attrNameLst>
+                                      </p:cBhvr>
+                                      <p:to>
+                                        <p:strVal val="visible"/>
+                                      </p:to>
+                                    </p:set>
+                                  </p:childTnLst>
+                                </p:cTn>
+                              </p:par>
+                              <p:par>
+                                <p:cTn id="15" presetID="1" presetClass="entr" presetSubtype="0" fill="hold" nodeType="withEffect">
+                                  <p:stCondLst>
+                                    <p:cond delay="0"/>
+                                  </p:stCondLst>
+                                  <p:childTnLst>
+                                    <p:set>
+                                      <p:cBhvr>
+                                        <p:cTn id="16" dur="1" fill="hold">
+                                          <p:stCondLst>
+                                            <p:cond delay="0"/>
+                                          </p:stCondLst>
+                                        </p:cTn>
+                                        <p:tgtEl>
+                                          <p:spTgt spid="4">
+                                            <p:txEl>
+                                              <p:pRg st="5" end="5"/>
+                                            </p:txEl>
+                                          </p:spTgt>
+                                        </p:tgtEl>
+                                        <p:attrNameLst>
+                                          <p:attrName>style.visibility</p:attrName>
+                                        </p:attrNameLst>
+                                      </p:cBhvr>
+                                      <p:to>
+                                        <p:strVal val="visible"/>
+                                      </p:to>
+                                    </p:set>
+                                  </p:childTnLst>
+                                </p:cTn>
+                              </p:par>
+                              <p:par>
+                                <p:cTn id="17" presetID="1" presetClass="entr" presetSubtype="0" fill="hold" nodeType="withEffect">
+                                  <p:stCondLst>
+                                    <p:cond delay="0"/>
+                                  </p:stCondLst>
+                                  <p:childTnLst>
+                                    <p:set>
+                                      <p:cBhvr>
+                                        <p:cTn id="18" dur="1" fill="hold">
+                                          <p:stCondLst>
+                                            <p:cond delay="0"/>
+                                          </p:stCondLst>
+                                        </p:cTn>
+                                        <p:tgtEl>
+                                          <p:spTgt spid="4">
+                                            <p:txEl>
+                                              <p:pRg st="6" end="6"/>
+                                            </p:txEl>
+                                          </p:spTgt>
+                                        </p:tgtEl>
+                                        <p:attrNameLst>
+                                          <p:attrName>style.visibility</p:attrName>
+                                        </p:attrNameLst>
+                                      </p:cBhvr>
+                                      <p:to>
+                                        <p:strVal val="visible"/>
+                                      </p:to>
+                                    </p:set>
+                                  </p:childTnLst>
+                                </p:cTn>
+                              </p:par>
+                              <p:par>
+                                <p:cTn id="19" presetID="1" presetClass="entr" presetSubtype="0" fill="hold" nodeType="withEffect">
+                                  <p:stCondLst>
+                                    <p:cond delay="0"/>
+                                  </p:stCondLst>
+                                  <p:childTnLst>
+                                    <p:set>
+                                      <p:cBhvr>
+                                        <p:cTn id="20" dur="1" fill="hold">
+                                          <p:stCondLst>
+                                            <p:cond delay="0"/>
+                                          </p:stCondLst>
+                                        </p:cTn>
+                                        <p:tgtEl>
+                                          <p:spTgt spid="4">
+                                            <p:txEl>
+                                              <p:pRg st="8" end="8"/>
+                                            </p:txEl>
+                                          </p:spTgt>
+                                        </p:tgtEl>
+                                        <p:attrNameLst>
+                                          <p:attrName>style.visibility</p:attrName>
+                                        </p:attrNameLst>
+                                      </p:cBhvr>
+                                      <p:to>
+                                        <p:strVal val="visible"/>
+                                      </p:to>
+                                    </p:set>
+                                  </p:childTnLst>
+                                </p:cTn>
+                              </p:par>
+                              <p:par>
+                                <p:cTn id="21" presetID="1" presetClass="entr" presetSubtype="0" fill="hold" nodeType="withEffect">
+                                  <p:stCondLst>
+                                    <p:cond delay="0"/>
+                                  </p:stCondLst>
+                                  <p:childTnLst>
+                                    <p:set>
+                                      <p:cBhvr>
+                                        <p:cTn id="22" dur="1" fill="hold">
+                                          <p:stCondLst>
+                                            <p:cond delay="0"/>
+                                          </p:stCondLst>
+                                        </p:cTn>
+                                        <p:tgtEl>
+                                          <p:spTgt spid="4">
+                                            <p:txEl>
+                                              <p:pRg st="9" end="9"/>
+                                            </p:txEl>
+                                          </p:spTgt>
+                                        </p:tgtEl>
+                                        <p:attrNameLst>
+                                          <p:attrName>style.visibility</p:attrName>
+                                        </p:attrNameLst>
+                                      </p:cBhvr>
+                                      <p:to>
+                                        <p:strVal val="visible"/>
+                                      </p:to>
+                                    </p:set>
+                                  </p:childTnLst>
+                                </p:cTn>
+                              </p:par>
+                              <p:par>
+                                <p:cTn id="23" presetID="1" presetClass="entr" presetSubtype="0" fill="hold" nodeType="withEffect">
+                                  <p:stCondLst>
+                                    <p:cond delay="0"/>
+                                  </p:stCondLst>
+                                  <p:childTnLst>
+                                    <p:set>
+                                      <p:cBhvr>
+                                        <p:cTn id="24" dur="1" fill="hold">
+                                          <p:stCondLst>
+                                            <p:cond delay="0"/>
+                                          </p:stCondLst>
+                                        </p:cTn>
+                                        <p:tgtEl>
+                                          <p:spTgt spid="4">
+                                            <p:txEl>
+                                              <p:pRg st="11" end="11"/>
+                                            </p:txEl>
+                                          </p:spTgt>
+                                        </p:tgtEl>
+                                        <p:attrNameLst>
+                                          <p:attrName>style.visibility</p:attrName>
+                                        </p:attrNameLst>
+                                      </p:cBhvr>
+                                      <p:to>
+                                        <p:strVal val="visible"/>
+                                      </p:to>
+                                    </p:set>
+                                  </p:childTnLst>
+                                </p:cTn>
+                              </p:par>
+                              <p:par>
+                                <p:cTn id="25" presetID="1" presetClass="entr" presetSubtype="0" fill="hold" nodeType="withEffect">
+                                  <p:stCondLst>
+                                    <p:cond delay="0"/>
+                                  </p:stCondLst>
+                                  <p:childTnLst>
+                                    <p:set>
+                                      <p:cBhvr>
+                                        <p:cTn id="26" dur="1" fill="hold">
+                                          <p:stCondLst>
+                                            <p:cond delay="0"/>
+                                          </p:stCondLst>
+                                        </p:cTn>
+                                        <p:tgtEl>
+                                          <p:spTgt spid="4">
+                                            <p:txEl>
+                                              <p:pRg st="12" end="12"/>
+                                            </p:txEl>
+                                          </p:spTgt>
+                                        </p:tgtEl>
+                                        <p:attrNameLst>
+                                          <p:attrName>style.visibility</p:attrName>
+                                        </p:attrNameLst>
+                                      </p:cBhvr>
+                                      <p:to>
+                                        <p:strVal val="visible"/>
+                                      </p:to>
+                                    </p:set>
+                                  </p:childTnLst>
+                                </p:cTn>
+                              </p:par>
+                              <p:par>
+                                <p:cTn id="27" presetID="1" presetClass="entr" presetSubtype="0" fill="hold" nodeType="withEffect">
+                                  <p:stCondLst>
+                                    <p:cond delay="0"/>
+                                  </p:stCondLst>
+                                  <p:childTnLst>
+                                    <p:set>
+                                      <p:cBhvr>
+                                        <p:cTn id="28" dur="1" fill="hold">
+                                          <p:stCondLst>
+                                            <p:cond delay="0"/>
+                                          </p:stCondLst>
+                                        </p:cTn>
+                                        <p:tgtEl>
+                                          <p:spTgt spid="4">
+                                            <p:txEl>
+                                              <p:pRg st="13" end="13"/>
+                                            </p:txEl>
+                                          </p:spTgt>
+                                        </p:tgtEl>
+                                        <p:attrNameLst>
+                                          <p:attrName>style.visibility</p:attrName>
+                                        </p:attrNameLst>
+                                      </p:cBhvr>
+                                      <p:to>
+                                        <p:strVal val="visible"/>
+                                      </p:to>
+                                    </p:set>
+                                  </p:childTnLst>
+                                </p:cTn>
+                              </p:par>
+                              <p:par>
+                                <p:cTn id="29" presetID="1" presetClass="entr" presetSubtype="0" fill="hold" nodeType="withEffect">
+                                  <p:stCondLst>
+                                    <p:cond delay="0"/>
+                                  </p:stCondLst>
+                                  <p:childTnLst>
+                                    <p:set>
+                                      <p:cBhvr>
+                                        <p:cTn id="30" dur="1" fill="hold">
+                                          <p:stCondLst>
+                                            <p:cond delay="0"/>
+                                          </p:stCondLst>
+                                        </p:cTn>
+                                        <p:tgtEl>
+                                          <p:spTgt spid="4">
+                                            <p:txEl>
+                                              <p:pRg st="14" end="14"/>
+                                            </p:txEl>
+                                          </p:spTgt>
+                                        </p:tgtEl>
+                                        <p:attrNameLst>
+                                          <p:attrName>style.visibility</p:attrName>
+                                        </p:attrNameLst>
+                                      </p:cBhvr>
+                                      <p:to>
+                                        <p:strVal val="visible"/>
+                                      </p:to>
+                                    </p:set>
+                                  </p:childTnLst>
+                                </p:cTn>
+                              </p:par>
+                              <p:par>
+                                <p:cTn id="31" presetID="1" presetClass="entr" presetSubtype="0" fill="hold" nodeType="withEffect">
+                                  <p:stCondLst>
+                                    <p:cond delay="0"/>
+                                  </p:stCondLst>
+                                  <p:childTnLst>
+                                    <p:set>
+                                      <p:cBhvr>
+                                        <p:cTn id="32" dur="1" fill="hold">
+                                          <p:stCondLst>
+                                            <p:cond delay="0"/>
+                                          </p:stCondLst>
+                                        </p:cTn>
+                                        <p:tgtEl>
+                                          <p:spTgt spid="4">
+                                            <p:txEl>
+                                              <p:pRg st="15" end="15"/>
+                                            </p:txEl>
+                                          </p:spTgt>
+                                        </p:tgtEl>
+                                        <p:attrNameLst>
+                                          <p:attrName>style.visibility</p:attrName>
+                                        </p:attrNameLst>
+                                      </p:cBhvr>
+                                      <p:to>
+                                        <p:strVal val="visible"/>
+                                      </p:to>
+                                    </p:set>
+                                  </p:childTnLst>
+                                </p:cTn>
+                              </p:par>
+                              <p:par>
+                                <p:cTn id="33" presetID="1" presetClass="entr" presetSubtype="0" fill="hold" nodeType="withEffect">
+                                  <p:stCondLst>
+                                    <p:cond delay="0"/>
+                                  </p:stCondLst>
+                                  <p:childTnLst>
+                                    <p:set>
+                                      <p:cBhvr>
+                                        <p:cTn id="34" dur="1" fill="hold">
+                                          <p:stCondLst>
+                                            <p:cond delay="0"/>
+                                          </p:stCondLst>
+                                        </p:cTn>
+                                        <p:tgtEl>
+                                          <p:spTgt spid="4">
+                                            <p:txEl>
+                                              <p:pRg st="16" end="16"/>
+                                            </p:txEl>
+                                          </p:spTgt>
+                                        </p:tgtEl>
+                                        <p:attrNameLst>
+                                          <p:attrName>style.visibility</p:attrName>
+                                        </p:attrNameLst>
+                                      </p:cBhvr>
+                                      <p:to>
+                                        <p:strVal val="visible"/>
+                                      </p:to>
+                                    </p:set>
+                                  </p:childTnLst>
+                                </p:cTn>
+                              </p:par>
+                              <p:par>
+                                <p:cTn id="35" presetID="1" presetClass="entr" presetSubtype="0" fill="hold" nodeType="withEffect">
+                                  <p:stCondLst>
+                                    <p:cond delay="0"/>
+                                  </p:stCondLst>
+                                  <p:childTnLst>
+                                    <p:set>
+                                      <p:cBhvr>
+                                        <p:cTn id="36" dur="1" fill="hold">
+                                          <p:stCondLst>
+                                            <p:cond delay="0"/>
+                                          </p:stCondLst>
+                                        </p:cTn>
+                                        <p:tgtEl>
+                                          <p:spTgt spid="4">
+                                            <p:txEl>
+                                              <p:pRg st="17" end="17"/>
+                                            </p:txEl>
+                                          </p:spTgt>
+                                        </p:tgtEl>
+                                        <p:attrNameLst>
+                                          <p:attrName>style.visibility</p:attrName>
+                                        </p:attrNameLst>
+                                      </p:cBhvr>
+                                      <p:to>
+                                        <p:strVal val="visible"/>
+                                      </p:to>
+                                    </p:set>
+                                  </p:childTnLst>
+                                </p:cTn>
+                              </p:par>
+                              <p:par>
+                                <p:cTn id="37" presetID="1" presetClass="entr" presetSubtype="0" fill="hold" nodeType="withEffect">
+                                  <p:stCondLst>
+                                    <p:cond delay="0"/>
+                                  </p:stCondLst>
+                                  <p:childTnLst>
+                                    <p:set>
+                                      <p:cBhvr>
+                                        <p:cTn id="38" dur="1" fill="hold">
+                                          <p:stCondLst>
+                                            <p:cond delay="0"/>
+                                          </p:stCondLst>
+                                        </p:cTn>
+                                        <p:tgtEl>
+                                          <p:spTgt spid="4">
+                                            <p:txEl>
+                                              <p:pRg st="18" end="18"/>
+                                            </p:txEl>
+                                          </p:spTgt>
+                                        </p:tgtEl>
+                                        <p:attrNameLst>
+                                          <p:attrName>style.visibility</p:attrName>
+                                        </p:attrNameLst>
+                                      </p:cBhvr>
+                                      <p:to>
+                                        <p:strVal val="visible"/>
+                                      </p:to>
+                                    </p:set>
+                                  </p:childTnLst>
+                                </p:cTn>
+                              </p:par>
+                              <p:par>
+                                <p:cTn id="39" presetID="1" presetClass="entr" presetSubtype="0" fill="hold" nodeType="withEffect">
+                                  <p:stCondLst>
+                                    <p:cond delay="0"/>
+                                  </p:stCondLst>
+                                  <p:childTnLst>
+                                    <p:set>
+                                      <p:cBhvr>
+                                        <p:cTn id="40" dur="1" fill="hold">
+                                          <p:stCondLst>
+                                            <p:cond delay="0"/>
+                                          </p:stCondLst>
+                                        </p:cTn>
+                                        <p:tgtEl>
+                                          <p:spTgt spid="4">
+                                            <p:txEl>
+                                              <p:pRg st="19" end="19"/>
+                                            </p:txEl>
+                                          </p:spTgt>
+                                        </p:tgtEl>
+                                        <p:attrNameLst>
+                                          <p:attrName>style.visibility</p:attrName>
+                                        </p:attrNameLst>
+                                      </p:cBhvr>
+                                      <p:to>
+                                        <p:strVal val="visible"/>
+                                      </p:to>
+                                    </p:set>
+                                  </p:childTnLst>
+                                </p:cTn>
+                              </p:par>
+                              <p:par>
+                                <p:cTn id="41" presetID="1" presetClass="entr" presetSubtype="0" fill="hold" nodeType="withEffect">
+                                  <p:stCondLst>
+                                    <p:cond delay="0"/>
+                                  </p:stCondLst>
+                                  <p:childTnLst>
+                                    <p:set>
+                                      <p:cBhvr>
+                                        <p:cTn id="42" dur="1" fill="hold">
+                                          <p:stCondLst>
+                                            <p:cond delay="0"/>
+                                          </p:stCondLst>
+                                        </p:cTn>
+                                        <p:tgtEl>
+                                          <p:spTgt spid="4">
+                                            <p:txEl>
+                                              <p:pRg st="20" end="20"/>
+                                            </p:txEl>
+                                          </p:spTgt>
+                                        </p:tgtEl>
+                                        <p:attrNameLst>
+                                          <p:attrName>style.visibility</p:attrName>
+                                        </p:attrNameLst>
+                                      </p:cBhvr>
+                                      <p:to>
+                                        <p:strVal val="visible"/>
+                                      </p:to>
+                                    </p:set>
+                                  </p:childTnLst>
+                                </p:cTn>
+                              </p:par>
+                              <p:par>
+                                <p:cTn id="43" presetID="1" presetClass="entr" presetSubtype="0" fill="hold" nodeType="withEffect">
+                                  <p:stCondLst>
+                                    <p:cond delay="0"/>
+                                  </p:stCondLst>
+                                  <p:childTnLst>
+                                    <p:set>
+                                      <p:cBhvr>
+                                        <p:cTn id="44" dur="1" fill="hold">
+                                          <p:stCondLst>
+                                            <p:cond delay="0"/>
+                                          </p:stCondLst>
+                                        </p:cTn>
+                                        <p:tgtEl>
+                                          <p:spTgt spid="4">
+                                            <p:txEl>
+                                              <p:pRg st="21" end="21"/>
+                                            </p:txEl>
+                                          </p:spTgt>
+                                        </p:tgtEl>
+                                        <p:attrNameLst>
+                                          <p:attrName>style.visibility</p:attrName>
+                                        </p:attrNameLst>
+                                      </p:cBhvr>
+                                      <p:to>
+                                        <p:strVal val="visible"/>
+                                      </p:to>
+                                    </p:set>
+                                  </p:childTnLst>
+                                </p:cTn>
+                              </p:par>
+                              <p:par>
+                                <p:cTn id="45" presetID="1" presetClass="entr" presetSubtype="0" fill="hold" nodeType="withEffect">
+                                  <p:stCondLst>
+                                    <p:cond delay="0"/>
+                                  </p:stCondLst>
+                                  <p:childTnLst>
+                                    <p:set>
+                                      <p:cBhvr>
+                                        <p:cTn id="46" dur="1" fill="hold">
+                                          <p:stCondLst>
+                                            <p:cond delay="0"/>
+                                          </p:stCondLst>
+                                        </p:cTn>
+                                        <p:tgtEl>
+                                          <p:spTgt spid="4">
+                                            <p:txEl>
+                                              <p:pRg st="22" end="22"/>
+                                            </p:txEl>
+                                          </p:spTgt>
+                                        </p:tgtEl>
+                                        <p:attrNameLst>
+                                          <p:attrName>style.visibility</p:attrName>
+                                        </p:attrNameLst>
+                                      </p:cBhvr>
+                                      <p:to>
+                                        <p:strVal val="visible"/>
+                                      </p:to>
+                                    </p:set>
+                                  </p:childTnLst>
+                                </p:cTn>
+                              </p:par>
+                            </p:childTnLst>
+                          </p:cTn>
+                        </p:par>
+                      </p:childTnLst>
+                    </p:cTn>
+                  </p:par>
+                </p:childTnLst>
+              </p:cTn>
+              <p:prevCondLst>
+                <p:cond evt="onPrev" delay="0">
+                  <p:tgtEl>
+                    <p:sldTgt/>
+                  </p:tgtEl>
+                </p:cond>
+              </p:prevCondLst>
+              <p:nextCondLst>
+                <p:cond evt="onNext" delay="0">
+                  <p:tgtEl>
+                    <p:sldTgt/>
+                  </p:tgtEl>
+                </p:cond>
+              </p:nextCondLst>
+            </p:seq>
+          </p:childTnLst>
+        </p:cTn>
       </p:par>
     </p:tnLst>
   </p:timing>
@@ -33337,37 +34085,16 @@
           <a:lstStyle/>
           <a:p>
             <a:r>
-              <a:rPr lang="en-US" dirty="0" err="1" smtClean="0"/>
+              <a:rPr lang="en-US" dirty="0" err="1"/>
               <a:t>AdminHub</a:t>
             </a:r>
             <a:r>
-              <a:rPr lang="en-US" dirty="0" smtClean="0"/>
-              <a:t> – </a:t>
-            </a:r>
-          </a:p>
-          <a:p>
-            <a:pPr marL="285750" indent="-285750">
-              <a:buFontTx/>
-              <a:buChar char="-"/>
-            </a:pPr>
-            <a:r>
-              <a:rPr lang="en-US" dirty="0" err="1" smtClean="0"/>
-              <a:t>App.vue</a:t>
-            </a:r>
-            <a:endParaRPr lang="en-US" dirty="0"/>
-          </a:p>
-          <a:p>
-            <a:pPr marL="285750" indent="-285750">
-              <a:buFontTx/>
-              <a:buChar char="-"/>
-            </a:pPr>
-            <a:r>
-              <a:rPr lang="en-US" dirty="0" err="1" smtClean="0"/>
+              <a:rPr lang="en-US" dirty="0"/>
+              <a:t> –  </a:t>
+            </a:r>
+            <a:r>
+              <a:rPr lang="en-US" dirty="0" err="1"/>
               <a:t>Tiles.vue</a:t>
-            </a:r>
-            <a:r>
-              <a:rPr lang="en-US" dirty="0" smtClean="0"/>
-              <a:t> </a:t>
             </a:r>
             <a:endParaRPr lang="en-US" dirty="0"/>
           </a:p>
@@ -33389,14 +34116,13 @@
           <a:lstStyle/>
           <a:p>
             <a:r>
-              <a:rPr lang="en-US" dirty="0" err="1" smtClean="0"/>
+              <a:rPr lang="en-US" dirty="0" err="1"/>
               <a:t>Vue</a:t>
             </a:r>
             <a:r>
-              <a:rPr lang="en-US" dirty="0" smtClean="0"/>
+              <a:rPr lang="en-US" dirty="0"/>
               <a:t> text examples</a:t>
             </a:r>
-            <a:endParaRPr lang="en-US" dirty="0"/>
           </a:p>
         </p:txBody>
       </p:sp>
@@ -33413,13 +34139,6 @@
   <p:transition spd="slow">
     <p:wipe/>
   </p:transition>
-  <p:timing>
-    <p:tnLst>
-      <p:par>
-        <p:cTn id="1" dur="indefinite" restart="never" nodeType="tmRoot"/>
-      </p:par>
-    </p:tnLst>
-  </p:timing>
 </p:sld>
 </file>
 
@@ -33486,7 +34205,7 @@
           <a:p>
             <a:pPr algn="ctr"/>
             <a:r>
-              <a:rPr lang="en-US" sz="3200" dirty="0" smtClean="0">
+              <a:rPr lang="en-US" sz="3200" dirty="0">
                 <a:solidFill>
                   <a:schemeClr val="bg1"/>
                 </a:solidFill>
@@ -33494,7 +34213,7 @@
               <a:t>Lets look at examples in </a:t>
             </a:r>
             <a:r>
-              <a:rPr lang="en-US" sz="3200" dirty="0" err="1" smtClean="0">
+              <a:rPr lang="en-US" sz="3200" dirty="0" err="1">
                 <a:solidFill>
                   <a:schemeClr val="bg1"/>
                 </a:solidFill>
@@ -33502,18 +34221,13 @@
               <a:t>jesttutorial</a:t>
             </a:r>
             <a:r>
-              <a:rPr lang="en-US" sz="3200" dirty="0" smtClean="0">
+              <a:rPr lang="en-US" sz="3200" dirty="0">
                 <a:solidFill>
                   <a:schemeClr val="bg1"/>
                 </a:solidFill>
               </a:rPr>
               <a:t> repo</a:t>
             </a:r>
-            <a:endParaRPr lang="en-US" sz="3200" dirty="0">
-              <a:solidFill>
-                <a:schemeClr val="bg1"/>
-              </a:solidFill>
-            </a:endParaRPr>
           </a:p>
         </p:txBody>
       </p:sp>
@@ -33530,13 +34244,6 @@
   <p:transition spd="slow">
     <p:wipe/>
   </p:transition>
-  <p:timing>
-    <p:tnLst>
-      <p:par>
-        <p:cTn id="1" dur="indefinite" restart="never" nodeType="tmRoot"/>
-      </p:par>
-    </p:tnLst>
-  </p:timing>
 </p:sld>
 </file>
 
@@ -33559,7 +34266,13 @@
       </p:grpSpPr>
       <p:sp>
         <p:nvSpPr>
-          <p:cNvPr id="2" name="Text Placeholder 1"/>
+          <p:cNvPr id="2" name="Text Placeholder 1">
+            <a:extLst>
+              <a:ext uri="{FF2B5EF4-FFF2-40B4-BE49-F238E27FC236}">
+                <a16:creationId xmlns:a16="http://schemas.microsoft.com/office/drawing/2014/main" id="{520A7EFD-3596-43E3-BDB0-06ECA8094941}"/>
+              </a:ext>
+            </a:extLst>
+          </p:cNvPr>
           <p:cNvSpPr>
             <a:spLocks noGrp="1"/>
           </p:cNvSpPr>
@@ -33573,18 +34286,48 @@
           <a:lstStyle/>
           <a:p>
             <a:r>
-              <a:rPr lang="en-US" dirty="0">
-                <a:hlinkClick r:id="rId2"/>
-              </a:rPr>
-              <a:t>https://medium.com/@me_37286/yoni-goldberg-javascript-nodejs-testing-best-practices-2b98924c9347</a:t>
-            </a:r>
+              <a:rPr lang="en-US" dirty="0"/>
+              <a:t>Next sprint starts tomorrow – everyone will be assigned code to add some unit tests in </a:t>
+            </a:r>
+            <a:r>
+              <a:rPr lang="en-US" dirty="0" err="1"/>
+              <a:t>FitchConnect</a:t>
+            </a:r>
+            <a:r>
+              <a:rPr lang="en-US" dirty="0"/>
+              <a:t>. </a:t>
+            </a:r>
+          </a:p>
+          <a:p>
+            <a:pPr marL="285750" indent="-285750">
+              <a:buFontTx/>
+              <a:buChar char="-"/>
+            </a:pPr>
+            <a:r>
+              <a:rPr lang="en-US" dirty="0"/>
+              <a:t>Tech leads will identify code to test</a:t>
+            </a:r>
+          </a:p>
+          <a:p>
             <a:endParaRPr lang="en-US" dirty="0"/>
+          </a:p>
+          <a:p>
+            <a:r>
+              <a:rPr lang="en-US" dirty="0"/>
+              <a:t>Steadily move towards test driven development</a:t>
+            </a:r>
           </a:p>
         </p:txBody>
       </p:sp>
       <p:sp>
         <p:nvSpPr>
-          <p:cNvPr id="3" name="Title 2"/>
+          <p:cNvPr id="3" name="Title 2">
+            <a:extLst>
+              <a:ext uri="{FF2B5EF4-FFF2-40B4-BE49-F238E27FC236}">
+                <a16:creationId xmlns:a16="http://schemas.microsoft.com/office/drawing/2014/main" id="{48D5E28A-1E4A-4136-AC09-C631276F7665}"/>
+              </a:ext>
+            </a:extLst>
+          </p:cNvPr>
           <p:cNvSpPr>
             <a:spLocks noGrp="1"/>
           </p:cNvSpPr>
@@ -33598,17 +34341,16 @@
           <a:lstStyle/>
           <a:p>
             <a:r>
-              <a:rPr lang="en-US" dirty="0" smtClean="0"/>
-              <a:t>Resources</a:t>
-            </a:r>
-            <a:endParaRPr lang="en-US" dirty="0"/>
+              <a:rPr lang="en-US" dirty="0"/>
+              <a:t>What next? </a:t>
+            </a:r>
           </a:p>
         </p:txBody>
       </p:sp>
     </p:spTree>
     <p:extLst>
       <p:ext uri="{BB962C8B-B14F-4D97-AF65-F5344CB8AC3E}">
-        <p14:creationId xmlns:p14="http://schemas.microsoft.com/office/powerpoint/2010/main" val="3222136307"/>
+        <p14:creationId xmlns:p14="http://schemas.microsoft.com/office/powerpoint/2010/main" val="1327200023"/>
       </p:ext>
     </p:extLst>
   </p:cSld>
@@ -33618,13 +34360,6 @@
   <p:transition spd="slow">
     <p:wipe/>
   </p:transition>
-  <p:timing>
-    <p:tnLst>
-      <p:par>
-        <p:cTn id="1" dur="indefinite" restart="never" nodeType="tmRoot"/>
-      </p:par>
-    </p:tnLst>
-  </p:timing>
 </p:sld>
 </file>
 
@@ -33650,7 +34385,7 @@
           <p:cNvPr id="3" name="Title 2">
             <a:extLst>
               <a:ext uri="{FF2B5EF4-FFF2-40B4-BE49-F238E27FC236}">
-                <a16:creationId xmlns="" xmlns:a16="http://schemas.microsoft.com/office/drawing/2014/main" id="{870FE32D-55EB-3F46-A319-A07CED6B7C01}"/>
+                <a16:creationId xmlns:a16="http://schemas.microsoft.com/office/drawing/2014/main" id="{870FE32D-55EB-3F46-A319-A07CED6B7C01}"/>
               </a:ext>
             </a:extLst>
           </p:cNvPr>
@@ -33679,7 +34414,7 @@
           <p:cNvPr id="6" name="Picture 5">
             <a:extLst>
               <a:ext uri="{FF2B5EF4-FFF2-40B4-BE49-F238E27FC236}">
-                <a16:creationId xmlns="" xmlns:a16="http://schemas.microsoft.com/office/drawing/2014/main" id="{94B37506-5E95-3A45-B75E-53F10C923674}"/>
+                <a16:creationId xmlns:a16="http://schemas.microsoft.com/office/drawing/2014/main" id="{94B37506-5E95-3A45-B75E-53F10C923674}"/>
               </a:ext>
             </a:extLst>
           </p:cNvPr>
@@ -33717,13 +34452,6 @@
   <p:transition spd="slow">
     <p:wipe/>
   </p:transition>
-  <p:timing>
-    <p:tnLst>
-      <p:par>
-        <p:cTn id="1" dur="indefinite" restart="never" nodeType="tmRoot"/>
-      </p:par>
-    </p:tnLst>
-  </p:timing>
 </p:sld>
 </file>
 
@@ -33759,7 +34487,13 @@
           <a:bodyPr/>
           <a:lstStyle/>
           <a:p>
-            <a:endParaRPr lang="en-US"/>
+            <a:r>
+              <a:rPr lang="en-US" dirty="0">
+                <a:hlinkClick r:id="rId2"/>
+              </a:rPr>
+              <a:t>https://medium.com/@me_37286/yoni-goldberg-javascript-nodejs-testing-best-practices-2b98924c9347</a:t>
+            </a:r>
+            <a:endParaRPr lang="en-US" dirty="0"/>
           </a:p>
         </p:txBody>
       </p:sp>
@@ -33778,14 +34512,17 @@
           <a:bodyPr/>
           <a:lstStyle/>
           <a:p>
-            <a:endParaRPr lang="en-US"/>
+            <a:r>
+              <a:rPr lang="en-US" dirty="0"/>
+              <a:t>Resources</a:t>
+            </a:r>
           </a:p>
         </p:txBody>
       </p:sp>
     </p:spTree>
     <p:extLst>
       <p:ext uri="{BB962C8B-B14F-4D97-AF65-F5344CB8AC3E}">
-        <p14:creationId xmlns:p14="http://schemas.microsoft.com/office/powerpoint/2010/main" val="884887789"/>
+        <p14:creationId xmlns:p14="http://schemas.microsoft.com/office/powerpoint/2010/main" val="3222136307"/>
       </p:ext>
     </p:extLst>
   </p:cSld>
@@ -33795,13 +34532,6 @@
   <p:transition spd="slow">
     <p:wipe/>
   </p:transition>
-  <p:timing>
-    <p:tnLst>
-      <p:par>
-        <p:cTn id="1" dur="indefinite" restart="never" nodeType="tmRoot"/>
-      </p:par>
-    </p:tnLst>
-  </p:timing>
 </p:sld>
 </file>
 
@@ -33840,7 +34570,7 @@
           <a:lstStyle/>
           <a:p>
             <a:r>
-              <a:rPr lang="en-US" b="1" dirty="0" smtClean="0"/>
+              <a:rPr lang="en-US" b="1" dirty="0"/>
               <a:t>Part 1:  Unit Testing and Jest </a:t>
             </a:r>
           </a:p>
@@ -33850,7 +34580,7 @@
               <a:buChar char="•"/>
             </a:pPr>
             <a:r>
-              <a:rPr lang="en-US" dirty="0" smtClean="0"/>
+              <a:rPr lang="en-US" dirty="0"/>
               <a:t>Unit Testing overview</a:t>
             </a:r>
           </a:p>
@@ -33860,7 +34590,7 @@
               <a:buChar char="•"/>
             </a:pPr>
             <a:r>
-              <a:rPr lang="en-US" dirty="0" smtClean="0"/>
+              <a:rPr lang="en-US" dirty="0"/>
               <a:t>Unit testing basics w/ jest</a:t>
             </a:r>
           </a:p>
@@ -33870,14 +34600,9 @@
               <a:buChar char="•"/>
             </a:pPr>
             <a:r>
-              <a:rPr lang="en-US" dirty="0" smtClean="0"/>
-              <a:t>Mocking </a:t>
-            </a:r>
-            <a:r>
-              <a:rPr lang="en-US" dirty="0" smtClean="0"/>
-              <a:t>examples</a:t>
-            </a:r>
-            <a:endParaRPr lang="en-US" dirty="0" smtClean="0"/>
+              <a:rPr lang="en-US" dirty="0"/>
+              <a:t>Mocking examples</a:t>
+            </a:r>
           </a:p>
           <a:p>
             <a:pPr marL="285750" indent="-285750">
@@ -33885,7 +34610,7 @@
               <a:buChar char="•"/>
             </a:pPr>
             <a:r>
-              <a:rPr lang="en-US" dirty="0" smtClean="0"/>
+              <a:rPr lang="en-US" dirty="0"/>
               <a:t>Coverage Reporting</a:t>
             </a:r>
           </a:p>
@@ -33895,19 +34620,19 @@
               <a:buChar char="•"/>
             </a:pPr>
             <a:r>
-              <a:rPr lang="en-US" dirty="0" smtClean="0"/>
+              <a:rPr lang="en-US" dirty="0"/>
               <a:t>Exercises </a:t>
             </a:r>
           </a:p>
           <a:p>
-            <a:endParaRPr lang="en-US" dirty="0" smtClean="0"/>
+            <a:endParaRPr lang="en-US" dirty="0"/>
           </a:p>
           <a:p>
             <a:pPr marL="285750" indent="-285750">
               <a:buFont typeface="Arial" panose="020B0604020202020204" pitchFamily="34" charset="0"/>
               <a:buChar char="•"/>
             </a:pPr>
-            <a:endParaRPr lang="en-US" dirty="0" smtClean="0"/>
+            <a:endParaRPr lang="en-US" dirty="0"/>
           </a:p>
           <a:p>
             <a:pPr marL="285750" indent="-285750">
@@ -34002,18 +34727,13 @@
               <a:buChar char="•"/>
             </a:pPr>
             <a:r>
-              <a:rPr lang="en-US" dirty="0" err="1" smtClean="0"/>
+              <a:rPr lang="en-US" dirty="0" err="1"/>
               <a:t>Vue</a:t>
             </a:r>
             <a:r>
-              <a:rPr lang="en-US" dirty="0" smtClean="0"/>
-              <a:t> testing e</a:t>
-            </a:r>
-            <a:r>
-              <a:rPr lang="en-US" dirty="0" smtClean="0"/>
-              <a:t>xamples</a:t>
-            </a:r>
-            <a:endParaRPr lang="en-US" dirty="0"/>
+              <a:rPr lang="en-US" dirty="0"/>
+              <a:t> testing examples</a:t>
+            </a:r>
           </a:p>
           <a:p>
             <a:pPr marL="285750" indent="-285750">
@@ -34046,10 +34766,9 @@
           <a:lstStyle/>
           <a:p>
             <a:r>
-              <a:rPr lang="en-US" dirty="0" smtClean="0"/>
+              <a:rPr lang="en-US" dirty="0"/>
               <a:t>Agenda</a:t>
             </a:r>
-            <a:endParaRPr lang="en-US" dirty="0"/>
           </a:p>
         </p:txBody>
       </p:sp>
@@ -34066,17 +34785,81 @@
   <p:transition spd="slow">
     <p:wipe/>
   </p:transition>
-  <p:timing>
-    <p:tnLst>
-      <p:par>
-        <p:cTn id="1" dur="indefinite" restart="never" nodeType="tmRoot"/>
-      </p:par>
-    </p:tnLst>
-  </p:timing>
 </p:sld>
 </file>
 
 <file path=ppt/slides/slide20.xml><?xml version="1.0" encoding="utf-8"?>
+<p:sld xmlns:a="http://schemas.openxmlformats.org/drawingml/2006/main" xmlns:r="http://schemas.openxmlformats.org/officeDocument/2006/relationships" xmlns:p="http://schemas.openxmlformats.org/presentationml/2006/main">
+  <p:cSld>
+    <p:spTree>
+      <p:nvGrpSpPr>
+        <p:cNvPr id="1" name=""/>
+        <p:cNvGrpSpPr/>
+        <p:nvPr/>
+      </p:nvGrpSpPr>
+      <p:grpSpPr>
+        <a:xfrm>
+          <a:off x="0" y="0"/>
+          <a:ext cx="0" cy="0"/>
+          <a:chOff x="0" y="0"/>
+          <a:chExt cx="0" cy="0"/>
+        </a:xfrm>
+      </p:grpSpPr>
+      <p:sp>
+        <p:nvSpPr>
+          <p:cNvPr id="2" name="Text Placeholder 1"/>
+          <p:cNvSpPr>
+            <a:spLocks noGrp="1"/>
+          </p:cNvSpPr>
+          <p:nvPr>
+            <p:ph type="body" sz="quarter" idx="26"/>
+          </p:nvPr>
+        </p:nvSpPr>
+        <p:spPr/>
+        <p:txBody>
+          <a:bodyPr/>
+          <a:lstStyle/>
+          <a:p>
+            <a:endParaRPr lang="en-US"/>
+          </a:p>
+        </p:txBody>
+      </p:sp>
+      <p:sp>
+        <p:nvSpPr>
+          <p:cNvPr id="3" name="Title 2"/>
+          <p:cNvSpPr>
+            <a:spLocks noGrp="1"/>
+          </p:cNvSpPr>
+          <p:nvPr>
+            <p:ph type="title"/>
+          </p:nvPr>
+        </p:nvSpPr>
+        <p:spPr/>
+        <p:txBody>
+          <a:bodyPr/>
+          <a:lstStyle/>
+          <a:p>
+            <a:endParaRPr lang="en-US"/>
+          </a:p>
+        </p:txBody>
+      </p:sp>
+    </p:spTree>
+    <p:extLst>
+      <p:ext uri="{BB962C8B-B14F-4D97-AF65-F5344CB8AC3E}">
+        <p14:creationId xmlns:p14="http://schemas.microsoft.com/office/powerpoint/2010/main" val="884887789"/>
+      </p:ext>
+    </p:extLst>
+  </p:cSld>
+  <p:clrMapOvr>
+    <a:masterClrMapping/>
+  </p:clrMapOvr>
+  <p:transition spd="slow">
+    <p:wipe/>
+  </p:transition>
+</p:sld>
+</file>
+
+<file path=ppt/slides/slide21.xml><?xml version="1.0" encoding="utf-8"?>
 <p:sld xmlns:a="http://schemas.openxmlformats.org/drawingml/2006/main" xmlns:r="http://schemas.openxmlformats.org/officeDocument/2006/relationships" xmlns:p="http://schemas.openxmlformats.org/presentationml/2006/main">
   <p:cSld>
     <p:spTree>
@@ -35373,7 +36156,7 @@
               </a:spcAft>
             </a:pPr>
             <a:r>
-              <a:rPr lang="en-US" sz="1200" dirty="0" smtClean="0">
+              <a:rPr lang="en-US" sz="1200" dirty="0">
                 <a:solidFill>
                   <a:schemeClr val="tx1">
                     <a:lumMod val="50000"/>
@@ -35457,7 +36240,7 @@
           <a:lstStyle/>
           <a:p>
             <a:r>
-              <a:rPr lang="en-US" dirty="0" smtClean="0"/>
+              <a:rPr lang="en-US" dirty="0"/>
               <a:t>In code snippet from FC codebase, think about what we should test?</a:t>
             </a:r>
           </a:p>
@@ -35467,7 +36250,7 @@
               <a:buChar char="•"/>
             </a:pPr>
             <a:r>
-              <a:rPr lang="en-US" dirty="0" smtClean="0"/>
+              <a:rPr lang="en-US" dirty="0"/>
               <a:t>Don’t think about how we’ll test, focus on what should be evaluating. </a:t>
             </a:r>
           </a:p>
@@ -35477,7 +36260,7 @@
               <a:buChar char="•"/>
             </a:pPr>
             <a:r>
-              <a:rPr lang="en-US" dirty="0" smtClean="0"/>
+              <a:rPr lang="en-US" dirty="0"/>
               <a:t>Think of both happy paths and sad paths.</a:t>
             </a:r>
           </a:p>
@@ -35486,10 +36269,9 @@
           </a:p>
           <a:p>
             <a:r>
-              <a:rPr lang="en-US" dirty="0" smtClean="0"/>
+              <a:rPr lang="en-US" dirty="0"/>
               <a:t>Take a minute to write down ideas.  </a:t>
             </a:r>
-            <a:endParaRPr lang="en-US" dirty="0"/>
           </a:p>
         </p:txBody>
       </p:sp>
@@ -35509,10 +36291,9 @@
           <a:lstStyle/>
           <a:p>
             <a:r>
-              <a:rPr lang="en-US" dirty="0" smtClean="0"/>
+              <a:rPr lang="en-US" dirty="0"/>
               <a:t>What should we be testing?</a:t>
             </a:r>
-            <a:endParaRPr lang="en-US" dirty="0"/>
           </a:p>
         </p:txBody>
       </p:sp>
@@ -35529,99 +36310,6 @@
   <p:transition spd="slow">
     <p:wipe/>
   </p:transition>
-  <p:timing>
-    <p:tnLst>
-      <p:par>
-        <p:cTn id="1" dur="indefinite" restart="never" nodeType="tmRoot"/>
-      </p:par>
-    </p:tnLst>
-  </p:timing>
-</p:sld>
-</file>
-
-<file path=ppt/slides/slide21.xml><?xml version="1.0" encoding="utf-8"?>
-<p:sld xmlns:a="http://schemas.openxmlformats.org/drawingml/2006/main" xmlns:r="http://schemas.openxmlformats.org/officeDocument/2006/relationships" xmlns:p="http://schemas.openxmlformats.org/presentationml/2006/main">
-  <p:cSld>
-    <p:spTree>
-      <p:nvGrpSpPr>
-        <p:cNvPr id="1" name=""/>
-        <p:cNvGrpSpPr/>
-        <p:nvPr/>
-      </p:nvGrpSpPr>
-      <p:grpSpPr>
-        <a:xfrm>
-          <a:off x="0" y="0"/>
-          <a:ext cx="0" cy="0"/>
-          <a:chOff x="0" y="0"/>
-          <a:chExt cx="0" cy="0"/>
-        </a:xfrm>
-      </p:grpSpPr>
-      <p:sp>
-        <p:nvSpPr>
-          <p:cNvPr id="2" name="Text Placeholder 1"/>
-          <p:cNvSpPr>
-            <a:spLocks noGrp="1"/>
-          </p:cNvSpPr>
-          <p:nvPr>
-            <p:ph type="body" sz="quarter" idx="26"/>
-          </p:nvPr>
-        </p:nvSpPr>
-        <p:spPr/>
-        <p:txBody>
-          <a:bodyPr/>
-          <a:lstStyle/>
-          <a:p>
-            <a:r>
-              <a:rPr lang="en-US" dirty="0" smtClean="0"/>
-              <a:t>??? </a:t>
-            </a:r>
-            <a:endParaRPr lang="en-US" dirty="0"/>
-          </a:p>
-        </p:txBody>
-      </p:sp>
-      <p:sp>
-        <p:nvSpPr>
-          <p:cNvPr id="3" name="Title 2"/>
-          <p:cNvSpPr>
-            <a:spLocks noGrp="1"/>
-          </p:cNvSpPr>
-          <p:nvPr>
-            <p:ph type="title"/>
-          </p:nvPr>
-        </p:nvSpPr>
-        <p:spPr/>
-        <p:txBody>
-          <a:bodyPr/>
-          <a:lstStyle/>
-          <a:p>
-            <a:r>
-              <a:rPr lang="en-US" dirty="0" smtClean="0"/>
-              <a:t>Testable vs Untestable Code – placeholder </a:t>
-            </a:r>
-            <a:endParaRPr lang="en-US" dirty="0"/>
-          </a:p>
-        </p:txBody>
-      </p:sp>
-    </p:spTree>
-    <p:extLst>
-      <p:ext uri="{BB962C8B-B14F-4D97-AF65-F5344CB8AC3E}">
-        <p14:creationId xmlns:p14="http://schemas.microsoft.com/office/powerpoint/2010/main" val="183773815"/>
-      </p:ext>
-    </p:extLst>
-  </p:cSld>
-  <p:clrMapOvr>
-    <a:masterClrMapping/>
-  </p:clrMapOvr>
-  <p:transition spd="slow">
-    <p:wipe/>
-  </p:transition>
-  <p:timing>
-    <p:tnLst>
-      <p:par>
-        <p:cTn id="1" dur="indefinite" restart="never" nodeType="tmRoot"/>
-      </p:par>
-    </p:tnLst>
-  </p:timing>
 </p:sld>
 </file>
 
@@ -35657,7 +36345,10 @@
           <a:bodyPr/>
           <a:lstStyle/>
           <a:p>
-            <a:endParaRPr lang="en-US"/>
+            <a:r>
+              <a:rPr lang="en-US" dirty="0"/>
+              <a:t>??? </a:t>
+            </a:r>
           </a:p>
         </p:txBody>
       </p:sp>
@@ -35676,14 +36367,17 @@
           <a:bodyPr/>
           <a:lstStyle/>
           <a:p>
-            <a:endParaRPr lang="en-US"/>
+            <a:r>
+              <a:rPr lang="en-US" dirty="0"/>
+              <a:t>Testable vs Untestable Code – placeholder </a:t>
+            </a:r>
           </a:p>
         </p:txBody>
       </p:sp>
     </p:spTree>
     <p:extLst>
       <p:ext uri="{BB962C8B-B14F-4D97-AF65-F5344CB8AC3E}">
-        <p14:creationId xmlns:p14="http://schemas.microsoft.com/office/powerpoint/2010/main" val="3781746767"/>
+        <p14:creationId xmlns:p14="http://schemas.microsoft.com/office/powerpoint/2010/main" val="183773815"/>
       </p:ext>
     </p:extLst>
   </p:cSld>
@@ -35693,13 +36387,6 @@
   <p:transition spd="slow">
     <p:wipe/>
   </p:transition>
-  <p:timing>
-    <p:tnLst>
-      <p:par>
-        <p:cTn id="1" dur="indefinite" restart="never" nodeType="tmRoot"/>
-      </p:par>
-    </p:tnLst>
-  </p:timing>
 </p:sld>
 </file>
 
@@ -35761,6 +36448,77 @@
     </p:spTree>
     <p:extLst>
       <p:ext uri="{BB962C8B-B14F-4D97-AF65-F5344CB8AC3E}">
+        <p14:creationId xmlns:p14="http://schemas.microsoft.com/office/powerpoint/2010/main" val="3781746767"/>
+      </p:ext>
+    </p:extLst>
+  </p:cSld>
+  <p:clrMapOvr>
+    <a:masterClrMapping/>
+  </p:clrMapOvr>
+  <p:transition spd="slow">
+    <p:wipe/>
+  </p:transition>
+</p:sld>
+</file>
+
+<file path=ppt/slides/slide24.xml><?xml version="1.0" encoding="utf-8"?>
+<p:sld xmlns:a="http://schemas.openxmlformats.org/drawingml/2006/main" xmlns:r="http://schemas.openxmlformats.org/officeDocument/2006/relationships" xmlns:p="http://schemas.openxmlformats.org/presentationml/2006/main">
+  <p:cSld>
+    <p:spTree>
+      <p:nvGrpSpPr>
+        <p:cNvPr id="1" name=""/>
+        <p:cNvGrpSpPr/>
+        <p:nvPr/>
+      </p:nvGrpSpPr>
+      <p:grpSpPr>
+        <a:xfrm>
+          <a:off x="0" y="0"/>
+          <a:ext cx="0" cy="0"/>
+          <a:chOff x="0" y="0"/>
+          <a:chExt cx="0" cy="0"/>
+        </a:xfrm>
+      </p:grpSpPr>
+      <p:sp>
+        <p:nvSpPr>
+          <p:cNvPr id="2" name="Text Placeholder 1"/>
+          <p:cNvSpPr>
+            <a:spLocks noGrp="1"/>
+          </p:cNvSpPr>
+          <p:nvPr>
+            <p:ph type="body" sz="quarter" idx="26"/>
+          </p:nvPr>
+        </p:nvSpPr>
+        <p:spPr/>
+        <p:txBody>
+          <a:bodyPr/>
+          <a:lstStyle/>
+          <a:p>
+            <a:endParaRPr lang="en-US"/>
+          </a:p>
+        </p:txBody>
+      </p:sp>
+      <p:sp>
+        <p:nvSpPr>
+          <p:cNvPr id="3" name="Title 2"/>
+          <p:cNvSpPr>
+            <a:spLocks noGrp="1"/>
+          </p:cNvSpPr>
+          <p:nvPr>
+            <p:ph type="title"/>
+          </p:nvPr>
+        </p:nvSpPr>
+        <p:spPr/>
+        <p:txBody>
+          <a:bodyPr/>
+          <a:lstStyle/>
+          <a:p>
+            <a:endParaRPr lang="en-US"/>
+          </a:p>
+        </p:txBody>
+      </p:sp>
+    </p:spTree>
+    <p:extLst>
+      <p:ext uri="{BB962C8B-B14F-4D97-AF65-F5344CB8AC3E}">
         <p14:creationId xmlns:p14="http://schemas.microsoft.com/office/powerpoint/2010/main" val="1477885256"/>
       </p:ext>
     </p:extLst>
@@ -35771,17 +36529,10 @@
   <p:transition spd="slow">
     <p:wipe/>
   </p:transition>
-  <p:timing>
-    <p:tnLst>
-      <p:par>
-        <p:cTn id="1" dur="indefinite" restart="never" nodeType="tmRoot"/>
-      </p:par>
-    </p:tnLst>
-  </p:timing>
 </p:sld>
 </file>
 
-<file path=ppt/slides/slide24.xml><?xml version="1.0" encoding="utf-8"?>
+<file path=ppt/slides/slide25.xml><?xml version="1.0" encoding="utf-8"?>
 <p:sld xmlns:a="http://schemas.openxmlformats.org/drawingml/2006/main" xmlns:r="http://schemas.openxmlformats.org/officeDocument/2006/relationships" xmlns:p="http://schemas.openxmlformats.org/presentationml/2006/main">
   <p:cSld>
     <p:spTree>
@@ -35930,17 +36681,10 @@
   <p:transition spd="slow">
     <p:wipe/>
   </p:transition>
-  <p:timing>
-    <p:tnLst>
-      <p:par>
-        <p:cTn id="1" dur="indefinite" restart="never" nodeType="tmRoot"/>
-      </p:par>
-    </p:tnLst>
-  </p:timing>
 </p:sld>
 </file>
 
-<file path=ppt/slides/slide25.xml><?xml version="1.0" encoding="utf-8"?>
+<file path=ppt/slides/slide26.xml><?xml version="1.0" encoding="utf-8"?>
 <p:sld xmlns:a="http://schemas.openxmlformats.org/drawingml/2006/main" xmlns:r="http://schemas.openxmlformats.org/officeDocument/2006/relationships" xmlns:p="http://schemas.openxmlformats.org/presentationml/2006/main">
   <p:cSld>
     <p:spTree>
@@ -36195,17 +36939,10 @@
   <p:transition spd="slow">
     <p:wipe/>
   </p:transition>
-  <p:timing>
-    <p:tnLst>
-      <p:par>
-        <p:cTn id="1" dur="indefinite" restart="never" nodeType="tmRoot"/>
-      </p:par>
-    </p:tnLst>
-  </p:timing>
 </p:sld>
 </file>
 
-<file path=ppt/slides/slide26.xml><?xml version="1.0" encoding="utf-8"?>
+<file path=ppt/slides/slide27.xml><?xml version="1.0" encoding="utf-8"?>
 <p:sld xmlns:a="http://schemas.openxmlformats.org/drawingml/2006/main" xmlns:r="http://schemas.openxmlformats.org/officeDocument/2006/relationships" xmlns:p="http://schemas.openxmlformats.org/presentationml/2006/main">
   <p:cSld>
     <p:spTree>
@@ -36519,174 +37256,6 @@
   <p:transition spd="slow">
     <p:wipe/>
   </p:transition>
-  <p:timing>
-    <p:tnLst>
-      <p:par>
-        <p:cTn id="1" dur="indefinite" restart="never" nodeType="tmRoot"/>
-      </p:par>
-    </p:tnLst>
-  </p:timing>
-</p:sld>
-</file>
-
-<file path=ppt/slides/slide27.xml><?xml version="1.0" encoding="utf-8"?>
-<p:sld xmlns:a="http://schemas.openxmlformats.org/drawingml/2006/main" xmlns:r="http://schemas.openxmlformats.org/officeDocument/2006/relationships" xmlns:p="http://schemas.openxmlformats.org/presentationml/2006/main">
-  <p:cSld>
-    <p:spTree>
-      <p:nvGrpSpPr>
-        <p:cNvPr id="1" name=""/>
-        <p:cNvGrpSpPr/>
-        <p:nvPr/>
-      </p:nvGrpSpPr>
-      <p:grpSpPr>
-        <a:xfrm>
-          <a:off x="0" y="0"/>
-          <a:ext cx="0" cy="0"/>
-          <a:chOff x="0" y="0"/>
-          <a:chExt cx="0" cy="0"/>
-        </a:xfrm>
-      </p:grpSpPr>
-      <p:sp>
-        <p:nvSpPr>
-          <p:cNvPr id="2" name="Text Placeholder 1"/>
-          <p:cNvSpPr>
-            <a:spLocks noGrp="1"/>
-          </p:cNvSpPr>
-          <p:nvPr>
-            <p:ph type="body" sz="quarter" idx="26"/>
-          </p:nvPr>
-        </p:nvSpPr>
-        <p:spPr/>
-        <p:txBody>
-          <a:bodyPr/>
-          <a:lstStyle/>
-          <a:p>
-            <a:r>
-              <a:rPr lang="en-GB" sz="2800" dirty="0"/>
-              <a:t>To </a:t>
-            </a:r>
-            <a:r>
-              <a:rPr lang="en-GB" sz="2800" b="1" dirty="0"/>
-              <a:t>confidently</a:t>
-            </a:r>
-            <a:r>
-              <a:rPr lang="en-GB" sz="2800" dirty="0"/>
-              <a:t> release to production every day</a:t>
-            </a:r>
-          </a:p>
-          <a:p>
-            <a:endParaRPr lang="en-GB" dirty="0"/>
-          </a:p>
-          <a:p>
-            <a:r>
-              <a:rPr lang="en-GB" dirty="0"/>
-              <a:t>How do we get there?</a:t>
-            </a:r>
-          </a:p>
-          <a:p>
-            <a:pPr marL="342900" indent="-342900">
-              <a:buFont typeface="+mj-lt"/>
-              <a:buAutoNum type="arabicPeriod"/>
-            </a:pPr>
-            <a:r>
-              <a:rPr lang="en-GB" dirty="0"/>
-              <a:t>Expose </a:t>
-            </a:r>
-            <a:r>
-              <a:rPr lang="en-GB" b="1" dirty="0"/>
-              <a:t>what </a:t>
-            </a:r>
-            <a:r>
-              <a:rPr lang="en-GB" dirty="0"/>
-              <a:t>is being tested, to the team</a:t>
-            </a:r>
-          </a:p>
-          <a:p>
-            <a:pPr marL="342900" indent="-342900">
-              <a:buFont typeface="+mj-lt"/>
-              <a:buAutoNum type="arabicPeriod"/>
-            </a:pPr>
-            <a:r>
-              <a:rPr lang="en-GB" dirty="0"/>
-              <a:t>Make it clear know</a:t>
-            </a:r>
-            <a:r>
-              <a:rPr lang="en-GB" b="1" dirty="0"/>
-              <a:t> how</a:t>
-            </a:r>
-            <a:r>
-              <a:rPr lang="en-GB" dirty="0"/>
-              <a:t> and </a:t>
-            </a:r>
-            <a:r>
-              <a:rPr lang="en-GB" b="1" dirty="0"/>
-              <a:t>when</a:t>
-            </a:r>
-            <a:r>
-              <a:rPr lang="en-GB" dirty="0"/>
-              <a:t> things are being tested</a:t>
-            </a:r>
-          </a:p>
-          <a:p>
-            <a:pPr marL="342900" indent="-342900">
-              <a:buFont typeface="+mj-lt"/>
-              <a:buAutoNum type="arabicPeriod"/>
-            </a:pPr>
-            <a:r>
-              <a:rPr lang="en-GB" dirty="0"/>
-              <a:t>Ultimately: we build quality into everything we do. We assure ourselves and our stakeholders that we’re proactively deploying quality from the beginning, not just providing quality validation at the end.</a:t>
-            </a:r>
-          </a:p>
-          <a:p>
-            <a:endParaRPr lang="en-GB" dirty="0"/>
-          </a:p>
-          <a:p>
-            <a:endParaRPr lang="en-GB" dirty="0"/>
-          </a:p>
-        </p:txBody>
-      </p:sp>
-      <p:sp>
-        <p:nvSpPr>
-          <p:cNvPr id="3" name="Title 2"/>
-          <p:cNvSpPr>
-            <a:spLocks noGrp="1"/>
-          </p:cNvSpPr>
-          <p:nvPr>
-            <p:ph type="title"/>
-          </p:nvPr>
-        </p:nvSpPr>
-        <p:spPr/>
-        <p:txBody>
-          <a:bodyPr/>
-          <a:lstStyle/>
-          <a:p>
-            <a:r>
-              <a:rPr lang="en-GB" dirty="0"/>
-              <a:t>The Vision</a:t>
-            </a:r>
-          </a:p>
-        </p:txBody>
-      </p:sp>
-    </p:spTree>
-    <p:extLst>
-      <p:ext uri="{BB962C8B-B14F-4D97-AF65-F5344CB8AC3E}">
-        <p14:creationId xmlns:p14="http://schemas.microsoft.com/office/powerpoint/2010/main" val="2194865258"/>
-      </p:ext>
-    </p:extLst>
-  </p:cSld>
-  <p:clrMapOvr>
-    <a:masterClrMapping/>
-  </p:clrMapOvr>
-  <p:transition spd="slow">
-    <p:wipe/>
-  </p:transition>
-  <p:timing>
-    <p:tnLst>
-      <p:par>
-        <p:cTn id="1" dur="indefinite" restart="never" nodeType="tmRoot"/>
-      </p:par>
-    </p:tnLst>
-  </p:timing>
 </p:sld>
 </file>
 
@@ -36723,29 +37292,82 @@
           <a:lstStyle/>
           <a:p>
             <a:r>
+              <a:rPr lang="en-GB" sz="2800" dirty="0"/>
+              <a:t>To </a:t>
+            </a:r>
+            <a:r>
               <a:rPr lang="en-GB" sz="2800" b="1" dirty="0"/>
-              <a:t>They build value</a:t>
+              <a:t>confidently</a:t>
             </a:r>
             <a:r>
               <a:rPr lang="en-GB" sz="2800" dirty="0"/>
-              <a:t> for stakeholders. </a:t>
-            </a:r>
-          </a:p>
-          <a:p>
-            <a:r>
-              <a:rPr lang="en-GB" i="1" dirty="0"/>
-              <a:t>Customers are of course front and centre among those stakeholders. But don’t forget stakeholders include other teams, sales, marketing, support, the next developer to join the team... - they all matter. They're all stakeholders.</a:t>
-            </a:r>
+              <a:t> release to production every day</a:t>
+            </a:r>
+          </a:p>
+          <a:p>
             <a:endParaRPr lang="en-GB" dirty="0"/>
           </a:p>
           <a:p>
             <a:r>
               <a:rPr lang="en-GB" dirty="0"/>
-              <a:t/>
-            </a:r>
-            <a:br>
+              <a:t>How do we get there?</a:t>
+            </a:r>
+          </a:p>
+          <a:p>
+            <a:pPr marL="342900" indent="-342900">
+              <a:buFont typeface="+mj-lt"/>
+              <a:buAutoNum type="arabicPeriod"/>
+            </a:pPr>
+            <a:r>
               <a:rPr lang="en-GB" dirty="0"/>
-            </a:br>
+              <a:t>Expose </a:t>
+            </a:r>
+            <a:r>
+              <a:rPr lang="en-GB" b="1" dirty="0"/>
+              <a:t>what </a:t>
+            </a:r>
+            <a:r>
+              <a:rPr lang="en-GB" dirty="0"/>
+              <a:t>is being tested, to the team</a:t>
+            </a:r>
+          </a:p>
+          <a:p>
+            <a:pPr marL="342900" indent="-342900">
+              <a:buFont typeface="+mj-lt"/>
+              <a:buAutoNum type="arabicPeriod"/>
+            </a:pPr>
+            <a:r>
+              <a:rPr lang="en-GB" dirty="0"/>
+              <a:t>Make it clear know</a:t>
+            </a:r>
+            <a:r>
+              <a:rPr lang="en-GB" b="1" dirty="0"/>
+              <a:t> how</a:t>
+            </a:r>
+            <a:r>
+              <a:rPr lang="en-GB" dirty="0"/>
+              <a:t> and </a:t>
+            </a:r>
+            <a:r>
+              <a:rPr lang="en-GB" b="1" dirty="0"/>
+              <a:t>when</a:t>
+            </a:r>
+            <a:r>
+              <a:rPr lang="en-GB" dirty="0"/>
+              <a:t> things are being tested</a:t>
+            </a:r>
+          </a:p>
+          <a:p>
+            <a:pPr marL="342900" indent="-342900">
+              <a:buFont typeface="+mj-lt"/>
+              <a:buAutoNum type="arabicPeriod"/>
+            </a:pPr>
+            <a:r>
+              <a:rPr lang="en-GB" dirty="0"/>
+              <a:t>Ultimately: we build quality into everything we do. We assure ourselves and our stakeholders that we’re proactively deploying quality from the beginning, not just providing quality validation at the end.</a:t>
+            </a:r>
+          </a:p>
+          <a:p>
             <a:endParaRPr lang="en-GB" dirty="0"/>
           </a:p>
           <a:p>
@@ -36770,7 +37392,7 @@
           <a:p>
             <a:r>
               <a:rPr lang="en-GB" dirty="0"/>
-              <a:t>What do scrum teams do?</a:t>
+              <a:t>The Vision</a:t>
             </a:r>
           </a:p>
         </p:txBody>
@@ -36778,7 +37400,7 @@
     </p:spTree>
     <p:extLst>
       <p:ext uri="{BB962C8B-B14F-4D97-AF65-F5344CB8AC3E}">
-        <p14:creationId xmlns:p14="http://schemas.microsoft.com/office/powerpoint/2010/main" val="183360685"/>
+        <p14:creationId xmlns:p14="http://schemas.microsoft.com/office/powerpoint/2010/main" val="2194865258"/>
       </p:ext>
     </p:extLst>
   </p:cSld>
@@ -36788,13 +37410,6 @@
   <p:transition spd="slow">
     <p:wipe/>
   </p:transition>
-  <p:timing>
-    <p:tnLst>
-      <p:par>
-        <p:cTn id="1" dur="indefinite" restart="never" nodeType="tmRoot"/>
-      </p:par>
-    </p:tnLst>
-  </p:timing>
 </p:sld>
 </file>
 
@@ -36830,50 +37445,30 @@
           <a:bodyPr/>
           <a:lstStyle/>
           <a:p>
-            <a:pPr marL="285750" indent="-285750">
-              <a:buFontTx/>
-              <a:buChar char="-"/>
-            </a:pPr>
-            <a:r>
+            <a:r>
+              <a:rPr lang="en-GB" sz="2800" b="1" dirty="0"/>
+              <a:t>They build value</a:t>
+            </a:r>
+            <a:r>
+              <a:rPr lang="en-GB" sz="2800" dirty="0"/>
+              <a:t> for stakeholders. </a:t>
+            </a:r>
+          </a:p>
+          <a:p>
+            <a:r>
+              <a:rPr lang="en-GB" i="1" dirty="0"/>
+              <a:t>Customers are of course front and centre among those stakeholders. But don’t forget stakeholders include other teams, sales, marketing, support, the next developer to join the team... - they all matter. They're all stakeholders.</a:t>
+            </a:r>
+            <a:endParaRPr lang="en-GB" dirty="0"/>
+          </a:p>
+          <a:p>
+            <a:br>
               <a:rPr lang="en-GB" dirty="0"/>
-              <a:t>Product owners. They’re out there gathering stakeholders needs and wants and relay those needs to the team.</a:t>
-            </a:r>
-          </a:p>
-          <a:p>
-            <a:pPr marL="285750" indent="-285750">
-              <a:buFontTx/>
-              <a:buChar char="-"/>
-            </a:pPr>
-            <a:r>
-              <a:rPr lang="en-GB" dirty="0"/>
-              <a:t>Product owners should be away figuring out the highest value thing to build next. Figuring out all the unhappy paths requires a team effort - specifically the QAs. Hence: ‘grooming’.</a:t>
-            </a:r>
-          </a:p>
-          <a:p>
+            </a:br>
             <a:endParaRPr lang="en-GB" dirty="0"/>
           </a:p>
           <a:p>
-            <a:r>
-              <a:rPr lang="en-GB" dirty="0"/>
-              <a:t>QA's core purpose in grooming is to imagine stories' unhappy paths, and to then negotiate whether they need to be automated, manually tested or out of scope. </a:t>
-            </a:r>
-          </a:p>
-          <a:p>
             <a:endParaRPr lang="en-GB" dirty="0"/>
-          </a:p>
-          <a:p>
-            <a:r>
-              <a:rPr lang="en-GB" dirty="0"/>
-              <a:t>QAs are needed if we are ‘To </a:t>
-            </a:r>
-            <a:r>
-              <a:rPr lang="en-GB" b="1" dirty="0"/>
-              <a:t>confidently</a:t>
-            </a:r>
-            <a:r>
-              <a:rPr lang="en-GB" dirty="0"/>
-              <a:t> release to production every day’.</a:t>
-            </a:r>
           </a:p>
         </p:txBody>
       </p:sp>
@@ -36894,7 +37489,7 @@
           <a:p>
             <a:r>
               <a:rPr lang="en-GB" dirty="0"/>
-              <a:t>How do we know what’s of value?</a:t>
+              <a:t>What do scrum teams do?</a:t>
             </a:r>
           </a:p>
         </p:txBody>
@@ -36902,7 +37497,7 @@
     </p:spTree>
     <p:extLst>
       <p:ext uri="{BB962C8B-B14F-4D97-AF65-F5344CB8AC3E}">
-        <p14:creationId xmlns:p14="http://schemas.microsoft.com/office/powerpoint/2010/main" val="3775237496"/>
+        <p14:creationId xmlns:p14="http://schemas.microsoft.com/office/powerpoint/2010/main" val="183360685"/>
       </p:ext>
     </p:extLst>
   </p:cSld>
@@ -36912,13 +37507,6 @@
   <p:transition spd="slow">
     <p:wipe/>
   </p:transition>
-  <p:timing>
-    <p:tnLst>
-      <p:par>
-        <p:cTn id="1" dur="indefinite" restart="never" nodeType="tmRoot"/>
-      </p:par>
-    </p:tnLst>
-  </p:timing>
 </p:sld>
 </file>
 
@@ -36955,10 +37543,9 @@
           <a:lstStyle/>
           <a:p>
             <a:r>
-              <a:rPr lang="en-GB" dirty="0" smtClean="0"/>
+              <a:rPr lang="en-GB" dirty="0"/>
               <a:t>Installation</a:t>
             </a:r>
-            <a:endParaRPr lang="en-GB" dirty="0"/>
           </a:p>
         </p:txBody>
       </p:sp>
@@ -36983,13 +37570,13 @@
           <a:lstStyle/>
           <a:p>
             <a:r>
-              <a:rPr lang="en-GB" dirty="0" smtClean="0"/>
+              <a:rPr lang="en-GB" dirty="0"/>
               <a:t>Before we get started </a:t>
             </a:r>
           </a:p>
           <a:p>
             <a:r>
-              <a:rPr lang="en-GB" dirty="0" smtClean="0"/>
+              <a:rPr lang="en-GB" dirty="0"/>
               <a:t>1) Install Jest globally </a:t>
             </a:r>
           </a:p>
@@ -36999,14 +37586,7 @@
                 <a:latin typeface="Courier New" panose="02070309020205020404" pitchFamily="49" charset="0"/>
                 <a:cs typeface="Courier New" panose="02070309020205020404" pitchFamily="49" charset="0"/>
               </a:rPr>
-              <a:t>npm install jest </a:t>
-            </a:r>
-            <a:r>
-              <a:rPr lang="en-US" dirty="0" smtClean="0">
-                <a:latin typeface="Courier New" panose="02070309020205020404" pitchFamily="49" charset="0"/>
-                <a:cs typeface="Courier New" panose="02070309020205020404" pitchFamily="49" charset="0"/>
-              </a:rPr>
-              <a:t>–global</a:t>
+              <a:t>npm install jest –global</a:t>
             </a:r>
           </a:p>
           <a:p>
@@ -37017,30 +37597,24 @@
           </a:p>
           <a:p>
             <a:r>
-              <a:rPr lang="en-GB" dirty="0" smtClean="0"/>
+              <a:rPr lang="en-GB" dirty="0"/>
               <a:t>2) Clone repo and run </a:t>
             </a:r>
             <a:r>
-              <a:rPr lang="en-GB" dirty="0" err="1" smtClean="0"/>
+              <a:rPr lang="en-GB" dirty="0" err="1"/>
               <a:t>npm</a:t>
             </a:r>
             <a:r>
-              <a:rPr lang="en-GB" dirty="0" smtClean="0"/>
+              <a:rPr lang="en-GB" dirty="0"/>
               <a:t> install</a:t>
             </a:r>
           </a:p>
           <a:p>
-            <a:r>
-              <a:rPr lang="en-US" dirty="0" smtClean="0">
-                <a:hlinkClick r:id="rId2"/>
-              </a:rPr>
-              <a:t>https</a:t>
-            </a:r>
             <a:r>
               <a:rPr lang="en-US" dirty="0">
                 <a:hlinkClick r:id="rId2"/>
               </a:rPr>
-              <a:t>://github.com/Contrapuntist/jesttutorial</a:t>
+              <a:t>https://github.com/Contrapuntist/jesttutorial</a:t>
             </a:r>
             <a:endParaRPr lang="en-GB" dirty="0"/>
           </a:p>
@@ -37059,17 +37633,127 @@
   <p:transition spd="slow">
     <p:wipe/>
   </p:transition>
-  <p:timing>
-    <p:tnLst>
-      <p:par>
-        <p:cTn id="1" dur="indefinite" restart="never" nodeType="tmRoot"/>
-      </p:par>
-    </p:tnLst>
-  </p:timing>
 </p:sld>
 </file>
 
 <file path=ppt/slides/slide30.xml><?xml version="1.0" encoding="utf-8"?>
+<p:sld xmlns:a="http://schemas.openxmlformats.org/drawingml/2006/main" xmlns:r="http://schemas.openxmlformats.org/officeDocument/2006/relationships" xmlns:p="http://schemas.openxmlformats.org/presentationml/2006/main">
+  <p:cSld>
+    <p:spTree>
+      <p:nvGrpSpPr>
+        <p:cNvPr id="1" name=""/>
+        <p:cNvGrpSpPr/>
+        <p:nvPr/>
+      </p:nvGrpSpPr>
+      <p:grpSpPr>
+        <a:xfrm>
+          <a:off x="0" y="0"/>
+          <a:ext cx="0" cy="0"/>
+          <a:chOff x="0" y="0"/>
+          <a:chExt cx="0" cy="0"/>
+        </a:xfrm>
+      </p:grpSpPr>
+      <p:sp>
+        <p:nvSpPr>
+          <p:cNvPr id="2" name="Text Placeholder 1"/>
+          <p:cNvSpPr>
+            <a:spLocks noGrp="1"/>
+          </p:cNvSpPr>
+          <p:nvPr>
+            <p:ph type="body" sz="quarter" idx="26"/>
+          </p:nvPr>
+        </p:nvSpPr>
+        <p:spPr/>
+        <p:txBody>
+          <a:bodyPr/>
+          <a:lstStyle/>
+          <a:p>
+            <a:pPr marL="285750" indent="-285750">
+              <a:buFontTx/>
+              <a:buChar char="-"/>
+            </a:pPr>
+            <a:r>
+              <a:rPr lang="en-GB" dirty="0"/>
+              <a:t>Product owners. They’re out there gathering stakeholders needs and wants and relay those needs to the team.</a:t>
+            </a:r>
+          </a:p>
+          <a:p>
+            <a:pPr marL="285750" indent="-285750">
+              <a:buFontTx/>
+              <a:buChar char="-"/>
+            </a:pPr>
+            <a:r>
+              <a:rPr lang="en-GB" dirty="0"/>
+              <a:t>Product owners should be away figuring out the highest value thing to build next. Figuring out all the unhappy paths requires a team effort - specifically the QAs. Hence: ‘grooming’.</a:t>
+            </a:r>
+          </a:p>
+          <a:p>
+            <a:endParaRPr lang="en-GB" dirty="0"/>
+          </a:p>
+          <a:p>
+            <a:r>
+              <a:rPr lang="en-GB" dirty="0"/>
+              <a:t>QA's core purpose in grooming is to imagine stories' unhappy paths, and to then negotiate whether they need to be automated, manually tested or out of scope. </a:t>
+            </a:r>
+          </a:p>
+          <a:p>
+            <a:endParaRPr lang="en-GB" dirty="0"/>
+          </a:p>
+          <a:p>
+            <a:r>
+              <a:rPr lang="en-GB" dirty="0"/>
+              <a:t>QAs are needed if we are ‘To </a:t>
+            </a:r>
+            <a:r>
+              <a:rPr lang="en-GB" b="1" dirty="0"/>
+              <a:t>confidently</a:t>
+            </a:r>
+            <a:r>
+              <a:rPr lang="en-GB" dirty="0"/>
+              <a:t> release to production every day’.</a:t>
+            </a:r>
+          </a:p>
+        </p:txBody>
+      </p:sp>
+      <p:sp>
+        <p:nvSpPr>
+          <p:cNvPr id="3" name="Title 2"/>
+          <p:cNvSpPr>
+            <a:spLocks noGrp="1"/>
+          </p:cNvSpPr>
+          <p:nvPr>
+            <p:ph type="title"/>
+          </p:nvPr>
+        </p:nvSpPr>
+        <p:spPr/>
+        <p:txBody>
+          <a:bodyPr/>
+          <a:lstStyle/>
+          <a:p>
+            <a:r>
+              <a:rPr lang="en-GB" dirty="0"/>
+              <a:t>How do we know what’s of value?</a:t>
+            </a:r>
+          </a:p>
+        </p:txBody>
+      </p:sp>
+    </p:spTree>
+    <p:extLst>
+      <p:ext uri="{BB962C8B-B14F-4D97-AF65-F5344CB8AC3E}">
+        <p14:creationId xmlns:p14="http://schemas.microsoft.com/office/powerpoint/2010/main" val="3775237496"/>
+      </p:ext>
+    </p:extLst>
+  </p:cSld>
+  <p:clrMapOvr>
+    <a:masterClrMapping/>
+  </p:clrMapOvr>
+  <p:transition spd="slow">
+    <p:wipe/>
+  </p:transition>
+</p:sld>
+</file>
+
+<file path=ppt/slides/slide31.xml><?xml version="1.0" encoding="utf-8"?>
 <p:sld xmlns:a="http://schemas.openxmlformats.org/drawingml/2006/main" xmlns:r="http://schemas.openxmlformats.org/officeDocument/2006/relationships" xmlns:p="http://schemas.openxmlformats.org/presentationml/2006/main">
   <p:cSld>
     <p:spTree>
@@ -37187,146 +37871,6 @@
 </p:sld>
 </file>
 
-<file path=ppt/slides/slide31.xml><?xml version="1.0" encoding="utf-8"?>
-<p:sld xmlns:a="http://schemas.openxmlformats.org/drawingml/2006/main" xmlns:r="http://schemas.openxmlformats.org/officeDocument/2006/relationships" xmlns:p="http://schemas.openxmlformats.org/presentationml/2006/main">
-  <p:cSld>
-    <p:spTree>
-      <p:nvGrpSpPr>
-        <p:cNvPr id="1" name=""/>
-        <p:cNvGrpSpPr/>
-        <p:nvPr/>
-      </p:nvGrpSpPr>
-      <p:grpSpPr>
-        <a:xfrm>
-          <a:off x="0" y="0"/>
-          <a:ext cx="0" cy="0"/>
-          <a:chOff x="0" y="0"/>
-          <a:chExt cx="0" cy="0"/>
-        </a:xfrm>
-      </p:grpSpPr>
-      <p:sp>
-        <p:nvSpPr>
-          <p:cNvPr id="2" name="Text Placeholder 1"/>
-          <p:cNvSpPr>
-            <a:spLocks noGrp="1"/>
-          </p:cNvSpPr>
-          <p:nvPr>
-            <p:ph type="body" sz="quarter" idx="26"/>
-          </p:nvPr>
-        </p:nvSpPr>
-        <p:spPr/>
-        <p:txBody>
-          <a:bodyPr/>
-          <a:lstStyle/>
-          <a:p>
-            <a:r>
-              <a:rPr lang="en-GB" dirty="0"/>
-              <a:t>While the whole team builds value, QAs specifically build... </a:t>
-            </a:r>
-            <a:r>
-              <a:rPr lang="en-GB" b="1" dirty="0"/>
-              <a:t>confidence</a:t>
-            </a:r>
-            <a:r>
-              <a:rPr lang="en-GB" dirty="0"/>
-              <a:t>.</a:t>
-            </a:r>
-          </a:p>
-          <a:p>
-            <a:pPr marL="285750" indent="-285750">
-              <a:buFontTx/>
-              <a:buChar char="-"/>
-            </a:pPr>
-            <a:r>
-              <a:rPr lang="en-GB" b="1" dirty="0"/>
-              <a:t>Confidence</a:t>
-            </a:r>
-            <a:r>
-              <a:rPr lang="en-GB" dirty="0"/>
-              <a:t> that the code getting laid down is going to work, in all weathers</a:t>
-            </a:r>
-          </a:p>
-          <a:p>
-            <a:pPr marL="285750" indent="-285750">
-              <a:buFontTx/>
-              <a:buChar char="-"/>
-            </a:pPr>
-            <a:r>
-              <a:rPr lang="en-GB" dirty="0"/>
-              <a:t>C</a:t>
-            </a:r>
-            <a:r>
-              <a:rPr lang="en-GB" b="1" dirty="0"/>
-              <a:t>onfidence</a:t>
-            </a:r>
-            <a:r>
-              <a:rPr lang="en-GB" dirty="0"/>
-              <a:t> that what is being built is what the product owner thinks stakeholders want</a:t>
-            </a:r>
-          </a:p>
-          <a:p>
-            <a:endParaRPr lang="en-GB" dirty="0"/>
-          </a:p>
-          <a:p>
-            <a:r>
-              <a:rPr lang="en-GB" dirty="0"/>
-              <a:t>QAs are essential for the vision “To </a:t>
-            </a:r>
-            <a:r>
-              <a:rPr lang="en-GB" b="1" dirty="0"/>
-              <a:t>confidently</a:t>
-            </a:r>
-            <a:r>
-              <a:rPr lang="en-GB" dirty="0"/>
-              <a:t> release to production every day”. </a:t>
-            </a:r>
-          </a:p>
-          <a:p>
-            <a:r>
-              <a:rPr lang="en-GB" i="1" dirty="0"/>
-              <a:t>How is QA going to help get us there?</a:t>
-            </a:r>
-          </a:p>
-        </p:txBody>
-      </p:sp>
-      <p:sp>
-        <p:nvSpPr>
-          <p:cNvPr id="3" name="Title 2"/>
-          <p:cNvSpPr>
-            <a:spLocks noGrp="1"/>
-          </p:cNvSpPr>
-          <p:nvPr>
-            <p:ph type="title"/>
-          </p:nvPr>
-        </p:nvSpPr>
-        <p:spPr/>
-        <p:txBody>
-          <a:bodyPr/>
-          <a:lstStyle/>
-          <a:p>
-            <a:r>
-              <a:rPr lang="en-GB" dirty="0"/>
-              <a:t>What do QAs do?</a:t>
-            </a:r>
-          </a:p>
-        </p:txBody>
-      </p:sp>
-    </p:spTree>
-    <p:extLst>
-      <p:ext uri="{BB962C8B-B14F-4D97-AF65-F5344CB8AC3E}">
-        <p14:creationId xmlns:p14="http://schemas.microsoft.com/office/powerpoint/2010/main" val="1149093312"/>
-      </p:ext>
-    </p:extLst>
-  </p:cSld>
-  <p:clrMapOvr>
-    <a:masterClrMapping/>
-  </p:clrMapOvr>
-  <p:transition spd="slow">
-    <p:wipe/>
-  </p:transition>
-</p:sld>
-</file>
-
 <file path=ppt/slides/slide32.xml><?xml version="1.0" encoding="utf-8"?>
 <p:sld xmlns:a="http://schemas.openxmlformats.org/drawingml/2006/main" xmlns:r="http://schemas.openxmlformats.org/officeDocument/2006/relationships" xmlns:p="http://schemas.openxmlformats.org/presentationml/2006/main">
   <p:cSld>
@@ -37360,6 +37904,146 @@
           <a:lstStyle/>
           <a:p>
             <a:r>
+              <a:rPr lang="en-GB" dirty="0"/>
+              <a:t>While the whole team builds value, QAs specifically build... </a:t>
+            </a:r>
+            <a:r>
+              <a:rPr lang="en-GB" b="1" dirty="0"/>
+              <a:t>confidence</a:t>
+            </a:r>
+            <a:r>
+              <a:rPr lang="en-GB" dirty="0"/>
+              <a:t>.</a:t>
+            </a:r>
+          </a:p>
+          <a:p>
+            <a:pPr marL="285750" indent="-285750">
+              <a:buFontTx/>
+              <a:buChar char="-"/>
+            </a:pPr>
+            <a:r>
+              <a:rPr lang="en-GB" b="1" dirty="0"/>
+              <a:t>Confidence</a:t>
+            </a:r>
+            <a:r>
+              <a:rPr lang="en-GB" dirty="0"/>
+              <a:t> that the code getting laid down is going to work, in all weathers</a:t>
+            </a:r>
+          </a:p>
+          <a:p>
+            <a:pPr marL="285750" indent="-285750">
+              <a:buFontTx/>
+              <a:buChar char="-"/>
+            </a:pPr>
+            <a:r>
+              <a:rPr lang="en-GB" dirty="0"/>
+              <a:t>C</a:t>
+            </a:r>
+            <a:r>
+              <a:rPr lang="en-GB" b="1" dirty="0"/>
+              <a:t>onfidence</a:t>
+            </a:r>
+            <a:r>
+              <a:rPr lang="en-GB" dirty="0"/>
+              <a:t> that what is being built is what the product owner thinks stakeholders want</a:t>
+            </a:r>
+          </a:p>
+          <a:p>
+            <a:endParaRPr lang="en-GB" dirty="0"/>
+          </a:p>
+          <a:p>
+            <a:r>
+              <a:rPr lang="en-GB" dirty="0"/>
+              <a:t>QAs are essential for the vision “To </a:t>
+            </a:r>
+            <a:r>
+              <a:rPr lang="en-GB" b="1" dirty="0"/>
+              <a:t>confidently</a:t>
+            </a:r>
+            <a:r>
+              <a:rPr lang="en-GB" dirty="0"/>
+              <a:t> release to production every day”. </a:t>
+            </a:r>
+          </a:p>
+          <a:p>
+            <a:r>
+              <a:rPr lang="en-GB" i="1" dirty="0"/>
+              <a:t>How is QA going to help get us there?</a:t>
+            </a:r>
+          </a:p>
+        </p:txBody>
+      </p:sp>
+      <p:sp>
+        <p:nvSpPr>
+          <p:cNvPr id="3" name="Title 2"/>
+          <p:cNvSpPr>
+            <a:spLocks noGrp="1"/>
+          </p:cNvSpPr>
+          <p:nvPr>
+            <p:ph type="title"/>
+          </p:nvPr>
+        </p:nvSpPr>
+        <p:spPr/>
+        <p:txBody>
+          <a:bodyPr/>
+          <a:lstStyle/>
+          <a:p>
+            <a:r>
+              <a:rPr lang="en-GB" dirty="0"/>
+              <a:t>What do QAs do?</a:t>
+            </a:r>
+          </a:p>
+        </p:txBody>
+      </p:sp>
+    </p:spTree>
+    <p:extLst>
+      <p:ext uri="{BB962C8B-B14F-4D97-AF65-F5344CB8AC3E}">
+        <p14:creationId xmlns:p14="http://schemas.microsoft.com/office/powerpoint/2010/main" val="1149093312"/>
+      </p:ext>
+    </p:extLst>
+  </p:cSld>
+  <p:clrMapOvr>
+    <a:masterClrMapping/>
+  </p:clrMapOvr>
+  <p:transition spd="slow">
+    <p:wipe/>
+  </p:transition>
+</p:sld>
+</file>
+
+<file path=ppt/slides/slide33.xml><?xml version="1.0" encoding="utf-8"?>
+<p:sld xmlns:a="http://schemas.openxmlformats.org/drawingml/2006/main" xmlns:r="http://schemas.openxmlformats.org/officeDocument/2006/relationships" xmlns:p="http://schemas.openxmlformats.org/presentationml/2006/main">
+  <p:cSld>
+    <p:spTree>
+      <p:nvGrpSpPr>
+        <p:cNvPr id="1" name=""/>
+        <p:cNvGrpSpPr/>
+        <p:nvPr/>
+      </p:nvGrpSpPr>
+      <p:grpSpPr>
+        <a:xfrm>
+          <a:off x="0" y="0"/>
+          <a:ext cx="0" cy="0"/>
+          <a:chOff x="0" y="0"/>
+          <a:chExt cx="0" cy="0"/>
+        </a:xfrm>
+      </p:grpSpPr>
+      <p:sp>
+        <p:nvSpPr>
+          <p:cNvPr id="2" name="Text Placeholder 1"/>
+          <p:cNvSpPr>
+            <a:spLocks noGrp="1"/>
+          </p:cNvSpPr>
+          <p:nvPr>
+            <p:ph type="body" sz="quarter" idx="26"/>
+          </p:nvPr>
+        </p:nvSpPr>
+        <p:spPr/>
+        <p:txBody>
+          <a:bodyPr/>
+          <a:lstStyle/>
+          <a:p>
+            <a:r>
               <a:rPr lang="en-GB" sz="2000" dirty="0"/>
               <a:t>ATDD baby. ATDD is all about confidence.</a:t>
             </a:r>
@@ -37472,7 +38156,7 @@
 </p:sld>
 </file>
 
-<file path=ppt/slides/slide33.xml><?xml version="1.0" encoding="utf-8"?>
+<file path=ppt/slides/slide34.xml><?xml version="1.0" encoding="utf-8"?>
 <p:sld xmlns:a="http://schemas.openxmlformats.org/drawingml/2006/main" xmlns:r="http://schemas.openxmlformats.org/officeDocument/2006/relationships" xmlns:p="http://schemas.openxmlformats.org/presentationml/2006/main">
   <p:cSld>
     <p:spTree>
@@ -38019,7 +38703,7 @@
 </p:sld>
 </file>
 
-<file path=ppt/slides/slide34.xml><?xml version="1.0" encoding="utf-8"?>
+<file path=ppt/slides/slide35.xml><?xml version="1.0" encoding="utf-8"?>
 <p:sld xmlns:a="http://schemas.openxmlformats.org/drawingml/2006/main" xmlns:r="http://schemas.openxmlformats.org/officeDocument/2006/relationships" xmlns:p="http://schemas.openxmlformats.org/presentationml/2006/main">
   <p:cSld>
     <p:spTree>
@@ -38949,7 +39633,7 @@
 </p:sld>
 </file>
 
-<file path=ppt/slides/slide35.xml><?xml version="1.0" encoding="utf-8"?>
+<file path=ppt/slides/slide36.xml><?xml version="1.0" encoding="utf-8"?>
 <p:sld xmlns:a="http://schemas.openxmlformats.org/drawingml/2006/main" xmlns:r="http://schemas.openxmlformats.org/officeDocument/2006/relationships" xmlns:p="http://schemas.openxmlformats.org/presentationml/2006/main">
   <p:cSld>
     <p:spTree>
@@ -39315,7 +39999,7 @@
 </p:sld>
 </file>
 
-<file path=ppt/slides/slide36.xml><?xml version="1.0" encoding="utf-8"?>
+<file path=ppt/slides/slide37.xml><?xml version="1.0" encoding="utf-8"?>
 <p:sld xmlns:a="http://schemas.openxmlformats.org/drawingml/2006/main" xmlns:r="http://schemas.openxmlformats.org/officeDocument/2006/relationships" xmlns:p="http://schemas.openxmlformats.org/presentationml/2006/main">
   <p:cSld>
     <p:spTree>
@@ -39730,7 +40414,7 @@
 </p:sld>
 </file>
 
-<file path=ppt/slides/slide37.xml><?xml version="1.0" encoding="utf-8"?>
+<file path=ppt/slides/slide38.xml><?xml version="1.0" encoding="utf-8"?>
 <p:sld xmlns:a="http://schemas.openxmlformats.org/drawingml/2006/main" xmlns:r="http://schemas.openxmlformats.org/officeDocument/2006/relationships" xmlns:p="http://schemas.openxmlformats.org/presentationml/2006/main">
   <p:cSld>
     <p:spTree>
@@ -39775,7 +40459,7 @@
           <p:cNvPr id="8" name="Content Placeholder 2">
             <a:extLst>
               <a:ext uri="{FF2B5EF4-FFF2-40B4-BE49-F238E27FC236}">
-                <a16:creationId xmlns="" xmlns:a16="http://schemas.microsoft.com/office/drawing/2014/main" id="{A1AD4ABB-DBCE-AD41-AE4C-C6E34CC3DE85}"/>
+                <a16:creationId xmlns:a16="http://schemas.microsoft.com/office/drawing/2014/main" id="{A1AD4ABB-DBCE-AD41-AE4C-C6E34CC3DE85}"/>
               </a:ext>
             </a:extLst>
           </p:cNvPr>
@@ -40413,7 +41097,7 @@
           <p:cNvPr id="9" name="Content Placeholder 2">
             <a:extLst>
               <a:ext uri="{FF2B5EF4-FFF2-40B4-BE49-F238E27FC236}">
-                <a16:creationId xmlns="" xmlns:a16="http://schemas.microsoft.com/office/drawing/2014/main" id="{06FC7496-548A-A94F-958B-BF9C3162F372}"/>
+                <a16:creationId xmlns:a16="http://schemas.microsoft.com/office/drawing/2014/main" id="{06FC7496-548A-A94F-958B-BF9C3162F372}"/>
               </a:ext>
             </a:extLst>
           </p:cNvPr>
@@ -40757,7 +41441,7 @@
 </p:sld>
 </file>
 
-<file path=ppt/slides/slide38.xml><?xml version="1.0" encoding="utf-8"?>
+<file path=ppt/slides/slide39.xml><?xml version="1.0" encoding="utf-8"?>
 <p:sld xmlns:a="http://schemas.openxmlformats.org/drawingml/2006/main" xmlns:r="http://schemas.openxmlformats.org/officeDocument/2006/relationships" xmlns:p="http://schemas.openxmlformats.org/presentationml/2006/main">
   <p:cSld>
     <p:spTree>
@@ -40802,7 +41486,7 @@
           <p:cNvPr id="5" name="Content Placeholder 2">
             <a:extLst>
               <a:ext uri="{FF2B5EF4-FFF2-40B4-BE49-F238E27FC236}">
-                <a16:creationId xmlns="" xmlns:a16="http://schemas.microsoft.com/office/drawing/2014/main" id="{A1AD4ABB-DBCE-AD41-AE4C-C6E34CC3DE85}"/>
+                <a16:creationId xmlns:a16="http://schemas.microsoft.com/office/drawing/2014/main" id="{A1AD4ABB-DBCE-AD41-AE4C-C6E34CC3DE85}"/>
               </a:ext>
             </a:extLst>
           </p:cNvPr>
@@ -41528,7 +42212,136 @@
 </p:sld>
 </file>
 
-<file path=ppt/slides/slide39.xml><?xml version="1.0" encoding="utf-8"?>
+<file path=ppt/slides/slide4.xml><?xml version="1.0" encoding="utf-8"?>
+<p:sld xmlns:a="http://schemas.openxmlformats.org/drawingml/2006/main" xmlns:r="http://schemas.openxmlformats.org/officeDocument/2006/relationships" xmlns:p="http://schemas.openxmlformats.org/presentationml/2006/main">
+  <p:cSld>
+    <p:spTree>
+      <p:nvGrpSpPr>
+        <p:cNvPr id="1" name=""/>
+        <p:cNvGrpSpPr/>
+        <p:nvPr/>
+      </p:nvGrpSpPr>
+      <p:grpSpPr>
+        <a:xfrm>
+          <a:off x="0" y="0"/>
+          <a:ext cx="0" cy="0"/>
+          <a:chOff x="0" y="0"/>
+          <a:chExt cx="0" cy="0"/>
+        </a:xfrm>
+      </p:grpSpPr>
+      <p:sp>
+        <p:nvSpPr>
+          <p:cNvPr id="2" name="Text Placeholder 1"/>
+          <p:cNvSpPr>
+            <a:spLocks noGrp="1"/>
+          </p:cNvSpPr>
+          <p:nvPr>
+            <p:ph type="body" sz="quarter" idx="26"/>
+          </p:nvPr>
+        </p:nvSpPr>
+        <p:spPr>
+          <a:xfrm>
+            <a:off x="163875" y="1200480"/>
+            <a:ext cx="11884025" cy="3798810"/>
+          </a:xfrm>
+        </p:spPr>
+        <p:txBody>
+          <a:bodyPr/>
+          <a:lstStyle/>
+          <a:p>
+            <a:r>
+              <a:rPr lang="en-US" dirty="0"/>
+              <a:t>Unit testing segregates each part of the program and focuses on testing a small portion or individual section of our application and verifies its behavior </a:t>
+            </a:r>
+            <a:r>
+              <a:rPr lang="en-US" b="1" dirty="0"/>
+              <a:t>independently from other parts</a:t>
+            </a:r>
+            <a:r>
+              <a:rPr lang="en-US" dirty="0"/>
+              <a:t>. Usually broken down by 3 phases: </a:t>
+            </a:r>
+          </a:p>
+          <a:p>
+            <a:pPr marL="342900" indent="-342900">
+              <a:buAutoNum type="arabicParenR"/>
+            </a:pPr>
+            <a:r>
+              <a:rPr lang="en-US" dirty="0"/>
+              <a:t>Initializes a small piece of an application it wants to test </a:t>
+            </a:r>
+          </a:p>
+          <a:p>
+            <a:pPr marL="342900" indent="-342900">
+              <a:buAutoNum type="arabicParenR"/>
+            </a:pPr>
+            <a:r>
+              <a:rPr lang="en-US" dirty="0"/>
+              <a:t>It applies some stimulus to the system under test (usually by calling a method on it)</a:t>
+            </a:r>
+          </a:p>
+          <a:p>
+            <a:pPr marL="342900" indent="-342900">
+              <a:buAutoNum type="arabicParenR"/>
+            </a:pPr>
+            <a:r>
+              <a:rPr lang="en-US" dirty="0"/>
+              <a:t>Observes the resulting behavior – passes or fails. </a:t>
+            </a:r>
+          </a:p>
+          <a:p>
+            <a:pPr marL="342900" indent="-342900">
+              <a:buAutoNum type="arabicParenR"/>
+            </a:pPr>
+            <a:endParaRPr lang="en-US" dirty="0"/>
+          </a:p>
+          <a:p>
+            <a:r>
+              <a:rPr lang="en-US" dirty="0"/>
+              <a:t>These three unit test phases are also known as Arrange, Act and Assert, or simply AAA.</a:t>
+            </a:r>
+          </a:p>
+        </p:txBody>
+      </p:sp>
+      <p:sp>
+        <p:nvSpPr>
+          <p:cNvPr id="3" name="Title 2"/>
+          <p:cNvSpPr>
+            <a:spLocks noGrp="1"/>
+          </p:cNvSpPr>
+          <p:nvPr>
+            <p:ph type="title"/>
+          </p:nvPr>
+        </p:nvSpPr>
+        <p:spPr/>
+        <p:txBody>
+          <a:bodyPr/>
+          <a:lstStyle/>
+          <a:p>
+            <a:r>
+              <a:rPr lang="en-US" dirty="0"/>
+              <a:t>What is Unit Testing?</a:t>
+            </a:r>
+          </a:p>
+        </p:txBody>
+      </p:sp>
+    </p:spTree>
+    <p:extLst>
+      <p:ext uri="{BB962C8B-B14F-4D97-AF65-F5344CB8AC3E}">
+        <p14:creationId xmlns:p14="http://schemas.microsoft.com/office/powerpoint/2010/main" val="2868402969"/>
+      </p:ext>
+    </p:extLst>
+  </p:cSld>
+  <p:clrMapOvr>
+    <a:masterClrMapping/>
+  </p:clrMapOvr>
+  <p:transition spd="slow">
+    <p:wipe/>
+  </p:transition>
+</p:sld>
+</file>
+
+<file path=ppt/slides/slide40.xml><?xml version="1.0" encoding="utf-8"?>
 <p:sld xmlns:a="http://schemas.openxmlformats.org/drawingml/2006/main" xmlns:r="http://schemas.openxmlformats.org/officeDocument/2006/relationships" xmlns:p="http://schemas.openxmlformats.org/presentationml/2006/main">
   <p:cSld>
     <p:spTree>
@@ -42566,217 +43379,7 @@
 </p:sld>
 </file>
 
-<file path=ppt/slides/slide4.xml><?xml version="1.0" encoding="utf-8"?>
-<p:sld xmlns:a="http://schemas.openxmlformats.org/drawingml/2006/main" xmlns:r="http://schemas.openxmlformats.org/officeDocument/2006/relationships" xmlns:p="http://schemas.openxmlformats.org/presentationml/2006/main">
-  <p:cSld>
-    <p:spTree>
-      <p:nvGrpSpPr>
-        <p:cNvPr id="1" name=""/>
-        <p:cNvGrpSpPr/>
-        <p:nvPr/>
-      </p:nvGrpSpPr>
-      <p:grpSpPr>
-        <a:xfrm>
-          <a:off x="0" y="0"/>
-          <a:ext cx="0" cy="0"/>
-          <a:chOff x="0" y="0"/>
-          <a:chExt cx="0" cy="0"/>
-        </a:xfrm>
-      </p:grpSpPr>
-      <p:sp>
-        <p:nvSpPr>
-          <p:cNvPr id="2" name="Text Placeholder 1"/>
-          <p:cNvSpPr>
-            <a:spLocks noGrp="1"/>
-          </p:cNvSpPr>
-          <p:nvPr>
-            <p:ph type="body" sz="quarter" idx="26"/>
-          </p:nvPr>
-        </p:nvSpPr>
-        <p:spPr>
-          <a:xfrm>
-            <a:off x="163875" y="1200480"/>
-            <a:ext cx="11884025" cy="3798810"/>
-          </a:xfrm>
-        </p:spPr>
-        <p:txBody>
-          <a:bodyPr/>
-          <a:lstStyle/>
-          <a:p>
-            <a:r>
-              <a:rPr lang="en-US" dirty="0" smtClean="0"/>
-              <a:t>Unit </a:t>
-            </a:r>
-            <a:r>
-              <a:rPr lang="en-US" dirty="0" smtClean="0"/>
-              <a:t>testing </a:t>
-            </a:r>
-            <a:r>
-              <a:rPr lang="en-US" dirty="0" smtClean="0"/>
-              <a:t>segregates </a:t>
-            </a:r>
-            <a:r>
-              <a:rPr lang="en-US" dirty="0"/>
-              <a:t>each part of the </a:t>
-            </a:r>
-            <a:r>
-              <a:rPr lang="en-US" dirty="0" smtClean="0"/>
-              <a:t>program and focuses </a:t>
-            </a:r>
-            <a:r>
-              <a:rPr lang="en-US" dirty="0"/>
-              <a:t>on </a:t>
-            </a:r>
-            <a:r>
-              <a:rPr lang="en-US" dirty="0" smtClean="0"/>
-              <a:t>testing </a:t>
-            </a:r>
-            <a:r>
-              <a:rPr lang="en-US" dirty="0" smtClean="0"/>
-              <a:t>a </a:t>
-            </a:r>
-            <a:r>
-              <a:rPr lang="en-US" dirty="0"/>
-              <a:t>small </a:t>
-            </a:r>
-            <a:r>
-              <a:rPr lang="en-US" dirty="0" smtClean="0"/>
-              <a:t>portion or individual section of </a:t>
-            </a:r>
-            <a:r>
-              <a:rPr lang="en-US" dirty="0"/>
-              <a:t>our application and verifies its behavior </a:t>
-            </a:r>
-            <a:r>
-              <a:rPr lang="en-US" b="1" dirty="0"/>
-              <a:t>independently from other parts</a:t>
-            </a:r>
-            <a:r>
-              <a:rPr lang="en-US" dirty="0"/>
-              <a:t>. </a:t>
-            </a:r>
-            <a:r>
-              <a:rPr lang="en-US" dirty="0" smtClean="0"/>
-              <a:t>Usually broken down by 3 phases: </a:t>
-            </a:r>
-          </a:p>
-          <a:p>
-            <a:pPr marL="342900" indent="-342900">
-              <a:buAutoNum type="arabicParenR"/>
-            </a:pPr>
-            <a:r>
-              <a:rPr lang="en-US" dirty="0" smtClean="0"/>
-              <a:t>Initializes </a:t>
-            </a:r>
-            <a:r>
-              <a:rPr lang="en-US" dirty="0"/>
-              <a:t>a small piece of an application it wants to test </a:t>
-            </a:r>
-            <a:endParaRPr lang="en-US" dirty="0" smtClean="0"/>
-          </a:p>
-          <a:p>
-            <a:pPr marL="342900" indent="-342900">
-              <a:buAutoNum type="arabicParenR"/>
-            </a:pPr>
-            <a:r>
-              <a:rPr lang="en-US" dirty="0" smtClean="0"/>
-              <a:t>It </a:t>
-            </a:r>
-            <a:r>
-              <a:rPr lang="en-US" dirty="0"/>
-              <a:t>applies some stimulus to the system under test (usually by calling a method on </a:t>
-            </a:r>
-            <a:r>
-              <a:rPr lang="en-US" dirty="0" smtClean="0"/>
-              <a:t>it)</a:t>
-            </a:r>
-          </a:p>
-          <a:p>
-            <a:pPr marL="342900" indent="-342900">
-              <a:buAutoNum type="arabicParenR"/>
-            </a:pPr>
-            <a:r>
-              <a:rPr lang="en-US" dirty="0" smtClean="0"/>
-              <a:t>Observes </a:t>
-            </a:r>
-            <a:r>
-              <a:rPr lang="en-US" dirty="0"/>
-              <a:t>the resulting </a:t>
-            </a:r>
-            <a:r>
-              <a:rPr lang="en-US" dirty="0" smtClean="0"/>
-              <a:t>behavior – passes or fails. </a:t>
-            </a:r>
-          </a:p>
-          <a:p>
-            <a:pPr marL="342900" indent="-342900">
-              <a:buAutoNum type="arabicParenR"/>
-            </a:pPr>
-            <a:endParaRPr lang="en-US" dirty="0"/>
-          </a:p>
-          <a:p>
-            <a:r>
-              <a:rPr lang="en-US" dirty="0" smtClean="0"/>
-              <a:t>These </a:t>
-            </a:r>
-            <a:r>
-              <a:rPr lang="en-US" dirty="0"/>
-              <a:t>three unit test phases are also known as Arrange, Act and Assert, or simply AAA</a:t>
-            </a:r>
-            <a:r>
-              <a:rPr lang="en-US" dirty="0" smtClean="0"/>
-              <a:t>.</a:t>
-            </a:r>
-          </a:p>
-        </p:txBody>
-      </p:sp>
-      <p:sp>
-        <p:nvSpPr>
-          <p:cNvPr id="3" name="Title 2"/>
-          <p:cNvSpPr>
-            <a:spLocks noGrp="1"/>
-          </p:cNvSpPr>
-          <p:nvPr>
-            <p:ph type="title"/>
-          </p:nvPr>
-        </p:nvSpPr>
-        <p:spPr/>
-        <p:txBody>
-          <a:bodyPr/>
-          <a:lstStyle/>
-          <a:p>
-            <a:r>
-              <a:rPr lang="en-US" dirty="0" smtClean="0"/>
-              <a:t>What is Unit Testing?</a:t>
-            </a:r>
-            <a:endParaRPr lang="en-US" dirty="0"/>
-          </a:p>
-        </p:txBody>
-      </p:sp>
-    </p:spTree>
-    <p:extLst>
-      <p:ext uri="{BB962C8B-B14F-4D97-AF65-F5344CB8AC3E}">
-        <p14:creationId xmlns:p14="http://schemas.microsoft.com/office/powerpoint/2010/main" val="2868402969"/>
-      </p:ext>
-    </p:extLst>
-  </p:cSld>
-  <p:clrMapOvr>
-    <a:masterClrMapping/>
-  </p:clrMapOvr>
-  <p:transition spd="slow">
-    <p:wipe/>
-  </p:transition>
-  <p:timing>
-    <p:tnLst>
-      <p:par>
-        <p:cTn id="1" dur="indefinite" restart="never" nodeType="tmRoot"/>
-      </p:par>
-    </p:tnLst>
-  </p:timing>
-</p:sld>
-</file>
-
-<file path=ppt/slides/slide40.xml><?xml version="1.0" encoding="utf-8"?>
+<file path=ppt/slides/slide41.xml><?xml version="1.0" encoding="utf-8"?>
 <p:sld xmlns:a="http://schemas.openxmlformats.org/drawingml/2006/main" xmlns:r="http://schemas.openxmlformats.org/officeDocument/2006/relationships" xmlns:p="http://schemas.openxmlformats.org/presentationml/2006/main">
   <p:cSld>
     <p:spTree>
@@ -42930,7 +43533,7 @@
 </p:sld>
 </file>
 
-<file path=ppt/slides/slide41.xml><?xml version="1.0" encoding="utf-8"?>
+<file path=ppt/slides/slide42.xml><?xml version="1.0" encoding="utf-8"?>
 <p:sld xmlns:a="http://schemas.openxmlformats.org/drawingml/2006/main" xmlns:r="http://schemas.openxmlformats.org/officeDocument/2006/relationships" xmlns:p="http://schemas.openxmlformats.org/presentationml/2006/main">
   <p:cSld>
     <p:spTree>
@@ -43152,16 +43755,16 @@
           <a:lstStyle/>
           <a:p>
             <a:r>
-              <a:rPr lang="en-US" dirty="0" smtClean="0"/>
+              <a:rPr lang="en-US" dirty="0"/>
               <a:t>How many of you feel confident that when you change or refactor portions of existing/legacy code you are 100% confident your changes will not cause bugs?   </a:t>
             </a:r>
           </a:p>
           <a:p>
-            <a:endParaRPr lang="en-US" dirty="0" smtClean="0"/>
-          </a:p>
-          <a:p>
-            <a:r>
-              <a:rPr lang="en-US" dirty="0" smtClean="0"/>
+            <a:endParaRPr lang="en-US" dirty="0"/>
+          </a:p>
+          <a:p>
+            <a:r>
+              <a:rPr lang="en-US" dirty="0"/>
               <a:t>Some of the key benefits include: </a:t>
             </a:r>
           </a:p>
@@ -43171,7 +43774,7 @@
               <a:buChar char="•"/>
             </a:pPr>
             <a:r>
-              <a:rPr lang="en-US" dirty="0" smtClean="0"/>
+              <a:rPr lang="en-US" dirty="0"/>
               <a:t>Captures and identifies bugs or issues early</a:t>
             </a:r>
           </a:p>
@@ -43181,7 +43784,7 @@
               <a:buChar char="•"/>
             </a:pPr>
             <a:r>
-              <a:rPr lang="en-US" dirty="0" smtClean="0"/>
+              <a:rPr lang="en-US" dirty="0"/>
               <a:t>Improve code quality</a:t>
             </a:r>
           </a:p>
@@ -43191,7 +43794,7 @@
               <a:buChar char="•"/>
             </a:pPr>
             <a:r>
-              <a:rPr lang="en-US" dirty="0" smtClean="0"/>
+              <a:rPr lang="en-US" dirty="0"/>
               <a:t>Makes the development process more agile</a:t>
             </a:r>
           </a:p>
@@ -43201,7 +43804,7 @@
               <a:buChar char="•"/>
             </a:pPr>
             <a:r>
-              <a:rPr lang="en-US" dirty="0" smtClean="0"/>
+              <a:rPr lang="en-US" dirty="0"/>
               <a:t>Improve application design because code must by testable</a:t>
             </a:r>
           </a:p>
@@ -43211,7 +43814,7 @@
               <a:buChar char="•"/>
             </a:pPr>
             <a:r>
-              <a:rPr lang="en-US" dirty="0" smtClean="0"/>
+              <a:rPr lang="en-US" dirty="0"/>
               <a:t>Facilitates changes to ensure the app still works as expected</a:t>
             </a:r>
           </a:p>
@@ -43221,7 +43824,7 @@
               <a:buChar char="•"/>
             </a:pPr>
             <a:r>
-              <a:rPr lang="en-US" dirty="0" smtClean="0"/>
+              <a:rPr lang="en-US" dirty="0"/>
               <a:t>Build confidence about the code we’re producing</a:t>
             </a:r>
           </a:p>
@@ -43231,7 +43834,7 @@
               <a:buChar char="•"/>
             </a:pPr>
             <a:r>
-              <a:rPr lang="en-US" dirty="0" smtClean="0"/>
+              <a:rPr lang="en-US" dirty="0"/>
               <a:t>Less bugs reduces costs</a:t>
             </a:r>
           </a:p>
@@ -43249,7 +43852,7 @@
               </a:rPr>
               <a:t>https://stackoverflow.com/questions/67299/is-unit-testing-worth-the-effort</a:t>
             </a:r>
-            <a:endParaRPr lang="en-US" dirty="0" smtClean="0"/>
+            <a:endParaRPr lang="en-US" dirty="0"/>
           </a:p>
         </p:txBody>
       </p:sp>
@@ -43269,10 +43872,9 @@
           <a:lstStyle/>
           <a:p>
             <a:r>
-              <a:rPr lang="en-US" dirty="0" smtClean="0"/>
+              <a:rPr lang="en-US" dirty="0"/>
               <a:t>Why should we care about unit testing? </a:t>
             </a:r>
-            <a:endParaRPr lang="en-US" dirty="0"/>
           </a:p>
         </p:txBody>
       </p:sp>
@@ -43289,13 +43891,6 @@
   <p:transition spd="slow">
     <p:wipe/>
   </p:transition>
-  <p:timing>
-    <p:tnLst>
-      <p:par>
-        <p:cTn id="1" dur="indefinite" restart="never" nodeType="tmRoot"/>
-      </p:par>
-    </p:tnLst>
-  </p:timing>
 </p:sld>
 </file>
 
@@ -43341,18 +43936,18 @@
               <a:buChar char="•"/>
             </a:pPr>
             <a:r>
-              <a:rPr lang="en-US" b="1" dirty="0" smtClean="0"/>
+              <a:rPr lang="en-US" b="1" dirty="0"/>
               <a:t>Independent </a:t>
             </a:r>
             <a:r>
-              <a:rPr lang="en-US" dirty="0" smtClean="0"/>
+              <a:rPr lang="en-US" dirty="0"/>
               <a:t>– tests a single section of code such as a single class, object or component</a:t>
             </a:r>
           </a:p>
           <a:p>
             <a:pPr marL="815012" lvl="4" indent="-342900"/>
             <a:r>
-              <a:rPr lang="en-US" dirty="0" smtClean="0"/>
+              <a:rPr lang="en-US" dirty="0"/>
               <a:t>Does no rely on live systems</a:t>
             </a:r>
           </a:p>
@@ -43362,11 +43957,11 @@
               <a:buChar char="•"/>
             </a:pPr>
             <a:r>
-              <a:rPr lang="en-US" b="1" dirty="0" smtClean="0"/>
+              <a:rPr lang="en-US" b="1" dirty="0"/>
               <a:t>Readable</a:t>
             </a:r>
             <a:r>
-              <a:rPr lang="en-US" dirty="0" smtClean="0"/>
+              <a:rPr lang="en-US" dirty="0"/>
               <a:t> - Descriptive names; Easy to read and understand</a:t>
             </a:r>
           </a:p>
@@ -43376,11 +43971,11 @@
               <a:buChar char="•"/>
             </a:pPr>
             <a:r>
-              <a:rPr lang="en-US" b="1" dirty="0" smtClean="0"/>
+              <a:rPr lang="en-US" b="1" dirty="0"/>
               <a:t>Repeatable</a:t>
             </a:r>
             <a:r>
-              <a:rPr lang="en-US" dirty="0" smtClean="0"/>
+              <a:rPr lang="en-US" dirty="0"/>
               <a:t> - run unit test multiple times and achieve the same results</a:t>
             </a:r>
           </a:p>
@@ -43390,11 +43985,11 @@
               <a:buChar char="•"/>
             </a:pPr>
             <a:r>
-              <a:rPr lang="en-US" b="1" dirty="0" smtClean="0"/>
+              <a:rPr lang="en-US" b="1" dirty="0"/>
               <a:t>Well Structured </a:t>
             </a:r>
             <a:r>
-              <a:rPr lang="en-US" dirty="0" smtClean="0"/>
+              <a:rPr lang="en-US" dirty="0"/>
               <a:t>– Follow the AAA pattern (Arrange, Act, Assert)</a:t>
             </a:r>
           </a:p>
@@ -43404,11 +43999,11 @@
               <a:buChar char="•"/>
             </a:pPr>
             <a:r>
-              <a:rPr lang="en-US" b="1" dirty="0" smtClean="0"/>
+              <a:rPr lang="en-US" b="1" dirty="0"/>
               <a:t>Fast</a:t>
             </a:r>
             <a:r>
-              <a:rPr lang="en-US" dirty="0" smtClean="0"/>
+              <a:rPr lang="en-US" dirty="0"/>
               <a:t> – each test shouldn’t take long to process</a:t>
             </a:r>
           </a:p>
@@ -43417,43 +44012,38 @@
               <a:buFont typeface="Arial" panose="020B0604020202020204" pitchFamily="34" charset="0"/>
               <a:buChar char="•"/>
             </a:pPr>
-            <a:endParaRPr lang="en-US" dirty="0" smtClean="0"/>
+            <a:endParaRPr lang="en-US" dirty="0"/>
           </a:p>
           <a:p>
             <a:r>
               <a:rPr lang="en-US" i="1" u="sng" dirty="0"/>
-              <a:t>Never write unit tests </a:t>
-            </a:r>
-            <a:r>
-              <a:rPr lang="en-US" i="1" u="sng" dirty="0" smtClean="0"/>
-              <a:t>to meet code coverage requirements</a:t>
-            </a:r>
-            <a:r>
-              <a:rPr lang="en-US" dirty="0" smtClean="0"/>
+              <a:t>Never write unit tests to meet code coverage requirements</a:t>
+            </a:r>
+            <a:r>
+              <a:rPr lang="en-US" dirty="0"/>
               <a:t>, write units tests to ensure you won’t break code in the future. </a:t>
             </a:r>
-            <a:endParaRPr lang="en-US" dirty="0"/>
           </a:p>
           <a:p>
             <a:pPr marL="342900" indent="-342900">
               <a:buFont typeface="Arial" panose="020B0604020202020204" pitchFamily="34" charset="0"/>
               <a:buChar char="•"/>
             </a:pPr>
-            <a:endParaRPr lang="en-US" dirty="0" smtClean="0"/>
+            <a:endParaRPr lang="en-US" dirty="0"/>
           </a:p>
           <a:p>
             <a:pPr marL="342900" indent="-342900">
               <a:buFont typeface="Arial" panose="020B0604020202020204" pitchFamily="34" charset="0"/>
               <a:buChar char="•"/>
             </a:pPr>
-            <a:endParaRPr lang="en-US" dirty="0" smtClean="0"/>
+            <a:endParaRPr lang="en-US" dirty="0"/>
           </a:p>
           <a:p>
             <a:pPr marL="342900" indent="-342900">
               <a:buFont typeface="+mj-lt"/>
               <a:buAutoNum type="arabicPeriod"/>
             </a:pPr>
-            <a:endParaRPr lang="en-US" dirty="0" smtClean="0"/>
+            <a:endParaRPr lang="en-US" dirty="0"/>
           </a:p>
           <a:p>
             <a:pPr marL="342900" indent="-342900">
@@ -43480,10 +44070,9 @@
           <a:lstStyle/>
           <a:p>
             <a:r>
-              <a:rPr lang="en-US" dirty="0" smtClean="0"/>
+              <a:rPr lang="en-US" dirty="0"/>
               <a:t>What makes a good unit test? </a:t>
             </a:r>
-            <a:endParaRPr lang="en-US" dirty="0"/>
           </a:p>
         </p:txBody>
       </p:sp>
@@ -43593,29 +44182,17 @@
           <a:p>
             <a:pPr algn="r"/>
             <a:r>
-              <a:rPr lang="en-US" sz="800" dirty="0" smtClean="0"/>
+              <a:rPr lang="en-US" sz="800" dirty="0"/>
               <a:t>Sources: </a:t>
-            </a:r>
-            <a:r>
-              <a:rPr lang="en-US" sz="800" dirty="0" smtClean="0">
-                <a:hlinkClick r:id="rId4"/>
-              </a:rPr>
-              <a:t>https</a:t>
             </a:r>
             <a:r>
               <a:rPr lang="en-US" sz="800" dirty="0">
                 <a:hlinkClick r:id="rId4"/>
               </a:rPr>
-              <a:t>://</a:t>
-            </a:r>
-            <a:r>
-              <a:rPr lang="en-US" sz="800" dirty="0" smtClean="0">
-                <a:hlinkClick r:id="rId4"/>
-              </a:rPr>
-              <a:t>martinfowler.com/bliki/UnitTest.html</a:t>
-            </a:r>
-            <a:r>
-              <a:rPr lang="en-US" sz="800" dirty="0" smtClean="0"/>
+              <a:t>https://martinfowler.com/bliki/UnitTest.html</a:t>
+            </a:r>
+            <a:r>
+              <a:rPr lang="en-US" sz="800" dirty="0"/>
               <a:t>, </a:t>
             </a:r>
             <a:r>
@@ -43625,10 +44202,9 @@
               <a:t>https://medium.com/chris-nielsen/so-whats-a-good-unit-test-look-like-71f750333ac0</a:t>
             </a:r>
             <a:r>
-              <a:rPr lang="en-US" sz="800" dirty="0" smtClean="0"/>
-              <a:t> </a:t>
-            </a:r>
-            <a:endParaRPr lang="en-US" sz="800" dirty="0"/>
+              <a:rPr lang="en-US" sz="800" dirty="0"/>
+              <a:t> </a:t>
+            </a:r>
           </a:p>
         </p:txBody>
       </p:sp>
@@ -43645,13 +44221,6 @@
   <p:transition spd="slow">
     <p:wipe/>
   </p:transition>
-  <p:timing>
-    <p:tnLst>
-      <p:par>
-        <p:cTn id="1" dur="indefinite" restart="never" nodeType="tmRoot"/>
-      </p:par>
-    </p:tnLst>
-  </p:timing>
 </p:sld>
 </file>
 
@@ -43697,79 +44266,38 @@
               <a:buChar char="•"/>
             </a:pPr>
             <a:r>
-              <a:rPr lang="en-US" dirty="0" smtClean="0"/>
-              <a:t>Jest is an open-source </a:t>
-            </a:r>
-            <a:r>
-              <a:rPr lang="en-US" dirty="0" smtClean="0"/>
-              <a:t>testing framework </a:t>
-            </a:r>
-            <a:r>
-              <a:rPr lang="en-US" dirty="0" smtClean="0"/>
-              <a:t>originally </a:t>
-            </a:r>
-            <a:r>
-              <a:rPr lang="en-US" dirty="0" smtClean="0"/>
-              <a:t>created by </a:t>
-            </a:r>
-            <a:r>
-              <a:rPr lang="en-US" dirty="0" smtClean="0"/>
-              <a:t>Facebook</a:t>
+              <a:rPr lang="en-US" dirty="0"/>
+              <a:t>Jest is an open-source testing framework originally created by Facebook</a:t>
             </a:r>
           </a:p>
           <a:p>
             <a:pPr marL="757862" lvl="4" indent="-285750"/>
             <a:r>
-              <a:rPr lang="en-US" sz="1600" dirty="0" smtClean="0"/>
-              <a:t>Aspects </a:t>
-            </a:r>
-            <a:r>
               <a:rPr lang="en-US" sz="1600" dirty="0"/>
-              <a:t>of </a:t>
-            </a:r>
-            <a:r>
-              <a:rPr lang="en-US" sz="1600" dirty="0" smtClean="0"/>
-              <a:t>Jasmine.js </a:t>
-            </a:r>
+              <a:t>Aspects of Jasmine.js and Mocha.js were originally designed into the framework</a:t>
+            </a:r>
+          </a:p>
+          <a:p>
+            <a:pPr marL="757862" lvl="4" indent="-285750"/>
             <a:r>
               <a:rPr lang="en-US" sz="1600" dirty="0"/>
-              <a:t>and </a:t>
-            </a:r>
-            <a:r>
-              <a:rPr lang="en-US" sz="1600" dirty="0" smtClean="0"/>
-              <a:t>Mocha.js were originally designed </a:t>
+              <a:t>It’s really a hybrid of many testing libraries with some </a:t>
+            </a:r>
+            <a:r>
+              <a:rPr lang="en-US" sz="1600" dirty="0" err="1"/>
+              <a:t>Faceboook</a:t>
             </a:r>
             <a:r>
               <a:rPr lang="en-US" sz="1600" dirty="0"/>
-              <a:t>into the </a:t>
-            </a:r>
-            <a:r>
-              <a:rPr lang="en-US" sz="1600" dirty="0" smtClean="0"/>
-              <a:t>framework</a:t>
-            </a:r>
-          </a:p>
-          <a:p>
-            <a:pPr marL="757862" lvl="4" indent="-285750"/>
-            <a:r>
-              <a:rPr lang="en-US" sz="1600" dirty="0" smtClean="0"/>
-              <a:t>It’s really a hybrid of many testing libraries with some </a:t>
-            </a:r>
-            <a:r>
-              <a:rPr lang="en-US" sz="1600" dirty="0" err="1" smtClean="0"/>
-              <a:t>Faceboook</a:t>
-            </a:r>
-            <a:r>
-              <a:rPr lang="en-US" sz="1600" dirty="0" smtClean="0"/>
               <a:t> mojo added on top</a:t>
             </a:r>
-            <a:endParaRPr lang="en-US" sz="1600" dirty="0" smtClean="0"/>
           </a:p>
           <a:p>
             <a:pPr marL="285750" indent="-285750">
               <a:buFont typeface="Arial" panose="020B0604020202020204" pitchFamily="34" charset="0"/>
               <a:buChar char="•"/>
             </a:pPr>
-            <a:endParaRPr lang="en-US" dirty="0" smtClean="0"/>
+            <a:endParaRPr lang="en-US" dirty="0"/>
           </a:p>
           <a:p>
             <a:pPr marL="285750" indent="-285750">
@@ -43777,12 +44305,8 @@
               <a:buChar char="•"/>
             </a:pPr>
             <a:r>
-              <a:rPr lang="en-US" dirty="0" smtClean="0"/>
-              <a:t>Assortment </a:t>
-            </a:r>
-            <a:r>
-              <a:rPr lang="en-US" dirty="0" smtClean="0"/>
-              <a:t>of built-in testing options:</a:t>
+              <a:rPr lang="en-US" dirty="0"/>
+              <a:t>Assortment of built-in testing options:</a:t>
             </a:r>
           </a:p>
           <a:p>
@@ -43797,43 +44321,29 @@
             </a:r>
             <a:r>
               <a:rPr lang="en-US" sz="1600" dirty="0"/>
-              <a:t> integration </a:t>
-            </a:r>
-            <a:r>
-              <a:rPr lang="en-US" sz="1600" dirty="0" smtClean="0"/>
-              <a:t>testing</a:t>
+              <a:t> integration testing</a:t>
             </a:r>
           </a:p>
           <a:p>
             <a:pPr marL="757862" lvl="4" indent="-285750"/>
             <a:r>
-              <a:rPr lang="en-US" sz="1600" dirty="0" smtClean="0"/>
+              <a:rPr lang="en-US" sz="1600" dirty="0"/>
               <a:t>Flexible configuration options</a:t>
             </a:r>
-            <a:endParaRPr lang="en-US" sz="1600" dirty="0"/>
           </a:p>
           <a:p>
             <a:pPr marL="757862" lvl="4" indent="-285750"/>
             <a:r>
-              <a:rPr lang="en-US" sz="1600" dirty="0" smtClean="0"/>
-              <a:t>Includes </a:t>
-            </a:r>
-            <a:r>
               <a:rPr lang="en-US" sz="1600" dirty="0"/>
-              <a:t>mocking/spy capabilities and </a:t>
-            </a:r>
-            <a:r>
-              <a:rPr lang="en-US" sz="1600" dirty="0" smtClean="0"/>
-              <a:t>variety of options </a:t>
+              <a:t>Includes mocking/spy capabilities and variety of options </a:t>
             </a:r>
           </a:p>
           <a:p>
             <a:pPr marL="757862" lvl="4" indent="-285750"/>
             <a:r>
-              <a:rPr lang="en-US" sz="1600" dirty="0" smtClean="0"/>
+              <a:rPr lang="en-US" sz="1600" dirty="0"/>
               <a:t>Built-in `expect` options for test assertions</a:t>
             </a:r>
-            <a:endParaRPr lang="en-US" sz="1600" dirty="0"/>
           </a:p>
           <a:p>
             <a:pPr marL="757862" lvl="4" indent="-285750"/>
@@ -43853,11 +44363,7 @@
             <a:pPr marL="757862" lvl="4" indent="-285750"/>
             <a:r>
               <a:rPr lang="en-US" sz="1600" dirty="0"/>
-              <a:t>Has a watch mode – will re-run tests as tests are </a:t>
-            </a:r>
-            <a:r>
-              <a:rPr lang="en-US" sz="1600" dirty="0" smtClean="0"/>
-              <a:t>updated</a:t>
+              <a:t>Has a watch mode – will re-run tests as tests are updated</a:t>
             </a:r>
           </a:p>
           <a:p>
@@ -43865,7 +44371,7 @@
               <a:buFont typeface="Arial" panose="020B0604020202020204" pitchFamily="34" charset="0"/>
               <a:buChar char="•"/>
             </a:pPr>
-            <a:endParaRPr lang="en-US" dirty="0" smtClean="0"/>
+            <a:endParaRPr lang="en-US" dirty="0"/>
           </a:p>
           <a:p>
             <a:pPr marL="285750" indent="-285750">
@@ -43873,18 +44379,14 @@
               <a:buChar char="•"/>
             </a:pPr>
             <a:r>
-              <a:rPr lang="en-US" dirty="0" smtClean="0"/>
-              <a:t>It’s </a:t>
-            </a:r>
-            <a:r>
-              <a:rPr lang="en-US" dirty="0" smtClean="0"/>
-              <a:t>generally pretty fast at running tests </a:t>
+              <a:rPr lang="en-US" dirty="0"/>
+              <a:t>It’s generally pretty fast at running tests </a:t>
             </a:r>
           </a:p>
           <a:p>
             <a:pPr marL="757862" lvl="4" indent="-285750"/>
             <a:r>
-              <a:rPr lang="en-US" sz="1600" dirty="0" smtClean="0"/>
+              <a:rPr lang="en-US" sz="1600" dirty="0"/>
               <a:t>v.23 does have some performance issues, current version installed in FC; fixed in current version v.24</a:t>
             </a:r>
           </a:p>
@@ -43893,14 +44395,14 @@
               <a:buFont typeface="Arial" panose="020B0604020202020204" pitchFamily="34" charset="0"/>
               <a:buChar char="•"/>
             </a:pPr>
-            <a:endParaRPr lang="en-US" dirty="0" smtClean="0"/>
+            <a:endParaRPr lang="en-US" dirty="0"/>
           </a:p>
           <a:p>
             <a:pPr marL="285750" indent="-285750">
               <a:buFont typeface="Arial" panose="020B0604020202020204" pitchFamily="34" charset="0"/>
               <a:buChar char="•"/>
             </a:pPr>
-            <a:endParaRPr lang="en-US" dirty="0" smtClean="0"/>
+            <a:endParaRPr lang="en-US" dirty="0"/>
           </a:p>
         </p:txBody>
       </p:sp>
@@ -43920,10 +44422,9 @@
           <a:lstStyle/>
           <a:p>
             <a:r>
-              <a:rPr lang="en-US" dirty="0" smtClean="0"/>
+              <a:rPr lang="en-US" dirty="0"/>
               <a:t>Why Jest?</a:t>
             </a:r>
-            <a:endParaRPr lang="en-US" dirty="0"/>
           </a:p>
         </p:txBody>
       </p:sp>
@@ -43940,13 +44441,6 @@
   <p:transition spd="slow">
     <p:wipe/>
   </p:transition>
-  <p:timing>
-    <p:tnLst>
-      <p:par>
-        <p:cTn id="1" dur="indefinite" restart="never" nodeType="tmRoot"/>
-      </p:par>
-    </p:tnLst>
-  </p:timing>
 </p:sld>
 </file>
 
@@ -43988,12 +44482,12 @@
           <a:lstStyle/>
           <a:p>
             <a:r>
-              <a:rPr lang="en-US" dirty="0" smtClean="0">
+              <a:rPr lang="en-US" dirty="0">
                 <a:hlinkClick r:id="rId2"/>
               </a:rPr>
               <a:t>Jestjs.io</a:t>
             </a:r>
-            <a:endParaRPr lang="en-US" dirty="0" smtClean="0"/>
+            <a:endParaRPr lang="en-US" dirty="0"/>
           </a:p>
           <a:p>
             <a:pPr marL="285750" indent="-285750">
@@ -44001,46 +44495,33 @@
               <a:buChar char="•"/>
             </a:pPr>
             <a:r>
-              <a:rPr lang="en-US" dirty="0" smtClean="0"/>
+              <a:rPr lang="en-US" dirty="0"/>
               <a:t>Configuration </a:t>
             </a:r>
           </a:p>
           <a:p>
             <a:pPr marL="757862" lvl="4" indent="-285750"/>
             <a:r>
-              <a:rPr lang="en-US" dirty="0" smtClean="0"/>
+              <a:rPr lang="en-US" dirty="0"/>
               <a:t>Setting up jest in projects and various options</a:t>
             </a:r>
           </a:p>
           <a:p>
             <a:pPr marL="1007678" lvl="5" indent="-285750"/>
             <a:r>
-              <a:rPr lang="en-US" dirty="0" err="1" smtClean="0"/>
+              <a:rPr lang="en-US" dirty="0" err="1"/>
               <a:t>collectCoverage</a:t>
             </a:r>
             <a:r>
-              <a:rPr lang="en-US" dirty="0" smtClean="0"/>
+              <a:rPr lang="en-US" dirty="0"/>
               <a:t> – setting for creating coverage reports </a:t>
             </a:r>
-            <a:endParaRPr lang="en-US" dirty="0"/>
           </a:p>
           <a:p>
             <a:pPr marL="1007678" lvl="5" indent="-285750"/>
             <a:r>
               <a:rPr lang="en-US" dirty="0"/>
-              <a:t>v</a:t>
-            </a:r>
-            <a:r>
-              <a:rPr lang="en-US" dirty="0" smtClean="0"/>
-              <a:t>erbose - </a:t>
-            </a:r>
-            <a:r>
-              <a:rPr lang="en-US" dirty="0"/>
-              <a:t>Indicates whether each individual test should be reported during the </a:t>
-            </a:r>
-            <a:r>
-              <a:rPr lang="en-US" dirty="0" smtClean="0"/>
-              <a:t>run (useful for easily tracking down failing tests)</a:t>
+              <a:t>verbose - Indicates whether each individual test should be reported during the run (useful for easily tracking down failing tests)</a:t>
             </a:r>
           </a:p>
           <a:p>
@@ -44049,22 +44530,22 @@
               <a:buChar char="•"/>
             </a:pPr>
             <a:r>
-              <a:rPr lang="en-US" dirty="0" smtClean="0"/>
+              <a:rPr lang="en-US" dirty="0"/>
               <a:t>Jest </a:t>
             </a:r>
             <a:r>
-              <a:rPr lang="en-US" dirty="0" err="1" smtClean="0"/>
+              <a:rPr lang="en-US" dirty="0" err="1"/>
               <a:t>Cli</a:t>
             </a:r>
             <a:r>
-              <a:rPr lang="en-US" dirty="0" smtClean="0"/>
+              <a:rPr lang="en-US" dirty="0"/>
               <a:t> </a:t>
             </a:r>
           </a:p>
           <a:p>
             <a:pPr marL="757862" lvl="4" indent="-285750"/>
             <a:r>
-              <a:rPr lang="en-US" dirty="0" smtClean="0"/>
+              <a:rPr lang="en-US" dirty="0"/>
               <a:t>options when running jest in command line; ex. jest --watch</a:t>
             </a:r>
           </a:p>
@@ -44074,47 +44555,35 @@
               <a:buChar char="•"/>
             </a:pPr>
             <a:r>
-              <a:rPr lang="en-US" dirty="0" err="1" smtClean="0"/>
+              <a:rPr lang="en-US" dirty="0" err="1"/>
               <a:t>Globals</a:t>
             </a:r>
             <a:r>
-              <a:rPr lang="en-US" dirty="0" smtClean="0"/>
+              <a:rPr lang="en-US" dirty="0"/>
               <a:t> </a:t>
             </a:r>
           </a:p>
           <a:p>
             <a:pPr marL="757862" lvl="4" indent="-285750"/>
             <a:r>
-              <a:rPr lang="en-US" dirty="0" smtClean="0"/>
+              <a:rPr lang="en-US" dirty="0"/>
               <a:t>testing methods (ex. describe(), it(), </a:t>
             </a:r>
             <a:r>
               <a:rPr lang="en-US" dirty="0" err="1"/>
-              <a:t>b</a:t>
-            </a:r>
-            <a:r>
-              <a:rPr lang="en-US" dirty="0" err="1" smtClean="0"/>
-              <a:t>eforeEach</a:t>
-            </a:r>
-            <a:r>
-              <a:rPr lang="en-US" dirty="0" smtClean="0"/>
+              <a:t>beforeEach</a:t>
+            </a:r>
+            <a:r>
+              <a:rPr lang="en-US" dirty="0"/>
               <a:t>(), </a:t>
             </a:r>
             <a:r>
-              <a:rPr lang="en-US" dirty="0" err="1" smtClean="0"/>
+              <a:rPr lang="en-US" dirty="0" err="1"/>
               <a:t>afterEach</a:t>
             </a:r>
             <a:r>
-              <a:rPr lang="en-US" dirty="0" smtClean="0"/>
-              <a:t>(), etc</a:t>
-            </a:r>
-            <a:r>
-              <a:rPr lang="en-US" dirty="0"/>
-              <a:t>.</a:t>
-            </a:r>
-            <a:r>
-              <a:rPr lang="en-US" dirty="0" smtClean="0"/>
-              <a:t>)</a:t>
+              <a:rPr lang="en-US" dirty="0"/>
+              <a:t>(), etc.)</a:t>
             </a:r>
           </a:p>
           <a:p>
@@ -44123,14 +44592,14 @@
               <a:buChar char="•"/>
             </a:pPr>
             <a:r>
-              <a:rPr lang="en-US" dirty="0" smtClean="0"/>
+              <a:rPr lang="en-US" dirty="0"/>
               <a:t>Jest object</a:t>
             </a:r>
           </a:p>
           <a:p>
             <a:pPr marL="757862" lvl="4" indent="-285750"/>
             <a:r>
-              <a:rPr lang="en-US" dirty="0" smtClean="0"/>
+              <a:rPr lang="en-US" dirty="0"/>
               <a:t>Mocking modules </a:t>
             </a:r>
           </a:p>
@@ -44140,14 +44609,14 @@
               <a:buChar char="•"/>
             </a:pPr>
             <a:r>
-              <a:rPr lang="en-US" dirty="0" smtClean="0"/>
+              <a:rPr lang="en-US" dirty="0"/>
               <a:t>Mock function </a:t>
             </a:r>
           </a:p>
           <a:p>
             <a:pPr marL="757862" lvl="4" indent="-285750"/>
             <a:r>
-              <a:rPr lang="en-US" dirty="0" smtClean="0"/>
+              <a:rPr lang="en-US" dirty="0"/>
               <a:t>Mocking imported methods/functions</a:t>
             </a:r>
           </a:p>
@@ -44157,7 +44626,7 @@
               <a:buChar char="•"/>
             </a:pPr>
             <a:r>
-              <a:rPr lang="en-US" dirty="0" smtClean="0"/>
+              <a:rPr lang="en-US" dirty="0"/>
               <a:t>Expect library</a:t>
             </a:r>
           </a:p>
@@ -44183,7 +44652,6 @@
               <a:rPr lang="en-US" dirty="0"/>
               <a:t>(number))</a:t>
             </a:r>
-            <a:endParaRPr lang="en-US" dirty="0" smtClean="0"/>
           </a:p>
         </p:txBody>
       </p:sp>
@@ -44203,10 +44671,9 @@
           <a:lstStyle/>
           <a:p>
             <a:r>
-              <a:rPr lang="en-US" dirty="0" smtClean="0"/>
+              <a:rPr lang="en-US" dirty="0"/>
               <a:t>Jest Docs</a:t>
             </a:r>
-            <a:endParaRPr lang="en-US" dirty="0"/>
           </a:p>
         </p:txBody>
       </p:sp>
@@ -44223,13 +44690,6 @@
   <p:transition spd="slow">
     <p:wipe/>
   </p:transition>
-  <p:timing>
-    <p:tnLst>
-      <p:par>
-        <p:cTn id="1" dur="indefinite" restart="never" nodeType="tmRoot"/>
-      </p:par>
-    </p:tnLst>
-  </p:timing>
 </p:sld>
 </file>
 
@@ -44282,23 +44742,11 @@
                 <a:latin typeface="Courier New" panose="02070309020205020404" pitchFamily="49" charset="0"/>
                 <a:cs typeface="Courier New" panose="02070309020205020404" pitchFamily="49" charset="0"/>
               </a:rPr>
-              <a:t>const { multiply } = require('./jestbasics.js</a:t>
-            </a:r>
-            <a:r>
-              <a:rPr lang="en-US" sz="1600" dirty="0" smtClean="0">
-                <a:solidFill>
-                  <a:schemeClr val="tx1">
-                    <a:lumMod val="75000"/>
-                  </a:schemeClr>
-                </a:solidFill>
-                <a:latin typeface="Courier New" panose="02070309020205020404" pitchFamily="49" charset="0"/>
-                <a:cs typeface="Courier New" panose="02070309020205020404" pitchFamily="49" charset="0"/>
-              </a:rPr>
-              <a:t>'); </a:t>
-            </a:r>
-          </a:p>
-          <a:p>
-            <a:endParaRPr lang="en-US" sz="1600" dirty="0" smtClean="0">
+              <a:t>const { multiply } = require('./jestbasics.js'); </a:t>
+            </a:r>
+          </a:p>
+          <a:p>
+            <a:endParaRPr lang="en-US" sz="1600" dirty="0">
               <a:solidFill>
                 <a:schemeClr val="tx1">
                   <a:lumMod val="75000"/>
@@ -44309,18 +44757,6 @@
             </a:endParaRPr>
           </a:p>
           <a:p>
-            <a:r>
-              <a:rPr lang="en-US" sz="1600" dirty="0" smtClean="0">
-                <a:solidFill>
-                  <a:schemeClr val="tx1">
-                    <a:lumMod val="75000"/>
-                  </a:schemeClr>
-                </a:solidFill>
-                <a:latin typeface="Courier New" panose="02070309020205020404" pitchFamily="49" charset="0"/>
-                <a:cs typeface="Courier New" panose="02070309020205020404" pitchFamily="49" charset="0"/>
-              </a:rPr>
-              <a:t>describe(‘What you are testing ’,  </a:t>
-            </a:r>
             <a:r>
               <a:rPr lang="en-US" sz="1600" dirty="0">
                 <a:solidFill>
@@ -44331,19 +44767,7 @@
                 <a:latin typeface="Courier New" panose="02070309020205020404" pitchFamily="49" charset="0"/>
                 <a:cs typeface="Courier New" panose="02070309020205020404" pitchFamily="49" charset="0"/>
               </a:rPr>
-              <a:t>() =&gt; </a:t>
-            </a:r>
-            <a:r>
-              <a:rPr lang="en-US" sz="1600" dirty="0" smtClean="0">
-                <a:solidFill>
-                  <a:schemeClr val="tx1">
-                    <a:lumMod val="75000"/>
-                  </a:schemeClr>
-                </a:solidFill>
-                <a:latin typeface="Courier New" panose="02070309020205020404" pitchFamily="49" charset="0"/>
-                <a:cs typeface="Courier New" panose="02070309020205020404" pitchFamily="49" charset="0"/>
-              </a:rPr>
-              <a:t>{ </a:t>
+              <a:t>describe(‘What you are testing ’,  () =&gt; { </a:t>
             </a:r>
           </a:p>
           <a:p>
@@ -44357,19 +44781,7 @@
                 <a:latin typeface="Courier New" panose="02070309020205020404" pitchFamily="49" charset="0"/>
                 <a:cs typeface="Courier New" panose="02070309020205020404" pitchFamily="49" charset="0"/>
               </a:rPr>
-              <a:t> </a:t>
-            </a:r>
-            <a:r>
-              <a:rPr lang="en-US" sz="1600" dirty="0" smtClean="0">
-                <a:solidFill>
-                  <a:schemeClr val="tx1">
-                    <a:lumMod val="75000"/>
-                  </a:schemeClr>
-                </a:solidFill>
-                <a:latin typeface="Courier New" panose="02070309020205020404" pitchFamily="49" charset="0"/>
-                <a:cs typeface="Courier New" panose="02070309020205020404" pitchFamily="49" charset="0"/>
-              </a:rPr>
-              <a:t> </a:t>
+              <a:t>  </a:t>
             </a:r>
           </a:p>
           <a:p>
@@ -44383,57 +44795,7 @@
                 <a:latin typeface="Courier New" panose="02070309020205020404" pitchFamily="49" charset="0"/>
                 <a:cs typeface="Courier New" panose="02070309020205020404" pitchFamily="49" charset="0"/>
               </a:rPr>
-              <a:t> </a:t>
-            </a:r>
-            <a:r>
-              <a:rPr lang="en-US" sz="1600" dirty="0" smtClean="0">
-                <a:solidFill>
-                  <a:schemeClr val="tx1">
-                    <a:lumMod val="75000"/>
-                  </a:schemeClr>
-                </a:solidFill>
-                <a:latin typeface="Courier New" panose="02070309020205020404" pitchFamily="49" charset="0"/>
-                <a:cs typeface="Courier New" panose="02070309020205020404" pitchFamily="49" charset="0"/>
-              </a:rPr>
-              <a:t>it('multiply function should return result of </a:t>
-            </a:r>
-            <a:r>
-              <a:rPr lang="en-US" sz="1600" dirty="0" smtClean="0">
-                <a:solidFill>
-                  <a:schemeClr val="tx1">
-                    <a:lumMod val="75000"/>
-                  </a:schemeClr>
-                </a:solidFill>
-                <a:latin typeface="Courier New" panose="02070309020205020404" pitchFamily="49" charset="0"/>
-                <a:cs typeface="Courier New" panose="02070309020205020404" pitchFamily="49" charset="0"/>
-              </a:rPr>
-              <a:t>two</a:t>
-            </a:r>
-          </a:p>
-          <a:p>
-            <a:r>
-              <a:rPr lang="en-US" sz="1600" dirty="0" smtClean="0">
-                <a:solidFill>
-                  <a:schemeClr val="tx1">
-                    <a:lumMod val="75000"/>
-                  </a:schemeClr>
-                </a:solidFill>
-                <a:latin typeface="Courier New" panose="02070309020205020404" pitchFamily="49" charset="0"/>
-                <a:cs typeface="Courier New" panose="02070309020205020404" pitchFamily="49" charset="0"/>
-              </a:rPr>
-              <a:t>  multiplied </a:t>
-            </a:r>
-            <a:r>
-              <a:rPr lang="en-US" sz="1600" dirty="0" smtClean="0">
-                <a:solidFill>
-                  <a:schemeClr val="tx1">
-                    <a:lumMod val="75000"/>
-                  </a:schemeClr>
-                </a:solidFill>
-                <a:latin typeface="Courier New" panose="02070309020205020404" pitchFamily="49" charset="0"/>
-                <a:cs typeface="Courier New" panose="02070309020205020404" pitchFamily="49" charset="0"/>
-              </a:rPr>
-              <a:t>arguments', () =&gt; {</a:t>
+              <a:t> it('multiply function should return result of two</a:t>
             </a:r>
           </a:p>
           <a:p>
@@ -44447,20 +44809,10 @@
                 <a:latin typeface="Courier New" panose="02070309020205020404" pitchFamily="49" charset="0"/>
                 <a:cs typeface="Courier New" panose="02070309020205020404" pitchFamily="49" charset="0"/>
               </a:rPr>
-              <a:t> </a:t>
-            </a:r>
-            <a:r>
-              <a:rPr lang="en-US" sz="1600" dirty="0" smtClean="0">
-                <a:solidFill>
-                  <a:schemeClr val="tx1">
-                    <a:lumMod val="75000"/>
-                  </a:schemeClr>
-                </a:solidFill>
-                <a:latin typeface="Courier New" panose="02070309020205020404" pitchFamily="49" charset="0"/>
-                <a:cs typeface="Courier New" panose="02070309020205020404" pitchFamily="49" charset="0"/>
-              </a:rPr>
-              <a:t>  const </a:t>
-            </a:r>
+              <a:t>  multiplied arguments', () =&gt; {</a:t>
+            </a:r>
+          </a:p>
+          <a:p>
             <a:r>
               <a:rPr lang="en-US" sz="1600" dirty="0">
                 <a:solidFill>
@@ -44471,19 +44823,7 @@
                 <a:latin typeface="Courier New" panose="02070309020205020404" pitchFamily="49" charset="0"/>
                 <a:cs typeface="Courier New" panose="02070309020205020404" pitchFamily="49" charset="0"/>
               </a:rPr>
-              <a:t>multiplied = multiply(2, 3</a:t>
-            </a:r>
-            <a:r>
-              <a:rPr lang="en-US" sz="1600" dirty="0" smtClean="0">
-                <a:solidFill>
-                  <a:schemeClr val="tx1">
-                    <a:lumMod val="75000"/>
-                  </a:schemeClr>
-                </a:solidFill>
-                <a:latin typeface="Courier New" panose="02070309020205020404" pitchFamily="49" charset="0"/>
-                <a:cs typeface="Courier New" panose="02070309020205020404" pitchFamily="49" charset="0"/>
-              </a:rPr>
-              <a:t>);   </a:t>
+              <a:t>   const multiplied = multiply(2, 3);   </a:t>
             </a:r>
           </a:p>
           <a:p>
@@ -44497,31 +44837,7 @@
                 <a:latin typeface="Courier New" panose="02070309020205020404" pitchFamily="49" charset="0"/>
                 <a:cs typeface="Courier New" panose="02070309020205020404" pitchFamily="49" charset="0"/>
               </a:rPr>
-              <a:t> </a:t>
-            </a:r>
-            <a:r>
-              <a:rPr lang="en-US" sz="1600" dirty="0" smtClean="0">
-                <a:solidFill>
-                  <a:schemeClr val="tx1">
-                    <a:lumMod val="75000"/>
-                  </a:schemeClr>
-                </a:solidFill>
-                <a:latin typeface="Courier New" panose="02070309020205020404" pitchFamily="49" charset="0"/>
-                <a:cs typeface="Courier New" panose="02070309020205020404" pitchFamily="49" charset="0"/>
-              </a:rPr>
-              <a:t>  expect(multiplied</a:t>
-            </a:r>
-            <a:r>
-              <a:rPr lang="en-US" sz="1600" dirty="0">
-                <a:solidFill>
-                  <a:schemeClr val="tx1">
-                    <a:lumMod val="75000"/>
-                  </a:schemeClr>
-                </a:solidFill>
-                <a:latin typeface="Courier New" panose="02070309020205020404" pitchFamily="49" charset="0"/>
-                <a:cs typeface="Courier New" panose="02070309020205020404" pitchFamily="49" charset="0"/>
-              </a:rPr>
-              <a:t>).</a:t>
+              <a:t>   expect(multiplied).</a:t>
             </a:r>
             <a:r>
               <a:rPr lang="en-US" sz="1600" dirty="0" err="1">
@@ -44545,19 +44861,7 @@
                 <a:latin typeface="Courier New" panose="02070309020205020404" pitchFamily="49" charset="0"/>
                 <a:cs typeface="Courier New" panose="02070309020205020404" pitchFamily="49" charset="0"/>
               </a:rPr>
-              <a:t>(6</a:t>
-            </a:r>
-            <a:r>
-              <a:rPr lang="en-US" sz="1600" dirty="0" smtClean="0">
-                <a:solidFill>
-                  <a:schemeClr val="tx1">
-                    <a:lumMod val="75000"/>
-                  </a:schemeClr>
-                </a:solidFill>
-                <a:latin typeface="Courier New" panose="02070309020205020404" pitchFamily="49" charset="0"/>
-                <a:cs typeface="Courier New" panose="02070309020205020404" pitchFamily="49" charset="0"/>
-              </a:rPr>
-              <a:t>); </a:t>
+              <a:t>(6); </a:t>
             </a:r>
           </a:p>
           <a:p>
@@ -44571,22 +44875,10 @@
                 <a:latin typeface="Courier New" panose="02070309020205020404" pitchFamily="49" charset="0"/>
                 <a:cs typeface="Courier New" panose="02070309020205020404" pitchFamily="49" charset="0"/>
               </a:rPr>
-              <a:t> </a:t>
-            </a:r>
-            <a:r>
-              <a:rPr lang="en-US" sz="1600" dirty="0" smtClean="0">
-                <a:solidFill>
-                  <a:schemeClr val="tx1">
-                    <a:lumMod val="75000"/>
-                  </a:schemeClr>
-                </a:solidFill>
-                <a:latin typeface="Courier New" panose="02070309020205020404" pitchFamily="49" charset="0"/>
-                <a:cs typeface="Courier New" panose="02070309020205020404" pitchFamily="49" charset="0"/>
-              </a:rPr>
-              <a:t>  expect(multiplied).</a:t>
-            </a:r>
-            <a:r>
-              <a:rPr lang="en-US" sz="1600" dirty="0" err="1" smtClean="0">
+              <a:t>   expect(multiplied).</a:t>
+            </a:r>
+            <a:r>
+              <a:rPr lang="en-US" sz="1600" dirty="0" err="1">
                 <a:solidFill>
                   <a:schemeClr val="tx1">
                     <a:lumMod val="75000"/>
@@ -44598,7 +44890,7 @@
               <a:t>not.toEqual</a:t>
             </a:r>
             <a:r>
-              <a:rPr lang="en-US" sz="1600" dirty="0" smtClean="0">
+              <a:rPr lang="en-US" sz="1600" dirty="0">
                 <a:solidFill>
                   <a:schemeClr val="tx1">
                     <a:lumMod val="75000"/>
@@ -44612,7 +44904,7 @@
           </a:p>
           <a:p>
             <a:r>
-              <a:rPr lang="en-US" sz="1600" dirty="0" smtClean="0">
+              <a:rPr lang="en-US" sz="1600" dirty="0">
                 <a:solidFill>
                   <a:schemeClr val="tx1">
                     <a:lumMod val="75000"/>
@@ -44623,19 +44915,10 @@
               </a:rPr>
               <a:t> }); </a:t>
             </a:r>
-            <a:endParaRPr lang="en-US" sz="1600" dirty="0" smtClean="0">
-              <a:solidFill>
-                <a:schemeClr val="tx1">
-                  <a:lumMod val="75000"/>
-                </a:schemeClr>
-              </a:solidFill>
-              <a:latin typeface="Courier New" panose="02070309020205020404" pitchFamily="49" charset="0"/>
-              <a:cs typeface="Courier New" panose="02070309020205020404" pitchFamily="49" charset="0"/>
-            </a:endParaRPr>
-          </a:p>
-          <a:p>
-            <a:r>
-              <a:rPr lang="en-US" sz="1600" dirty="0" smtClean="0">
+          </a:p>
+          <a:p>
+            <a:r>
+              <a:rPr lang="en-US" sz="1600" dirty="0">
                 <a:solidFill>
                   <a:schemeClr val="tx1">
                     <a:lumMod val="75000"/>
@@ -44645,56 +44928,6 @@
                 <a:cs typeface="Courier New" panose="02070309020205020404" pitchFamily="49" charset="0"/>
               </a:rPr>
               <a:t> it(‘add…’, </a:t>
-            </a:r>
-            <a:r>
-              <a:rPr lang="en-US" sz="1600" dirty="0" err="1" smtClean="0">
-                <a:solidFill>
-                  <a:schemeClr val="tx1">
-                    <a:lumMod val="75000"/>
-                  </a:schemeClr>
-                </a:solidFill>
-                <a:latin typeface="Courier New" panose="02070309020205020404" pitchFamily="49" charset="0"/>
-                <a:cs typeface="Courier New" panose="02070309020205020404" pitchFamily="49" charset="0"/>
-              </a:rPr>
-              <a:t>cb</a:t>
-            </a:r>
-            <a:r>
-              <a:rPr lang="en-US" sz="1600" dirty="0" smtClean="0">
-                <a:solidFill>
-                  <a:schemeClr val="tx1">
-                    <a:lumMod val="75000"/>
-                  </a:schemeClr>
-                </a:solidFill>
-                <a:latin typeface="Courier New" panose="02070309020205020404" pitchFamily="49" charset="0"/>
-                <a:cs typeface="Courier New" panose="02070309020205020404" pitchFamily="49" charset="0"/>
-              </a:rPr>
-              <a:t>(() =&gt; {})); </a:t>
-            </a:r>
-          </a:p>
-          <a:p>
-            <a:r>
-              <a:rPr lang="en-US" sz="1600" dirty="0">
-                <a:solidFill>
-                  <a:schemeClr val="tx1">
-                    <a:lumMod val="75000"/>
-                  </a:schemeClr>
-                </a:solidFill>
-                <a:latin typeface="Courier New" panose="02070309020205020404" pitchFamily="49" charset="0"/>
-                <a:cs typeface="Courier New" panose="02070309020205020404" pitchFamily="49" charset="0"/>
-              </a:rPr>
-              <a:t> </a:t>
-            </a:r>
-            <a:r>
-              <a:rPr lang="en-US" sz="1600" dirty="0" smtClean="0">
-                <a:solidFill>
-                  <a:schemeClr val="tx1">
-                    <a:lumMod val="75000"/>
-                  </a:schemeClr>
-                </a:solidFill>
-                <a:latin typeface="Courier New" panose="02070309020205020404" pitchFamily="49" charset="0"/>
-                <a:cs typeface="Courier New" panose="02070309020205020404" pitchFamily="49" charset="0"/>
-              </a:rPr>
-              <a:t>it(‘subtract…’, </a:t>
             </a:r>
             <a:r>
               <a:rPr lang="en-US" sz="1600" dirty="0" err="1">
@@ -44718,10 +44951,12 @@
                 <a:latin typeface="Courier New" panose="02070309020205020404" pitchFamily="49" charset="0"/>
                 <a:cs typeface="Courier New" panose="02070309020205020404" pitchFamily="49" charset="0"/>
               </a:rPr>
-              <a:t>(() =&gt; </a:t>
-            </a:r>
-            <a:r>
-              <a:rPr lang="en-US" sz="1600" dirty="0" smtClean="0">
+              <a:t>(() =&gt; {})); </a:t>
+            </a:r>
+          </a:p>
+          <a:p>
+            <a:r>
+              <a:rPr lang="en-US" sz="1600" dirty="0">
                 <a:solidFill>
                   <a:schemeClr val="tx1">
                     <a:lumMod val="75000"/>
@@ -44730,12 +44965,36 @@
                 <a:latin typeface="Courier New" panose="02070309020205020404" pitchFamily="49" charset="0"/>
                 <a:cs typeface="Courier New" panose="02070309020205020404" pitchFamily="49" charset="0"/>
               </a:rPr>
-              <a:t>{}));</a:t>
-            </a:r>
-          </a:p>
-          <a:p>
-            <a:r>
-              <a:rPr lang="en-US" sz="1600" dirty="0" smtClean="0">
+              <a:t> it(‘subtract…’, </a:t>
+            </a:r>
+            <a:r>
+              <a:rPr lang="en-US" sz="1600" dirty="0" err="1">
+                <a:solidFill>
+                  <a:schemeClr val="tx1">
+                    <a:lumMod val="75000"/>
+                  </a:schemeClr>
+                </a:solidFill>
+                <a:latin typeface="Courier New" panose="02070309020205020404" pitchFamily="49" charset="0"/>
+                <a:cs typeface="Courier New" panose="02070309020205020404" pitchFamily="49" charset="0"/>
+              </a:rPr>
+              <a:t>cb</a:t>
+            </a:r>
+            <a:r>
+              <a:rPr lang="en-US" sz="1600" dirty="0">
+                <a:solidFill>
+                  <a:schemeClr val="tx1">
+                    <a:lumMod val="75000"/>
+                  </a:schemeClr>
+                </a:solidFill>
+                <a:latin typeface="Courier New" panose="02070309020205020404" pitchFamily="49" charset="0"/>
+                <a:cs typeface="Courier New" panose="02070309020205020404" pitchFamily="49" charset="0"/>
+              </a:rPr>
+              <a:t>(() =&gt; {}));</a:t>
+            </a:r>
+          </a:p>
+          <a:p>
+            <a:r>
+              <a:rPr lang="en-US" sz="1600" dirty="0">
                 <a:solidFill>
                   <a:schemeClr val="tx1">
                     <a:lumMod val="75000"/>
@@ -44746,15 +45005,6 @@
               </a:rPr>
               <a:t>});</a:t>
             </a:r>
-            <a:endParaRPr lang="en-US" sz="1600" dirty="0">
-              <a:solidFill>
-                <a:schemeClr val="tx1">
-                  <a:lumMod val="75000"/>
-                </a:schemeClr>
-              </a:solidFill>
-              <a:latin typeface="Courier New" panose="02070309020205020404" pitchFamily="49" charset="0"/>
-              <a:cs typeface="Courier New" panose="02070309020205020404" pitchFamily="49" charset="0"/>
-            </a:endParaRPr>
           </a:p>
         </p:txBody>
       </p:sp>
@@ -44774,10 +45024,9 @@
           <a:lstStyle/>
           <a:p>
             <a:r>
-              <a:rPr lang="en-US" dirty="0" smtClean="0"/>
+              <a:rPr lang="en-US" dirty="0"/>
               <a:t>Jest – Unit Test Suite Setup</a:t>
             </a:r>
-            <a:endParaRPr lang="en-US" dirty="0"/>
           </a:p>
         </p:txBody>
       </p:sp>
@@ -44804,17 +45053,6 @@
           <a:lstStyle/>
           <a:p>
             <a:r>
-              <a:rPr lang="en-US" sz="1400" dirty="0" smtClean="0">
-                <a:solidFill>
-                  <a:schemeClr val="tx1">
-                    <a:lumMod val="75000"/>
-                  </a:schemeClr>
-                </a:solidFill>
-                <a:sym typeface="Wingdings" panose="05000000000000000000" pitchFamily="2" charset="2"/>
-              </a:rPr>
-              <a:t>Import </a:t>
-            </a:r>
-            <a:r>
               <a:rPr lang="en-US" sz="1400" dirty="0">
                 <a:solidFill>
                   <a:schemeClr val="tx1">
@@ -44823,10 +45061,10 @@
                 </a:solidFill>
                 <a:sym typeface="Wingdings" panose="05000000000000000000" pitchFamily="2" charset="2"/>
               </a:rPr>
-              <a:t>statements </a:t>
-            </a:r>
-            <a:r>
-              <a:rPr lang="en-US" sz="1400" dirty="0" smtClean="0">
+              <a:t>Import statements included section of code, modules needed, @</a:t>
+            </a:r>
+            <a:r>
+              <a:rPr lang="en-US" sz="1400" dirty="0" err="1">
                 <a:solidFill>
                   <a:schemeClr val="tx1">
                     <a:lumMod val="75000"/>
@@ -44834,7 +45072,7 @@
                 </a:solidFill>
                 <a:sym typeface="Wingdings" panose="05000000000000000000" pitchFamily="2" charset="2"/>
               </a:rPr>
-              <a:t>included </a:t>
+              <a:t>vue</a:t>
             </a:r>
             <a:r>
               <a:rPr lang="en-US" sz="1400" dirty="0">
@@ -44845,43 +45083,10 @@
                 </a:solidFill>
                 <a:sym typeface="Wingdings" panose="05000000000000000000" pitchFamily="2" charset="2"/>
               </a:rPr>
-              <a:t>section of </a:t>
-            </a:r>
-            <a:r>
-              <a:rPr lang="en-US" sz="1400" dirty="0" smtClean="0">
-                <a:solidFill>
-                  <a:schemeClr val="tx1">
-                    <a:lumMod val="75000"/>
-                  </a:schemeClr>
-                </a:solidFill>
-                <a:sym typeface="Wingdings" panose="05000000000000000000" pitchFamily="2" charset="2"/>
-              </a:rPr>
-              <a:t>code, modules needed, @</a:t>
-            </a:r>
-            <a:r>
-              <a:rPr lang="en-US" sz="1400" dirty="0" err="1" smtClean="0">
-                <a:solidFill>
-                  <a:schemeClr val="tx1">
-                    <a:lumMod val="75000"/>
-                  </a:schemeClr>
-                </a:solidFill>
-                <a:sym typeface="Wingdings" panose="05000000000000000000" pitchFamily="2" charset="2"/>
-              </a:rPr>
-              <a:t>vue</a:t>
-            </a:r>
-            <a:r>
-              <a:rPr lang="en-US" sz="1400" dirty="0" smtClean="0">
-                <a:solidFill>
-                  <a:schemeClr val="tx1">
-                    <a:lumMod val="75000"/>
-                  </a:schemeClr>
-                </a:solidFill>
-                <a:sym typeface="Wingdings" panose="05000000000000000000" pitchFamily="2" charset="2"/>
-              </a:rPr>
               <a:t>/test-</a:t>
             </a:r>
             <a:r>
-              <a:rPr lang="en-US" sz="1400" dirty="0" err="1" smtClean="0">
+              <a:rPr lang="en-US" sz="1400" dirty="0" err="1">
                 <a:solidFill>
                   <a:schemeClr val="tx1">
                     <a:lumMod val="75000"/>
@@ -44892,7 +45097,7 @@
               <a:t>utils</a:t>
             </a:r>
             <a:r>
-              <a:rPr lang="en-US" sz="1400" dirty="0" smtClean="0">
+              <a:rPr lang="en-US" sz="1400" dirty="0">
                 <a:solidFill>
                   <a:schemeClr val="tx1">
                     <a:lumMod val="75000"/>
@@ -44902,14 +45107,6 @@
               </a:rPr>
               <a:t>, etc.</a:t>
             </a:r>
-            <a:endParaRPr lang="en-US" sz="1400" dirty="0">
-              <a:solidFill>
-                <a:schemeClr val="tx1">
-                  <a:lumMod val="75000"/>
-                </a:schemeClr>
-              </a:solidFill>
-              <a:sym typeface="Wingdings" panose="05000000000000000000" pitchFamily="2" charset="2"/>
-            </a:endParaRPr>
           </a:p>
         </p:txBody>
       </p:sp>
@@ -44936,7 +45133,7 @@
           <a:lstStyle/>
           <a:p>
             <a:r>
-              <a:rPr lang="en-US" sz="1400" dirty="0" smtClean="0">
+              <a:rPr lang="en-US" sz="1400" dirty="0">
                 <a:solidFill>
                   <a:schemeClr val="tx1">
                     <a:lumMod val="75000"/>
@@ -44944,18 +45141,7 @@
                 </a:solidFill>
                 <a:sym typeface="Wingdings" panose="05000000000000000000" pitchFamily="2" charset="2"/>
               </a:rPr>
-              <a:t>When </a:t>
-            </a:r>
-            <a:r>
-              <a:rPr lang="en-US" sz="1400" dirty="0" smtClean="0">
-                <a:solidFill>
-                  <a:schemeClr val="tx1">
-                    <a:lumMod val="75000"/>
-                  </a:schemeClr>
-                </a:solidFill>
-                <a:sym typeface="Wingdings" panose="05000000000000000000" pitchFamily="2" charset="2"/>
-              </a:rPr>
-              <a:t>jest runs, will organize output of results by describe blocks; each requires a descriptor and callback</a:t>
+              <a:t>When jest runs, will organize output of results by describe blocks; each requires a descriptor and callback</a:t>
             </a:r>
           </a:p>
         </p:txBody>
@@ -44983,16 +45169,6 @@
           <a:lstStyle/>
           <a:p>
             <a:r>
-              <a:rPr lang="en-US" sz="1400" dirty="0" smtClean="0">
-                <a:solidFill>
-                  <a:schemeClr val="tx1">
-                    <a:lumMod val="75000"/>
-                  </a:schemeClr>
-                </a:solidFill>
-              </a:rPr>
-              <a:t>each </a:t>
-            </a:r>
-            <a:r>
               <a:rPr lang="en-US" sz="1400" dirty="0">
                 <a:solidFill>
                   <a:schemeClr val="tx1">
@@ -45000,25 +45176,8 @@
                   </a:schemeClr>
                 </a:solidFill>
               </a:rPr>
-              <a:t>it() (or test()) requires descriptor and callback </a:t>
-            </a:r>
-            <a:r>
-              <a:rPr lang="en-US" sz="1400" dirty="0" smtClean="0">
-                <a:solidFill>
-                  <a:schemeClr val="tx1">
-                    <a:lumMod val="75000"/>
-                  </a:schemeClr>
-                </a:solidFill>
-              </a:rPr>
-              <a:t>function; one assertion required</a:t>
-            </a:r>
-            <a:endParaRPr lang="en-US" sz="1400" dirty="0">
-              <a:solidFill>
-                <a:schemeClr val="tx1">
-                  <a:lumMod val="75000"/>
-                </a:schemeClr>
-              </a:solidFill>
-            </a:endParaRPr>
+              <a:t>each it() (or test()) requires descriptor and callback function; one assertion required</a:t>
+            </a:r>
           </a:p>
         </p:txBody>
       </p:sp>
@@ -45044,42 +45203,15 @@
           <a:lstStyle/>
           <a:p>
             <a:r>
-              <a:rPr lang="en-US" sz="1400" dirty="0" smtClean="0">
+              <a:rPr lang="en-US" sz="1400" dirty="0">
                 <a:solidFill>
                   <a:schemeClr val="tx1">
                     <a:lumMod val="75000"/>
                   </a:schemeClr>
                 </a:solidFill>
               </a:rPr>
-              <a:t>Setup code </a:t>
-            </a:r>
-            <a:r>
-              <a:rPr lang="en-US" sz="1400" dirty="0" smtClean="0">
-                <a:solidFill>
-                  <a:schemeClr val="tx1">
-                    <a:lumMod val="75000"/>
-                  </a:schemeClr>
-                </a:solidFill>
-              </a:rPr>
-              <a:t>for </a:t>
-            </a:r>
-            <a:r>
-              <a:rPr lang="en-US" sz="1400" dirty="0" smtClean="0">
-                <a:solidFill>
-                  <a:schemeClr val="tx1">
-                    <a:lumMod val="75000"/>
-                  </a:schemeClr>
-                </a:solidFill>
-              </a:rPr>
-              <a:t>unit test</a:t>
-            </a:r>
-            <a:endParaRPr lang="en-US" sz="1400" dirty="0">
-              <a:solidFill>
-                <a:schemeClr val="tx1">
-                  <a:lumMod val="75000"/>
-                </a:schemeClr>
-              </a:solidFill>
-            </a:endParaRPr>
+              <a:t>Setup code for unit test</a:t>
+            </a:r>
           </a:p>
         </p:txBody>
       </p:sp>
@@ -45105,32 +45237,15 @@
           <a:lstStyle/>
           <a:p>
             <a:r>
-              <a:rPr lang="en-US" sz="1400" dirty="0" smtClean="0">
+              <a:rPr lang="en-US" sz="1400" dirty="0">
                 <a:solidFill>
                   <a:schemeClr val="tx1">
                     <a:lumMod val="75000"/>
                   </a:schemeClr>
                 </a:solidFill>
               </a:rPr>
-              <a:t>expect </a:t>
-            </a:r>
-            <a:r>
-              <a:rPr lang="en-US" sz="1400" dirty="0" smtClean="0">
-                <a:solidFill>
-                  <a:schemeClr val="tx1">
-                    <a:lumMod val="75000"/>
-                  </a:schemeClr>
-                </a:solidFill>
-              </a:rPr>
-              <a:t>(whatever)   || to have a result with a matchers</a:t>
-            </a:r>
-            <a:endParaRPr lang="en-US" sz="1400" dirty="0">
-              <a:solidFill>
-                <a:schemeClr val="tx1">
-                  <a:lumMod val="75000"/>
-                </a:schemeClr>
-              </a:solidFill>
-            </a:endParaRPr>
+              <a:t>expect (whatever)   || to have a result with a matchers</a:t>
+            </a:r>
           </a:p>
         </p:txBody>
       </p:sp>
@@ -45156,32 +45271,15 @@
           <a:lstStyle/>
           <a:p>
             <a:r>
-              <a:rPr lang="en-US" sz="1400" dirty="0" smtClean="0">
+              <a:rPr lang="en-US" sz="1400" dirty="0">
                 <a:solidFill>
                   <a:schemeClr val="tx1">
                     <a:lumMod val="75000"/>
                   </a:schemeClr>
                 </a:solidFill>
               </a:rPr>
-              <a:t>It’s </a:t>
-            </a:r>
-            <a:r>
-              <a:rPr lang="en-US" sz="1400" dirty="0" smtClean="0">
-                <a:solidFill>
-                  <a:schemeClr val="tx1">
-                    <a:lumMod val="75000"/>
-                  </a:schemeClr>
-                </a:solidFill>
-              </a:rPr>
-              <a:t>common to include positive and negative scenarios within same it callback</a:t>
-            </a:r>
-            <a:endParaRPr lang="en-US" sz="1400" dirty="0">
-              <a:solidFill>
-                <a:schemeClr val="tx1">
-                  <a:lumMod val="75000"/>
-                </a:schemeClr>
-              </a:solidFill>
-            </a:endParaRPr>
+              <a:t>It’s common to include positive and negative scenarios within same it callback</a:t>
+            </a:r>
           </a:p>
         </p:txBody>
       </p:sp>
@@ -45208,7 +45306,7 @@
           <a:lstStyle/>
           <a:p>
             <a:r>
-              <a:rPr lang="en-US" sz="1600" dirty="0" smtClean="0">
+              <a:rPr lang="en-US" sz="1600" dirty="0">
                 <a:solidFill>
                   <a:schemeClr val="tx1">
                     <a:lumMod val="50000"/>
@@ -45219,15 +45317,6 @@
               </a:rPr>
               <a:t>__tests__/fileName.spec.js</a:t>
             </a:r>
-            <a:endParaRPr lang="en-US" sz="1600" dirty="0">
-              <a:solidFill>
-                <a:schemeClr val="tx1">
-                  <a:lumMod val="50000"/>
-                </a:schemeClr>
-              </a:solidFill>
-              <a:latin typeface="Courier New" panose="02070309020205020404" pitchFamily="49" charset="0"/>
-              <a:cs typeface="Courier New" panose="02070309020205020404" pitchFamily="49" charset="0"/>
-            </a:endParaRPr>
           </a:p>
         </p:txBody>
       </p:sp>
@@ -45254,7 +45343,7 @@
           <a:lstStyle/>
           <a:p>
             <a:r>
-              <a:rPr lang="en-US" sz="1400" dirty="0" smtClean="0">
+              <a:rPr lang="en-US" sz="1400" dirty="0">
                 <a:solidFill>
                   <a:schemeClr val="tx1">
                     <a:lumMod val="75000"/>
@@ -45262,27 +45351,8 @@
                 </a:solidFill>
                 <a:sym typeface="Wingdings" panose="05000000000000000000" pitchFamily="2" charset="2"/>
               </a:rPr>
-              <a:t>jest </a:t>
-            </a:r>
-            <a:r>
-              <a:rPr lang="en-US" sz="1400" dirty="0" smtClean="0">
-                <a:solidFill>
-                  <a:schemeClr val="tx1">
-                    <a:lumMod val="75000"/>
-                  </a:schemeClr>
-                </a:solidFill>
-                <a:sym typeface="Wingdings" panose="05000000000000000000" pitchFamily="2" charset="2"/>
-              </a:rPr>
-              <a:t>is auto configured to find any *.spec.js file in __tests__ folder</a:t>
-            </a:r>
-            <a:endParaRPr lang="en-US" sz="1400" dirty="0">
-              <a:solidFill>
-                <a:schemeClr val="tx1">
-                  <a:lumMod val="75000"/>
-                </a:schemeClr>
-              </a:solidFill>
-              <a:sym typeface="Wingdings" panose="05000000000000000000" pitchFamily="2" charset="2"/>
-            </a:endParaRPr>
+              <a:t>jest is auto configured to find any *.spec.js file in __tests__ folder</a:t>
+            </a:r>
           </a:p>
         </p:txBody>
       </p:sp>

--- a/presentation/unittestingintro.pptx
+++ b/presentation/unittestingintro.pptx
@@ -133,7 +133,7 @@
   </p:defaultTextStyle>
   <p:extLst>
     <p:ext uri="{EFAFB233-063F-42B5-8137-9DF3F51BA10A}">
-      <p15:sldGuideLst xmlns:p15="http://schemas.microsoft.com/office/powerpoint/2012/main" xmlns="">
+      <p15:sldGuideLst xmlns="" xmlns:p15="http://schemas.microsoft.com/office/powerpoint/2012/main">
         <p15:guide id="1" orient="horz" pos="99">
           <p15:clr>
             <a:srgbClr val="A4A3A4"/>
@@ -237,7 +237,7 @@
       </p15:sldGuideLst>
     </p:ext>
     <p:ext uri="{2D200454-40CA-4A62-9FC3-DE9A4176ACB9}">
-      <p15:notesGuideLst xmlns:p15="http://schemas.microsoft.com/office/powerpoint/2012/main" xmlns="">
+      <p15:notesGuideLst xmlns="" xmlns:p15="http://schemas.microsoft.com/office/powerpoint/2012/main">
         <p15:guide id="1" orient="horz" pos="2880">
           <p15:clr>
             <a:srgbClr val="A4A3A4"/>
@@ -336,7 +336,7 @@
           <a:p>
             <a:fld id="{84ECF399-9508-4462-A795-CE79BA4B78DF}" type="datetimeFigureOut">
               <a:rPr lang="en-GB" smtClean="0"/>
-              <a:t>18/07/2019</a:t>
+              <a:t>22/07/2019</a:t>
             </a:fld>
             <a:endParaRPr lang="en-GB"/>
           </a:p>
@@ -501,7 +501,7 @@
           <a:p>
             <a:fld id="{942A2578-3272-43A6-B760-34BB1F24A93B}" type="datetimeFigureOut">
               <a:rPr lang="en-GB" smtClean="0"/>
-              <a:t>18/07/2019</a:t>
+              <a:t>22/07/2019</a:t>
             </a:fld>
             <a:endParaRPr lang="en-GB"/>
           </a:p>
@@ -4274,7 +4274,7 @@
           <p:cNvPr id="9" name="Text Placeholder 1">
             <a:extLst>
               <a:ext uri="{FF2B5EF4-FFF2-40B4-BE49-F238E27FC236}">
-                <a16:creationId xmlns:a16="http://schemas.microsoft.com/office/drawing/2014/main" xmlns="" id="{E1AEEF35-7430-4190-B1E4-D2447633D22E}"/>
+                <a16:creationId xmlns="" xmlns:a16="http://schemas.microsoft.com/office/drawing/2014/main" id="{E1AEEF35-7430-4190-B1E4-D2447633D22E}"/>
               </a:ext>
             </a:extLst>
           </p:cNvPr>
@@ -4326,7 +4326,7 @@
           <p:cNvPr id="10" name="Text Placeholder 2">
             <a:extLst>
               <a:ext uri="{FF2B5EF4-FFF2-40B4-BE49-F238E27FC236}">
-                <a16:creationId xmlns:a16="http://schemas.microsoft.com/office/drawing/2014/main" xmlns="" id="{72A9D36E-978C-40A9-B7B6-1D3B41514DBD}"/>
+                <a16:creationId xmlns="" xmlns:a16="http://schemas.microsoft.com/office/drawing/2014/main" id="{72A9D36E-978C-40A9-B7B6-1D3B41514DBD}"/>
               </a:ext>
             </a:extLst>
           </p:cNvPr>
@@ -4368,7 +4368,7 @@
           <p:cNvPr id="43" name="Text Placeholder 1">
             <a:extLst>
               <a:ext uri="{FF2B5EF4-FFF2-40B4-BE49-F238E27FC236}">
-                <a16:creationId xmlns:a16="http://schemas.microsoft.com/office/drawing/2014/main" xmlns="" id="{E1AEEF35-7430-4190-B1E4-D2447633D22E}"/>
+                <a16:creationId xmlns="" xmlns:a16="http://schemas.microsoft.com/office/drawing/2014/main" id="{E1AEEF35-7430-4190-B1E4-D2447633D22E}"/>
               </a:ext>
             </a:extLst>
           </p:cNvPr>
@@ -4420,7 +4420,7 @@
           <p:cNvPr id="44" name="Text Placeholder 2">
             <a:extLst>
               <a:ext uri="{FF2B5EF4-FFF2-40B4-BE49-F238E27FC236}">
-                <a16:creationId xmlns:a16="http://schemas.microsoft.com/office/drawing/2014/main" xmlns="" id="{72A9D36E-978C-40A9-B7B6-1D3B41514DBD}"/>
+                <a16:creationId xmlns="" xmlns:a16="http://schemas.microsoft.com/office/drawing/2014/main" id="{72A9D36E-978C-40A9-B7B6-1D3B41514DBD}"/>
               </a:ext>
             </a:extLst>
           </p:cNvPr>
@@ -4462,7 +4462,7 @@
           <p:cNvPr id="45" name="Text Placeholder 1">
             <a:extLst>
               <a:ext uri="{FF2B5EF4-FFF2-40B4-BE49-F238E27FC236}">
-                <a16:creationId xmlns:a16="http://schemas.microsoft.com/office/drawing/2014/main" xmlns="" id="{E1AEEF35-7430-4190-B1E4-D2447633D22E}"/>
+                <a16:creationId xmlns="" xmlns:a16="http://schemas.microsoft.com/office/drawing/2014/main" id="{E1AEEF35-7430-4190-B1E4-D2447633D22E}"/>
               </a:ext>
             </a:extLst>
           </p:cNvPr>
@@ -4514,7 +4514,7 @@
           <p:cNvPr id="46" name="Text Placeholder 2">
             <a:extLst>
               <a:ext uri="{FF2B5EF4-FFF2-40B4-BE49-F238E27FC236}">
-                <a16:creationId xmlns:a16="http://schemas.microsoft.com/office/drawing/2014/main" xmlns="" id="{72A9D36E-978C-40A9-B7B6-1D3B41514DBD}"/>
+                <a16:creationId xmlns="" xmlns:a16="http://schemas.microsoft.com/office/drawing/2014/main" id="{72A9D36E-978C-40A9-B7B6-1D3B41514DBD}"/>
               </a:ext>
             </a:extLst>
           </p:cNvPr>
@@ -4556,7 +4556,7 @@
           <p:cNvPr id="47" name="Text Placeholder 1">
             <a:extLst>
               <a:ext uri="{FF2B5EF4-FFF2-40B4-BE49-F238E27FC236}">
-                <a16:creationId xmlns:a16="http://schemas.microsoft.com/office/drawing/2014/main" xmlns="" id="{E1AEEF35-7430-4190-B1E4-D2447633D22E}"/>
+                <a16:creationId xmlns="" xmlns:a16="http://schemas.microsoft.com/office/drawing/2014/main" id="{E1AEEF35-7430-4190-B1E4-D2447633D22E}"/>
               </a:ext>
             </a:extLst>
           </p:cNvPr>
@@ -4608,7 +4608,7 @@
           <p:cNvPr id="48" name="Text Placeholder 2">
             <a:extLst>
               <a:ext uri="{FF2B5EF4-FFF2-40B4-BE49-F238E27FC236}">
-                <a16:creationId xmlns:a16="http://schemas.microsoft.com/office/drawing/2014/main" xmlns="" id="{72A9D36E-978C-40A9-B7B6-1D3B41514DBD}"/>
+                <a16:creationId xmlns="" xmlns:a16="http://schemas.microsoft.com/office/drawing/2014/main" id="{72A9D36E-978C-40A9-B7B6-1D3B41514DBD}"/>
               </a:ext>
             </a:extLst>
           </p:cNvPr>
@@ -10585,7 +10585,7 @@
           <p:cNvPr id="25" name="Straight Connector 24">
             <a:extLst>
               <a:ext uri="{FF2B5EF4-FFF2-40B4-BE49-F238E27FC236}">
-                <a16:creationId xmlns:a16="http://schemas.microsoft.com/office/drawing/2014/main" xmlns="" id="{2A032BDD-E6FE-4A1E-9741-60886BDBCC86}"/>
+                <a16:creationId xmlns="" xmlns:a16="http://schemas.microsoft.com/office/drawing/2014/main" id="{2A032BDD-E6FE-4A1E-9741-60886BDBCC86}"/>
               </a:ext>
             </a:extLst>
           </p:cNvPr>
@@ -12286,7 +12286,7 @@
           <p:cNvPr id="32" name="Oval 31">
             <a:extLst>
               <a:ext uri="{FF2B5EF4-FFF2-40B4-BE49-F238E27FC236}">
-                <a16:creationId xmlns:a16="http://schemas.microsoft.com/office/drawing/2014/main" xmlns="" id="{85722348-DF80-4DCF-A5FF-C530FF3D3A43}"/>
+                <a16:creationId xmlns="" xmlns:a16="http://schemas.microsoft.com/office/drawing/2014/main" id="{85722348-DF80-4DCF-A5FF-C530FF3D3A43}"/>
               </a:ext>
             </a:extLst>
           </p:cNvPr>
@@ -12369,7 +12369,7 @@
           <p:cNvPr id="46" name="Oval 45">
             <a:extLst>
               <a:ext uri="{FF2B5EF4-FFF2-40B4-BE49-F238E27FC236}">
-                <a16:creationId xmlns:a16="http://schemas.microsoft.com/office/drawing/2014/main" xmlns="" id="{85722348-DF80-4DCF-A5FF-C530FF3D3A43}"/>
+                <a16:creationId xmlns="" xmlns:a16="http://schemas.microsoft.com/office/drawing/2014/main" id="{85722348-DF80-4DCF-A5FF-C530FF3D3A43}"/>
               </a:ext>
             </a:extLst>
           </p:cNvPr>
@@ -12452,7 +12452,7 @@
           <p:cNvPr id="47" name="Oval 46">
             <a:extLst>
               <a:ext uri="{FF2B5EF4-FFF2-40B4-BE49-F238E27FC236}">
-                <a16:creationId xmlns:a16="http://schemas.microsoft.com/office/drawing/2014/main" xmlns="" id="{85722348-DF80-4DCF-A5FF-C530FF3D3A43}"/>
+                <a16:creationId xmlns="" xmlns:a16="http://schemas.microsoft.com/office/drawing/2014/main" id="{85722348-DF80-4DCF-A5FF-C530FF3D3A43}"/>
               </a:ext>
             </a:extLst>
           </p:cNvPr>
@@ -12535,7 +12535,7 @@
           <p:cNvPr id="48" name="Oval 47">
             <a:extLst>
               <a:ext uri="{FF2B5EF4-FFF2-40B4-BE49-F238E27FC236}">
-                <a16:creationId xmlns:a16="http://schemas.microsoft.com/office/drawing/2014/main" xmlns="" id="{85722348-DF80-4DCF-A5FF-C530FF3D3A43}"/>
+                <a16:creationId xmlns="" xmlns:a16="http://schemas.microsoft.com/office/drawing/2014/main" id="{85722348-DF80-4DCF-A5FF-C530FF3D3A43}"/>
               </a:ext>
             </a:extLst>
           </p:cNvPr>
@@ -12618,7 +12618,7 @@
           <p:cNvPr id="49" name="Oval 48">
             <a:extLst>
               <a:ext uri="{FF2B5EF4-FFF2-40B4-BE49-F238E27FC236}">
-                <a16:creationId xmlns:a16="http://schemas.microsoft.com/office/drawing/2014/main" xmlns="" id="{85722348-DF80-4DCF-A5FF-C530FF3D3A43}"/>
+                <a16:creationId xmlns="" xmlns:a16="http://schemas.microsoft.com/office/drawing/2014/main" id="{85722348-DF80-4DCF-A5FF-C530FF3D3A43}"/>
               </a:ext>
             </a:extLst>
           </p:cNvPr>
@@ -12945,7 +12945,7 @@
           <p:cNvPr id="25" name="Straight Connector 24">
             <a:extLst>
               <a:ext uri="{FF2B5EF4-FFF2-40B4-BE49-F238E27FC236}">
-                <a16:creationId xmlns:a16="http://schemas.microsoft.com/office/drawing/2014/main" xmlns="" id="{2A032BDD-E6FE-4A1E-9741-60886BDBCC86}"/>
+                <a16:creationId xmlns="" xmlns:a16="http://schemas.microsoft.com/office/drawing/2014/main" id="{2A032BDD-E6FE-4A1E-9741-60886BDBCC86}"/>
               </a:ext>
             </a:extLst>
           </p:cNvPr>
@@ -12993,7 +12993,7 @@
           <p:cNvPr id="34" name="Oval 33">
             <a:extLst>
               <a:ext uri="{FF2B5EF4-FFF2-40B4-BE49-F238E27FC236}">
-                <a16:creationId xmlns:a16="http://schemas.microsoft.com/office/drawing/2014/main" xmlns="" id="{3FC25BAC-207E-4BD9-B71D-67244181E8A7}"/>
+                <a16:creationId xmlns="" xmlns:a16="http://schemas.microsoft.com/office/drawing/2014/main" id="{3FC25BAC-207E-4BD9-B71D-67244181E8A7}"/>
               </a:ext>
             </a:extLst>
           </p:cNvPr>
@@ -13076,7 +13076,7 @@
           <p:cNvPr id="35" name="Oval 34">
             <a:extLst>
               <a:ext uri="{FF2B5EF4-FFF2-40B4-BE49-F238E27FC236}">
-                <a16:creationId xmlns:a16="http://schemas.microsoft.com/office/drawing/2014/main" xmlns="" id="{6ECEA8AF-DB7B-44B5-A5A9-05718517D3A8}"/>
+                <a16:creationId xmlns="" xmlns:a16="http://schemas.microsoft.com/office/drawing/2014/main" id="{6ECEA8AF-DB7B-44B5-A5A9-05718517D3A8}"/>
               </a:ext>
             </a:extLst>
           </p:cNvPr>
@@ -13159,7 +13159,7 @@
           <p:cNvPr id="36" name="Oval 35">
             <a:extLst>
               <a:ext uri="{FF2B5EF4-FFF2-40B4-BE49-F238E27FC236}">
-                <a16:creationId xmlns:a16="http://schemas.microsoft.com/office/drawing/2014/main" xmlns="" id="{76041FD2-302D-4528-B197-4818DC231D79}"/>
+                <a16:creationId xmlns="" xmlns:a16="http://schemas.microsoft.com/office/drawing/2014/main" id="{76041FD2-302D-4528-B197-4818DC231D79}"/>
               </a:ext>
             </a:extLst>
           </p:cNvPr>
@@ -13242,7 +13242,7 @@
           <p:cNvPr id="37" name="Oval 36">
             <a:extLst>
               <a:ext uri="{FF2B5EF4-FFF2-40B4-BE49-F238E27FC236}">
-                <a16:creationId xmlns:a16="http://schemas.microsoft.com/office/drawing/2014/main" xmlns="" id="{4918B22A-8AD3-4D04-AFDE-7B146EE2D7C3}"/>
+                <a16:creationId xmlns="" xmlns:a16="http://schemas.microsoft.com/office/drawing/2014/main" id="{4918B22A-8AD3-4D04-AFDE-7B146EE2D7C3}"/>
               </a:ext>
             </a:extLst>
           </p:cNvPr>
@@ -13325,7 +13325,7 @@
           <p:cNvPr id="38" name="Oval 37">
             <a:extLst>
               <a:ext uri="{FF2B5EF4-FFF2-40B4-BE49-F238E27FC236}">
-                <a16:creationId xmlns:a16="http://schemas.microsoft.com/office/drawing/2014/main" xmlns="" id="{C02F3EF3-5D54-43B3-8D77-B49AA8FBB079}"/>
+                <a16:creationId xmlns="" xmlns:a16="http://schemas.microsoft.com/office/drawing/2014/main" id="{C02F3EF3-5D54-43B3-8D77-B49AA8FBB079}"/>
               </a:ext>
             </a:extLst>
           </p:cNvPr>
@@ -13408,7 +13408,7 @@
           <p:cNvPr id="39" name="Oval 38">
             <a:extLst>
               <a:ext uri="{FF2B5EF4-FFF2-40B4-BE49-F238E27FC236}">
-                <a16:creationId xmlns:a16="http://schemas.microsoft.com/office/drawing/2014/main" xmlns="" id="{AEBB2BB8-86E4-4CA5-9D29-9AA8E28C552B}"/>
+                <a16:creationId xmlns="" xmlns:a16="http://schemas.microsoft.com/office/drawing/2014/main" id="{AEBB2BB8-86E4-4CA5-9D29-9AA8E28C552B}"/>
               </a:ext>
             </a:extLst>
           </p:cNvPr>
@@ -30188,21 +30188,21 @@
                 <a:gridCol w="4554908">
                   <a:extLst>
                     <a:ext uri="{9D8B030D-6E8A-4147-A177-3AD203B41FA5}">
-                      <a16:colId xmlns:a16="http://schemas.microsoft.com/office/drawing/2014/main" xmlns="" val="20000"/>
+                      <a16:colId xmlns="" xmlns:a16="http://schemas.microsoft.com/office/drawing/2014/main" val="20000"/>
                     </a:ext>
                   </a:extLst>
                 </a:gridCol>
                 <a:gridCol w="734939">
                   <a:extLst>
                     <a:ext uri="{9D8B030D-6E8A-4147-A177-3AD203B41FA5}">
-                      <a16:colId xmlns:a16="http://schemas.microsoft.com/office/drawing/2014/main" xmlns="" val="20001"/>
+                      <a16:colId xmlns="" xmlns:a16="http://schemas.microsoft.com/office/drawing/2014/main" val="20001"/>
                     </a:ext>
                   </a:extLst>
                 </a:gridCol>
                 <a:gridCol w="5888054">
                   <a:extLst>
                     <a:ext uri="{9D8B030D-6E8A-4147-A177-3AD203B41FA5}">
-                      <a16:colId xmlns:a16="http://schemas.microsoft.com/office/drawing/2014/main" xmlns="" val="20002"/>
+                      <a16:colId xmlns="" xmlns:a16="http://schemas.microsoft.com/office/drawing/2014/main" val="20002"/>
                     </a:ext>
                   </a:extLst>
                 </a:gridCol>
@@ -30599,7 +30599,7 @@
                 </a:tc>
                 <a:extLst>
                   <a:ext uri="{0D108BD9-81ED-4DB2-BD59-A6C34878D82A}">
-                    <a16:rowId xmlns:a16="http://schemas.microsoft.com/office/drawing/2014/main" xmlns="" val="10000"/>
+                    <a16:rowId xmlns="" xmlns:a16="http://schemas.microsoft.com/office/drawing/2014/main" val="10000"/>
                   </a:ext>
                 </a:extLst>
               </a:tr>
@@ -30657,21 +30657,21 @@
                 <a:gridCol w="4554908">
                   <a:extLst>
                     <a:ext uri="{9D8B030D-6E8A-4147-A177-3AD203B41FA5}">
-                      <a16:colId xmlns:a16="http://schemas.microsoft.com/office/drawing/2014/main" xmlns="" val="20000"/>
+                      <a16:colId xmlns="" xmlns:a16="http://schemas.microsoft.com/office/drawing/2014/main" val="20000"/>
                     </a:ext>
                   </a:extLst>
                 </a:gridCol>
                 <a:gridCol w="734939">
                   <a:extLst>
                     <a:ext uri="{9D8B030D-6E8A-4147-A177-3AD203B41FA5}">
-                      <a16:colId xmlns:a16="http://schemas.microsoft.com/office/drawing/2014/main" xmlns="" val="20001"/>
+                      <a16:colId xmlns="" xmlns:a16="http://schemas.microsoft.com/office/drawing/2014/main" val="20001"/>
                     </a:ext>
                   </a:extLst>
                 </a:gridCol>
                 <a:gridCol w="5888054">
                   <a:extLst>
                     <a:ext uri="{9D8B030D-6E8A-4147-A177-3AD203B41FA5}">
-                      <a16:colId xmlns:a16="http://schemas.microsoft.com/office/drawing/2014/main" xmlns="" val="20002"/>
+                      <a16:colId xmlns="" xmlns:a16="http://schemas.microsoft.com/office/drawing/2014/main" val="20002"/>
                     </a:ext>
                   </a:extLst>
                 </a:gridCol>
@@ -31728,7 +31728,7 @@
                 </a:tc>
                 <a:extLst>
                   <a:ext uri="{0D108BD9-81ED-4DB2-BD59-A6C34878D82A}">
-                    <a16:rowId xmlns:a16="http://schemas.microsoft.com/office/drawing/2014/main" xmlns="" val="10000"/>
+                    <a16:rowId xmlns="" xmlns:a16="http://schemas.microsoft.com/office/drawing/2014/main" val="10000"/>
                   </a:ext>
                 </a:extLst>
               </a:tr>
@@ -34338,11 +34338,7 @@
             </a:r>
             <a:r>
               <a:rPr lang="en-US" dirty="0" smtClean="0"/>
-              <a:t> components </a:t>
-            </a:r>
-            <a:r>
-              <a:rPr lang="en-US" dirty="0" smtClean="0"/>
-              <a:t>requires </a:t>
+              <a:t> components requires </a:t>
             </a:r>
             <a:r>
               <a:rPr lang="en-US" dirty="0"/>
@@ -35499,7 +35495,7 @@
           <p:cNvPr id="2" name="Text Placeholder 1">
             <a:extLst>
               <a:ext uri="{FF2B5EF4-FFF2-40B4-BE49-F238E27FC236}">
-                <a16:creationId xmlns:a16="http://schemas.microsoft.com/office/drawing/2014/main" xmlns="" id="{520A7EFD-3596-43E3-BDB0-06ECA8094941}"/>
+                <a16:creationId xmlns="" xmlns:a16="http://schemas.microsoft.com/office/drawing/2014/main" id="{520A7EFD-3596-43E3-BDB0-06ECA8094941}"/>
               </a:ext>
             </a:extLst>
           </p:cNvPr>
@@ -35554,7 +35550,6 @@
               <a:rPr lang="en-US" dirty="0" smtClean="0"/>
               <a:t> repo also has a some resources and a copy of this presentation for future reference. </a:t>
             </a:r>
-            <a:endParaRPr lang="en-US" dirty="0" smtClean="0"/>
           </a:p>
           <a:p>
             <a:endParaRPr lang="en-US" dirty="0" smtClean="0"/>
@@ -35674,7 +35669,7 @@
           <p:cNvPr id="3" name="Title 2">
             <a:extLst>
               <a:ext uri="{FF2B5EF4-FFF2-40B4-BE49-F238E27FC236}">
-                <a16:creationId xmlns:a16="http://schemas.microsoft.com/office/drawing/2014/main" xmlns="" id="{48D5E28A-1E4A-4136-AC09-C631276F7665}"/>
+                <a16:creationId xmlns="" xmlns:a16="http://schemas.microsoft.com/office/drawing/2014/main" id="{48D5E28A-1E4A-4136-AC09-C631276F7665}"/>
               </a:ext>
             </a:extLst>
           </p:cNvPr>
@@ -35776,7 +35771,11 @@
             </a:pPr>
             <a:r>
               <a:rPr lang="en-US" dirty="0"/>
-              <a:t>Unit testing basics w/ jest</a:t>
+              <a:t>Unit testing basics w/ </a:t>
+            </a:r>
+            <a:r>
+              <a:rPr lang="en-US" dirty="0" smtClean="0"/>
+              <a:t>jest</a:t>
             </a:r>
           </a:p>
           <a:p>
@@ -35785,9 +35784,10 @@
               <a:buChar char="•"/>
             </a:pPr>
             <a:r>
-              <a:rPr lang="en-US" dirty="0"/>
-              <a:t>Mocking examples</a:t>
-            </a:r>
+              <a:rPr lang="en-US" dirty="0" smtClean="0"/>
+              <a:t>Mocking and stubbing </a:t>
+            </a:r>
+            <a:endParaRPr lang="en-US" dirty="0"/>
           </a:p>
           <a:p>
             <a:pPr marL="285750" indent="-285750">
@@ -35796,7 +35796,7 @@
             </a:pPr>
             <a:r>
               <a:rPr lang="en-US" dirty="0"/>
-              <a:t>Coverage Reporting</a:t>
+              <a:t>Mocking examples</a:t>
             </a:r>
           </a:p>
           <a:p>
@@ -35805,9 +35805,10 @@
               <a:buChar char="•"/>
             </a:pPr>
             <a:r>
-              <a:rPr lang="en-US" dirty="0"/>
+              <a:rPr lang="en-US" dirty="0" smtClean="0"/>
               <a:t>Exercises </a:t>
             </a:r>
+            <a:endParaRPr lang="en-US" dirty="0"/>
           </a:p>
           <a:p>
             <a:endParaRPr lang="en-US" dirty="0"/>
@@ -37938,7 +37939,7 @@
           <p:cNvPr id="3" name="Title 2">
             <a:extLst>
               <a:ext uri="{FF2B5EF4-FFF2-40B4-BE49-F238E27FC236}">
-                <a16:creationId xmlns:a16="http://schemas.microsoft.com/office/drawing/2014/main" xmlns="" id="{870FE32D-55EB-3F46-A319-A07CED6B7C01}"/>
+                <a16:creationId xmlns="" xmlns:a16="http://schemas.microsoft.com/office/drawing/2014/main" id="{870FE32D-55EB-3F46-A319-A07CED6B7C01}"/>
               </a:ext>
             </a:extLst>
           </p:cNvPr>
@@ -37967,7 +37968,7 @@
           <p:cNvPr id="6" name="Picture 5">
             <a:extLst>
               <a:ext uri="{FF2B5EF4-FFF2-40B4-BE49-F238E27FC236}">
-                <a16:creationId xmlns:a16="http://schemas.microsoft.com/office/drawing/2014/main" xmlns="" id="{94B37506-5E95-3A45-B75E-53F10C923674}"/>
+                <a16:creationId xmlns="" xmlns:a16="http://schemas.microsoft.com/office/drawing/2014/main" id="{94B37506-5E95-3A45-B75E-53F10C923674}"/>
               </a:ext>
             </a:extLst>
           </p:cNvPr>
@@ -39247,21 +39248,66 @@
           </a:p>
           <a:p>
             <a:r>
-              <a:rPr lang="en-US" i="1" u="sng" dirty="0"/>
+              <a:rPr lang="en-US" i="1" u="sng" dirty="0">
+                <a:solidFill>
+                  <a:srgbClr val="FF0000"/>
+                </a:solidFill>
+              </a:rPr>
               <a:t>Never write unit tests to meet code coverage requirements</a:t>
             </a:r>
             <a:r>
-              <a:rPr lang="en-US" dirty="0"/>
+              <a:rPr lang="en-US" dirty="0">
+                <a:solidFill>
+                  <a:srgbClr val="FF0000"/>
+                </a:solidFill>
+              </a:rPr>
               <a:t>, write units </a:t>
             </a:r>
             <a:r>
-              <a:rPr lang="en-US" dirty="0" smtClean="0"/>
-              <a:t>tests that make sense and established for testing functionality and reduce bugs in </a:t>
-            </a:r>
-            <a:r>
-              <a:rPr lang="en-US" dirty="0"/>
+              <a:rPr lang="en-US" dirty="0" smtClean="0">
+                <a:solidFill>
+                  <a:srgbClr val="FF0000"/>
+                </a:solidFill>
+              </a:rPr>
+              <a:t>tests that make sense </a:t>
+            </a:r>
+            <a:r>
+              <a:rPr lang="en-US" dirty="0" smtClean="0">
+                <a:solidFill>
+                  <a:srgbClr val="FF0000"/>
+                </a:solidFill>
+              </a:rPr>
+              <a:t>and established for testing functionality </a:t>
+            </a:r>
+            <a:r>
+              <a:rPr lang="en-US" dirty="0" smtClean="0">
+                <a:solidFill>
+                  <a:srgbClr val="FF0000"/>
+                </a:solidFill>
+              </a:rPr>
+              <a:t>and reduce bugs in </a:t>
+            </a:r>
+            <a:r>
+              <a:rPr lang="en-US" dirty="0">
+                <a:solidFill>
+                  <a:srgbClr val="FF0000"/>
+                </a:solidFill>
+              </a:rPr>
               <a:t>the future. </a:t>
             </a:r>
+            <a:r>
+              <a:rPr lang="en-US" smtClean="0">
+                <a:solidFill>
+                  <a:srgbClr val="FF0000"/>
+                </a:solidFill>
+              </a:rPr>
+              <a:t>FIX</a:t>
+            </a:r>
+            <a:endParaRPr lang="en-US" dirty="0">
+              <a:solidFill>
+                <a:srgbClr val="FF0000"/>
+              </a:solidFill>
+            </a:endParaRPr>
           </a:p>
           <a:p>
             <a:pPr marL="342900" indent="-342900">

--- a/presentation/unittestingintro.pptx
+++ b/presentation/unittestingintro.pptx
@@ -25,12 +25,12 @@
     <p:sldId id="364" r:id="rId13"/>
     <p:sldId id="345" r:id="rId14"/>
     <p:sldId id="365" r:id="rId15"/>
-    <p:sldId id="356" r:id="rId16"/>
-    <p:sldId id="355" r:id="rId17"/>
+    <p:sldId id="367" r:id="rId16"/>
+    <p:sldId id="356" r:id="rId17"/>
     <p:sldId id="358" r:id="rId18"/>
-    <p:sldId id="366" r:id="rId19"/>
-    <p:sldId id="363" r:id="rId20"/>
-    <p:sldId id="362" r:id="rId21"/>
+    <p:sldId id="363" r:id="rId19"/>
+    <p:sldId id="362" r:id="rId20"/>
+    <p:sldId id="355" r:id="rId21"/>
     <p:sldId id="346" r:id="rId22"/>
     <p:sldId id="349" r:id="rId23"/>
   </p:sldIdLst>
@@ -133,7 +133,7 @@
   </p:defaultTextStyle>
   <p:extLst>
     <p:ext uri="{EFAFB233-063F-42B5-8137-9DF3F51BA10A}">
-      <p15:sldGuideLst xmlns="" xmlns:p15="http://schemas.microsoft.com/office/powerpoint/2012/main">
+      <p15:sldGuideLst xmlns:p15="http://schemas.microsoft.com/office/powerpoint/2012/main" xmlns="">
         <p15:guide id="1" orient="horz" pos="99">
           <p15:clr>
             <a:srgbClr val="A4A3A4"/>
@@ -237,7 +237,7 @@
       </p15:sldGuideLst>
     </p:ext>
     <p:ext uri="{2D200454-40CA-4A62-9FC3-DE9A4176ACB9}">
-      <p15:notesGuideLst xmlns="" xmlns:p15="http://schemas.microsoft.com/office/powerpoint/2012/main">
+      <p15:notesGuideLst xmlns:p15="http://schemas.microsoft.com/office/powerpoint/2012/main" xmlns="">
         <p15:guide id="1" orient="horz" pos="2880">
           <p15:clr>
             <a:srgbClr val="A4A3A4"/>
@@ -4274,7 +4274,7 @@
           <p:cNvPr id="9" name="Text Placeholder 1">
             <a:extLst>
               <a:ext uri="{FF2B5EF4-FFF2-40B4-BE49-F238E27FC236}">
-                <a16:creationId xmlns="" xmlns:a16="http://schemas.microsoft.com/office/drawing/2014/main" id="{E1AEEF35-7430-4190-B1E4-D2447633D22E}"/>
+                <a16:creationId xmlns:a16="http://schemas.microsoft.com/office/drawing/2014/main" xmlns="" id="{E1AEEF35-7430-4190-B1E4-D2447633D22E}"/>
               </a:ext>
             </a:extLst>
           </p:cNvPr>
@@ -4326,7 +4326,7 @@
           <p:cNvPr id="10" name="Text Placeholder 2">
             <a:extLst>
               <a:ext uri="{FF2B5EF4-FFF2-40B4-BE49-F238E27FC236}">
-                <a16:creationId xmlns="" xmlns:a16="http://schemas.microsoft.com/office/drawing/2014/main" id="{72A9D36E-978C-40A9-B7B6-1D3B41514DBD}"/>
+                <a16:creationId xmlns:a16="http://schemas.microsoft.com/office/drawing/2014/main" xmlns="" id="{72A9D36E-978C-40A9-B7B6-1D3B41514DBD}"/>
               </a:ext>
             </a:extLst>
           </p:cNvPr>
@@ -4368,7 +4368,7 @@
           <p:cNvPr id="43" name="Text Placeholder 1">
             <a:extLst>
               <a:ext uri="{FF2B5EF4-FFF2-40B4-BE49-F238E27FC236}">
-                <a16:creationId xmlns="" xmlns:a16="http://schemas.microsoft.com/office/drawing/2014/main" id="{E1AEEF35-7430-4190-B1E4-D2447633D22E}"/>
+                <a16:creationId xmlns:a16="http://schemas.microsoft.com/office/drawing/2014/main" xmlns="" id="{E1AEEF35-7430-4190-B1E4-D2447633D22E}"/>
               </a:ext>
             </a:extLst>
           </p:cNvPr>
@@ -4420,7 +4420,7 @@
           <p:cNvPr id="44" name="Text Placeholder 2">
             <a:extLst>
               <a:ext uri="{FF2B5EF4-FFF2-40B4-BE49-F238E27FC236}">
-                <a16:creationId xmlns="" xmlns:a16="http://schemas.microsoft.com/office/drawing/2014/main" id="{72A9D36E-978C-40A9-B7B6-1D3B41514DBD}"/>
+                <a16:creationId xmlns:a16="http://schemas.microsoft.com/office/drawing/2014/main" xmlns="" id="{72A9D36E-978C-40A9-B7B6-1D3B41514DBD}"/>
               </a:ext>
             </a:extLst>
           </p:cNvPr>
@@ -4462,7 +4462,7 @@
           <p:cNvPr id="45" name="Text Placeholder 1">
             <a:extLst>
               <a:ext uri="{FF2B5EF4-FFF2-40B4-BE49-F238E27FC236}">
-                <a16:creationId xmlns="" xmlns:a16="http://schemas.microsoft.com/office/drawing/2014/main" id="{E1AEEF35-7430-4190-B1E4-D2447633D22E}"/>
+                <a16:creationId xmlns:a16="http://schemas.microsoft.com/office/drawing/2014/main" xmlns="" id="{E1AEEF35-7430-4190-B1E4-D2447633D22E}"/>
               </a:ext>
             </a:extLst>
           </p:cNvPr>
@@ -4514,7 +4514,7 @@
           <p:cNvPr id="46" name="Text Placeholder 2">
             <a:extLst>
               <a:ext uri="{FF2B5EF4-FFF2-40B4-BE49-F238E27FC236}">
-                <a16:creationId xmlns="" xmlns:a16="http://schemas.microsoft.com/office/drawing/2014/main" id="{72A9D36E-978C-40A9-B7B6-1D3B41514DBD}"/>
+                <a16:creationId xmlns:a16="http://schemas.microsoft.com/office/drawing/2014/main" xmlns="" id="{72A9D36E-978C-40A9-B7B6-1D3B41514DBD}"/>
               </a:ext>
             </a:extLst>
           </p:cNvPr>
@@ -4556,7 +4556,7 @@
           <p:cNvPr id="47" name="Text Placeholder 1">
             <a:extLst>
               <a:ext uri="{FF2B5EF4-FFF2-40B4-BE49-F238E27FC236}">
-                <a16:creationId xmlns="" xmlns:a16="http://schemas.microsoft.com/office/drawing/2014/main" id="{E1AEEF35-7430-4190-B1E4-D2447633D22E}"/>
+                <a16:creationId xmlns:a16="http://schemas.microsoft.com/office/drawing/2014/main" xmlns="" id="{E1AEEF35-7430-4190-B1E4-D2447633D22E}"/>
               </a:ext>
             </a:extLst>
           </p:cNvPr>
@@ -4608,7 +4608,7 @@
           <p:cNvPr id="48" name="Text Placeholder 2">
             <a:extLst>
               <a:ext uri="{FF2B5EF4-FFF2-40B4-BE49-F238E27FC236}">
-                <a16:creationId xmlns="" xmlns:a16="http://schemas.microsoft.com/office/drawing/2014/main" id="{72A9D36E-978C-40A9-B7B6-1D3B41514DBD}"/>
+                <a16:creationId xmlns:a16="http://schemas.microsoft.com/office/drawing/2014/main" xmlns="" id="{72A9D36E-978C-40A9-B7B6-1D3B41514DBD}"/>
               </a:ext>
             </a:extLst>
           </p:cNvPr>
@@ -10585,7 +10585,7 @@
           <p:cNvPr id="25" name="Straight Connector 24">
             <a:extLst>
               <a:ext uri="{FF2B5EF4-FFF2-40B4-BE49-F238E27FC236}">
-                <a16:creationId xmlns="" xmlns:a16="http://schemas.microsoft.com/office/drawing/2014/main" id="{2A032BDD-E6FE-4A1E-9741-60886BDBCC86}"/>
+                <a16:creationId xmlns:a16="http://schemas.microsoft.com/office/drawing/2014/main" xmlns="" id="{2A032BDD-E6FE-4A1E-9741-60886BDBCC86}"/>
               </a:ext>
             </a:extLst>
           </p:cNvPr>
@@ -12286,7 +12286,7 @@
           <p:cNvPr id="32" name="Oval 31">
             <a:extLst>
               <a:ext uri="{FF2B5EF4-FFF2-40B4-BE49-F238E27FC236}">
-                <a16:creationId xmlns="" xmlns:a16="http://schemas.microsoft.com/office/drawing/2014/main" id="{85722348-DF80-4DCF-A5FF-C530FF3D3A43}"/>
+                <a16:creationId xmlns:a16="http://schemas.microsoft.com/office/drawing/2014/main" xmlns="" id="{85722348-DF80-4DCF-A5FF-C530FF3D3A43}"/>
               </a:ext>
             </a:extLst>
           </p:cNvPr>
@@ -12369,7 +12369,7 @@
           <p:cNvPr id="46" name="Oval 45">
             <a:extLst>
               <a:ext uri="{FF2B5EF4-FFF2-40B4-BE49-F238E27FC236}">
-                <a16:creationId xmlns="" xmlns:a16="http://schemas.microsoft.com/office/drawing/2014/main" id="{85722348-DF80-4DCF-A5FF-C530FF3D3A43}"/>
+                <a16:creationId xmlns:a16="http://schemas.microsoft.com/office/drawing/2014/main" xmlns="" id="{85722348-DF80-4DCF-A5FF-C530FF3D3A43}"/>
               </a:ext>
             </a:extLst>
           </p:cNvPr>
@@ -12452,7 +12452,7 @@
           <p:cNvPr id="47" name="Oval 46">
             <a:extLst>
               <a:ext uri="{FF2B5EF4-FFF2-40B4-BE49-F238E27FC236}">
-                <a16:creationId xmlns="" xmlns:a16="http://schemas.microsoft.com/office/drawing/2014/main" id="{85722348-DF80-4DCF-A5FF-C530FF3D3A43}"/>
+                <a16:creationId xmlns:a16="http://schemas.microsoft.com/office/drawing/2014/main" xmlns="" id="{85722348-DF80-4DCF-A5FF-C530FF3D3A43}"/>
               </a:ext>
             </a:extLst>
           </p:cNvPr>
@@ -12535,7 +12535,7 @@
           <p:cNvPr id="48" name="Oval 47">
             <a:extLst>
               <a:ext uri="{FF2B5EF4-FFF2-40B4-BE49-F238E27FC236}">
-                <a16:creationId xmlns="" xmlns:a16="http://schemas.microsoft.com/office/drawing/2014/main" id="{85722348-DF80-4DCF-A5FF-C530FF3D3A43}"/>
+                <a16:creationId xmlns:a16="http://schemas.microsoft.com/office/drawing/2014/main" xmlns="" id="{85722348-DF80-4DCF-A5FF-C530FF3D3A43}"/>
               </a:ext>
             </a:extLst>
           </p:cNvPr>
@@ -12618,7 +12618,7 @@
           <p:cNvPr id="49" name="Oval 48">
             <a:extLst>
               <a:ext uri="{FF2B5EF4-FFF2-40B4-BE49-F238E27FC236}">
-                <a16:creationId xmlns="" xmlns:a16="http://schemas.microsoft.com/office/drawing/2014/main" id="{85722348-DF80-4DCF-A5FF-C530FF3D3A43}"/>
+                <a16:creationId xmlns:a16="http://schemas.microsoft.com/office/drawing/2014/main" xmlns="" id="{85722348-DF80-4DCF-A5FF-C530FF3D3A43}"/>
               </a:ext>
             </a:extLst>
           </p:cNvPr>
@@ -12945,7 +12945,7 @@
           <p:cNvPr id="25" name="Straight Connector 24">
             <a:extLst>
               <a:ext uri="{FF2B5EF4-FFF2-40B4-BE49-F238E27FC236}">
-                <a16:creationId xmlns="" xmlns:a16="http://schemas.microsoft.com/office/drawing/2014/main" id="{2A032BDD-E6FE-4A1E-9741-60886BDBCC86}"/>
+                <a16:creationId xmlns:a16="http://schemas.microsoft.com/office/drawing/2014/main" xmlns="" id="{2A032BDD-E6FE-4A1E-9741-60886BDBCC86}"/>
               </a:ext>
             </a:extLst>
           </p:cNvPr>
@@ -12993,7 +12993,7 @@
           <p:cNvPr id="34" name="Oval 33">
             <a:extLst>
               <a:ext uri="{FF2B5EF4-FFF2-40B4-BE49-F238E27FC236}">
-                <a16:creationId xmlns="" xmlns:a16="http://schemas.microsoft.com/office/drawing/2014/main" id="{3FC25BAC-207E-4BD9-B71D-67244181E8A7}"/>
+                <a16:creationId xmlns:a16="http://schemas.microsoft.com/office/drawing/2014/main" xmlns="" id="{3FC25BAC-207E-4BD9-B71D-67244181E8A7}"/>
               </a:ext>
             </a:extLst>
           </p:cNvPr>
@@ -13076,7 +13076,7 @@
           <p:cNvPr id="35" name="Oval 34">
             <a:extLst>
               <a:ext uri="{FF2B5EF4-FFF2-40B4-BE49-F238E27FC236}">
-                <a16:creationId xmlns="" xmlns:a16="http://schemas.microsoft.com/office/drawing/2014/main" id="{6ECEA8AF-DB7B-44B5-A5A9-05718517D3A8}"/>
+                <a16:creationId xmlns:a16="http://schemas.microsoft.com/office/drawing/2014/main" xmlns="" id="{6ECEA8AF-DB7B-44B5-A5A9-05718517D3A8}"/>
               </a:ext>
             </a:extLst>
           </p:cNvPr>
@@ -13159,7 +13159,7 @@
           <p:cNvPr id="36" name="Oval 35">
             <a:extLst>
               <a:ext uri="{FF2B5EF4-FFF2-40B4-BE49-F238E27FC236}">
-                <a16:creationId xmlns="" xmlns:a16="http://schemas.microsoft.com/office/drawing/2014/main" id="{76041FD2-302D-4528-B197-4818DC231D79}"/>
+                <a16:creationId xmlns:a16="http://schemas.microsoft.com/office/drawing/2014/main" xmlns="" id="{76041FD2-302D-4528-B197-4818DC231D79}"/>
               </a:ext>
             </a:extLst>
           </p:cNvPr>
@@ -13242,7 +13242,7 @@
           <p:cNvPr id="37" name="Oval 36">
             <a:extLst>
               <a:ext uri="{FF2B5EF4-FFF2-40B4-BE49-F238E27FC236}">
-                <a16:creationId xmlns="" xmlns:a16="http://schemas.microsoft.com/office/drawing/2014/main" id="{4918B22A-8AD3-4D04-AFDE-7B146EE2D7C3}"/>
+                <a16:creationId xmlns:a16="http://schemas.microsoft.com/office/drawing/2014/main" xmlns="" id="{4918B22A-8AD3-4D04-AFDE-7B146EE2D7C3}"/>
               </a:ext>
             </a:extLst>
           </p:cNvPr>
@@ -13325,7 +13325,7 @@
           <p:cNvPr id="38" name="Oval 37">
             <a:extLst>
               <a:ext uri="{FF2B5EF4-FFF2-40B4-BE49-F238E27FC236}">
-                <a16:creationId xmlns="" xmlns:a16="http://schemas.microsoft.com/office/drawing/2014/main" id="{C02F3EF3-5D54-43B3-8D77-B49AA8FBB079}"/>
+                <a16:creationId xmlns:a16="http://schemas.microsoft.com/office/drawing/2014/main" xmlns="" id="{C02F3EF3-5D54-43B3-8D77-B49AA8FBB079}"/>
               </a:ext>
             </a:extLst>
           </p:cNvPr>
@@ -13408,7 +13408,7 @@
           <p:cNvPr id="39" name="Oval 38">
             <a:extLst>
               <a:ext uri="{FF2B5EF4-FFF2-40B4-BE49-F238E27FC236}">
-                <a16:creationId xmlns="" xmlns:a16="http://schemas.microsoft.com/office/drawing/2014/main" id="{AEBB2BB8-86E4-4CA5-9D29-9AA8E28C552B}"/>
+                <a16:creationId xmlns:a16="http://schemas.microsoft.com/office/drawing/2014/main" xmlns="" id="{AEBB2BB8-86E4-4CA5-9D29-9AA8E28C552B}"/>
               </a:ext>
             </a:extLst>
           </p:cNvPr>
@@ -30188,21 +30188,21 @@
                 <a:gridCol w="4554908">
                   <a:extLst>
                     <a:ext uri="{9D8B030D-6E8A-4147-A177-3AD203B41FA5}">
-                      <a16:colId xmlns="" xmlns:a16="http://schemas.microsoft.com/office/drawing/2014/main" val="20000"/>
+                      <a16:colId xmlns:a16="http://schemas.microsoft.com/office/drawing/2014/main" xmlns="" val="20000"/>
                     </a:ext>
                   </a:extLst>
                 </a:gridCol>
                 <a:gridCol w="734939">
                   <a:extLst>
                     <a:ext uri="{9D8B030D-6E8A-4147-A177-3AD203B41FA5}">
-                      <a16:colId xmlns="" xmlns:a16="http://schemas.microsoft.com/office/drawing/2014/main" val="20001"/>
+                      <a16:colId xmlns:a16="http://schemas.microsoft.com/office/drawing/2014/main" xmlns="" val="20001"/>
                     </a:ext>
                   </a:extLst>
                 </a:gridCol>
                 <a:gridCol w="5888054">
                   <a:extLst>
                     <a:ext uri="{9D8B030D-6E8A-4147-A177-3AD203B41FA5}">
-                      <a16:colId xmlns="" xmlns:a16="http://schemas.microsoft.com/office/drawing/2014/main" val="20002"/>
+                      <a16:colId xmlns:a16="http://schemas.microsoft.com/office/drawing/2014/main" xmlns="" val="20002"/>
                     </a:ext>
                   </a:extLst>
                 </a:gridCol>
@@ -30599,7 +30599,7 @@
                 </a:tc>
                 <a:extLst>
                   <a:ext uri="{0D108BD9-81ED-4DB2-BD59-A6C34878D82A}">
-                    <a16:rowId xmlns="" xmlns:a16="http://schemas.microsoft.com/office/drawing/2014/main" val="10000"/>
+                    <a16:rowId xmlns:a16="http://schemas.microsoft.com/office/drawing/2014/main" xmlns="" val="10000"/>
                   </a:ext>
                 </a:extLst>
               </a:tr>
@@ -30638,7 +30638,7 @@
           <p:nvPr>
             <p:extLst>
               <p:ext uri="{D42A27DB-BD31-4B8C-83A1-F6EECF244321}">
-                <p14:modId xmlns:p14="http://schemas.microsoft.com/office/powerpoint/2010/main" val="3068193118"/>
+                <p14:modId xmlns:p14="http://schemas.microsoft.com/office/powerpoint/2010/main" val="2898797507"/>
               </p:ext>
             </p:extLst>
           </p:nvPr>
@@ -30657,21 +30657,21 @@
                 <a:gridCol w="4554908">
                   <a:extLst>
                     <a:ext uri="{9D8B030D-6E8A-4147-A177-3AD203B41FA5}">
-                      <a16:colId xmlns="" xmlns:a16="http://schemas.microsoft.com/office/drawing/2014/main" val="20000"/>
+                      <a16:colId xmlns:a16="http://schemas.microsoft.com/office/drawing/2014/main" xmlns="" val="20000"/>
                     </a:ext>
                   </a:extLst>
                 </a:gridCol>
                 <a:gridCol w="734939">
                   <a:extLst>
                     <a:ext uri="{9D8B030D-6E8A-4147-A177-3AD203B41FA5}">
-                      <a16:colId xmlns="" xmlns:a16="http://schemas.microsoft.com/office/drawing/2014/main" val="20001"/>
+                      <a16:colId xmlns:a16="http://schemas.microsoft.com/office/drawing/2014/main" xmlns="" val="20001"/>
                     </a:ext>
                   </a:extLst>
                 </a:gridCol>
                 <a:gridCol w="5888054">
                   <a:extLst>
                     <a:ext uri="{9D8B030D-6E8A-4147-A177-3AD203B41FA5}">
-                      <a16:colId xmlns="" xmlns:a16="http://schemas.microsoft.com/office/drawing/2014/main" val="20002"/>
+                      <a16:colId xmlns:a16="http://schemas.microsoft.com/office/drawing/2014/main" xmlns="" val="20002"/>
                     </a:ext>
                   </a:extLst>
                 </a:gridCol>
@@ -31532,6 +31532,22 @@
                         </a:rPr>
                         <a:t>)</a:t>
                       </a:r>
+                      <a:endParaRPr kumimoji="0" lang="en-US" sz="1400" b="0" i="0" u="none" strike="noStrike" kern="1200" cap="none" spc="0" normalizeH="0" baseline="0" noProof="0" dirty="0" smtClean="0">
+                        <a:ln>
+                          <a:noFill/>
+                        </a:ln>
+                        <a:solidFill>
+                          <a:schemeClr val="tx1">
+                            <a:lumMod val="75000"/>
+                          </a:schemeClr>
+                        </a:solidFill>
+                        <a:effectLst/>
+                        <a:uLnTx/>
+                        <a:uFillTx/>
+                        <a:latin typeface="Courier New" panose="02070309020205020404" pitchFamily="49" charset="0"/>
+                        <a:ea typeface="+mn-ea"/>
+                        <a:cs typeface="Courier New" panose="02070309020205020404" pitchFamily="49" charset="0"/>
+                      </a:endParaRPr>
                     </a:p>
                     <a:p>
                       <a:pPr marL="0" marR="0" lvl="0" indent="0" algn="l" defTabSz="1219444" rtl="0" eaLnBrk="1" fontAlgn="auto" latinLnBrk="0" hangingPunct="1">
@@ -31728,7 +31744,7 @@
                 </a:tc>
                 <a:extLst>
                   <a:ext uri="{0D108BD9-81ED-4DB2-BD59-A6C34878D82A}">
-                    <a16:rowId xmlns="" xmlns:a16="http://schemas.microsoft.com/office/drawing/2014/main" val="10000"/>
+                    <a16:rowId xmlns:a16="http://schemas.microsoft.com/office/drawing/2014/main" xmlns="" val="10000"/>
                   </a:ext>
                 </a:extLst>
               </a:tr>
@@ -31738,14 +31754,14 @@
       </p:graphicFrame>
       <p:sp>
         <p:nvSpPr>
-          <p:cNvPr id="2" name="Rectangle 1"/>
+          <p:cNvPr id="3" name="Rectangle 2"/>
           <p:cNvSpPr/>
           <p:nvPr/>
         </p:nvSpPr>
         <p:spPr>
           <a:xfrm>
-            <a:off x="323973" y="3705890"/>
-            <a:ext cx="4749188" cy="584775"/>
+            <a:off x="333026" y="3758101"/>
+            <a:ext cx="5065713" cy="1077218"/>
           </a:xfrm>
           <a:prstGeom prst="rect">
             <a:avLst/>
@@ -31761,12 +31777,68 @@
               <a:defRPr/>
             </a:pPr>
             <a:r>
+              <a:rPr lang="en-US" sz="1600" dirty="0">
+                <a:solidFill>
+                  <a:srgbClr val="94A0A6"/>
+                </a:solidFill>
+              </a:rPr>
+              <a:t>In this example, </a:t>
+            </a:r>
+            <a:r>
+              <a:rPr lang="en-US" sz="1600" dirty="0" err="1" smtClean="0">
+                <a:solidFill>
+                  <a:srgbClr val="94A0A6"/>
+                </a:solidFill>
+              </a:rPr>
+              <a:t>axios.get</a:t>
+            </a:r>
+            <a:r>
               <a:rPr lang="en-US" sz="1600" dirty="0" smtClean="0">
                 <a:solidFill>
                   <a:srgbClr val="94A0A6"/>
                 </a:solidFill>
               </a:rPr>
-              <a:t>Unit tests should never make live requests to end points and minimize dependencies. </a:t>
+              <a:t> </a:t>
+            </a:r>
+            <a:r>
+              <a:rPr lang="en-US" sz="1600" dirty="0">
+                <a:solidFill>
+                  <a:srgbClr val="94A0A6"/>
+                </a:solidFill>
+              </a:rPr>
+              <a:t>needs to be mocked to avoid making a live request</a:t>
+            </a:r>
+            <a:r>
+              <a:rPr lang="en-US" sz="1600" dirty="0" smtClean="0">
+                <a:solidFill>
+                  <a:srgbClr val="94A0A6"/>
+                </a:solidFill>
+              </a:rPr>
+              <a:t>. In addition, we create a </a:t>
+            </a:r>
+            <a:r>
+              <a:rPr lang="en-US" sz="1600" dirty="0" smtClean="0">
+                <a:solidFill>
+                  <a:srgbClr val="94A0A6"/>
+                </a:solidFill>
+              </a:rPr>
+              <a:t>stubbed </a:t>
+            </a:r>
+            <a:r>
+              <a:rPr lang="en-US" sz="1600" dirty="0" smtClean="0">
+                <a:solidFill>
+                  <a:srgbClr val="94A0A6"/>
+                </a:solidFill>
+              </a:rPr>
+              <a:t>response object </a:t>
+            </a:r>
+            <a:r>
+              <a:rPr lang="en-US" sz="1600" dirty="0" smtClean="0">
+                <a:solidFill>
+                  <a:srgbClr val="94A0A6"/>
+                </a:solidFill>
+              </a:rPr>
+              <a:t>to used in the mocked implementation.</a:t>
             </a:r>
             <a:endParaRPr lang="en-US" sz="1600" dirty="0">
               <a:solidFill>
@@ -31778,14 +31850,14 @@
       </p:sp>
       <p:sp>
         <p:nvSpPr>
-          <p:cNvPr id="3" name="Rectangle 2"/>
+          <p:cNvPr id="9" name="Rectangle 8"/>
           <p:cNvSpPr/>
           <p:nvPr/>
         </p:nvSpPr>
         <p:spPr>
           <a:xfrm>
-            <a:off x="323973" y="4464235"/>
-            <a:ext cx="5065713" cy="830997"/>
+            <a:off x="333026" y="4971114"/>
+            <a:ext cx="5065713" cy="338554"/>
           </a:xfrm>
           <a:prstGeom prst="rect">
             <a:avLst/>
@@ -31801,20 +31873,12 @@
               <a:defRPr/>
             </a:pPr>
             <a:r>
-              <a:rPr lang="en-US" sz="1600" dirty="0">
-                <a:solidFill>
-                  <a:srgbClr val="94A0A6"/>
-                </a:solidFill>
-              </a:rPr>
-              <a:t>In this example, </a:t>
-            </a:r>
-            <a:r>
               <a:rPr lang="en-US" sz="1600" dirty="0" err="1" smtClean="0">
                 <a:solidFill>
                   <a:srgbClr val="94A0A6"/>
                 </a:solidFill>
               </a:rPr>
-              <a:t>axios.get</a:t>
+              <a:t>Jest.mock</a:t>
             </a:r>
             <a:r>
               <a:rPr lang="en-US" sz="1600" dirty="0" smtClean="0">
@@ -31822,15 +31886,7 @@
                   <a:srgbClr val="94A0A6"/>
                 </a:solidFill>
               </a:rPr>
-              <a:t> </a:t>
-            </a:r>
-            <a:r>
-              <a:rPr lang="en-US" sz="1600" dirty="0">
-                <a:solidFill>
-                  <a:srgbClr val="94A0A6"/>
-                </a:solidFill>
-              </a:rPr>
-              <a:t>needs to be mocked to avoid making a live request</a:t>
+              <a:t>(whatever) is hoisted above all imports</a:t>
             </a:r>
             <a:r>
               <a:rPr lang="en-US" sz="1600" dirty="0" smtClean="0">
@@ -31838,7 +31894,7 @@
                   <a:srgbClr val="94A0A6"/>
                 </a:solidFill>
               </a:rPr>
-              <a:t>. In addition, we create a stub for the response object the mock returns.</a:t>
+              <a:t>.</a:t>
             </a:r>
             <a:endParaRPr lang="en-US" sz="1600" dirty="0">
               <a:solidFill>
@@ -31940,7 +31996,7 @@
                                           </p:stCondLst>
                                         </p:cTn>
                                         <p:tgtEl>
-                                          <p:spTgt spid="2"/>
+                                          <p:spTgt spid="3"/>
                                         </p:tgtEl>
                                         <p:attrNameLst>
                                           <p:attrName>style.visibility</p:attrName>
@@ -31985,7 +32041,7 @@
                                           </p:stCondLst>
                                         </p:cTn>
                                         <p:tgtEl>
-                                          <p:spTgt spid="3"/>
+                                          <p:spTgt spid="9"/>
                                         </p:tgtEl>
                                         <p:attrNameLst>
                                           <p:attrName>style.visibility</p:attrName>
@@ -32026,8 +32082,8 @@
       </p:par>
     </p:tnLst>
     <p:bldLst>
-      <p:bldP spid="2" grpId="0"/>
       <p:bldP spid="3" grpId="0"/>
+      <p:bldP spid="9" grpId="0"/>
     </p:bldLst>
   </p:timing>
 </p:sld>
@@ -32274,7 +32330,33 @@
           <a:p>
             <a:r>
               <a:rPr lang="en-US" dirty="0" smtClean="0"/>
-              <a:t>Go to example2/__tests__/parseNewsspec.js and practice write a mock and test for the ‘</a:t>
+              <a:t>Go to example2/__tests__/parseNewsspec.js </a:t>
+            </a:r>
+            <a:endParaRPr lang="en-US" dirty="0"/>
+          </a:p>
+          <a:p>
+            <a:pPr marL="285750" indent="-285750">
+              <a:buFont typeface="Arial" panose="020B0604020202020204" pitchFamily="34" charset="0"/>
+              <a:buChar char="•"/>
+            </a:pPr>
+            <a:r>
+              <a:rPr lang="en-US" dirty="0" smtClean="0"/>
+              <a:t>practice </a:t>
+            </a:r>
+            <a:r>
+              <a:rPr lang="en-US" dirty="0" smtClean="0"/>
+              <a:t>write a mock </a:t>
+            </a:r>
+            <a:endParaRPr lang="en-US" dirty="0"/>
+          </a:p>
+          <a:p>
+            <a:pPr marL="285750" indent="-285750">
+              <a:buFont typeface="Arial" panose="020B0604020202020204" pitchFamily="34" charset="0"/>
+              <a:buChar char="•"/>
+            </a:pPr>
+            <a:r>
+              <a:rPr lang="en-US" dirty="0" smtClean="0"/>
+              <a:t>Update ‘</a:t>
             </a:r>
             <a:r>
               <a:rPr lang="en-US" dirty="0" err="1" smtClean="0"/>
@@ -32282,11 +32364,11 @@
             </a:r>
             <a:r>
               <a:rPr lang="en-US" dirty="0" smtClean="0"/>
-              <a:t>’. </a:t>
-            </a:r>
-          </a:p>
-          <a:p>
-            <a:endParaRPr lang="en-US" dirty="0"/>
+              <a:t>’ with a test. </a:t>
+            </a:r>
+          </a:p>
+          <a:p>
+            <a:endParaRPr lang="en-US" dirty="0" smtClean="0"/>
           </a:p>
           <a:p>
             <a:r>
@@ -32379,6 +32461,478 @@
             <p:ph type="body" sz="quarter" idx="26"/>
           </p:nvPr>
         </p:nvSpPr>
+        <p:spPr/>
+        <p:txBody>
+          <a:bodyPr/>
+          <a:lstStyle/>
+          <a:p>
+            <a:r>
+              <a:rPr lang="en-US" dirty="0" smtClean="0"/>
+              <a:t>Testing </a:t>
+            </a:r>
+            <a:r>
+              <a:rPr lang="en-US" dirty="0" err="1" smtClean="0"/>
+              <a:t>Vue</a:t>
+            </a:r>
+            <a:r>
+              <a:rPr lang="en-US" dirty="0" smtClean="0"/>
+              <a:t> components requires a combination of at least two testing libraries. </a:t>
+            </a:r>
+            <a:r>
+              <a:rPr lang="en-US" dirty="0" err="1" smtClean="0"/>
+              <a:t>Vue</a:t>
+            </a:r>
+            <a:r>
+              <a:rPr lang="en-US" dirty="0" smtClean="0"/>
+              <a:t> has test utility library (@</a:t>
+            </a:r>
+            <a:r>
+              <a:rPr lang="en-US" dirty="0" err="1" smtClean="0"/>
+              <a:t>vue</a:t>
+            </a:r>
+            <a:r>
+              <a:rPr lang="en-US" dirty="0" smtClean="0"/>
+              <a:t>/test-</a:t>
+            </a:r>
+            <a:r>
+              <a:rPr lang="en-US" dirty="0" err="1" smtClean="0"/>
+              <a:t>utils</a:t>
+            </a:r>
+            <a:r>
+              <a:rPr lang="en-US" dirty="0" smtClean="0"/>
+              <a:t>)  that we can use in combination with Jest. </a:t>
+            </a:r>
+            <a:r>
+              <a:rPr lang="en-US" dirty="0"/>
+              <a:t>As a result, setting up a </a:t>
+            </a:r>
+            <a:r>
+              <a:rPr lang="en-US" dirty="0" err="1"/>
+              <a:t>Vue</a:t>
+            </a:r>
+            <a:r>
+              <a:rPr lang="en-US" dirty="0"/>
+              <a:t> component for a unit test is a little more complicated. </a:t>
+            </a:r>
+          </a:p>
+          <a:p>
+            <a:endParaRPr lang="en-US" dirty="0"/>
+          </a:p>
+          <a:p>
+            <a:r>
+              <a:rPr lang="en-US" dirty="0" smtClean="0"/>
+              <a:t>What @</a:t>
+            </a:r>
+            <a:r>
+              <a:rPr lang="en-US" dirty="0" err="1" smtClean="0"/>
+              <a:t>vue</a:t>
+            </a:r>
+            <a:r>
+              <a:rPr lang="en-US" dirty="0" smtClean="0"/>
+              <a:t>/test-</a:t>
+            </a:r>
+            <a:r>
+              <a:rPr lang="en-US" dirty="0" err="1" smtClean="0"/>
+              <a:t>utils</a:t>
+            </a:r>
+            <a:r>
+              <a:rPr lang="en-US" dirty="0" smtClean="0"/>
+              <a:t> does</a:t>
+            </a:r>
+          </a:p>
+          <a:p>
+            <a:pPr marL="285750" indent="-285750">
+              <a:buFont typeface="Arial" panose="020B0604020202020204" pitchFamily="34" charset="0"/>
+              <a:buChar char="•"/>
+            </a:pPr>
+            <a:r>
+              <a:rPr lang="en-US" dirty="0" smtClean="0"/>
+              <a:t>Creates a wrapper when we load or mount a component, which then makes it easier to break down and find different aspects of the </a:t>
+            </a:r>
+            <a:r>
+              <a:rPr lang="en-US" dirty="0" err="1" smtClean="0"/>
+              <a:t>Vue</a:t>
+            </a:r>
+            <a:r>
+              <a:rPr lang="en-US" dirty="0" smtClean="0"/>
+              <a:t> component with wrapper methods</a:t>
+            </a:r>
+          </a:p>
+          <a:p>
+            <a:pPr marL="285750" indent="-285750">
+              <a:buFont typeface="Arial" panose="020B0604020202020204" pitchFamily="34" charset="0"/>
+              <a:buChar char="•"/>
+            </a:pPr>
+            <a:r>
+              <a:rPr lang="en-US" dirty="0" smtClean="0"/>
+              <a:t>Mounting the component allows us to load a separate </a:t>
+            </a:r>
+            <a:r>
+              <a:rPr lang="en-US" dirty="0" err="1"/>
+              <a:t>V</a:t>
+            </a:r>
+            <a:r>
+              <a:rPr lang="en-US" dirty="0" err="1" smtClean="0"/>
+              <a:t>ue</a:t>
+            </a:r>
+            <a:r>
+              <a:rPr lang="en-US" dirty="0" smtClean="0"/>
+              <a:t> instance</a:t>
+            </a:r>
+            <a:r>
+              <a:rPr lang="en-US" dirty="0"/>
+              <a:t> with ‘</a:t>
+            </a:r>
+            <a:r>
+              <a:rPr lang="en-US" dirty="0" err="1"/>
+              <a:t>createLocalVue</a:t>
+            </a:r>
+            <a:r>
+              <a:rPr lang="en-US" dirty="0" smtClean="0"/>
+              <a:t>’, </a:t>
+            </a:r>
+            <a:r>
+              <a:rPr lang="en-US" dirty="0"/>
+              <a:t>register libraries like </a:t>
+            </a:r>
+            <a:r>
+              <a:rPr lang="en-US" dirty="0" err="1"/>
+              <a:t>Vuex</a:t>
+            </a:r>
+            <a:r>
+              <a:rPr lang="en-US" dirty="0"/>
+              <a:t> to the local </a:t>
+            </a:r>
+            <a:r>
+              <a:rPr lang="en-US" dirty="0" err="1"/>
+              <a:t>Vue</a:t>
+            </a:r>
+            <a:r>
+              <a:rPr lang="en-US" dirty="0"/>
+              <a:t> instance, </a:t>
+            </a:r>
+            <a:r>
+              <a:rPr lang="en-US" dirty="0" smtClean="0"/>
+              <a:t>mock methods, load stubbed data, stub child components, trigger events, and much more. </a:t>
+            </a:r>
+          </a:p>
+          <a:p>
+            <a:pPr marL="285750" indent="-285750">
+              <a:buFont typeface="Arial" panose="020B0604020202020204" pitchFamily="34" charset="0"/>
+              <a:buChar char="•"/>
+            </a:pPr>
+            <a:r>
+              <a:rPr lang="en-US" dirty="0" smtClean="0"/>
+              <a:t>The “wrapped component” also makes it possible to test JavaScript, HTML and CSS within a </a:t>
+            </a:r>
+            <a:r>
+              <a:rPr lang="en-US" dirty="0" err="1" smtClean="0"/>
+              <a:t>Vue</a:t>
+            </a:r>
+            <a:r>
+              <a:rPr lang="en-US" dirty="0" smtClean="0"/>
+              <a:t> component. </a:t>
+            </a:r>
+          </a:p>
+          <a:p>
+            <a:endParaRPr lang="en-US" dirty="0" smtClean="0"/>
+          </a:p>
+        </p:txBody>
+      </p:sp>
+      <p:sp>
+        <p:nvSpPr>
+          <p:cNvPr id="3" name="Title 2"/>
+          <p:cNvSpPr>
+            <a:spLocks noGrp="1"/>
+          </p:cNvSpPr>
+          <p:nvPr>
+            <p:ph type="title"/>
+          </p:nvPr>
+        </p:nvSpPr>
+        <p:spPr/>
+        <p:txBody>
+          <a:bodyPr/>
+          <a:lstStyle/>
+          <a:p>
+            <a:r>
+              <a:rPr lang="en-US" dirty="0" smtClean="0"/>
+              <a:t>Testing </a:t>
+            </a:r>
+            <a:r>
+              <a:rPr lang="en-US" dirty="0" err="1" smtClean="0"/>
+              <a:t>Vue</a:t>
+            </a:r>
+            <a:r>
+              <a:rPr lang="en-US" dirty="0" smtClean="0"/>
+              <a:t> Components</a:t>
+            </a:r>
+            <a:endParaRPr lang="en-US" dirty="0"/>
+          </a:p>
+        </p:txBody>
+      </p:sp>
+    </p:spTree>
+    <p:extLst>
+      <p:ext uri="{BB962C8B-B14F-4D97-AF65-F5344CB8AC3E}">
+        <p14:creationId xmlns:p14="http://schemas.microsoft.com/office/powerpoint/2010/main" val="3519186213"/>
+      </p:ext>
+    </p:extLst>
+  </p:cSld>
+  <p:clrMapOvr>
+    <a:masterClrMapping/>
+  </p:clrMapOvr>
+  <p:transition spd="slow">
+    <p:wipe/>
+  </p:transition>
+  <p:timing>
+    <p:tnLst>
+      <p:par>
+        <p:cTn id="1" dur="indefinite" restart="never" nodeType="tmRoot">
+          <p:childTnLst>
+            <p:seq concurrent="1" nextAc="seek">
+              <p:cTn id="2" dur="indefinite" nodeType="mainSeq">
+                <p:childTnLst>
+                  <p:par>
+                    <p:cTn id="3" fill="hold">
+                      <p:stCondLst>
+                        <p:cond delay="indefinite"/>
+                      </p:stCondLst>
+                      <p:childTnLst>
+                        <p:par>
+                          <p:cTn id="4" fill="hold">
+                            <p:stCondLst>
+                              <p:cond delay="0"/>
+                            </p:stCondLst>
+                            <p:childTnLst>
+                              <p:par>
+                                <p:cTn id="5" presetID="22" presetClass="entr" presetSubtype="2" fill="hold" nodeType="clickEffect">
+                                  <p:stCondLst>
+                                    <p:cond delay="0"/>
+                                  </p:stCondLst>
+                                  <p:childTnLst>
+                                    <p:set>
+                                      <p:cBhvr>
+                                        <p:cTn id="6" dur="1" fill="hold">
+                                          <p:stCondLst>
+                                            <p:cond delay="0"/>
+                                          </p:stCondLst>
+                                        </p:cTn>
+                                        <p:tgtEl>
+                                          <p:spTgt spid="2">
+                                            <p:txEl>
+                                              <p:pRg st="2" end="2"/>
+                                            </p:txEl>
+                                          </p:spTgt>
+                                        </p:tgtEl>
+                                        <p:attrNameLst>
+                                          <p:attrName>style.visibility</p:attrName>
+                                        </p:attrNameLst>
+                                      </p:cBhvr>
+                                      <p:to>
+                                        <p:strVal val="visible"/>
+                                      </p:to>
+                                    </p:set>
+                                    <p:animEffect transition="in" filter="wipe(right)">
+                                      <p:cBhvr>
+                                        <p:cTn id="7" dur="500"/>
+                                        <p:tgtEl>
+                                          <p:spTgt spid="2">
+                                            <p:txEl>
+                                              <p:pRg st="2" end="2"/>
+                                            </p:txEl>
+                                          </p:spTgt>
+                                        </p:tgtEl>
+                                      </p:cBhvr>
+                                    </p:animEffect>
+                                  </p:childTnLst>
+                                </p:cTn>
+                              </p:par>
+                              <p:par>
+                                <p:cTn id="8" presetID="22" presetClass="entr" presetSubtype="2" fill="hold" nodeType="withEffect">
+                                  <p:stCondLst>
+                                    <p:cond delay="0"/>
+                                  </p:stCondLst>
+                                  <p:childTnLst>
+                                    <p:set>
+                                      <p:cBhvr>
+                                        <p:cTn id="9" dur="1" fill="hold">
+                                          <p:stCondLst>
+                                            <p:cond delay="0"/>
+                                          </p:stCondLst>
+                                        </p:cTn>
+                                        <p:tgtEl>
+                                          <p:spTgt spid="2">
+                                            <p:txEl>
+                                              <p:pRg st="3" end="3"/>
+                                            </p:txEl>
+                                          </p:spTgt>
+                                        </p:tgtEl>
+                                        <p:attrNameLst>
+                                          <p:attrName>style.visibility</p:attrName>
+                                        </p:attrNameLst>
+                                      </p:cBhvr>
+                                      <p:to>
+                                        <p:strVal val="visible"/>
+                                      </p:to>
+                                    </p:set>
+                                    <p:animEffect transition="in" filter="wipe(right)">
+                                      <p:cBhvr>
+                                        <p:cTn id="10" dur="500"/>
+                                        <p:tgtEl>
+                                          <p:spTgt spid="2">
+                                            <p:txEl>
+                                              <p:pRg st="3" end="3"/>
+                                            </p:txEl>
+                                          </p:spTgt>
+                                        </p:tgtEl>
+                                      </p:cBhvr>
+                                    </p:animEffect>
+                                  </p:childTnLst>
+                                </p:cTn>
+                              </p:par>
+                              <p:par>
+                                <p:cTn id="11" presetID="22" presetClass="entr" presetSubtype="2" fill="hold" nodeType="withEffect">
+                                  <p:stCondLst>
+                                    <p:cond delay="0"/>
+                                  </p:stCondLst>
+                                  <p:childTnLst>
+                                    <p:set>
+                                      <p:cBhvr>
+                                        <p:cTn id="12" dur="1" fill="hold">
+                                          <p:stCondLst>
+                                            <p:cond delay="0"/>
+                                          </p:stCondLst>
+                                        </p:cTn>
+                                        <p:tgtEl>
+                                          <p:spTgt spid="2">
+                                            <p:txEl>
+                                              <p:pRg st="4" end="4"/>
+                                            </p:txEl>
+                                          </p:spTgt>
+                                        </p:tgtEl>
+                                        <p:attrNameLst>
+                                          <p:attrName>style.visibility</p:attrName>
+                                        </p:attrNameLst>
+                                      </p:cBhvr>
+                                      <p:to>
+                                        <p:strVal val="visible"/>
+                                      </p:to>
+                                    </p:set>
+                                    <p:animEffect transition="in" filter="wipe(right)">
+                                      <p:cBhvr>
+                                        <p:cTn id="13" dur="500"/>
+                                        <p:tgtEl>
+                                          <p:spTgt spid="2">
+                                            <p:txEl>
+                                              <p:pRg st="4" end="4"/>
+                                            </p:txEl>
+                                          </p:spTgt>
+                                        </p:tgtEl>
+                                      </p:cBhvr>
+                                    </p:animEffect>
+                                  </p:childTnLst>
+                                </p:cTn>
+                              </p:par>
+                              <p:par>
+                                <p:cTn id="14" presetID="22" presetClass="entr" presetSubtype="2" fill="hold" nodeType="withEffect">
+                                  <p:stCondLst>
+                                    <p:cond delay="0"/>
+                                  </p:stCondLst>
+                                  <p:childTnLst>
+                                    <p:set>
+                                      <p:cBhvr>
+                                        <p:cTn id="15" dur="1" fill="hold">
+                                          <p:stCondLst>
+                                            <p:cond delay="0"/>
+                                          </p:stCondLst>
+                                        </p:cTn>
+                                        <p:tgtEl>
+                                          <p:spTgt spid="2">
+                                            <p:txEl>
+                                              <p:pRg st="5" end="5"/>
+                                            </p:txEl>
+                                          </p:spTgt>
+                                        </p:tgtEl>
+                                        <p:attrNameLst>
+                                          <p:attrName>style.visibility</p:attrName>
+                                        </p:attrNameLst>
+                                      </p:cBhvr>
+                                      <p:to>
+                                        <p:strVal val="visible"/>
+                                      </p:to>
+                                    </p:set>
+                                    <p:animEffect transition="in" filter="wipe(right)">
+                                      <p:cBhvr>
+                                        <p:cTn id="16" dur="500"/>
+                                        <p:tgtEl>
+                                          <p:spTgt spid="2">
+                                            <p:txEl>
+                                              <p:pRg st="5" end="5"/>
+                                            </p:txEl>
+                                          </p:spTgt>
+                                        </p:tgtEl>
+                                      </p:cBhvr>
+                                    </p:animEffect>
+                                  </p:childTnLst>
+                                </p:cTn>
+                              </p:par>
+                            </p:childTnLst>
+                          </p:cTn>
+                        </p:par>
+                      </p:childTnLst>
+                    </p:cTn>
+                  </p:par>
+                </p:childTnLst>
+              </p:cTn>
+              <p:prevCondLst>
+                <p:cond evt="onPrev" delay="0">
+                  <p:tgtEl>
+                    <p:sldTgt/>
+                  </p:tgtEl>
+                </p:cond>
+              </p:prevCondLst>
+              <p:nextCondLst>
+                <p:cond evt="onNext" delay="0">
+                  <p:tgtEl>
+                    <p:sldTgt/>
+                  </p:tgtEl>
+                </p:cond>
+              </p:nextCondLst>
+            </p:seq>
+          </p:childTnLst>
+        </p:cTn>
+      </p:par>
+    </p:tnLst>
+  </p:timing>
+</p:sld>
+</file>
+
+<file path=ppt/slides/slide16.xml><?xml version="1.0" encoding="utf-8"?>
+<p:sld xmlns:a="http://schemas.openxmlformats.org/drawingml/2006/main" xmlns:r="http://schemas.openxmlformats.org/officeDocument/2006/relationships" xmlns:p="http://schemas.openxmlformats.org/presentationml/2006/main">
+  <p:cSld>
+    <p:spTree>
+      <p:nvGrpSpPr>
+        <p:cNvPr id="1" name=""/>
+        <p:cNvGrpSpPr/>
+        <p:nvPr/>
+      </p:nvGrpSpPr>
+      <p:grpSpPr>
+        <a:xfrm>
+          <a:off x="0" y="0"/>
+          <a:ext cx="0" cy="0"/>
+          <a:chOff x="0" y="0"/>
+          <a:chExt cx="0" cy="0"/>
+        </a:xfrm>
+      </p:grpSpPr>
+      <p:sp>
+        <p:nvSpPr>
+          <p:cNvPr id="2" name="Text Placeholder 1"/>
+          <p:cNvSpPr>
+            <a:spLocks noGrp="1"/>
+          </p:cNvSpPr>
+          <p:nvPr>
+            <p:ph type="body" sz="quarter" idx="26"/>
+          </p:nvPr>
+        </p:nvSpPr>
         <p:spPr>
           <a:xfrm>
             <a:off x="155575" y="1213503"/>
@@ -32387,46 +32941,17 @@
         </p:spPr>
         <p:txBody>
           <a:bodyPr>
-            <a:normAutofit lnSpcReduction="10000"/>
+            <a:normAutofit/>
           </a:bodyPr>
           <a:lstStyle/>
           <a:p>
             <a:r>
-              <a:rPr lang="en-US" dirty="0"/>
-              <a:t>Mounting a component with test-</a:t>
-            </a:r>
-            <a:r>
-              <a:rPr lang="en-US" dirty="0" err="1"/>
-              <a:t>utils</a:t>
-            </a:r>
-            <a:r>
-              <a:rPr lang="en-US" dirty="0"/>
-              <a:t> creates a wrapper around the component test various aspects of </a:t>
-            </a:r>
-            <a:r>
-              <a:rPr lang="en-US" dirty="0" err="1"/>
-              <a:t>vue</a:t>
-            </a:r>
-            <a:r>
-              <a:rPr lang="en-US" dirty="0"/>
-              <a:t> component including html and </a:t>
-            </a:r>
-            <a:r>
-              <a:rPr lang="en-US" dirty="0" err="1"/>
-              <a:t>css</a:t>
-            </a:r>
-            <a:r>
-              <a:rPr lang="en-US" dirty="0"/>
-              <a:t>.</a:t>
-            </a:r>
-          </a:p>
-          <a:p>
-            <a:endParaRPr lang="en-US" dirty="0"/>
-          </a:p>
-          <a:p>
-            <a:r>
-              <a:rPr lang="en-US" dirty="0"/>
-              <a:t>Two mounting options:  mount vs. </a:t>
+              <a:rPr lang="en-US" dirty="0" smtClean="0"/>
+              <a:t>Two </a:t>
+            </a:r>
+            <a:r>
+              <a:rPr lang="en-US" dirty="0"/>
+              <a:t>mounting options:  mount vs. </a:t>
             </a:r>
             <a:r>
               <a:rPr lang="en-US" dirty="0" err="1"/>
@@ -32536,7 +33061,7 @@
               <a:rPr lang="en-US" sz="2100" dirty="0">
                 <a:solidFill>
                   <a:schemeClr val="tx1">
-                    <a:lumMod val="75000"/>
+                    <a:lumMod val="50000"/>
                   </a:schemeClr>
                 </a:solidFill>
                 <a:latin typeface="Courier New" panose="02070309020205020404" pitchFamily="49" charset="0"/>
@@ -32561,7 +33086,7 @@
               <a:rPr lang="en-US" sz="2100" dirty="0">
                 <a:solidFill>
                   <a:schemeClr val="tx1">
-                    <a:lumMod val="75000"/>
+                    <a:lumMod val="50000"/>
                   </a:schemeClr>
                 </a:solidFill>
                 <a:latin typeface="Courier New" panose="02070309020205020404" pitchFamily="49" charset="0"/>
@@ -32586,7 +33111,7 @@
               <a:rPr lang="en-US" sz="2100" dirty="0">
                 <a:solidFill>
                   <a:schemeClr val="tx1">
-                    <a:lumMod val="75000"/>
+                    <a:lumMod val="50000"/>
                   </a:schemeClr>
                 </a:solidFill>
                 <a:latin typeface="Courier New" panose="02070309020205020404" pitchFamily="49" charset="0"/>
@@ -32611,7 +33136,7 @@
               <a:rPr lang="en-US" sz="2100" dirty="0">
                 <a:solidFill>
                   <a:schemeClr val="tx1">
-                    <a:lumMod val="75000"/>
+                    <a:lumMod val="50000"/>
                   </a:schemeClr>
                 </a:solidFill>
                 <a:latin typeface="Courier New" panose="02070309020205020404" pitchFamily="49" charset="0"/>
@@ -32636,7 +33161,7 @@
               <a:rPr lang="en-US" sz="2100" dirty="0">
                 <a:solidFill>
                   <a:schemeClr val="tx1">
-                    <a:lumMod val="75000"/>
+                    <a:lumMod val="50000"/>
                   </a:schemeClr>
                 </a:solidFill>
                 <a:latin typeface="Courier New" panose="02070309020205020404" pitchFamily="49" charset="0"/>
@@ -32648,7 +33173,7 @@
               <a:rPr lang="en-US" sz="2100" dirty="0">
                 <a:solidFill>
                   <a:schemeClr val="tx1">
-                    <a:lumMod val="75000"/>
+                    <a:lumMod val="50000"/>
                   </a:schemeClr>
                 </a:solidFill>
                 <a:latin typeface="Courier New" panose="02070309020205020404" pitchFamily="49" charset="0"/>
@@ -32659,7 +33184,7 @@
               <a:rPr lang="en-US" sz="2100" dirty="0">
                 <a:solidFill>
                   <a:schemeClr val="tx1">
-                    <a:lumMod val="75000"/>
+                    <a:lumMod val="50000"/>
                   </a:schemeClr>
                 </a:solidFill>
                 <a:latin typeface="Courier New" panose="02070309020205020404" pitchFamily="49" charset="0"/>
@@ -32684,7 +33209,7 @@
               <a:rPr lang="en-US" sz="2100" dirty="0">
                 <a:solidFill>
                   <a:schemeClr val="tx1">
-                    <a:lumMod val="75000"/>
+                    <a:lumMod val="50000"/>
                   </a:schemeClr>
                 </a:solidFill>
                 <a:latin typeface="Courier New" panose="02070309020205020404" pitchFamily="49" charset="0"/>
@@ -32709,7 +33234,7 @@
               <a:rPr lang="en-US" sz="2100" dirty="0">
                 <a:solidFill>
                   <a:schemeClr val="tx1">
-                    <a:lumMod val="75000"/>
+                    <a:lumMod val="50000"/>
                   </a:schemeClr>
                 </a:solidFill>
                 <a:latin typeface="Courier New" panose="02070309020205020404" pitchFamily="49" charset="0"/>
@@ -32733,7 +33258,7 @@
             <a:endParaRPr lang="en-US" sz="2100" dirty="0">
               <a:solidFill>
                 <a:schemeClr val="tx1">
-                  <a:lumMod val="75000"/>
+                  <a:lumMod val="50000"/>
                 </a:schemeClr>
               </a:solidFill>
               <a:latin typeface="Courier New" panose="02070309020205020404" pitchFamily="49" charset="0"/>
@@ -32756,7 +33281,7 @@
               <a:rPr lang="en-US" sz="2100" dirty="0">
                 <a:solidFill>
                   <a:schemeClr val="tx1">
-                    <a:lumMod val="75000"/>
+                    <a:lumMod val="50000"/>
                   </a:schemeClr>
                 </a:solidFill>
                 <a:latin typeface="Courier New" panose="02070309020205020404" pitchFamily="49" charset="0"/>
@@ -32781,7 +33306,7 @@
               <a:rPr lang="en-US" sz="2100" dirty="0">
                 <a:solidFill>
                   <a:schemeClr val="tx1">
-                    <a:lumMod val="75000"/>
+                    <a:lumMod val="50000"/>
                   </a:schemeClr>
                 </a:solidFill>
                 <a:latin typeface="Courier New" panose="02070309020205020404" pitchFamily="49" charset="0"/>
@@ -32805,7 +33330,7 @@
             <a:endParaRPr lang="en-US" sz="2100" dirty="0">
               <a:solidFill>
                 <a:schemeClr val="tx1">
-                  <a:lumMod val="75000"/>
+                  <a:lumMod val="50000"/>
                 </a:schemeClr>
               </a:solidFill>
               <a:latin typeface="Courier New" panose="02070309020205020404" pitchFamily="49" charset="0"/>
@@ -32828,7 +33353,7 @@
               <a:rPr lang="en-US" sz="2100" dirty="0">
                 <a:solidFill>
                   <a:schemeClr val="tx1">
-                    <a:lumMod val="75000"/>
+                    <a:lumMod val="50000"/>
                   </a:schemeClr>
                 </a:solidFill>
                 <a:latin typeface="Courier New" panose="02070309020205020404" pitchFamily="49" charset="0"/>
@@ -32840,7 +33365,7 @@
               <a:rPr lang="en-US" sz="2100" dirty="0" err="1">
                 <a:solidFill>
                   <a:schemeClr val="tx1">
-                    <a:lumMod val="75000"/>
+                    <a:lumMod val="50000"/>
                   </a:schemeClr>
                 </a:solidFill>
                 <a:latin typeface="Courier New" panose="02070309020205020404" pitchFamily="49" charset="0"/>
@@ -32852,7 +33377,7 @@
               <a:rPr lang="en-US" sz="2100" dirty="0">
                 <a:solidFill>
                   <a:schemeClr val="tx1">
-                    <a:lumMod val="75000"/>
+                    <a:lumMod val="50000"/>
                   </a:schemeClr>
                 </a:solidFill>
                 <a:latin typeface="Courier New" panose="02070309020205020404" pitchFamily="49" charset="0"/>
@@ -32877,7 +33402,7 @@
               <a:rPr lang="en-US" sz="2100" dirty="0">
                 <a:solidFill>
                   <a:schemeClr val="tx1">
-                    <a:lumMod val="75000"/>
+                    <a:lumMod val="50000"/>
                   </a:schemeClr>
                 </a:solidFill>
                 <a:latin typeface="Courier New" panose="02070309020205020404" pitchFamily="49" charset="0"/>
@@ -32902,7 +33427,7 @@
               <a:rPr lang="en-US" sz="2100" dirty="0">
                 <a:solidFill>
                   <a:schemeClr val="tx1">
-                    <a:lumMod val="75000"/>
+                    <a:lumMod val="50000"/>
                   </a:schemeClr>
                 </a:solidFill>
                 <a:latin typeface="Courier New" panose="02070309020205020404" pitchFamily="49" charset="0"/>
@@ -32927,7 +33452,7 @@
               <a:rPr lang="en-US" sz="2100" dirty="0">
                 <a:solidFill>
                   <a:schemeClr val="tx1">
-                    <a:lumMod val="75000"/>
+                    <a:lumMod val="50000"/>
                   </a:schemeClr>
                 </a:solidFill>
                 <a:latin typeface="Courier New" panose="02070309020205020404" pitchFamily="49" charset="0"/>
@@ -32952,7 +33477,7 @@
               <a:rPr lang="en-US" sz="2100" dirty="0">
                 <a:solidFill>
                   <a:schemeClr val="tx1">
-                    <a:lumMod val="75000"/>
+                    <a:lumMod val="50000"/>
                   </a:schemeClr>
                 </a:solidFill>
                 <a:latin typeface="Courier New" panose="02070309020205020404" pitchFamily="49" charset="0"/>
@@ -32977,7 +33502,7 @@
               <a:rPr lang="en-US" sz="2100" dirty="0">
                 <a:solidFill>
                   <a:schemeClr val="tx1">
-                    <a:lumMod val="75000"/>
+                    <a:lumMod val="50000"/>
                   </a:schemeClr>
                 </a:solidFill>
                 <a:latin typeface="Courier New" panose="02070309020205020404" pitchFamily="49" charset="0"/>
@@ -33002,7 +33527,7 @@
               <a:rPr lang="en-US" sz="2100" dirty="0">
                 <a:solidFill>
                   <a:schemeClr val="tx1">
-                    <a:lumMod val="75000"/>
+                    <a:lumMod val="50000"/>
                   </a:schemeClr>
                 </a:solidFill>
                 <a:latin typeface="Courier New" panose="02070309020205020404" pitchFamily="49" charset="0"/>
@@ -33014,7 +33539,7 @@
               <a:rPr lang="en-US" sz="2100" dirty="0" err="1">
                 <a:solidFill>
                   <a:schemeClr val="tx1">
-                    <a:lumMod val="75000"/>
+                    <a:lumMod val="50000"/>
                   </a:schemeClr>
                 </a:solidFill>
                 <a:latin typeface="Courier New" panose="02070309020205020404" pitchFamily="49" charset="0"/>
@@ -33026,7 +33551,7 @@
               <a:rPr lang="en-US" sz="2100" dirty="0">
                 <a:solidFill>
                   <a:schemeClr val="tx1">
-                    <a:lumMod val="75000"/>
+                    <a:lumMod val="50000"/>
                   </a:schemeClr>
                 </a:solidFill>
                 <a:latin typeface="Courier New" panose="02070309020205020404" pitchFamily="49" charset="0"/>
@@ -33051,7 +33576,7 @@
               <a:rPr lang="en-US" sz="2100" dirty="0">
                 <a:solidFill>
                   <a:schemeClr val="tx1">
-                    <a:lumMod val="75000"/>
+                    <a:lumMod val="50000"/>
                   </a:schemeClr>
                 </a:solidFill>
                 <a:latin typeface="Courier New" panose="02070309020205020404" pitchFamily="49" charset="0"/>
@@ -33076,7 +33601,7 @@
               <a:rPr lang="en-US" sz="2100" dirty="0">
                 <a:solidFill>
                   <a:schemeClr val="tx1">
-                    <a:lumMod val="75000"/>
+                    <a:lumMod val="50000"/>
                   </a:schemeClr>
                 </a:solidFill>
                 <a:latin typeface="Courier New" panose="02070309020205020404" pitchFamily="49" charset="0"/>
@@ -33088,7 +33613,7 @@
               <a:rPr lang="en-US" sz="2100" dirty="0">
                 <a:solidFill>
                   <a:schemeClr val="tx1">
-                    <a:lumMod val="75000"/>
+                    <a:lumMod val="50000"/>
                   </a:schemeClr>
                 </a:solidFill>
                 <a:latin typeface="Courier New" panose="02070309020205020404" pitchFamily="49" charset="0"/>
@@ -33099,7 +33624,7 @@
               <a:rPr lang="en-US" sz="2100" dirty="0">
                 <a:solidFill>
                   <a:schemeClr val="tx1">
-                    <a:lumMod val="75000"/>
+                    <a:lumMod val="50000"/>
                   </a:schemeClr>
                 </a:solidFill>
                 <a:latin typeface="Courier New" panose="02070309020205020404" pitchFamily="49" charset="0"/>
@@ -33124,7 +33649,7 @@
               <a:rPr lang="en-US" sz="2100" dirty="0">
                 <a:solidFill>
                   <a:schemeClr val="tx1">
-                    <a:lumMod val="75000"/>
+                    <a:lumMod val="50000"/>
                   </a:schemeClr>
                 </a:solidFill>
                 <a:latin typeface="Courier New" panose="02070309020205020404" pitchFamily="49" charset="0"/>
@@ -33136,7 +33661,7 @@
               <a:rPr lang="en-US" sz="2100" dirty="0" err="1">
                 <a:solidFill>
                   <a:schemeClr val="tx1">
-                    <a:lumMod val="75000"/>
+                    <a:lumMod val="50000"/>
                   </a:schemeClr>
                 </a:solidFill>
                 <a:latin typeface="Courier New" panose="02070309020205020404" pitchFamily="49" charset="0"/>
@@ -33148,7 +33673,7 @@
               <a:rPr lang="en-US" sz="2100" dirty="0">
                 <a:solidFill>
                   <a:schemeClr val="tx1">
-                    <a:lumMod val="75000"/>
+                    <a:lumMod val="50000"/>
                   </a:schemeClr>
                 </a:solidFill>
                 <a:latin typeface="Courier New" panose="02070309020205020404" pitchFamily="49" charset="0"/>
@@ -33160,7 +33685,7 @@
               <a:rPr lang="en-US" sz="2100" dirty="0" err="1">
                 <a:solidFill>
                   <a:schemeClr val="tx1">
-                    <a:lumMod val="75000"/>
+                    <a:lumMod val="50000"/>
                   </a:schemeClr>
                 </a:solidFill>
                 <a:latin typeface="Courier New" panose="02070309020205020404" pitchFamily="49" charset="0"/>
@@ -33172,7 +33697,7 @@
               <a:rPr lang="en-US" sz="2100" dirty="0">
                 <a:solidFill>
                   <a:schemeClr val="tx1">
-                    <a:lumMod val="75000"/>
+                    <a:lumMod val="50000"/>
                   </a:schemeClr>
                 </a:solidFill>
                 <a:latin typeface="Courier New" panose="02070309020205020404" pitchFamily="49" charset="0"/>
@@ -33197,7 +33722,7 @@
               <a:rPr lang="en-US" sz="2100" dirty="0">
                 <a:solidFill>
                   <a:schemeClr val="tx1">
-                    <a:lumMod val="75000"/>
+                    <a:lumMod val="50000"/>
                   </a:schemeClr>
                 </a:solidFill>
                 <a:latin typeface="Courier New" panose="02070309020205020404" pitchFamily="49" charset="0"/>
@@ -33222,7 +33747,7 @@
               <a:rPr lang="en-US" sz="2100" dirty="0">
                 <a:solidFill>
                   <a:schemeClr val="tx1">
-                    <a:lumMod val="75000"/>
+                    <a:lumMod val="50000"/>
                   </a:schemeClr>
                 </a:solidFill>
                 <a:latin typeface="Courier New" panose="02070309020205020404" pitchFamily="49" charset="0"/>
@@ -33234,7 +33759,7 @@
               <a:rPr lang="en-US" sz="2100" dirty="0">
                 <a:solidFill>
                   <a:schemeClr val="tx1">
-                    <a:lumMod val="75000"/>
+                    <a:lumMod val="50000"/>
                   </a:schemeClr>
                 </a:solidFill>
                 <a:latin typeface="Courier New" panose="02070309020205020404" pitchFamily="49" charset="0"/>
@@ -33245,7 +33770,7 @@
               <a:rPr lang="en-US" sz="2100" dirty="0">
                 <a:solidFill>
                   <a:schemeClr val="tx1">
-                    <a:lumMod val="75000"/>
+                    <a:lumMod val="50000"/>
                   </a:schemeClr>
                 </a:solidFill>
                 <a:latin typeface="Courier New" panose="02070309020205020404" pitchFamily="49" charset="0"/>
@@ -34265,7 +34790,805 @@
 </p:sld>
 </file>
 
-<file path=ppt/slides/slide16.xml><?xml version="1.0" encoding="utf-8"?>
+<file path=ppt/slides/slide17.xml><?xml version="1.0" encoding="utf-8"?>
+<p:sld xmlns:a="http://schemas.openxmlformats.org/drawingml/2006/main" xmlns:r="http://schemas.openxmlformats.org/officeDocument/2006/relationships" xmlns:p="http://schemas.openxmlformats.org/presentationml/2006/main" showMasterSp="0">
+  <p:cSld>
+    <p:bg>
+      <p:bgPr>
+        <a:gradFill flip="none" rotWithShape="1">
+          <a:gsLst>
+            <a:gs pos="0">
+              <a:srgbClr val="2A8ABF"/>
+            </a:gs>
+            <a:gs pos="48000">
+              <a:srgbClr val="2A8ABF"/>
+            </a:gs>
+            <a:gs pos="100000">
+              <a:srgbClr val="2A8ABF">
+                <a:alpha val="29000"/>
+              </a:srgbClr>
+            </a:gs>
+          </a:gsLst>
+          <a:lin ang="5400000" scaled="0"/>
+          <a:tileRect/>
+        </a:gradFill>
+        <a:effectLst/>
+      </p:bgPr>
+    </p:bg>
+    <p:spTree>
+      <p:nvGrpSpPr>
+        <p:cNvPr id="1" name=""/>
+        <p:cNvGrpSpPr/>
+        <p:nvPr/>
+      </p:nvGrpSpPr>
+      <p:grpSpPr>
+        <a:xfrm>
+          <a:off x="0" y="0"/>
+          <a:ext cx="0" cy="0"/>
+          <a:chOff x="0" y="0"/>
+          <a:chExt cx="0" cy="0"/>
+        </a:xfrm>
+      </p:grpSpPr>
+      <p:sp>
+        <p:nvSpPr>
+          <p:cNvPr id="5" name="TextBox 4"/>
+          <p:cNvSpPr txBox="1"/>
+          <p:nvPr/>
+        </p:nvSpPr>
+        <p:spPr>
+          <a:xfrm>
+            <a:off x="1666432" y="1736623"/>
+            <a:ext cx="8776530" cy="2062103"/>
+          </a:xfrm>
+          <a:prstGeom prst="rect">
+            <a:avLst/>
+          </a:prstGeom>
+          <a:noFill/>
+        </p:spPr>
+        <p:txBody>
+          <a:bodyPr wrap="square" rtlCol="0">
+            <a:spAutoFit/>
+          </a:bodyPr>
+          <a:lstStyle/>
+          <a:p>
+            <a:pPr algn="ctr"/>
+            <a:r>
+              <a:rPr lang="en-US" sz="3200" dirty="0">
+                <a:solidFill>
+                  <a:schemeClr val="bg1"/>
+                </a:solidFill>
+              </a:rPr>
+              <a:t>Lets look at </a:t>
+            </a:r>
+            <a:r>
+              <a:rPr lang="en-US" sz="3200" dirty="0" smtClean="0">
+                <a:solidFill>
+                  <a:schemeClr val="bg1"/>
+                </a:solidFill>
+              </a:rPr>
+              <a:t>examples: </a:t>
+            </a:r>
+          </a:p>
+          <a:p>
+            <a:pPr algn="ctr"/>
+            <a:endParaRPr lang="en-US" sz="3200" dirty="0" smtClean="0">
+              <a:solidFill>
+                <a:schemeClr val="bg1"/>
+              </a:solidFill>
+            </a:endParaRPr>
+          </a:p>
+          <a:p>
+            <a:pPr algn="ctr"/>
+            <a:r>
+              <a:rPr lang="en-US" sz="3200" dirty="0" smtClean="0">
+                <a:solidFill>
+                  <a:schemeClr val="bg1"/>
+                </a:solidFill>
+              </a:rPr>
+              <a:t>- </a:t>
+            </a:r>
+            <a:r>
+              <a:rPr lang="en-US" sz="3200" dirty="0" err="1" smtClean="0">
+                <a:solidFill>
+                  <a:schemeClr val="bg1"/>
+                </a:solidFill>
+              </a:rPr>
+              <a:t>AdminHub</a:t>
+            </a:r>
+            <a:r>
+              <a:rPr lang="en-US" sz="3200" dirty="0" smtClean="0">
+                <a:solidFill>
+                  <a:schemeClr val="bg1"/>
+                </a:solidFill>
+              </a:rPr>
+              <a:t> </a:t>
+            </a:r>
+            <a:r>
+              <a:rPr lang="en-US" sz="3200" dirty="0">
+                <a:solidFill>
+                  <a:schemeClr val="bg1"/>
+                </a:solidFill>
+              </a:rPr>
+              <a:t>–  </a:t>
+            </a:r>
+            <a:r>
+              <a:rPr lang="en-US" sz="3200" dirty="0" err="1" smtClean="0">
+                <a:solidFill>
+                  <a:schemeClr val="bg1"/>
+                </a:solidFill>
+              </a:rPr>
+              <a:t>Tiles.vue</a:t>
+            </a:r>
+            <a:endParaRPr lang="en-US" sz="3200" dirty="0" smtClean="0">
+              <a:solidFill>
+                <a:schemeClr val="bg1"/>
+              </a:solidFill>
+            </a:endParaRPr>
+          </a:p>
+          <a:p>
+            <a:pPr algn="ctr"/>
+            <a:r>
+              <a:rPr lang="en-US" sz="3200" dirty="0" smtClean="0">
+                <a:solidFill>
+                  <a:schemeClr val="bg1"/>
+                </a:solidFill>
+              </a:rPr>
+              <a:t>- </a:t>
+            </a:r>
+            <a:r>
+              <a:rPr lang="en-US" sz="3200" dirty="0" err="1" smtClean="0">
+                <a:solidFill>
+                  <a:schemeClr val="bg1"/>
+                </a:solidFill>
+              </a:rPr>
+              <a:t>jesttutorial</a:t>
+            </a:r>
+            <a:r>
+              <a:rPr lang="en-US" sz="3200" dirty="0" smtClean="0">
+                <a:solidFill>
+                  <a:schemeClr val="bg1"/>
+                </a:solidFill>
+              </a:rPr>
+              <a:t> </a:t>
+            </a:r>
+            <a:r>
+              <a:rPr lang="en-US" sz="3200" dirty="0">
+                <a:solidFill>
+                  <a:schemeClr val="bg1"/>
+                </a:solidFill>
+              </a:rPr>
+              <a:t>repo</a:t>
+            </a:r>
+          </a:p>
+        </p:txBody>
+      </p:sp>
+    </p:spTree>
+    <p:extLst>
+      <p:ext uri="{BB962C8B-B14F-4D97-AF65-F5344CB8AC3E}">
+        <p14:creationId xmlns:p14="http://schemas.microsoft.com/office/powerpoint/2010/main" val="801125730"/>
+      </p:ext>
+    </p:extLst>
+  </p:cSld>
+  <p:clrMapOvr>
+    <a:masterClrMapping/>
+  </p:clrMapOvr>
+  <p:transition spd="slow">
+    <p:wipe/>
+  </p:transition>
+  <p:timing>
+    <p:tnLst>
+      <p:par>
+        <p:cTn id="1" dur="indefinite" restart="never" nodeType="tmRoot"/>
+      </p:par>
+    </p:tnLst>
+  </p:timing>
+</p:sld>
+</file>
+
+<file path=ppt/slides/slide18.xml><?xml version="1.0" encoding="utf-8"?>
+<p:sld xmlns:a="http://schemas.openxmlformats.org/drawingml/2006/main" xmlns:r="http://schemas.openxmlformats.org/officeDocument/2006/relationships" xmlns:p="http://schemas.openxmlformats.org/presentationml/2006/main">
+  <p:cSld>
+    <p:spTree>
+      <p:nvGrpSpPr>
+        <p:cNvPr id="1" name=""/>
+        <p:cNvGrpSpPr/>
+        <p:nvPr/>
+      </p:nvGrpSpPr>
+      <p:grpSpPr>
+        <a:xfrm>
+          <a:off x="0" y="0"/>
+          <a:ext cx="0" cy="0"/>
+          <a:chOff x="0" y="0"/>
+          <a:chExt cx="0" cy="0"/>
+        </a:xfrm>
+      </p:grpSpPr>
+      <p:sp>
+        <p:nvSpPr>
+          <p:cNvPr id="2" name="Text Placeholder 1">
+            <a:extLst>
+              <a:ext uri="{FF2B5EF4-FFF2-40B4-BE49-F238E27FC236}">
+                <a16:creationId xmlns:a16="http://schemas.microsoft.com/office/drawing/2014/main" xmlns="" id="{520A7EFD-3596-43E3-BDB0-06ECA8094941}"/>
+              </a:ext>
+            </a:extLst>
+          </p:cNvPr>
+          <p:cNvSpPr>
+            <a:spLocks noGrp="1"/>
+          </p:cNvSpPr>
+          <p:nvPr>
+            <p:ph type="body" sz="quarter" idx="26"/>
+          </p:nvPr>
+        </p:nvSpPr>
+        <p:spPr>
+          <a:xfrm>
+            <a:off x="137989" y="1149593"/>
+            <a:ext cx="11884025" cy="4697291"/>
+          </a:xfrm>
+        </p:spPr>
+        <p:txBody>
+          <a:bodyPr>
+            <a:normAutofit lnSpcReduction="10000"/>
+          </a:bodyPr>
+          <a:lstStyle/>
+          <a:p>
+            <a:r>
+              <a:rPr lang="en-US" dirty="0" smtClean="0"/>
+              <a:t>Be patient with yourself. </a:t>
+            </a:r>
+          </a:p>
+          <a:p>
+            <a:pPr marL="285750" indent="-285750">
+              <a:buFontTx/>
+              <a:buChar char="-"/>
+            </a:pPr>
+            <a:r>
+              <a:rPr lang="en-US" dirty="0" smtClean="0"/>
+              <a:t>Take it one test at time. </a:t>
+            </a:r>
+          </a:p>
+          <a:p>
+            <a:pPr marL="285750" indent="-285750">
+              <a:buFontTx/>
+              <a:buChar char="-"/>
+            </a:pPr>
+            <a:r>
+              <a:rPr lang="en-US" dirty="0" smtClean="0"/>
+              <a:t>The </a:t>
+            </a:r>
+            <a:r>
+              <a:rPr lang="en-US" dirty="0" err="1" smtClean="0"/>
+              <a:t>github</a:t>
+            </a:r>
+            <a:r>
+              <a:rPr lang="en-US" dirty="0" smtClean="0"/>
+              <a:t> repo also has a some resources and a copy of this presentation for future reference. </a:t>
+            </a:r>
+          </a:p>
+          <a:p>
+            <a:endParaRPr lang="en-US" dirty="0" smtClean="0"/>
+          </a:p>
+          <a:p>
+            <a:r>
+              <a:rPr lang="en-US" dirty="0" smtClean="0"/>
+              <a:t>Next </a:t>
+            </a:r>
+            <a:r>
+              <a:rPr lang="en-US" dirty="0"/>
+              <a:t>sprint starts tomorrow – everyone will be assigned code to add some unit tests in </a:t>
+            </a:r>
+            <a:r>
+              <a:rPr lang="en-US" dirty="0" err="1"/>
+              <a:t>FitchConnect</a:t>
+            </a:r>
+            <a:r>
+              <a:rPr lang="en-US" dirty="0"/>
+              <a:t>. </a:t>
+            </a:r>
+          </a:p>
+          <a:p>
+            <a:pPr marL="285750" indent="-285750">
+              <a:buFontTx/>
+              <a:buChar char="-"/>
+            </a:pPr>
+            <a:r>
+              <a:rPr lang="en-US" dirty="0"/>
+              <a:t>Tech leads will identify code to </a:t>
+            </a:r>
+            <a:r>
+              <a:rPr lang="en-US" dirty="0" smtClean="0"/>
+              <a:t>test, I think </a:t>
+            </a:r>
+            <a:r>
+              <a:rPr lang="en-US" dirty="0" err="1" smtClean="0"/>
+              <a:t>jira</a:t>
+            </a:r>
+            <a:r>
+              <a:rPr lang="en-US" dirty="0" smtClean="0"/>
+              <a:t> tickets will be created</a:t>
+            </a:r>
+          </a:p>
+          <a:p>
+            <a:pPr marL="285750" indent="-285750">
+              <a:buFontTx/>
+              <a:buChar char="-"/>
+            </a:pPr>
+            <a:r>
+              <a:rPr lang="en-US" dirty="0" smtClean="0"/>
+              <a:t>Objective is to reinforce the concepts talked about today</a:t>
+            </a:r>
+          </a:p>
+          <a:p>
+            <a:pPr marL="285750" indent="-285750">
+              <a:buFontTx/>
+              <a:buChar char="-"/>
+            </a:pPr>
+            <a:r>
+              <a:rPr lang="en-US" dirty="0" smtClean="0"/>
+              <a:t>“Practice makes perfect”</a:t>
+            </a:r>
+            <a:endParaRPr lang="en-US" dirty="0"/>
+          </a:p>
+          <a:p>
+            <a:endParaRPr lang="en-US" dirty="0"/>
+          </a:p>
+          <a:p>
+            <a:r>
+              <a:rPr lang="en-US" dirty="0" smtClean="0"/>
+              <a:t>Collectively, we quickly move </a:t>
+            </a:r>
+            <a:r>
+              <a:rPr lang="en-US" dirty="0"/>
+              <a:t>towards test driven </a:t>
+            </a:r>
+            <a:r>
+              <a:rPr lang="en-US" dirty="0" smtClean="0"/>
+              <a:t>development (TDD)</a:t>
+            </a:r>
+          </a:p>
+          <a:p>
+            <a:pPr marL="285750" indent="-285750">
+              <a:buFontTx/>
+              <a:buChar char="-"/>
+            </a:pPr>
+            <a:r>
+              <a:rPr lang="en-US" dirty="0" smtClean="0"/>
+              <a:t>Change our mindset from code first and test later, to write tests first and then code.</a:t>
+            </a:r>
+          </a:p>
+          <a:p>
+            <a:endParaRPr lang="en-US" dirty="0"/>
+          </a:p>
+          <a:p>
+            <a:r>
+              <a:rPr lang="en-US" i="1" dirty="0"/>
+              <a:t>Please keep in mind, I do not know every aspect of testing with Jest and </a:t>
+            </a:r>
+            <a:r>
+              <a:rPr lang="en-US" i="1" dirty="0" err="1"/>
+              <a:t>Vue</a:t>
+            </a:r>
+            <a:r>
+              <a:rPr lang="en-US" i="1" dirty="0"/>
+              <a:t>. I’ll be learning, just like all of you.</a:t>
+            </a:r>
+          </a:p>
+          <a:p>
+            <a:endParaRPr lang="en-US" dirty="0"/>
+          </a:p>
+        </p:txBody>
+      </p:sp>
+      <p:sp>
+        <p:nvSpPr>
+          <p:cNvPr id="3" name="Title 2">
+            <a:extLst>
+              <a:ext uri="{FF2B5EF4-FFF2-40B4-BE49-F238E27FC236}">
+                <a16:creationId xmlns:a16="http://schemas.microsoft.com/office/drawing/2014/main" xmlns="" id="{48D5E28A-1E4A-4136-AC09-C631276F7665}"/>
+              </a:ext>
+            </a:extLst>
+          </p:cNvPr>
+          <p:cNvSpPr>
+            <a:spLocks noGrp="1"/>
+          </p:cNvSpPr>
+          <p:nvPr>
+            <p:ph type="title"/>
+          </p:nvPr>
+        </p:nvSpPr>
+        <p:spPr/>
+        <p:txBody>
+          <a:bodyPr/>
+          <a:lstStyle/>
+          <a:p>
+            <a:r>
+              <a:rPr lang="en-US" dirty="0"/>
+              <a:t>What next? </a:t>
+            </a:r>
+          </a:p>
+        </p:txBody>
+      </p:sp>
+    </p:spTree>
+    <p:extLst>
+      <p:ext uri="{BB962C8B-B14F-4D97-AF65-F5344CB8AC3E}">
+        <p14:creationId xmlns:p14="http://schemas.microsoft.com/office/powerpoint/2010/main" val="1327200023"/>
+      </p:ext>
+    </p:extLst>
+  </p:cSld>
+  <p:clrMapOvr>
+    <a:masterClrMapping/>
+  </p:clrMapOvr>
+  <p:transition spd="slow">
+    <p:wipe/>
+  </p:transition>
+  <p:timing>
+    <p:tnLst>
+      <p:par>
+        <p:cTn id="1" dur="indefinite" restart="never" nodeType="tmRoot"/>
+      </p:par>
+    </p:tnLst>
+  </p:timing>
+</p:sld>
+</file>
+
+<file path=ppt/slides/slide19.xml><?xml version="1.0" encoding="utf-8"?>
+<p:sld xmlns:a="http://schemas.openxmlformats.org/drawingml/2006/main" xmlns:r="http://schemas.openxmlformats.org/officeDocument/2006/relationships" xmlns:p="http://schemas.openxmlformats.org/presentationml/2006/main">
+  <p:cSld>
+    <p:spTree>
+      <p:nvGrpSpPr>
+        <p:cNvPr id="1" name=""/>
+        <p:cNvGrpSpPr/>
+        <p:nvPr/>
+      </p:nvGrpSpPr>
+      <p:grpSpPr>
+        <a:xfrm>
+          <a:off x="0" y="0"/>
+          <a:ext cx="0" cy="0"/>
+          <a:chOff x="0" y="0"/>
+          <a:chExt cx="0" cy="0"/>
+        </a:xfrm>
+      </p:grpSpPr>
+      <p:sp>
+        <p:nvSpPr>
+          <p:cNvPr id="2" name="Text Placeholder 1"/>
+          <p:cNvSpPr>
+            <a:spLocks noGrp="1"/>
+          </p:cNvSpPr>
+          <p:nvPr>
+            <p:ph type="body" sz="quarter" idx="26"/>
+          </p:nvPr>
+        </p:nvSpPr>
+        <p:spPr/>
+        <p:txBody>
+          <a:bodyPr/>
+          <a:lstStyle/>
+          <a:p>
+            <a:endParaRPr lang="en-US"/>
+          </a:p>
+        </p:txBody>
+      </p:sp>
+      <p:sp>
+        <p:nvSpPr>
+          <p:cNvPr id="3" name="Title 2"/>
+          <p:cNvSpPr>
+            <a:spLocks noGrp="1"/>
+          </p:cNvSpPr>
+          <p:nvPr>
+            <p:ph type="title"/>
+          </p:nvPr>
+        </p:nvSpPr>
+        <p:spPr/>
+        <p:txBody>
+          <a:bodyPr/>
+          <a:lstStyle/>
+          <a:p>
+            <a:endParaRPr lang="en-US"/>
+          </a:p>
+        </p:txBody>
+      </p:sp>
+    </p:spTree>
+    <p:extLst>
+      <p:ext uri="{BB962C8B-B14F-4D97-AF65-F5344CB8AC3E}">
+        <p14:creationId xmlns:p14="http://schemas.microsoft.com/office/powerpoint/2010/main" val="884887789"/>
+      </p:ext>
+    </p:extLst>
+  </p:cSld>
+  <p:clrMapOvr>
+    <a:masterClrMapping/>
+  </p:clrMapOvr>
+  <p:transition spd="slow">
+    <p:wipe/>
+  </p:transition>
+  <p:timing>
+    <p:tnLst>
+      <p:par>
+        <p:cTn id="1" dur="indefinite" restart="never" nodeType="tmRoot"/>
+      </p:par>
+    </p:tnLst>
+  </p:timing>
+</p:sld>
+</file>
+
+<file path=ppt/slides/slide2.xml><?xml version="1.0" encoding="utf-8"?>
+<p:sld xmlns:a="http://schemas.openxmlformats.org/drawingml/2006/main" xmlns:r="http://schemas.openxmlformats.org/officeDocument/2006/relationships" xmlns:p="http://schemas.openxmlformats.org/presentationml/2006/main">
+  <p:cSld>
+    <p:spTree>
+      <p:nvGrpSpPr>
+        <p:cNvPr id="1" name=""/>
+        <p:cNvGrpSpPr/>
+        <p:nvPr/>
+      </p:nvGrpSpPr>
+      <p:grpSpPr>
+        <a:xfrm>
+          <a:off x="0" y="0"/>
+          <a:ext cx="0" cy="0"/>
+          <a:chOff x="0" y="0"/>
+          <a:chExt cx="0" cy="0"/>
+        </a:xfrm>
+      </p:grpSpPr>
+      <p:sp>
+        <p:nvSpPr>
+          <p:cNvPr id="2" name="Text Placeholder 1"/>
+          <p:cNvSpPr>
+            <a:spLocks noGrp="1"/>
+          </p:cNvSpPr>
+          <p:nvPr>
+            <p:ph type="body" sz="quarter" idx="26"/>
+          </p:nvPr>
+        </p:nvSpPr>
+        <p:spPr/>
+        <p:txBody>
+          <a:bodyPr>
+            <a:normAutofit/>
+          </a:bodyPr>
+          <a:lstStyle/>
+          <a:p>
+            <a:r>
+              <a:rPr lang="en-US" b="1" dirty="0"/>
+              <a:t>Part 1:  Unit Testing and Jest </a:t>
+            </a:r>
+          </a:p>
+          <a:p>
+            <a:pPr marL="285750" indent="-285750">
+              <a:buFont typeface="Arial" panose="020B0604020202020204" pitchFamily="34" charset="0"/>
+              <a:buChar char="•"/>
+            </a:pPr>
+            <a:r>
+              <a:rPr lang="en-US" dirty="0"/>
+              <a:t>Unit Testing overview</a:t>
+            </a:r>
+          </a:p>
+          <a:p>
+            <a:pPr marL="285750" indent="-285750">
+              <a:buFont typeface="Arial" panose="020B0604020202020204" pitchFamily="34" charset="0"/>
+              <a:buChar char="•"/>
+            </a:pPr>
+            <a:r>
+              <a:rPr lang="en-US" dirty="0"/>
+              <a:t>Unit testing basics </a:t>
+            </a:r>
+            <a:r>
+              <a:rPr lang="en-US" dirty="0" smtClean="0"/>
+              <a:t>with </a:t>
+            </a:r>
+            <a:r>
+              <a:rPr lang="en-US" dirty="0"/>
+              <a:t>J</a:t>
+            </a:r>
+            <a:r>
+              <a:rPr lang="en-US" dirty="0" smtClean="0"/>
+              <a:t>est</a:t>
+            </a:r>
+            <a:endParaRPr lang="en-US" dirty="0" smtClean="0"/>
+          </a:p>
+          <a:p>
+            <a:pPr marL="285750" indent="-285750">
+              <a:buFont typeface="Arial" panose="020B0604020202020204" pitchFamily="34" charset="0"/>
+              <a:buChar char="•"/>
+            </a:pPr>
+            <a:r>
+              <a:rPr lang="en-US" dirty="0" smtClean="0"/>
+              <a:t>Mocking and stubbing </a:t>
+            </a:r>
+            <a:endParaRPr lang="en-US" dirty="0"/>
+          </a:p>
+          <a:p>
+            <a:pPr marL="285750" indent="-285750">
+              <a:buFont typeface="Arial" panose="020B0604020202020204" pitchFamily="34" charset="0"/>
+              <a:buChar char="•"/>
+            </a:pPr>
+            <a:r>
+              <a:rPr lang="en-US" dirty="0"/>
+              <a:t>Mocking examples</a:t>
+            </a:r>
+          </a:p>
+          <a:p>
+            <a:pPr marL="285750" indent="-285750">
+              <a:buFont typeface="Arial" panose="020B0604020202020204" pitchFamily="34" charset="0"/>
+              <a:buChar char="•"/>
+            </a:pPr>
+            <a:r>
+              <a:rPr lang="en-US" dirty="0" smtClean="0"/>
+              <a:t>Exercises </a:t>
+            </a:r>
+            <a:endParaRPr lang="en-US" dirty="0"/>
+          </a:p>
+          <a:p>
+            <a:endParaRPr lang="en-US" dirty="0"/>
+          </a:p>
+          <a:p>
+            <a:pPr marL="285750" indent="-285750">
+              <a:buFont typeface="Arial" panose="020B0604020202020204" pitchFamily="34" charset="0"/>
+              <a:buChar char="•"/>
+            </a:pPr>
+            <a:endParaRPr lang="en-US" dirty="0"/>
+          </a:p>
+          <a:p>
+            <a:pPr marL="285750" indent="-285750">
+              <a:buFont typeface="Arial" panose="020B0604020202020204" pitchFamily="34" charset="0"/>
+              <a:buChar char="•"/>
+            </a:pPr>
+            <a:endParaRPr lang="en-US" dirty="0"/>
+          </a:p>
+        </p:txBody>
+      </p:sp>
+      <p:sp>
+        <p:nvSpPr>
+          <p:cNvPr id="4" name="Text Placeholder 3"/>
+          <p:cNvSpPr>
+            <a:spLocks noGrp="1"/>
+          </p:cNvSpPr>
+          <p:nvPr>
+            <p:ph type="body" sz="quarter" idx="27"/>
+          </p:nvPr>
+        </p:nvSpPr>
+        <p:spPr/>
+        <p:txBody>
+          <a:bodyPr/>
+          <a:lstStyle/>
+          <a:p>
+            <a:r>
+              <a:rPr lang="en-US" b="1" dirty="0"/>
+              <a:t>Part 2: </a:t>
+            </a:r>
+            <a:r>
+              <a:rPr lang="en-US" b="1" dirty="0" err="1"/>
+              <a:t>Vue</a:t>
+            </a:r>
+            <a:r>
+              <a:rPr lang="en-US" b="1" dirty="0"/>
+              <a:t> testing </a:t>
+            </a:r>
+            <a:r>
+              <a:rPr lang="en-US" b="1" dirty="0" smtClean="0"/>
+              <a:t>with </a:t>
+            </a:r>
+            <a:r>
+              <a:rPr lang="en-US" b="1" dirty="0"/>
+              <a:t>Jest</a:t>
+            </a:r>
+          </a:p>
+          <a:p>
+            <a:pPr marL="285750" indent="-285750">
+              <a:buFont typeface="Arial" panose="020B0604020202020204" pitchFamily="34" charset="0"/>
+              <a:buChar char="•"/>
+            </a:pPr>
+            <a:r>
+              <a:rPr lang="en-US" dirty="0"/>
+              <a:t>@</a:t>
+            </a:r>
+            <a:r>
+              <a:rPr lang="en-US" dirty="0" err="1"/>
+              <a:t>vue</a:t>
+            </a:r>
+            <a:r>
+              <a:rPr lang="en-US" dirty="0"/>
+              <a:t>/test-</a:t>
+            </a:r>
+            <a:r>
+              <a:rPr lang="en-US" dirty="0" err="1"/>
+              <a:t>utils</a:t>
+            </a:r>
+            <a:r>
+              <a:rPr lang="en-US" dirty="0"/>
+              <a:t> overview</a:t>
+            </a:r>
+          </a:p>
+          <a:p>
+            <a:pPr marL="285750" indent="-285750">
+              <a:buFont typeface="Arial" panose="020B0604020202020204" pitchFamily="34" charset="0"/>
+              <a:buChar char="•"/>
+            </a:pPr>
+            <a:r>
+              <a:rPr lang="en-US" dirty="0" err="1"/>
+              <a:t>Vue</a:t>
+            </a:r>
+            <a:r>
+              <a:rPr lang="en-US" dirty="0"/>
+              <a:t> component testing basics – mounting options </a:t>
+            </a:r>
+          </a:p>
+          <a:p>
+            <a:pPr marL="285750" indent="-285750">
+              <a:buFont typeface="Arial" panose="020B0604020202020204" pitchFamily="34" charset="0"/>
+              <a:buChar char="•"/>
+            </a:pPr>
+            <a:r>
+              <a:rPr lang="en-US" dirty="0"/>
+              <a:t>Wrapper basics</a:t>
+            </a:r>
+          </a:p>
+          <a:p>
+            <a:pPr marL="285750" indent="-285750">
+              <a:buFont typeface="Arial" panose="020B0604020202020204" pitchFamily="34" charset="0"/>
+              <a:buChar char="•"/>
+            </a:pPr>
+            <a:r>
+              <a:rPr lang="en-US" dirty="0" err="1"/>
+              <a:t>Vue</a:t>
+            </a:r>
+            <a:r>
+              <a:rPr lang="en-US" dirty="0"/>
+              <a:t> testing examples</a:t>
+            </a:r>
+          </a:p>
+          <a:p>
+            <a:pPr marL="285750" indent="-285750">
+              <a:buFont typeface="Arial" panose="020B0604020202020204" pitchFamily="34" charset="0"/>
+              <a:buChar char="•"/>
+            </a:pPr>
+            <a:r>
+              <a:rPr lang="en-US" dirty="0"/>
+              <a:t>Exercises</a:t>
+            </a:r>
+          </a:p>
+          <a:p>
+            <a:endParaRPr lang="en-US" dirty="0"/>
+          </a:p>
+        </p:txBody>
+      </p:sp>
+      <p:sp>
+        <p:nvSpPr>
+          <p:cNvPr id="3" name="Title 2"/>
+          <p:cNvSpPr>
+            <a:spLocks noGrp="1"/>
+          </p:cNvSpPr>
+          <p:nvPr>
+            <p:ph type="title"/>
+          </p:nvPr>
+        </p:nvSpPr>
+        <p:spPr/>
+        <p:txBody>
+          <a:bodyPr/>
+          <a:lstStyle/>
+          <a:p>
+            <a:r>
+              <a:rPr lang="en-US" dirty="0"/>
+              <a:t>Agenda</a:t>
+            </a:r>
+          </a:p>
+        </p:txBody>
+      </p:sp>
+    </p:spTree>
+    <p:extLst>
+      <p:ext uri="{BB962C8B-B14F-4D97-AF65-F5344CB8AC3E}">
+        <p14:creationId xmlns:p14="http://schemas.microsoft.com/office/powerpoint/2010/main" val="2922040911"/>
+      </p:ext>
+    </p:extLst>
+  </p:cSld>
+  <p:clrMapOvr>
+    <a:masterClrMapping/>
+  </p:clrMapOvr>
+  <p:transition spd="slow">
+    <p:wipe/>
+  </p:transition>
+  <p:timing>
+    <p:tnLst>
+      <p:par>
+        <p:cTn id="1" dur="indefinite" restart="never" nodeType="tmRoot"/>
+      </p:par>
+    </p:tnLst>
+  </p:timing>
+</p:sld>
+</file>
+
+<file path=ppt/slides/slide20.xml><?xml version="1.0" encoding="utf-8"?>
 <p:sld xmlns:a="http://schemas.openxmlformats.org/drawingml/2006/main" xmlns:r="http://schemas.openxmlformats.org/officeDocument/2006/relationships" xmlns:p="http://schemas.openxmlformats.org/presentationml/2006/main">
   <p:cSld>
     <p:spTree>
@@ -35215,850 +36538,6 @@
 </p:sld>
 </file>
 
-<file path=ppt/slides/slide17.xml><?xml version="1.0" encoding="utf-8"?>
-<p:sld xmlns:a="http://schemas.openxmlformats.org/drawingml/2006/main" xmlns:r="http://schemas.openxmlformats.org/officeDocument/2006/relationships" xmlns:p="http://schemas.openxmlformats.org/presentationml/2006/main" showMasterSp="0">
-  <p:cSld>
-    <p:bg>
-      <p:bgPr>
-        <a:gradFill flip="none" rotWithShape="1">
-          <a:gsLst>
-            <a:gs pos="0">
-              <a:srgbClr val="2A8ABF"/>
-            </a:gs>
-            <a:gs pos="48000">
-              <a:srgbClr val="2A8ABF"/>
-            </a:gs>
-            <a:gs pos="100000">
-              <a:srgbClr val="2A8ABF">
-                <a:alpha val="29000"/>
-              </a:srgbClr>
-            </a:gs>
-          </a:gsLst>
-          <a:lin ang="5400000" scaled="0"/>
-          <a:tileRect/>
-        </a:gradFill>
-        <a:effectLst/>
-      </p:bgPr>
-    </p:bg>
-    <p:spTree>
-      <p:nvGrpSpPr>
-        <p:cNvPr id="1" name=""/>
-        <p:cNvGrpSpPr/>
-        <p:nvPr/>
-      </p:nvGrpSpPr>
-      <p:grpSpPr>
-        <a:xfrm>
-          <a:off x="0" y="0"/>
-          <a:ext cx="0" cy="0"/>
-          <a:chOff x="0" y="0"/>
-          <a:chExt cx="0" cy="0"/>
-        </a:xfrm>
-      </p:grpSpPr>
-      <p:sp>
-        <p:nvSpPr>
-          <p:cNvPr id="5" name="TextBox 4"/>
-          <p:cNvSpPr txBox="1"/>
-          <p:nvPr/>
-        </p:nvSpPr>
-        <p:spPr>
-          <a:xfrm>
-            <a:off x="1666432" y="1736623"/>
-            <a:ext cx="8776530" cy="2062103"/>
-          </a:xfrm>
-          <a:prstGeom prst="rect">
-            <a:avLst/>
-          </a:prstGeom>
-          <a:noFill/>
-        </p:spPr>
-        <p:txBody>
-          <a:bodyPr wrap="square" rtlCol="0">
-            <a:spAutoFit/>
-          </a:bodyPr>
-          <a:lstStyle/>
-          <a:p>
-            <a:pPr algn="ctr"/>
-            <a:r>
-              <a:rPr lang="en-US" sz="3200" dirty="0">
-                <a:solidFill>
-                  <a:schemeClr val="bg1"/>
-                </a:solidFill>
-              </a:rPr>
-              <a:t>Lets look at </a:t>
-            </a:r>
-            <a:r>
-              <a:rPr lang="en-US" sz="3200" dirty="0" smtClean="0">
-                <a:solidFill>
-                  <a:schemeClr val="bg1"/>
-                </a:solidFill>
-              </a:rPr>
-              <a:t>examples: </a:t>
-            </a:r>
-          </a:p>
-          <a:p>
-            <a:pPr algn="ctr"/>
-            <a:endParaRPr lang="en-US" sz="3200" dirty="0" smtClean="0">
-              <a:solidFill>
-                <a:schemeClr val="bg1"/>
-              </a:solidFill>
-            </a:endParaRPr>
-          </a:p>
-          <a:p>
-            <a:pPr algn="ctr"/>
-            <a:r>
-              <a:rPr lang="en-US" sz="3200" dirty="0" smtClean="0">
-                <a:solidFill>
-                  <a:schemeClr val="bg1"/>
-                </a:solidFill>
-              </a:rPr>
-              <a:t>- </a:t>
-            </a:r>
-            <a:r>
-              <a:rPr lang="en-US" sz="3200" dirty="0" err="1" smtClean="0">
-                <a:solidFill>
-                  <a:schemeClr val="bg1"/>
-                </a:solidFill>
-              </a:rPr>
-              <a:t>AdminHub</a:t>
-            </a:r>
-            <a:r>
-              <a:rPr lang="en-US" sz="3200" dirty="0" smtClean="0">
-                <a:solidFill>
-                  <a:schemeClr val="bg1"/>
-                </a:solidFill>
-              </a:rPr>
-              <a:t> </a:t>
-            </a:r>
-            <a:r>
-              <a:rPr lang="en-US" sz="3200" dirty="0">
-                <a:solidFill>
-                  <a:schemeClr val="bg1"/>
-                </a:solidFill>
-              </a:rPr>
-              <a:t>–  </a:t>
-            </a:r>
-            <a:r>
-              <a:rPr lang="en-US" sz="3200" dirty="0" err="1" smtClean="0">
-                <a:solidFill>
-                  <a:schemeClr val="bg1"/>
-                </a:solidFill>
-              </a:rPr>
-              <a:t>Tiles.vue</a:t>
-            </a:r>
-            <a:endParaRPr lang="en-US" sz="3200" dirty="0" smtClean="0">
-              <a:solidFill>
-                <a:schemeClr val="bg1"/>
-              </a:solidFill>
-            </a:endParaRPr>
-          </a:p>
-          <a:p>
-            <a:pPr algn="ctr"/>
-            <a:r>
-              <a:rPr lang="en-US" sz="3200" dirty="0" smtClean="0">
-                <a:solidFill>
-                  <a:schemeClr val="bg1"/>
-                </a:solidFill>
-              </a:rPr>
-              <a:t>- </a:t>
-            </a:r>
-            <a:r>
-              <a:rPr lang="en-US" sz="3200" dirty="0" err="1" smtClean="0">
-                <a:solidFill>
-                  <a:schemeClr val="bg1"/>
-                </a:solidFill>
-              </a:rPr>
-              <a:t>jesttutorial</a:t>
-            </a:r>
-            <a:r>
-              <a:rPr lang="en-US" sz="3200" dirty="0" smtClean="0">
-                <a:solidFill>
-                  <a:schemeClr val="bg1"/>
-                </a:solidFill>
-              </a:rPr>
-              <a:t> </a:t>
-            </a:r>
-            <a:r>
-              <a:rPr lang="en-US" sz="3200" dirty="0">
-                <a:solidFill>
-                  <a:schemeClr val="bg1"/>
-                </a:solidFill>
-              </a:rPr>
-              <a:t>repo</a:t>
-            </a:r>
-          </a:p>
-        </p:txBody>
-      </p:sp>
-    </p:spTree>
-    <p:extLst>
-      <p:ext uri="{BB962C8B-B14F-4D97-AF65-F5344CB8AC3E}">
-        <p14:creationId xmlns:p14="http://schemas.microsoft.com/office/powerpoint/2010/main" val="801125730"/>
-      </p:ext>
-    </p:extLst>
-  </p:cSld>
-  <p:clrMapOvr>
-    <a:masterClrMapping/>
-  </p:clrMapOvr>
-  <p:transition spd="slow">
-    <p:wipe/>
-  </p:transition>
-  <p:timing>
-    <p:tnLst>
-      <p:par>
-        <p:cTn id="1" dur="indefinite" restart="never" nodeType="tmRoot"/>
-      </p:par>
-    </p:tnLst>
-  </p:timing>
-</p:sld>
-</file>
-
-<file path=ppt/slides/slide18.xml><?xml version="1.0" encoding="utf-8"?>
-<p:sld xmlns:a="http://schemas.openxmlformats.org/drawingml/2006/main" xmlns:r="http://schemas.openxmlformats.org/officeDocument/2006/relationships" xmlns:p="http://schemas.openxmlformats.org/presentationml/2006/main">
-  <p:cSld>
-    <p:spTree>
-      <p:nvGrpSpPr>
-        <p:cNvPr id="1" name=""/>
-        <p:cNvGrpSpPr/>
-        <p:nvPr/>
-      </p:nvGrpSpPr>
-      <p:grpSpPr>
-        <a:xfrm>
-          <a:off x="0" y="0"/>
-          <a:ext cx="0" cy="0"/>
-          <a:chOff x="0" y="0"/>
-          <a:chExt cx="0" cy="0"/>
-        </a:xfrm>
-      </p:grpSpPr>
-      <p:sp>
-        <p:nvSpPr>
-          <p:cNvPr id="2" name="Title 1"/>
-          <p:cNvSpPr>
-            <a:spLocks noGrp="1"/>
-          </p:cNvSpPr>
-          <p:nvPr>
-            <p:ph type="title"/>
-          </p:nvPr>
-        </p:nvSpPr>
-        <p:spPr/>
-        <p:txBody>
-          <a:bodyPr/>
-          <a:lstStyle/>
-          <a:p>
-            <a:r>
-              <a:rPr lang="en-US" dirty="0" smtClean="0"/>
-              <a:t>To Review</a:t>
-            </a:r>
-            <a:endParaRPr lang="en-US" dirty="0"/>
-          </a:p>
-        </p:txBody>
-      </p:sp>
-    </p:spTree>
-    <p:extLst>
-      <p:ext uri="{BB962C8B-B14F-4D97-AF65-F5344CB8AC3E}">
-        <p14:creationId xmlns:p14="http://schemas.microsoft.com/office/powerpoint/2010/main" val="1395185774"/>
-      </p:ext>
-    </p:extLst>
-  </p:cSld>
-  <p:clrMapOvr>
-    <a:masterClrMapping/>
-  </p:clrMapOvr>
-  <p:transition spd="slow">
-    <p:wipe/>
-  </p:transition>
-  <p:timing>
-    <p:tnLst>
-      <p:par>
-        <p:cTn id="1" dur="indefinite" restart="never" nodeType="tmRoot"/>
-      </p:par>
-    </p:tnLst>
-  </p:timing>
-</p:sld>
-</file>
-
-<file path=ppt/slides/slide19.xml><?xml version="1.0" encoding="utf-8"?>
-<p:sld xmlns:a="http://schemas.openxmlformats.org/drawingml/2006/main" xmlns:r="http://schemas.openxmlformats.org/officeDocument/2006/relationships" xmlns:p="http://schemas.openxmlformats.org/presentationml/2006/main">
-  <p:cSld>
-    <p:spTree>
-      <p:nvGrpSpPr>
-        <p:cNvPr id="1" name=""/>
-        <p:cNvGrpSpPr/>
-        <p:nvPr/>
-      </p:nvGrpSpPr>
-      <p:grpSpPr>
-        <a:xfrm>
-          <a:off x="0" y="0"/>
-          <a:ext cx="0" cy="0"/>
-          <a:chOff x="0" y="0"/>
-          <a:chExt cx="0" cy="0"/>
-        </a:xfrm>
-      </p:grpSpPr>
-      <p:sp>
-        <p:nvSpPr>
-          <p:cNvPr id="2" name="Text Placeholder 1">
-            <a:extLst>
-              <a:ext uri="{FF2B5EF4-FFF2-40B4-BE49-F238E27FC236}">
-                <a16:creationId xmlns="" xmlns:a16="http://schemas.microsoft.com/office/drawing/2014/main" id="{520A7EFD-3596-43E3-BDB0-06ECA8094941}"/>
-              </a:ext>
-            </a:extLst>
-          </p:cNvPr>
-          <p:cNvSpPr>
-            <a:spLocks noGrp="1"/>
-          </p:cNvSpPr>
-          <p:nvPr>
-            <p:ph type="body" sz="quarter" idx="26"/>
-          </p:nvPr>
-        </p:nvSpPr>
-        <p:spPr>
-          <a:xfrm>
-            <a:off x="137989" y="1149593"/>
-            <a:ext cx="11884025" cy="4697291"/>
-          </a:xfrm>
-        </p:spPr>
-        <p:txBody>
-          <a:bodyPr>
-            <a:normAutofit lnSpcReduction="10000"/>
-          </a:bodyPr>
-          <a:lstStyle/>
-          <a:p>
-            <a:r>
-              <a:rPr lang="en-US" dirty="0" smtClean="0"/>
-              <a:t>Be patient with yourself. </a:t>
-            </a:r>
-          </a:p>
-          <a:p>
-            <a:pPr marL="285750" indent="-285750">
-              <a:buFontTx/>
-              <a:buChar char="-"/>
-            </a:pPr>
-            <a:r>
-              <a:rPr lang="en-US" dirty="0" smtClean="0"/>
-              <a:t>Take it one test at time. </a:t>
-            </a:r>
-          </a:p>
-          <a:p>
-            <a:pPr marL="285750" indent="-285750">
-              <a:buFontTx/>
-              <a:buChar char="-"/>
-            </a:pPr>
-            <a:r>
-              <a:rPr lang="en-US" dirty="0" smtClean="0"/>
-              <a:t>The </a:t>
-            </a:r>
-            <a:r>
-              <a:rPr lang="en-US" dirty="0" err="1" smtClean="0"/>
-              <a:t>github</a:t>
-            </a:r>
-            <a:r>
-              <a:rPr lang="en-US" dirty="0" smtClean="0"/>
-              <a:t> repo also has a some resources and a copy of this presentation for future reference. </a:t>
-            </a:r>
-          </a:p>
-          <a:p>
-            <a:endParaRPr lang="en-US" dirty="0" smtClean="0"/>
-          </a:p>
-          <a:p>
-            <a:r>
-              <a:rPr lang="en-US" dirty="0" smtClean="0"/>
-              <a:t>Next </a:t>
-            </a:r>
-            <a:r>
-              <a:rPr lang="en-US" dirty="0"/>
-              <a:t>sprint starts tomorrow – everyone will be assigned code to add some unit tests in </a:t>
-            </a:r>
-            <a:r>
-              <a:rPr lang="en-US" dirty="0" err="1"/>
-              <a:t>FitchConnect</a:t>
-            </a:r>
-            <a:r>
-              <a:rPr lang="en-US" dirty="0"/>
-              <a:t>. </a:t>
-            </a:r>
-          </a:p>
-          <a:p>
-            <a:pPr marL="285750" indent="-285750">
-              <a:buFontTx/>
-              <a:buChar char="-"/>
-            </a:pPr>
-            <a:r>
-              <a:rPr lang="en-US" dirty="0"/>
-              <a:t>Tech leads will identify code to </a:t>
-            </a:r>
-            <a:r>
-              <a:rPr lang="en-US" dirty="0" smtClean="0"/>
-              <a:t>test, I think </a:t>
-            </a:r>
-            <a:r>
-              <a:rPr lang="en-US" dirty="0" err="1" smtClean="0"/>
-              <a:t>jira</a:t>
-            </a:r>
-            <a:r>
-              <a:rPr lang="en-US" dirty="0" smtClean="0"/>
-              <a:t> tickets will be created</a:t>
-            </a:r>
-          </a:p>
-          <a:p>
-            <a:pPr marL="285750" indent="-285750">
-              <a:buFontTx/>
-              <a:buChar char="-"/>
-            </a:pPr>
-            <a:r>
-              <a:rPr lang="en-US" dirty="0" smtClean="0"/>
-              <a:t>Objective is to reinforce the concepts talked about today</a:t>
-            </a:r>
-          </a:p>
-          <a:p>
-            <a:pPr marL="285750" indent="-285750">
-              <a:buFontTx/>
-              <a:buChar char="-"/>
-            </a:pPr>
-            <a:r>
-              <a:rPr lang="en-US" dirty="0" smtClean="0"/>
-              <a:t>“Practice makes perfect”</a:t>
-            </a:r>
-            <a:endParaRPr lang="en-US" dirty="0"/>
-          </a:p>
-          <a:p>
-            <a:endParaRPr lang="en-US" dirty="0"/>
-          </a:p>
-          <a:p>
-            <a:r>
-              <a:rPr lang="en-US" dirty="0" smtClean="0"/>
-              <a:t>Collectively, we quickly move </a:t>
-            </a:r>
-            <a:r>
-              <a:rPr lang="en-US" dirty="0"/>
-              <a:t>towards test driven </a:t>
-            </a:r>
-            <a:r>
-              <a:rPr lang="en-US" dirty="0" smtClean="0"/>
-              <a:t>development (TDD)</a:t>
-            </a:r>
-          </a:p>
-          <a:p>
-            <a:pPr marL="285750" indent="-285750">
-              <a:buFontTx/>
-              <a:buChar char="-"/>
-            </a:pPr>
-            <a:r>
-              <a:rPr lang="en-US" dirty="0" smtClean="0"/>
-              <a:t>Change our mindset from code first and test later, to write tests first and then code.</a:t>
-            </a:r>
-          </a:p>
-          <a:p>
-            <a:endParaRPr lang="en-US" dirty="0"/>
-          </a:p>
-          <a:p>
-            <a:r>
-              <a:rPr lang="en-US" i="1" dirty="0"/>
-              <a:t>Please keep in mind, I do not know every aspect of testing with Jest and </a:t>
-            </a:r>
-            <a:r>
-              <a:rPr lang="en-US" i="1" dirty="0" err="1"/>
-              <a:t>Vue</a:t>
-            </a:r>
-            <a:r>
-              <a:rPr lang="en-US" i="1" dirty="0"/>
-              <a:t>. I’ll be learning, just like all of you.</a:t>
-            </a:r>
-          </a:p>
-          <a:p>
-            <a:endParaRPr lang="en-US" dirty="0"/>
-          </a:p>
-        </p:txBody>
-      </p:sp>
-      <p:sp>
-        <p:nvSpPr>
-          <p:cNvPr id="3" name="Title 2">
-            <a:extLst>
-              <a:ext uri="{FF2B5EF4-FFF2-40B4-BE49-F238E27FC236}">
-                <a16:creationId xmlns="" xmlns:a16="http://schemas.microsoft.com/office/drawing/2014/main" id="{48D5E28A-1E4A-4136-AC09-C631276F7665}"/>
-              </a:ext>
-            </a:extLst>
-          </p:cNvPr>
-          <p:cNvSpPr>
-            <a:spLocks noGrp="1"/>
-          </p:cNvSpPr>
-          <p:nvPr>
-            <p:ph type="title"/>
-          </p:nvPr>
-        </p:nvSpPr>
-        <p:spPr/>
-        <p:txBody>
-          <a:bodyPr/>
-          <a:lstStyle/>
-          <a:p>
-            <a:r>
-              <a:rPr lang="en-US" dirty="0"/>
-              <a:t>What next? </a:t>
-            </a:r>
-          </a:p>
-        </p:txBody>
-      </p:sp>
-    </p:spTree>
-    <p:extLst>
-      <p:ext uri="{BB962C8B-B14F-4D97-AF65-F5344CB8AC3E}">
-        <p14:creationId xmlns:p14="http://schemas.microsoft.com/office/powerpoint/2010/main" val="1327200023"/>
-      </p:ext>
-    </p:extLst>
-  </p:cSld>
-  <p:clrMapOvr>
-    <a:masterClrMapping/>
-  </p:clrMapOvr>
-  <p:transition spd="slow">
-    <p:wipe/>
-  </p:transition>
-  <p:timing>
-    <p:tnLst>
-      <p:par>
-        <p:cTn id="1" dur="indefinite" restart="never" nodeType="tmRoot"/>
-      </p:par>
-    </p:tnLst>
-  </p:timing>
-</p:sld>
-</file>
-
-<file path=ppt/slides/slide2.xml><?xml version="1.0" encoding="utf-8"?>
-<p:sld xmlns:a="http://schemas.openxmlformats.org/drawingml/2006/main" xmlns:r="http://schemas.openxmlformats.org/officeDocument/2006/relationships" xmlns:p="http://schemas.openxmlformats.org/presentationml/2006/main">
-  <p:cSld>
-    <p:spTree>
-      <p:nvGrpSpPr>
-        <p:cNvPr id="1" name=""/>
-        <p:cNvGrpSpPr/>
-        <p:nvPr/>
-      </p:nvGrpSpPr>
-      <p:grpSpPr>
-        <a:xfrm>
-          <a:off x="0" y="0"/>
-          <a:ext cx="0" cy="0"/>
-          <a:chOff x="0" y="0"/>
-          <a:chExt cx="0" cy="0"/>
-        </a:xfrm>
-      </p:grpSpPr>
-      <p:sp>
-        <p:nvSpPr>
-          <p:cNvPr id="2" name="Text Placeholder 1"/>
-          <p:cNvSpPr>
-            <a:spLocks noGrp="1"/>
-          </p:cNvSpPr>
-          <p:nvPr>
-            <p:ph type="body" sz="quarter" idx="26"/>
-          </p:nvPr>
-        </p:nvSpPr>
-        <p:spPr/>
-        <p:txBody>
-          <a:bodyPr>
-            <a:normAutofit/>
-          </a:bodyPr>
-          <a:lstStyle/>
-          <a:p>
-            <a:r>
-              <a:rPr lang="en-US" b="1" dirty="0"/>
-              <a:t>Part 1:  Unit Testing and Jest </a:t>
-            </a:r>
-          </a:p>
-          <a:p>
-            <a:pPr marL="285750" indent="-285750">
-              <a:buFont typeface="Arial" panose="020B0604020202020204" pitchFamily="34" charset="0"/>
-              <a:buChar char="•"/>
-            </a:pPr>
-            <a:r>
-              <a:rPr lang="en-US" dirty="0"/>
-              <a:t>Unit Testing overview</a:t>
-            </a:r>
-          </a:p>
-          <a:p>
-            <a:pPr marL="285750" indent="-285750">
-              <a:buFont typeface="Arial" panose="020B0604020202020204" pitchFamily="34" charset="0"/>
-              <a:buChar char="•"/>
-            </a:pPr>
-            <a:r>
-              <a:rPr lang="en-US" dirty="0"/>
-              <a:t>Unit testing basics w/ </a:t>
-            </a:r>
-            <a:r>
-              <a:rPr lang="en-US" dirty="0" smtClean="0"/>
-              <a:t>jest</a:t>
-            </a:r>
-          </a:p>
-          <a:p>
-            <a:pPr marL="285750" indent="-285750">
-              <a:buFont typeface="Arial" panose="020B0604020202020204" pitchFamily="34" charset="0"/>
-              <a:buChar char="•"/>
-            </a:pPr>
-            <a:r>
-              <a:rPr lang="en-US" dirty="0" smtClean="0"/>
-              <a:t>Mocking and stubbing </a:t>
-            </a:r>
-            <a:endParaRPr lang="en-US" dirty="0"/>
-          </a:p>
-          <a:p>
-            <a:pPr marL="285750" indent="-285750">
-              <a:buFont typeface="Arial" panose="020B0604020202020204" pitchFamily="34" charset="0"/>
-              <a:buChar char="•"/>
-            </a:pPr>
-            <a:r>
-              <a:rPr lang="en-US" dirty="0"/>
-              <a:t>Mocking examples</a:t>
-            </a:r>
-          </a:p>
-          <a:p>
-            <a:pPr marL="285750" indent="-285750">
-              <a:buFont typeface="Arial" panose="020B0604020202020204" pitchFamily="34" charset="0"/>
-              <a:buChar char="•"/>
-            </a:pPr>
-            <a:r>
-              <a:rPr lang="en-US" dirty="0" smtClean="0"/>
-              <a:t>Exercises </a:t>
-            </a:r>
-            <a:endParaRPr lang="en-US" dirty="0"/>
-          </a:p>
-          <a:p>
-            <a:endParaRPr lang="en-US" dirty="0"/>
-          </a:p>
-          <a:p>
-            <a:pPr marL="285750" indent="-285750">
-              <a:buFont typeface="Arial" panose="020B0604020202020204" pitchFamily="34" charset="0"/>
-              <a:buChar char="•"/>
-            </a:pPr>
-            <a:endParaRPr lang="en-US" dirty="0"/>
-          </a:p>
-          <a:p>
-            <a:pPr marL="285750" indent="-285750">
-              <a:buFont typeface="Arial" panose="020B0604020202020204" pitchFamily="34" charset="0"/>
-              <a:buChar char="•"/>
-            </a:pPr>
-            <a:endParaRPr lang="en-US" dirty="0"/>
-          </a:p>
-        </p:txBody>
-      </p:sp>
-      <p:sp>
-        <p:nvSpPr>
-          <p:cNvPr id="4" name="Text Placeholder 3"/>
-          <p:cNvSpPr>
-            <a:spLocks noGrp="1"/>
-          </p:cNvSpPr>
-          <p:nvPr>
-            <p:ph type="body" sz="quarter" idx="27"/>
-          </p:nvPr>
-        </p:nvSpPr>
-        <p:spPr/>
-        <p:txBody>
-          <a:bodyPr/>
-          <a:lstStyle/>
-          <a:p>
-            <a:r>
-              <a:rPr lang="en-US" b="1" dirty="0"/>
-              <a:t>Part 2: </a:t>
-            </a:r>
-            <a:r>
-              <a:rPr lang="en-US" b="1" dirty="0" err="1"/>
-              <a:t>Vue</a:t>
-            </a:r>
-            <a:r>
-              <a:rPr lang="en-US" b="1" dirty="0"/>
-              <a:t> testing w/ Jest</a:t>
-            </a:r>
-          </a:p>
-          <a:p>
-            <a:pPr marL="285750" indent="-285750">
-              <a:buFont typeface="Arial" panose="020B0604020202020204" pitchFamily="34" charset="0"/>
-              <a:buChar char="•"/>
-            </a:pPr>
-            <a:r>
-              <a:rPr lang="en-US" dirty="0"/>
-              <a:t>@</a:t>
-            </a:r>
-            <a:r>
-              <a:rPr lang="en-US" dirty="0" err="1"/>
-              <a:t>vue</a:t>
-            </a:r>
-            <a:r>
-              <a:rPr lang="en-US" dirty="0"/>
-              <a:t>/test-</a:t>
-            </a:r>
-            <a:r>
-              <a:rPr lang="en-US" dirty="0" err="1"/>
-              <a:t>utils</a:t>
-            </a:r>
-            <a:r>
-              <a:rPr lang="en-US" dirty="0"/>
-              <a:t> overview</a:t>
-            </a:r>
-          </a:p>
-          <a:p>
-            <a:pPr marL="285750" indent="-285750">
-              <a:buFont typeface="Arial" panose="020B0604020202020204" pitchFamily="34" charset="0"/>
-              <a:buChar char="•"/>
-            </a:pPr>
-            <a:r>
-              <a:rPr lang="en-US" dirty="0" err="1"/>
-              <a:t>Vue</a:t>
-            </a:r>
-            <a:r>
-              <a:rPr lang="en-US" dirty="0"/>
-              <a:t> component testing basics – mounting options </a:t>
-            </a:r>
-          </a:p>
-          <a:p>
-            <a:pPr marL="285750" indent="-285750">
-              <a:buFont typeface="Arial" panose="020B0604020202020204" pitchFamily="34" charset="0"/>
-              <a:buChar char="•"/>
-            </a:pPr>
-            <a:r>
-              <a:rPr lang="en-US" dirty="0"/>
-              <a:t>Wrapper basics</a:t>
-            </a:r>
-          </a:p>
-          <a:p>
-            <a:pPr marL="285750" indent="-285750">
-              <a:buFont typeface="Arial" panose="020B0604020202020204" pitchFamily="34" charset="0"/>
-              <a:buChar char="•"/>
-            </a:pPr>
-            <a:r>
-              <a:rPr lang="en-US" dirty="0" err="1"/>
-              <a:t>Vue</a:t>
-            </a:r>
-            <a:r>
-              <a:rPr lang="en-US" dirty="0"/>
-              <a:t> testing examples</a:t>
-            </a:r>
-          </a:p>
-          <a:p>
-            <a:pPr marL="285750" indent="-285750">
-              <a:buFont typeface="Arial" panose="020B0604020202020204" pitchFamily="34" charset="0"/>
-              <a:buChar char="•"/>
-            </a:pPr>
-            <a:r>
-              <a:rPr lang="en-US" dirty="0"/>
-              <a:t>Exercises</a:t>
-            </a:r>
-          </a:p>
-          <a:p>
-            <a:endParaRPr lang="en-US" dirty="0"/>
-          </a:p>
-        </p:txBody>
-      </p:sp>
-      <p:sp>
-        <p:nvSpPr>
-          <p:cNvPr id="3" name="Title 2"/>
-          <p:cNvSpPr>
-            <a:spLocks noGrp="1"/>
-          </p:cNvSpPr>
-          <p:nvPr>
-            <p:ph type="title"/>
-          </p:nvPr>
-        </p:nvSpPr>
-        <p:spPr/>
-        <p:txBody>
-          <a:bodyPr/>
-          <a:lstStyle/>
-          <a:p>
-            <a:r>
-              <a:rPr lang="en-US" dirty="0"/>
-              <a:t>Agenda</a:t>
-            </a:r>
-          </a:p>
-        </p:txBody>
-      </p:sp>
-    </p:spTree>
-    <p:extLst>
-      <p:ext uri="{BB962C8B-B14F-4D97-AF65-F5344CB8AC3E}">
-        <p14:creationId xmlns:p14="http://schemas.microsoft.com/office/powerpoint/2010/main" val="2922040911"/>
-      </p:ext>
-    </p:extLst>
-  </p:cSld>
-  <p:clrMapOvr>
-    <a:masterClrMapping/>
-  </p:clrMapOvr>
-  <p:transition spd="slow">
-    <p:wipe/>
-  </p:transition>
-  <p:timing>
-    <p:tnLst>
-      <p:par>
-        <p:cTn id="1" dur="indefinite" restart="never" nodeType="tmRoot"/>
-      </p:par>
-    </p:tnLst>
-  </p:timing>
-</p:sld>
-</file>
-
-<file path=ppt/slides/slide20.xml><?xml version="1.0" encoding="utf-8"?>
-<p:sld xmlns:a="http://schemas.openxmlformats.org/drawingml/2006/main" xmlns:r="http://schemas.openxmlformats.org/officeDocument/2006/relationships" xmlns:p="http://schemas.openxmlformats.org/presentationml/2006/main">
-  <p:cSld>
-    <p:spTree>
-      <p:nvGrpSpPr>
-        <p:cNvPr id="1" name=""/>
-        <p:cNvGrpSpPr/>
-        <p:nvPr/>
-      </p:nvGrpSpPr>
-      <p:grpSpPr>
-        <a:xfrm>
-          <a:off x="0" y="0"/>
-          <a:ext cx="0" cy="0"/>
-          <a:chOff x="0" y="0"/>
-          <a:chExt cx="0" cy="0"/>
-        </a:xfrm>
-      </p:grpSpPr>
-      <p:sp>
-        <p:nvSpPr>
-          <p:cNvPr id="2" name="Text Placeholder 1"/>
-          <p:cNvSpPr>
-            <a:spLocks noGrp="1"/>
-          </p:cNvSpPr>
-          <p:nvPr>
-            <p:ph type="body" sz="quarter" idx="26"/>
-          </p:nvPr>
-        </p:nvSpPr>
-        <p:spPr/>
-        <p:txBody>
-          <a:bodyPr/>
-          <a:lstStyle/>
-          <a:p>
-            <a:endParaRPr lang="en-US"/>
-          </a:p>
-        </p:txBody>
-      </p:sp>
-      <p:sp>
-        <p:nvSpPr>
-          <p:cNvPr id="3" name="Title 2"/>
-          <p:cNvSpPr>
-            <a:spLocks noGrp="1"/>
-          </p:cNvSpPr>
-          <p:nvPr>
-            <p:ph type="title"/>
-          </p:nvPr>
-        </p:nvSpPr>
-        <p:spPr/>
-        <p:txBody>
-          <a:bodyPr/>
-          <a:lstStyle/>
-          <a:p>
-            <a:endParaRPr lang="en-US"/>
-          </a:p>
-        </p:txBody>
-      </p:sp>
-    </p:spTree>
-    <p:extLst>
-      <p:ext uri="{BB962C8B-B14F-4D97-AF65-F5344CB8AC3E}">
-        <p14:creationId xmlns:p14="http://schemas.microsoft.com/office/powerpoint/2010/main" val="884887789"/>
-      </p:ext>
-    </p:extLst>
-  </p:cSld>
-  <p:clrMapOvr>
-    <a:masterClrMapping/>
-  </p:clrMapOvr>
-  <p:transition spd="slow">
-    <p:wipe/>
-  </p:transition>
-  <p:timing>
-    <p:tnLst>
-      <p:par>
-        <p:cTn id="1" dur="indefinite" restart="never" nodeType="tmRoot"/>
-      </p:par>
-    </p:tnLst>
-  </p:timing>
-</p:sld>
-</file>
-
 <file path=ppt/slides/slide21.xml><?xml version="1.0" encoding="utf-8"?>
 <p:sld xmlns:a="http://schemas.openxmlformats.org/drawingml/2006/main" xmlns:r="http://schemas.openxmlformats.org/officeDocument/2006/relationships" xmlns:p="http://schemas.openxmlformats.org/presentationml/2006/main">
   <p:cSld>
@@ -37939,7 +38418,7 @@
           <p:cNvPr id="3" name="Title 2">
             <a:extLst>
               <a:ext uri="{FF2B5EF4-FFF2-40B4-BE49-F238E27FC236}">
-                <a16:creationId xmlns="" xmlns:a16="http://schemas.microsoft.com/office/drawing/2014/main" id="{870FE32D-55EB-3F46-A319-A07CED6B7C01}"/>
+                <a16:creationId xmlns:a16="http://schemas.microsoft.com/office/drawing/2014/main" xmlns="" id="{870FE32D-55EB-3F46-A319-A07CED6B7C01}"/>
               </a:ext>
             </a:extLst>
           </p:cNvPr>
@@ -37968,7 +38447,7 @@
           <p:cNvPr id="6" name="Picture 5">
             <a:extLst>
               <a:ext uri="{FF2B5EF4-FFF2-40B4-BE49-F238E27FC236}">
-                <a16:creationId xmlns="" xmlns:a16="http://schemas.microsoft.com/office/drawing/2014/main" id="{94B37506-5E95-3A45-B75E-53F10C923674}"/>
+                <a16:creationId xmlns:a16="http://schemas.microsoft.com/office/drawing/2014/main" xmlns="" id="{94B37506-5E95-3A45-B75E-53F10C923674}"/>
               </a:ext>
             </a:extLst>
           </p:cNvPr>
@@ -39250,7 +39729,9 @@
             <a:r>
               <a:rPr lang="en-US" i="1" u="sng" dirty="0">
                 <a:solidFill>
-                  <a:srgbClr val="FF0000"/>
+                  <a:schemeClr val="tx1">
+                    <a:lumMod val="75000"/>
+                  </a:schemeClr>
                 </a:solidFill>
               </a:rPr>
               <a:t>Never write unit tests to meet code coverage requirements</a:t>
@@ -39258,7 +39739,9 @@
             <a:r>
               <a:rPr lang="en-US" dirty="0">
                 <a:solidFill>
-                  <a:srgbClr val="FF0000"/>
+                  <a:schemeClr val="tx1">
+                    <a:lumMod val="75000"/>
+                  </a:schemeClr>
                 </a:solidFill>
               </a:rPr>
               <a:t>, write units </a:t>
@@ -39266,46 +39749,58 @@
             <a:r>
               <a:rPr lang="en-US" dirty="0" smtClean="0">
                 <a:solidFill>
-                  <a:srgbClr val="FF0000"/>
+                  <a:schemeClr val="tx1">
+                    <a:lumMod val="75000"/>
+                  </a:schemeClr>
                 </a:solidFill>
               </a:rPr>
-              <a:t>tests that make sense </a:t>
+              <a:t>tests that make </a:t>
             </a:r>
             <a:r>
               <a:rPr lang="en-US" dirty="0" smtClean="0">
                 <a:solidFill>
-                  <a:srgbClr val="FF0000"/>
+                  <a:schemeClr val="tx1">
+                    <a:lumMod val="75000"/>
+                  </a:schemeClr>
                 </a:solidFill>
               </a:rPr>
-              <a:t>and established for testing functionality </a:t>
+              <a:t>sense, evaluates functionality and important aspects of the application, and reduce </a:t>
             </a:r>
             <a:r>
               <a:rPr lang="en-US" dirty="0" smtClean="0">
                 <a:solidFill>
-                  <a:srgbClr val="FF0000"/>
+                  <a:schemeClr val="tx1">
+                    <a:lumMod val="75000"/>
+                  </a:schemeClr>
                 </a:solidFill>
               </a:rPr>
-              <a:t>and reduce bugs in </a:t>
+              <a:t>bugs in </a:t>
             </a:r>
             <a:r>
               <a:rPr lang="en-US" dirty="0">
                 <a:solidFill>
-                  <a:srgbClr val="FF0000"/>
+                  <a:schemeClr val="tx1">
+                    <a:lumMod val="75000"/>
+                  </a:schemeClr>
                 </a:solidFill>
               </a:rPr>
-              <a:t>the future. </a:t>
-            </a:r>
-            <a:r>
-              <a:rPr lang="en-US" smtClean="0">
+              <a:t>the future</a:t>
+            </a:r>
+            <a:r>
+              <a:rPr lang="en-US" dirty="0" smtClean="0">
                 <a:solidFill>
-                  <a:srgbClr val="FF0000"/>
+                  <a:schemeClr val="tx1">
+                    <a:lumMod val="75000"/>
+                  </a:schemeClr>
                 </a:solidFill>
               </a:rPr>
-              <a:t>FIX</a:t>
+              <a:t>.</a:t>
             </a:r>
             <a:endParaRPr lang="en-US" dirty="0">
               <a:solidFill>
-                <a:srgbClr val="FF0000"/>
+                <a:schemeClr val="tx1">
+                  <a:lumMod val="75000"/>
+                </a:schemeClr>
               </a:solidFill>
             </a:endParaRPr>
           </a:p>
@@ -39848,7 +40343,496 @@
   <p:timing>
     <p:tnLst>
       <p:par>
-        <p:cTn id="1" dur="indefinite" restart="never" nodeType="tmRoot"/>
+        <p:cTn id="1" dur="indefinite" restart="never" nodeType="tmRoot">
+          <p:childTnLst>
+            <p:seq concurrent="1" nextAc="seek">
+              <p:cTn id="2" dur="indefinite" nodeType="mainSeq">
+                <p:childTnLst>
+                  <p:par>
+                    <p:cTn id="3" fill="hold">
+                      <p:stCondLst>
+                        <p:cond delay="indefinite"/>
+                      </p:stCondLst>
+                      <p:childTnLst>
+                        <p:par>
+                          <p:cTn id="4" fill="hold">
+                            <p:stCondLst>
+                              <p:cond delay="0"/>
+                            </p:stCondLst>
+                            <p:childTnLst>
+                              <p:par>
+                                <p:cTn id="5" presetID="22" presetClass="entr" presetSubtype="2" fill="hold" nodeType="clickEffect">
+                                  <p:stCondLst>
+                                    <p:cond delay="0"/>
+                                  </p:stCondLst>
+                                  <p:childTnLst>
+                                    <p:set>
+                                      <p:cBhvr>
+                                        <p:cTn id="6" dur="1" fill="hold">
+                                          <p:stCondLst>
+                                            <p:cond delay="0"/>
+                                          </p:stCondLst>
+                                        </p:cTn>
+                                        <p:tgtEl>
+                                          <p:spTgt spid="2">
+                                            <p:txEl>
+                                              <p:pRg st="5" end="5"/>
+                                            </p:txEl>
+                                          </p:spTgt>
+                                        </p:tgtEl>
+                                        <p:attrNameLst>
+                                          <p:attrName>style.visibility</p:attrName>
+                                        </p:attrNameLst>
+                                      </p:cBhvr>
+                                      <p:to>
+                                        <p:strVal val="visible"/>
+                                      </p:to>
+                                    </p:set>
+                                    <p:animEffect transition="in" filter="wipe(right)">
+                                      <p:cBhvr>
+                                        <p:cTn id="7" dur="500"/>
+                                        <p:tgtEl>
+                                          <p:spTgt spid="2">
+                                            <p:txEl>
+                                              <p:pRg st="5" end="5"/>
+                                            </p:txEl>
+                                          </p:spTgt>
+                                        </p:tgtEl>
+                                      </p:cBhvr>
+                                    </p:animEffect>
+                                  </p:childTnLst>
+                                </p:cTn>
+                              </p:par>
+                              <p:par>
+                                <p:cTn id="8" presetID="22" presetClass="entr" presetSubtype="2" fill="hold" nodeType="withEffect">
+                                  <p:stCondLst>
+                                    <p:cond delay="0"/>
+                                  </p:stCondLst>
+                                  <p:childTnLst>
+                                    <p:set>
+                                      <p:cBhvr>
+                                        <p:cTn id="9" dur="1" fill="hold">
+                                          <p:stCondLst>
+                                            <p:cond delay="0"/>
+                                          </p:stCondLst>
+                                        </p:cTn>
+                                        <p:tgtEl>
+                                          <p:spTgt spid="2">
+                                            <p:txEl>
+                                              <p:pRg st="6" end="6"/>
+                                            </p:txEl>
+                                          </p:spTgt>
+                                        </p:tgtEl>
+                                        <p:attrNameLst>
+                                          <p:attrName>style.visibility</p:attrName>
+                                        </p:attrNameLst>
+                                      </p:cBhvr>
+                                      <p:to>
+                                        <p:strVal val="visible"/>
+                                      </p:to>
+                                    </p:set>
+                                    <p:animEffect transition="in" filter="wipe(right)">
+                                      <p:cBhvr>
+                                        <p:cTn id="10" dur="500"/>
+                                        <p:tgtEl>
+                                          <p:spTgt spid="2">
+                                            <p:txEl>
+                                              <p:pRg st="6" end="6"/>
+                                            </p:txEl>
+                                          </p:spTgt>
+                                        </p:tgtEl>
+                                      </p:cBhvr>
+                                    </p:animEffect>
+                                  </p:childTnLst>
+                                </p:cTn>
+                              </p:par>
+                              <p:par>
+                                <p:cTn id="11" presetID="22" presetClass="entr" presetSubtype="2" fill="hold" nodeType="withEffect">
+                                  <p:stCondLst>
+                                    <p:cond delay="0"/>
+                                  </p:stCondLst>
+                                  <p:childTnLst>
+                                    <p:set>
+                                      <p:cBhvr>
+                                        <p:cTn id="12" dur="1" fill="hold">
+                                          <p:stCondLst>
+                                            <p:cond delay="0"/>
+                                          </p:stCondLst>
+                                        </p:cTn>
+                                        <p:tgtEl>
+                                          <p:spTgt spid="2">
+                                            <p:txEl>
+                                              <p:pRg st="7" end="7"/>
+                                            </p:txEl>
+                                          </p:spTgt>
+                                        </p:tgtEl>
+                                        <p:attrNameLst>
+                                          <p:attrName>style.visibility</p:attrName>
+                                        </p:attrNameLst>
+                                      </p:cBhvr>
+                                      <p:to>
+                                        <p:strVal val="visible"/>
+                                      </p:to>
+                                    </p:set>
+                                    <p:animEffect transition="in" filter="wipe(right)">
+                                      <p:cBhvr>
+                                        <p:cTn id="13" dur="500"/>
+                                        <p:tgtEl>
+                                          <p:spTgt spid="2">
+                                            <p:txEl>
+                                              <p:pRg st="7" end="7"/>
+                                            </p:txEl>
+                                          </p:spTgt>
+                                        </p:tgtEl>
+                                      </p:cBhvr>
+                                    </p:animEffect>
+                                  </p:childTnLst>
+                                </p:cTn>
+                              </p:par>
+                              <p:par>
+                                <p:cTn id="14" presetID="22" presetClass="entr" presetSubtype="2" fill="hold" nodeType="withEffect">
+                                  <p:stCondLst>
+                                    <p:cond delay="0"/>
+                                  </p:stCondLst>
+                                  <p:childTnLst>
+                                    <p:set>
+                                      <p:cBhvr>
+                                        <p:cTn id="15" dur="1" fill="hold">
+                                          <p:stCondLst>
+                                            <p:cond delay="0"/>
+                                          </p:stCondLst>
+                                        </p:cTn>
+                                        <p:tgtEl>
+                                          <p:spTgt spid="2">
+                                            <p:txEl>
+                                              <p:pRg st="8" end="8"/>
+                                            </p:txEl>
+                                          </p:spTgt>
+                                        </p:tgtEl>
+                                        <p:attrNameLst>
+                                          <p:attrName>style.visibility</p:attrName>
+                                        </p:attrNameLst>
+                                      </p:cBhvr>
+                                      <p:to>
+                                        <p:strVal val="visible"/>
+                                      </p:to>
+                                    </p:set>
+                                    <p:animEffect transition="in" filter="wipe(right)">
+                                      <p:cBhvr>
+                                        <p:cTn id="16" dur="500"/>
+                                        <p:tgtEl>
+                                          <p:spTgt spid="2">
+                                            <p:txEl>
+                                              <p:pRg st="8" end="8"/>
+                                            </p:txEl>
+                                          </p:spTgt>
+                                        </p:tgtEl>
+                                      </p:cBhvr>
+                                    </p:animEffect>
+                                  </p:childTnLst>
+                                </p:cTn>
+                              </p:par>
+                              <p:par>
+                                <p:cTn id="17" presetID="22" presetClass="entr" presetSubtype="2" fill="hold" nodeType="withEffect">
+                                  <p:stCondLst>
+                                    <p:cond delay="0"/>
+                                  </p:stCondLst>
+                                  <p:childTnLst>
+                                    <p:set>
+                                      <p:cBhvr>
+                                        <p:cTn id="18" dur="1" fill="hold">
+                                          <p:stCondLst>
+                                            <p:cond delay="0"/>
+                                          </p:stCondLst>
+                                        </p:cTn>
+                                        <p:tgtEl>
+                                          <p:spTgt spid="2">
+                                            <p:txEl>
+                                              <p:pRg st="9" end="9"/>
+                                            </p:txEl>
+                                          </p:spTgt>
+                                        </p:tgtEl>
+                                        <p:attrNameLst>
+                                          <p:attrName>style.visibility</p:attrName>
+                                        </p:attrNameLst>
+                                      </p:cBhvr>
+                                      <p:to>
+                                        <p:strVal val="visible"/>
+                                      </p:to>
+                                    </p:set>
+                                    <p:animEffect transition="in" filter="wipe(right)">
+                                      <p:cBhvr>
+                                        <p:cTn id="19" dur="500"/>
+                                        <p:tgtEl>
+                                          <p:spTgt spid="2">
+                                            <p:txEl>
+                                              <p:pRg st="9" end="9"/>
+                                            </p:txEl>
+                                          </p:spTgt>
+                                        </p:tgtEl>
+                                      </p:cBhvr>
+                                    </p:animEffect>
+                                  </p:childTnLst>
+                                </p:cTn>
+                              </p:par>
+                              <p:par>
+                                <p:cTn id="20" presetID="22" presetClass="entr" presetSubtype="2" fill="hold" nodeType="withEffect">
+                                  <p:stCondLst>
+                                    <p:cond delay="0"/>
+                                  </p:stCondLst>
+                                  <p:childTnLst>
+                                    <p:set>
+                                      <p:cBhvr>
+                                        <p:cTn id="21" dur="1" fill="hold">
+                                          <p:stCondLst>
+                                            <p:cond delay="0"/>
+                                          </p:stCondLst>
+                                        </p:cTn>
+                                        <p:tgtEl>
+                                          <p:spTgt spid="2">
+                                            <p:txEl>
+                                              <p:pRg st="10" end="10"/>
+                                            </p:txEl>
+                                          </p:spTgt>
+                                        </p:tgtEl>
+                                        <p:attrNameLst>
+                                          <p:attrName>style.visibility</p:attrName>
+                                        </p:attrNameLst>
+                                      </p:cBhvr>
+                                      <p:to>
+                                        <p:strVal val="visible"/>
+                                      </p:to>
+                                    </p:set>
+                                    <p:animEffect transition="in" filter="wipe(right)">
+                                      <p:cBhvr>
+                                        <p:cTn id="22" dur="500"/>
+                                        <p:tgtEl>
+                                          <p:spTgt spid="2">
+                                            <p:txEl>
+                                              <p:pRg st="10" end="10"/>
+                                            </p:txEl>
+                                          </p:spTgt>
+                                        </p:tgtEl>
+                                      </p:cBhvr>
+                                    </p:animEffect>
+                                  </p:childTnLst>
+                                </p:cTn>
+                              </p:par>
+                              <p:par>
+                                <p:cTn id="23" presetID="22" presetClass="entr" presetSubtype="2" fill="hold" nodeType="withEffect">
+                                  <p:stCondLst>
+                                    <p:cond delay="0"/>
+                                  </p:stCondLst>
+                                  <p:childTnLst>
+                                    <p:set>
+                                      <p:cBhvr>
+                                        <p:cTn id="24" dur="1" fill="hold">
+                                          <p:stCondLst>
+                                            <p:cond delay="0"/>
+                                          </p:stCondLst>
+                                        </p:cTn>
+                                        <p:tgtEl>
+                                          <p:spTgt spid="2">
+                                            <p:txEl>
+                                              <p:pRg st="11" end="11"/>
+                                            </p:txEl>
+                                          </p:spTgt>
+                                        </p:tgtEl>
+                                        <p:attrNameLst>
+                                          <p:attrName>style.visibility</p:attrName>
+                                        </p:attrNameLst>
+                                      </p:cBhvr>
+                                      <p:to>
+                                        <p:strVal val="visible"/>
+                                      </p:to>
+                                    </p:set>
+                                    <p:animEffect transition="in" filter="wipe(right)">
+                                      <p:cBhvr>
+                                        <p:cTn id="25" dur="500"/>
+                                        <p:tgtEl>
+                                          <p:spTgt spid="2">
+                                            <p:txEl>
+                                              <p:pRg st="11" end="11"/>
+                                            </p:txEl>
+                                          </p:spTgt>
+                                        </p:tgtEl>
+                                      </p:cBhvr>
+                                    </p:animEffect>
+                                  </p:childTnLst>
+                                </p:cTn>
+                              </p:par>
+                              <p:par>
+                                <p:cTn id="26" presetID="22" presetClass="entr" presetSubtype="2" fill="hold" nodeType="withEffect">
+                                  <p:stCondLst>
+                                    <p:cond delay="0"/>
+                                  </p:stCondLst>
+                                  <p:childTnLst>
+                                    <p:set>
+                                      <p:cBhvr>
+                                        <p:cTn id="27" dur="1" fill="hold">
+                                          <p:stCondLst>
+                                            <p:cond delay="0"/>
+                                          </p:stCondLst>
+                                        </p:cTn>
+                                        <p:tgtEl>
+                                          <p:spTgt spid="2">
+                                            <p:txEl>
+                                              <p:pRg st="12" end="12"/>
+                                            </p:txEl>
+                                          </p:spTgt>
+                                        </p:tgtEl>
+                                        <p:attrNameLst>
+                                          <p:attrName>style.visibility</p:attrName>
+                                        </p:attrNameLst>
+                                      </p:cBhvr>
+                                      <p:to>
+                                        <p:strVal val="visible"/>
+                                      </p:to>
+                                    </p:set>
+                                    <p:animEffect transition="in" filter="wipe(right)">
+                                      <p:cBhvr>
+                                        <p:cTn id="28" dur="500"/>
+                                        <p:tgtEl>
+                                          <p:spTgt spid="2">
+                                            <p:txEl>
+                                              <p:pRg st="12" end="12"/>
+                                            </p:txEl>
+                                          </p:spTgt>
+                                        </p:tgtEl>
+                                      </p:cBhvr>
+                                    </p:animEffect>
+                                  </p:childTnLst>
+                                </p:cTn>
+                              </p:par>
+                            </p:childTnLst>
+                          </p:cTn>
+                        </p:par>
+                      </p:childTnLst>
+                    </p:cTn>
+                  </p:par>
+                  <p:par>
+                    <p:cTn id="29" fill="hold">
+                      <p:stCondLst>
+                        <p:cond delay="indefinite"/>
+                      </p:stCondLst>
+                      <p:childTnLst>
+                        <p:par>
+                          <p:cTn id="30" fill="hold">
+                            <p:stCondLst>
+                              <p:cond delay="0"/>
+                            </p:stCondLst>
+                            <p:childTnLst>
+                              <p:par>
+                                <p:cTn id="31" presetID="22" presetClass="entr" presetSubtype="2" fill="hold" nodeType="clickEffect">
+                                  <p:stCondLst>
+                                    <p:cond delay="0"/>
+                                  </p:stCondLst>
+                                  <p:childTnLst>
+                                    <p:set>
+                                      <p:cBhvr>
+                                        <p:cTn id="32" dur="1" fill="hold">
+                                          <p:stCondLst>
+                                            <p:cond delay="0"/>
+                                          </p:stCondLst>
+                                        </p:cTn>
+                                        <p:tgtEl>
+                                          <p:spTgt spid="2">
+                                            <p:txEl>
+                                              <p:pRg st="14" end="14"/>
+                                            </p:txEl>
+                                          </p:spTgt>
+                                        </p:tgtEl>
+                                        <p:attrNameLst>
+                                          <p:attrName>style.visibility</p:attrName>
+                                        </p:attrNameLst>
+                                      </p:cBhvr>
+                                      <p:to>
+                                        <p:strVal val="visible"/>
+                                      </p:to>
+                                    </p:set>
+                                    <p:animEffect transition="in" filter="wipe(right)">
+                                      <p:cBhvr>
+                                        <p:cTn id="33" dur="500"/>
+                                        <p:tgtEl>
+                                          <p:spTgt spid="2">
+                                            <p:txEl>
+                                              <p:pRg st="14" end="14"/>
+                                            </p:txEl>
+                                          </p:spTgt>
+                                        </p:tgtEl>
+                                      </p:cBhvr>
+                                    </p:animEffect>
+                                  </p:childTnLst>
+                                </p:cTn>
+                              </p:par>
+                              <p:par>
+                                <p:cTn id="34" presetID="22" presetClass="entr" presetSubtype="2" fill="hold" nodeType="withEffect">
+                                  <p:stCondLst>
+                                    <p:cond delay="0"/>
+                                  </p:stCondLst>
+                                  <p:childTnLst>
+                                    <p:set>
+                                      <p:cBhvr>
+                                        <p:cTn id="35" dur="1" fill="hold">
+                                          <p:stCondLst>
+                                            <p:cond delay="0"/>
+                                          </p:stCondLst>
+                                        </p:cTn>
+                                        <p:tgtEl>
+                                          <p:spTgt spid="2">
+                                            <p:txEl>
+                                              <p:pRg st="15" end="15"/>
+                                            </p:txEl>
+                                          </p:spTgt>
+                                        </p:tgtEl>
+                                        <p:attrNameLst>
+                                          <p:attrName>style.visibility</p:attrName>
+                                        </p:attrNameLst>
+                                      </p:cBhvr>
+                                      <p:to>
+                                        <p:strVal val="visible"/>
+                                      </p:to>
+                                    </p:set>
+                                    <p:animEffect transition="in" filter="wipe(right)">
+                                      <p:cBhvr>
+                                        <p:cTn id="36" dur="500"/>
+                                        <p:tgtEl>
+                                          <p:spTgt spid="2">
+                                            <p:txEl>
+                                              <p:pRg st="15" end="15"/>
+                                            </p:txEl>
+                                          </p:spTgt>
+                                        </p:tgtEl>
+                                      </p:cBhvr>
+                                    </p:animEffect>
+                                  </p:childTnLst>
+                                </p:cTn>
+                              </p:par>
+                            </p:childTnLst>
+                          </p:cTn>
+                        </p:par>
+                      </p:childTnLst>
+                    </p:cTn>
+                  </p:par>
+                </p:childTnLst>
+              </p:cTn>
+              <p:prevCondLst>
+                <p:cond evt="onPrev" delay="0">
+                  <p:tgtEl>
+                    <p:sldTgt/>
+                  </p:tgtEl>
+                </p:cond>
+              </p:prevCondLst>
+              <p:nextCondLst>
+                <p:cond evt="onNext" delay="0">
+                  <p:tgtEl>
+                    <p:sldTgt/>
+                  </p:tgtEl>
+                </p:cond>
+              </p:nextCondLst>
+            </p:seq>
+          </p:childTnLst>
+        </p:cTn>
       </p:par>
     </p:tnLst>
   </p:timing>
@@ -39898,7 +40882,7 @@
               <a:rPr lang="en-US" sz="1600" dirty="0">
                 <a:solidFill>
                   <a:schemeClr val="tx1">
-                    <a:lumMod val="75000"/>
+                    <a:lumMod val="50000"/>
                   </a:schemeClr>
                 </a:solidFill>
                 <a:latin typeface="Courier New" panose="02070309020205020404" pitchFamily="49" charset="0"/>
@@ -39911,7 +40895,7 @@
             <a:endParaRPr lang="en-US" sz="1600" dirty="0">
               <a:solidFill>
                 <a:schemeClr val="tx1">
-                  <a:lumMod val="75000"/>
+                  <a:lumMod val="50000"/>
                 </a:schemeClr>
               </a:solidFill>
               <a:latin typeface="Courier New" panose="02070309020205020404" pitchFamily="49" charset="0"/>
@@ -39923,7 +40907,7 @@
               <a:rPr lang="en-US" sz="1600" dirty="0">
                 <a:solidFill>
                   <a:schemeClr val="tx1">
-                    <a:lumMod val="75000"/>
+                    <a:lumMod val="50000"/>
                   </a:schemeClr>
                 </a:solidFill>
                 <a:latin typeface="Courier New" panose="02070309020205020404" pitchFamily="49" charset="0"/>
@@ -39937,7 +40921,7 @@
               <a:rPr lang="en-US" sz="1600" dirty="0">
                 <a:solidFill>
                   <a:schemeClr val="tx1">
-                    <a:lumMod val="75000"/>
+                    <a:lumMod val="50000"/>
                   </a:schemeClr>
                 </a:solidFill>
                 <a:latin typeface="Courier New" panose="02070309020205020404" pitchFamily="49" charset="0"/>
@@ -39951,7 +40935,7 @@
               <a:rPr lang="en-US" sz="1600" dirty="0">
                 <a:solidFill>
                   <a:schemeClr val="tx1">
-                    <a:lumMod val="75000"/>
+                    <a:lumMod val="50000"/>
                   </a:schemeClr>
                 </a:solidFill>
                 <a:latin typeface="Courier New" panose="02070309020205020404" pitchFamily="49" charset="0"/>
@@ -39965,7 +40949,7 @@
               <a:rPr lang="en-US" sz="1600" dirty="0">
                 <a:solidFill>
                   <a:schemeClr val="tx1">
-                    <a:lumMod val="75000"/>
+                    <a:lumMod val="50000"/>
                   </a:schemeClr>
                 </a:solidFill>
                 <a:latin typeface="Courier New" panose="02070309020205020404" pitchFamily="49" charset="0"/>
@@ -39979,7 +40963,7 @@
               <a:rPr lang="en-US" sz="1600" dirty="0">
                 <a:solidFill>
                   <a:schemeClr val="tx1">
-                    <a:lumMod val="75000"/>
+                    <a:lumMod val="50000"/>
                   </a:schemeClr>
                 </a:solidFill>
                 <a:latin typeface="Courier New" panose="02070309020205020404" pitchFamily="49" charset="0"/>
@@ -39993,7 +40977,7 @@
               <a:rPr lang="en-US" sz="1600" dirty="0">
                 <a:solidFill>
                   <a:schemeClr val="tx1">
-                    <a:lumMod val="75000"/>
+                    <a:lumMod val="50000"/>
                   </a:schemeClr>
                 </a:solidFill>
                 <a:latin typeface="Courier New" panose="02070309020205020404" pitchFamily="49" charset="0"/>
@@ -40005,7 +40989,7 @@
               <a:rPr lang="en-US" sz="1600" dirty="0" err="1">
                 <a:solidFill>
                   <a:schemeClr val="tx1">
-                    <a:lumMod val="75000"/>
+                    <a:lumMod val="50000"/>
                   </a:schemeClr>
                 </a:solidFill>
                 <a:latin typeface="Courier New" panose="02070309020205020404" pitchFamily="49" charset="0"/>
@@ -40017,7 +41001,7 @@
               <a:rPr lang="en-US" sz="1600" dirty="0">
                 <a:solidFill>
                   <a:schemeClr val="tx1">
-                    <a:lumMod val="75000"/>
+                    <a:lumMod val="50000"/>
                   </a:schemeClr>
                 </a:solidFill>
                 <a:latin typeface="Courier New" panose="02070309020205020404" pitchFamily="49" charset="0"/>
@@ -40031,7 +41015,7 @@
               <a:rPr lang="en-US" sz="1600" dirty="0">
                 <a:solidFill>
                   <a:schemeClr val="tx1">
-                    <a:lumMod val="75000"/>
+                    <a:lumMod val="50000"/>
                   </a:schemeClr>
                 </a:solidFill>
                 <a:latin typeface="Courier New" panose="02070309020205020404" pitchFamily="49" charset="0"/>
@@ -40043,7 +41027,7 @@
               <a:rPr lang="en-US" sz="1600" dirty="0" err="1">
                 <a:solidFill>
                   <a:schemeClr val="tx1">
-                    <a:lumMod val="75000"/>
+                    <a:lumMod val="50000"/>
                   </a:schemeClr>
                 </a:solidFill>
                 <a:latin typeface="Courier New" panose="02070309020205020404" pitchFamily="49" charset="0"/>
@@ -40055,7 +41039,7 @@
               <a:rPr lang="en-US" sz="1600" dirty="0">
                 <a:solidFill>
                   <a:schemeClr val="tx1">
-                    <a:lumMod val="75000"/>
+                    <a:lumMod val="50000"/>
                   </a:schemeClr>
                 </a:solidFill>
                 <a:latin typeface="Courier New" panose="02070309020205020404" pitchFamily="49" charset="0"/>
@@ -40069,7 +41053,7 @@
               <a:rPr lang="en-US" sz="1600" dirty="0">
                 <a:solidFill>
                   <a:schemeClr val="tx1">
-                    <a:lumMod val="75000"/>
+                    <a:lumMod val="50000"/>
                   </a:schemeClr>
                 </a:solidFill>
                 <a:latin typeface="Courier New" panose="02070309020205020404" pitchFamily="49" charset="0"/>
@@ -40083,7 +41067,7 @@
               <a:rPr lang="en-US" sz="1600" dirty="0">
                 <a:solidFill>
                   <a:schemeClr val="tx1">
-                    <a:lumMod val="75000"/>
+                    <a:lumMod val="50000"/>
                   </a:schemeClr>
                 </a:solidFill>
                 <a:latin typeface="Courier New" panose="02070309020205020404" pitchFamily="49" charset="0"/>
@@ -40095,7 +41079,7 @@
               <a:rPr lang="en-US" sz="1600" dirty="0" err="1">
                 <a:solidFill>
                   <a:schemeClr val="tx1">
-                    <a:lumMod val="75000"/>
+                    <a:lumMod val="50000"/>
                   </a:schemeClr>
                 </a:solidFill>
                 <a:latin typeface="Courier New" panose="02070309020205020404" pitchFamily="49" charset="0"/>
@@ -40107,7 +41091,7 @@
               <a:rPr lang="en-US" sz="1600" dirty="0">
                 <a:solidFill>
                   <a:schemeClr val="tx1">
-                    <a:lumMod val="75000"/>
+                    <a:lumMod val="50000"/>
                   </a:schemeClr>
                 </a:solidFill>
                 <a:latin typeface="Courier New" panose="02070309020205020404" pitchFamily="49" charset="0"/>
@@ -40121,7 +41105,7 @@
               <a:rPr lang="en-US" sz="1600" dirty="0">
                 <a:solidFill>
                   <a:schemeClr val="tx1">
-                    <a:lumMod val="75000"/>
+                    <a:lumMod val="50000"/>
                   </a:schemeClr>
                 </a:solidFill>
                 <a:latin typeface="Courier New" panose="02070309020205020404" pitchFamily="49" charset="0"/>
@@ -40133,7 +41117,7 @@
               <a:rPr lang="en-US" sz="1600" dirty="0" err="1">
                 <a:solidFill>
                   <a:schemeClr val="tx1">
-                    <a:lumMod val="75000"/>
+                    <a:lumMod val="50000"/>
                   </a:schemeClr>
                 </a:solidFill>
                 <a:latin typeface="Courier New" panose="02070309020205020404" pitchFamily="49" charset="0"/>
@@ -40145,7 +41129,7 @@
               <a:rPr lang="en-US" sz="1600" dirty="0">
                 <a:solidFill>
                   <a:schemeClr val="tx1">
-                    <a:lumMod val="75000"/>
+                    <a:lumMod val="50000"/>
                   </a:schemeClr>
                 </a:solidFill>
                 <a:latin typeface="Courier New" panose="02070309020205020404" pitchFamily="49" charset="0"/>
@@ -40159,7 +41143,7 @@
               <a:rPr lang="en-US" sz="1600" dirty="0">
                 <a:solidFill>
                   <a:schemeClr val="tx1">
-                    <a:lumMod val="75000"/>
+                    <a:lumMod val="50000"/>
                   </a:schemeClr>
                 </a:solidFill>
                 <a:latin typeface="Courier New" panose="02070309020205020404" pitchFamily="49" charset="0"/>
@@ -40351,7 +41335,7 @@
         </p:nvSpPr>
         <p:spPr>
           <a:xfrm>
-            <a:off x="295202" y="3806974"/>
+            <a:off x="295202" y="3698338"/>
             <a:ext cx="2024913" cy="307777"/>
           </a:xfrm>
           <a:prstGeom prst="rect">
@@ -40385,7 +41369,7 @@
         </p:nvSpPr>
         <p:spPr>
           <a:xfrm>
-            <a:off x="297419" y="4259018"/>
+            <a:off x="297419" y="4050799"/>
             <a:ext cx="4573688" cy="307777"/>
           </a:xfrm>
           <a:prstGeom prst="rect">
@@ -40419,7 +41403,7 @@
         </p:nvSpPr>
         <p:spPr>
           <a:xfrm>
-            <a:off x="288627" y="4572246"/>
+            <a:off x="288627" y="4364027"/>
             <a:ext cx="4847037" cy="523220"/>
           </a:xfrm>
           <a:prstGeom prst="rect">
@@ -40959,7 +41943,7 @@
                             </p:stCondLst>
                             <p:childTnLst>
                               <p:par>
-                                <p:cTn id="39" presetID="1" presetClass="entr" presetSubtype="0" fill="hold" nodeType="clickEffect">
+                                <p:cTn id="39" presetID="1" presetClass="entr" presetSubtype="0" fill="hold" grpId="0" nodeType="clickEffect">
                                   <p:stCondLst>
                                     <p:cond delay="0"/>
                                   </p:stCondLst>
@@ -40967,6 +41951,51 @@
                                     <p:set>
                                       <p:cBhvr>
                                         <p:cTn id="40" dur="1" fill="hold">
+                                          <p:stCondLst>
+                                            <p:cond delay="0"/>
+                                          </p:stCondLst>
+                                        </p:cTn>
+                                        <p:tgtEl>
+                                          <p:spTgt spid="9"/>
+                                        </p:tgtEl>
+                                        <p:attrNameLst>
+                                          <p:attrName>style.visibility</p:attrName>
+                                        </p:attrNameLst>
+                                      </p:cBhvr>
+                                      <p:to>
+                                        <p:strVal val="visible"/>
+                                      </p:to>
+                                    </p:set>
+                                  </p:childTnLst>
+                                </p:cTn>
+                              </p:par>
+                            </p:childTnLst>
+                          </p:cTn>
+                        </p:par>
+                      </p:childTnLst>
+                    </p:cTn>
+                  </p:par>
+                  <p:par>
+                    <p:cTn id="41" fill="hold">
+                      <p:stCondLst>
+                        <p:cond delay="indefinite"/>
+                      </p:stCondLst>
+                      <p:childTnLst>
+                        <p:par>
+                          <p:cTn id="42" fill="hold">
+                            <p:stCondLst>
+                              <p:cond delay="0"/>
+                            </p:stCondLst>
+                            <p:childTnLst>
+                              <p:par>
+                                <p:cTn id="43" presetID="1" presetClass="entr" presetSubtype="0" fill="hold" nodeType="clickEffect">
+                                  <p:stCondLst>
+                                    <p:cond delay="0"/>
+                                  </p:stCondLst>
+                                  <p:childTnLst>
+                                    <p:set>
+                                      <p:cBhvr>
+                                        <p:cTn id="44" dur="1" fill="hold">
                                           <p:stCondLst>
                                             <p:cond delay="0"/>
                                           </p:stCondLst>
@@ -40990,14 +42019,14 @@
                                 </p:cTn>
                               </p:par>
                               <p:par>
-                                <p:cTn id="41" presetID="1" presetClass="entr" presetSubtype="0" fill="hold" nodeType="withEffect">
+                                <p:cTn id="45" presetID="1" presetClass="entr" presetSubtype="0" fill="hold" nodeType="withEffect">
                                   <p:stCondLst>
                                     <p:cond delay="0"/>
                                   </p:stCondLst>
                                   <p:childTnLst>
                                     <p:set>
                                       <p:cBhvr>
-                                        <p:cTn id="42" dur="1" fill="hold">
+                                        <p:cTn id="46" dur="1" fill="hold">
                                           <p:stCondLst>
                                             <p:cond delay="0"/>
                                           </p:stCondLst>
@@ -41021,56 +42050,7 @@
                                 </p:cTn>
                               </p:par>
                               <p:par>
-                                <p:cTn id="43" presetID="1" presetClass="entr" presetSubtype="0" fill="hold" nodeType="withEffect">
-                                  <p:stCondLst>
-                                    <p:cond delay="0"/>
-                                  </p:stCondLst>
-                                  <p:childTnLst>
-                                    <p:set>
-                                      <p:cBhvr>
-                                        <p:cTn id="44" dur="1" fill="hold">
-                                          <p:stCondLst>
-                                            <p:cond delay="0"/>
-                                          </p:stCondLst>
-                                        </p:cTn>
-                                        <p:tgtEl>
-                                          <p:spTgt spid="2">
-                                            <p:txEl>
-                                              <p:pRg st="9" end="9"/>
-                                            </p:txEl>
-                                          </p:spTgt>
-                                        </p:tgtEl>
-                                        <p:attrNameLst>
-                                          <p:attrName>style.visibility</p:attrName>
-                                        </p:attrNameLst>
-                                      </p:cBhvr>
-                                      <p:to>
-                                        <p:strVal val="visible"/>
-                                      </p:to>
-                                    </p:set>
-                                  </p:childTnLst>
-                                </p:cTn>
-                              </p:par>
-                            </p:childTnLst>
-                          </p:cTn>
-                        </p:par>
-                      </p:childTnLst>
-                    </p:cTn>
-                  </p:par>
-                  <p:par>
-                    <p:cTn id="45" fill="hold">
-                      <p:stCondLst>
-                        <p:cond delay="indefinite"/>
-                      </p:stCondLst>
-                      <p:childTnLst>
-                        <p:par>
-                          <p:cTn id="46" fill="hold">
-                            <p:stCondLst>
-                              <p:cond delay="0"/>
-                            </p:stCondLst>
-                            <p:childTnLst>
-                              <p:par>
-                                <p:cTn id="47" presetID="1" presetClass="entr" presetSubtype="0" fill="hold" grpId="0" nodeType="clickEffect">
+                                <p:cTn id="47" presetID="1" presetClass="entr" presetSubtype="0" fill="hold" nodeType="withEffect">
                                   <p:stCondLst>
                                     <p:cond delay="0"/>
                                   </p:stCondLst>
@@ -41083,7 +42063,11 @@
                                           </p:stCondLst>
                                         </p:cTn>
                                         <p:tgtEl>
-                                          <p:spTgt spid="9"/>
+                                          <p:spTgt spid="2">
+                                            <p:txEl>
+                                              <p:pRg st="9" end="9"/>
+                                            </p:txEl>
+                                          </p:spTgt>
                                         </p:tgtEl>
                                         <p:attrNameLst>
                                           <p:attrName>style.visibility</p:attrName>

--- a/presentation/unittestingintro.pptx
+++ b/presentation/unittestingintro.pptx
@@ -131,7 +131,7 @@
   </p:defaultTextStyle>
   <p:extLst>
     <p:ext uri="{EFAFB233-063F-42B5-8137-9DF3F51BA10A}">
-      <p15:sldGuideLst xmlns:p15="http://schemas.microsoft.com/office/powerpoint/2012/main" xmlns="">
+      <p15:sldGuideLst xmlns="" xmlns:p15="http://schemas.microsoft.com/office/powerpoint/2012/main">
         <p15:guide id="1" orient="horz" pos="99">
           <p15:clr>
             <a:srgbClr val="A4A3A4"/>
@@ -235,7 +235,7 @@
       </p15:sldGuideLst>
     </p:ext>
     <p:ext uri="{2D200454-40CA-4A62-9FC3-DE9A4176ACB9}">
-      <p15:notesGuideLst xmlns:p15="http://schemas.microsoft.com/office/powerpoint/2012/main" xmlns="">
+      <p15:notesGuideLst xmlns="" xmlns:p15="http://schemas.microsoft.com/office/powerpoint/2012/main">
         <p15:guide id="1" orient="horz" pos="2880">
           <p15:clr>
             <a:srgbClr val="A4A3A4"/>
@@ -765,6 +765,90 @@
     </a:lvl9pPr>
   </p:notesStyle>
 </p:notesMaster>
+</file>
+
+<file path=ppt/notesSlides/notesSlide1.xml><?xml version="1.0" encoding="utf-8"?>
+<p:notes xmlns:a="http://schemas.openxmlformats.org/drawingml/2006/main" xmlns:r="http://schemas.openxmlformats.org/officeDocument/2006/relationships" xmlns:p="http://schemas.openxmlformats.org/presentationml/2006/main">
+  <p:cSld>
+    <p:spTree>
+      <p:nvGrpSpPr>
+        <p:cNvPr id="1" name=""/>
+        <p:cNvGrpSpPr/>
+        <p:nvPr/>
+      </p:nvGrpSpPr>
+      <p:grpSpPr>
+        <a:xfrm>
+          <a:off x="0" y="0"/>
+          <a:ext cx="0" cy="0"/>
+          <a:chOff x="0" y="0"/>
+          <a:chExt cx="0" cy="0"/>
+        </a:xfrm>
+      </p:grpSpPr>
+      <p:sp>
+        <p:nvSpPr>
+          <p:cNvPr id="2" name="Slide Image Placeholder 1"/>
+          <p:cNvSpPr>
+            <a:spLocks noGrp="1" noRot="1" noChangeAspect="1"/>
+          </p:cNvSpPr>
+          <p:nvPr>
+            <p:ph type="sldImg"/>
+          </p:nvPr>
+        </p:nvSpPr>
+        <p:spPr/>
+      </p:sp>
+      <p:sp>
+        <p:nvSpPr>
+          <p:cNvPr id="3" name="Notes Placeholder 2"/>
+          <p:cNvSpPr>
+            <a:spLocks noGrp="1"/>
+          </p:cNvSpPr>
+          <p:nvPr>
+            <p:ph type="body" idx="1"/>
+          </p:nvPr>
+        </p:nvSpPr>
+        <p:spPr/>
+        <p:txBody>
+          <a:bodyPr/>
+          <a:lstStyle/>
+          <a:p>
+            <a:endParaRPr lang="en-US" dirty="0"/>
+          </a:p>
+        </p:txBody>
+      </p:sp>
+      <p:sp>
+        <p:nvSpPr>
+          <p:cNvPr id="4" name="Slide Number Placeholder 3"/>
+          <p:cNvSpPr>
+            <a:spLocks noGrp="1"/>
+          </p:cNvSpPr>
+          <p:nvPr>
+            <p:ph type="sldNum" sz="quarter" idx="10"/>
+          </p:nvPr>
+        </p:nvSpPr>
+        <p:spPr/>
+        <p:txBody>
+          <a:bodyPr/>
+          <a:lstStyle/>
+          <a:p>
+            <a:fld id="{C6B14F23-9491-4F52-90E2-EAB27ADD3316}" type="slidenum">
+              <a:rPr lang="en-GB" smtClean="0"/>
+              <a:t>1</a:t>
+            </a:fld>
+            <a:endParaRPr lang="en-GB"/>
+          </a:p>
+        </p:txBody>
+      </p:sp>
+    </p:spTree>
+    <p:extLst>
+      <p:ext uri="{BB962C8B-B14F-4D97-AF65-F5344CB8AC3E}">
+        <p14:creationId xmlns:p14="http://schemas.microsoft.com/office/powerpoint/2010/main" val="868174049"/>
+      </p:ext>
+    </p:extLst>
+  </p:cSld>
+  <p:clrMapOvr>
+    <a:masterClrMapping/>
+  </p:clrMapOvr>
+</p:notes>
 </file>
 
 <file path=ppt/slideLayouts/slideLayout1.xml><?xml version="1.0" encoding="utf-8"?>
@@ -4272,7 +4356,7 @@
           <p:cNvPr id="9" name="Text Placeholder 1">
             <a:extLst>
               <a:ext uri="{FF2B5EF4-FFF2-40B4-BE49-F238E27FC236}">
-                <a16:creationId xmlns:a16="http://schemas.microsoft.com/office/drawing/2014/main" xmlns="" id="{E1AEEF35-7430-4190-B1E4-D2447633D22E}"/>
+                <a16:creationId xmlns="" xmlns:a16="http://schemas.microsoft.com/office/drawing/2014/main" id="{E1AEEF35-7430-4190-B1E4-D2447633D22E}"/>
               </a:ext>
             </a:extLst>
           </p:cNvPr>
@@ -4324,7 +4408,7 @@
           <p:cNvPr id="10" name="Text Placeholder 2">
             <a:extLst>
               <a:ext uri="{FF2B5EF4-FFF2-40B4-BE49-F238E27FC236}">
-                <a16:creationId xmlns:a16="http://schemas.microsoft.com/office/drawing/2014/main" xmlns="" id="{72A9D36E-978C-40A9-B7B6-1D3B41514DBD}"/>
+                <a16:creationId xmlns="" xmlns:a16="http://schemas.microsoft.com/office/drawing/2014/main" id="{72A9D36E-978C-40A9-B7B6-1D3B41514DBD}"/>
               </a:ext>
             </a:extLst>
           </p:cNvPr>
@@ -4366,7 +4450,7 @@
           <p:cNvPr id="43" name="Text Placeholder 1">
             <a:extLst>
               <a:ext uri="{FF2B5EF4-FFF2-40B4-BE49-F238E27FC236}">
-                <a16:creationId xmlns:a16="http://schemas.microsoft.com/office/drawing/2014/main" xmlns="" id="{E1AEEF35-7430-4190-B1E4-D2447633D22E}"/>
+                <a16:creationId xmlns="" xmlns:a16="http://schemas.microsoft.com/office/drawing/2014/main" id="{E1AEEF35-7430-4190-B1E4-D2447633D22E}"/>
               </a:ext>
             </a:extLst>
           </p:cNvPr>
@@ -4418,7 +4502,7 @@
           <p:cNvPr id="44" name="Text Placeholder 2">
             <a:extLst>
               <a:ext uri="{FF2B5EF4-FFF2-40B4-BE49-F238E27FC236}">
-                <a16:creationId xmlns:a16="http://schemas.microsoft.com/office/drawing/2014/main" xmlns="" id="{72A9D36E-978C-40A9-B7B6-1D3B41514DBD}"/>
+                <a16:creationId xmlns="" xmlns:a16="http://schemas.microsoft.com/office/drawing/2014/main" id="{72A9D36E-978C-40A9-B7B6-1D3B41514DBD}"/>
               </a:ext>
             </a:extLst>
           </p:cNvPr>
@@ -4460,7 +4544,7 @@
           <p:cNvPr id="45" name="Text Placeholder 1">
             <a:extLst>
               <a:ext uri="{FF2B5EF4-FFF2-40B4-BE49-F238E27FC236}">
-                <a16:creationId xmlns:a16="http://schemas.microsoft.com/office/drawing/2014/main" xmlns="" id="{E1AEEF35-7430-4190-B1E4-D2447633D22E}"/>
+                <a16:creationId xmlns="" xmlns:a16="http://schemas.microsoft.com/office/drawing/2014/main" id="{E1AEEF35-7430-4190-B1E4-D2447633D22E}"/>
               </a:ext>
             </a:extLst>
           </p:cNvPr>
@@ -4512,7 +4596,7 @@
           <p:cNvPr id="46" name="Text Placeholder 2">
             <a:extLst>
               <a:ext uri="{FF2B5EF4-FFF2-40B4-BE49-F238E27FC236}">
-                <a16:creationId xmlns:a16="http://schemas.microsoft.com/office/drawing/2014/main" xmlns="" id="{72A9D36E-978C-40A9-B7B6-1D3B41514DBD}"/>
+                <a16:creationId xmlns="" xmlns:a16="http://schemas.microsoft.com/office/drawing/2014/main" id="{72A9D36E-978C-40A9-B7B6-1D3B41514DBD}"/>
               </a:ext>
             </a:extLst>
           </p:cNvPr>
@@ -4554,7 +4638,7 @@
           <p:cNvPr id="47" name="Text Placeholder 1">
             <a:extLst>
               <a:ext uri="{FF2B5EF4-FFF2-40B4-BE49-F238E27FC236}">
-                <a16:creationId xmlns:a16="http://schemas.microsoft.com/office/drawing/2014/main" xmlns="" id="{E1AEEF35-7430-4190-B1E4-D2447633D22E}"/>
+                <a16:creationId xmlns="" xmlns:a16="http://schemas.microsoft.com/office/drawing/2014/main" id="{E1AEEF35-7430-4190-B1E4-D2447633D22E}"/>
               </a:ext>
             </a:extLst>
           </p:cNvPr>
@@ -4606,7 +4690,7 @@
           <p:cNvPr id="48" name="Text Placeholder 2">
             <a:extLst>
               <a:ext uri="{FF2B5EF4-FFF2-40B4-BE49-F238E27FC236}">
-                <a16:creationId xmlns:a16="http://schemas.microsoft.com/office/drawing/2014/main" xmlns="" id="{72A9D36E-978C-40A9-B7B6-1D3B41514DBD}"/>
+                <a16:creationId xmlns="" xmlns:a16="http://schemas.microsoft.com/office/drawing/2014/main" id="{72A9D36E-978C-40A9-B7B6-1D3B41514DBD}"/>
               </a:ext>
             </a:extLst>
           </p:cNvPr>
@@ -10583,7 +10667,7 @@
           <p:cNvPr id="25" name="Straight Connector 24">
             <a:extLst>
               <a:ext uri="{FF2B5EF4-FFF2-40B4-BE49-F238E27FC236}">
-                <a16:creationId xmlns:a16="http://schemas.microsoft.com/office/drawing/2014/main" xmlns="" id="{2A032BDD-E6FE-4A1E-9741-60886BDBCC86}"/>
+                <a16:creationId xmlns="" xmlns:a16="http://schemas.microsoft.com/office/drawing/2014/main" id="{2A032BDD-E6FE-4A1E-9741-60886BDBCC86}"/>
               </a:ext>
             </a:extLst>
           </p:cNvPr>
@@ -12284,7 +12368,7 @@
           <p:cNvPr id="32" name="Oval 31">
             <a:extLst>
               <a:ext uri="{FF2B5EF4-FFF2-40B4-BE49-F238E27FC236}">
-                <a16:creationId xmlns:a16="http://schemas.microsoft.com/office/drawing/2014/main" xmlns="" id="{85722348-DF80-4DCF-A5FF-C530FF3D3A43}"/>
+                <a16:creationId xmlns="" xmlns:a16="http://schemas.microsoft.com/office/drawing/2014/main" id="{85722348-DF80-4DCF-A5FF-C530FF3D3A43}"/>
               </a:ext>
             </a:extLst>
           </p:cNvPr>
@@ -12367,7 +12451,7 @@
           <p:cNvPr id="46" name="Oval 45">
             <a:extLst>
               <a:ext uri="{FF2B5EF4-FFF2-40B4-BE49-F238E27FC236}">
-                <a16:creationId xmlns:a16="http://schemas.microsoft.com/office/drawing/2014/main" xmlns="" id="{85722348-DF80-4DCF-A5FF-C530FF3D3A43}"/>
+                <a16:creationId xmlns="" xmlns:a16="http://schemas.microsoft.com/office/drawing/2014/main" id="{85722348-DF80-4DCF-A5FF-C530FF3D3A43}"/>
               </a:ext>
             </a:extLst>
           </p:cNvPr>
@@ -12450,7 +12534,7 @@
           <p:cNvPr id="47" name="Oval 46">
             <a:extLst>
               <a:ext uri="{FF2B5EF4-FFF2-40B4-BE49-F238E27FC236}">
-                <a16:creationId xmlns:a16="http://schemas.microsoft.com/office/drawing/2014/main" xmlns="" id="{85722348-DF80-4DCF-A5FF-C530FF3D3A43}"/>
+                <a16:creationId xmlns="" xmlns:a16="http://schemas.microsoft.com/office/drawing/2014/main" id="{85722348-DF80-4DCF-A5FF-C530FF3D3A43}"/>
               </a:ext>
             </a:extLst>
           </p:cNvPr>
@@ -12533,7 +12617,7 @@
           <p:cNvPr id="48" name="Oval 47">
             <a:extLst>
               <a:ext uri="{FF2B5EF4-FFF2-40B4-BE49-F238E27FC236}">
-                <a16:creationId xmlns:a16="http://schemas.microsoft.com/office/drawing/2014/main" xmlns="" id="{85722348-DF80-4DCF-A5FF-C530FF3D3A43}"/>
+                <a16:creationId xmlns="" xmlns:a16="http://schemas.microsoft.com/office/drawing/2014/main" id="{85722348-DF80-4DCF-A5FF-C530FF3D3A43}"/>
               </a:ext>
             </a:extLst>
           </p:cNvPr>
@@ -12616,7 +12700,7 @@
           <p:cNvPr id="49" name="Oval 48">
             <a:extLst>
               <a:ext uri="{FF2B5EF4-FFF2-40B4-BE49-F238E27FC236}">
-                <a16:creationId xmlns:a16="http://schemas.microsoft.com/office/drawing/2014/main" xmlns="" id="{85722348-DF80-4DCF-A5FF-C530FF3D3A43}"/>
+                <a16:creationId xmlns="" xmlns:a16="http://schemas.microsoft.com/office/drawing/2014/main" id="{85722348-DF80-4DCF-A5FF-C530FF3D3A43}"/>
               </a:ext>
             </a:extLst>
           </p:cNvPr>
@@ -12943,7 +13027,7 @@
           <p:cNvPr id="25" name="Straight Connector 24">
             <a:extLst>
               <a:ext uri="{FF2B5EF4-FFF2-40B4-BE49-F238E27FC236}">
-                <a16:creationId xmlns:a16="http://schemas.microsoft.com/office/drawing/2014/main" xmlns="" id="{2A032BDD-E6FE-4A1E-9741-60886BDBCC86}"/>
+                <a16:creationId xmlns="" xmlns:a16="http://schemas.microsoft.com/office/drawing/2014/main" id="{2A032BDD-E6FE-4A1E-9741-60886BDBCC86}"/>
               </a:ext>
             </a:extLst>
           </p:cNvPr>
@@ -12991,7 +13075,7 @@
           <p:cNvPr id="34" name="Oval 33">
             <a:extLst>
               <a:ext uri="{FF2B5EF4-FFF2-40B4-BE49-F238E27FC236}">
-                <a16:creationId xmlns:a16="http://schemas.microsoft.com/office/drawing/2014/main" xmlns="" id="{3FC25BAC-207E-4BD9-B71D-67244181E8A7}"/>
+                <a16:creationId xmlns="" xmlns:a16="http://schemas.microsoft.com/office/drawing/2014/main" id="{3FC25BAC-207E-4BD9-B71D-67244181E8A7}"/>
               </a:ext>
             </a:extLst>
           </p:cNvPr>
@@ -13074,7 +13158,7 @@
           <p:cNvPr id="35" name="Oval 34">
             <a:extLst>
               <a:ext uri="{FF2B5EF4-FFF2-40B4-BE49-F238E27FC236}">
-                <a16:creationId xmlns:a16="http://schemas.microsoft.com/office/drawing/2014/main" xmlns="" id="{6ECEA8AF-DB7B-44B5-A5A9-05718517D3A8}"/>
+                <a16:creationId xmlns="" xmlns:a16="http://schemas.microsoft.com/office/drawing/2014/main" id="{6ECEA8AF-DB7B-44B5-A5A9-05718517D3A8}"/>
               </a:ext>
             </a:extLst>
           </p:cNvPr>
@@ -13157,7 +13241,7 @@
           <p:cNvPr id="36" name="Oval 35">
             <a:extLst>
               <a:ext uri="{FF2B5EF4-FFF2-40B4-BE49-F238E27FC236}">
-                <a16:creationId xmlns:a16="http://schemas.microsoft.com/office/drawing/2014/main" xmlns="" id="{76041FD2-302D-4528-B197-4818DC231D79}"/>
+                <a16:creationId xmlns="" xmlns:a16="http://schemas.microsoft.com/office/drawing/2014/main" id="{76041FD2-302D-4528-B197-4818DC231D79}"/>
               </a:ext>
             </a:extLst>
           </p:cNvPr>
@@ -13240,7 +13324,7 @@
           <p:cNvPr id="37" name="Oval 36">
             <a:extLst>
               <a:ext uri="{FF2B5EF4-FFF2-40B4-BE49-F238E27FC236}">
-                <a16:creationId xmlns:a16="http://schemas.microsoft.com/office/drawing/2014/main" xmlns="" id="{4918B22A-8AD3-4D04-AFDE-7B146EE2D7C3}"/>
+                <a16:creationId xmlns="" xmlns:a16="http://schemas.microsoft.com/office/drawing/2014/main" id="{4918B22A-8AD3-4D04-AFDE-7B146EE2D7C3}"/>
               </a:ext>
             </a:extLst>
           </p:cNvPr>
@@ -13323,7 +13407,7 @@
           <p:cNvPr id="38" name="Oval 37">
             <a:extLst>
               <a:ext uri="{FF2B5EF4-FFF2-40B4-BE49-F238E27FC236}">
-                <a16:creationId xmlns:a16="http://schemas.microsoft.com/office/drawing/2014/main" xmlns="" id="{C02F3EF3-5D54-43B3-8D77-B49AA8FBB079}"/>
+                <a16:creationId xmlns="" xmlns:a16="http://schemas.microsoft.com/office/drawing/2014/main" id="{C02F3EF3-5D54-43B3-8D77-B49AA8FBB079}"/>
               </a:ext>
             </a:extLst>
           </p:cNvPr>
@@ -13406,7 +13490,7 @@
           <p:cNvPr id="39" name="Oval 38">
             <a:extLst>
               <a:ext uri="{FF2B5EF4-FFF2-40B4-BE49-F238E27FC236}">
-                <a16:creationId xmlns:a16="http://schemas.microsoft.com/office/drawing/2014/main" xmlns="" id="{AEBB2BB8-86E4-4CA5-9D29-9AA8E28C552B}"/>
+                <a16:creationId xmlns="" xmlns:a16="http://schemas.microsoft.com/office/drawing/2014/main" id="{AEBB2BB8-86E4-4CA5-9D29-9AA8E28C552B}"/>
               </a:ext>
             </a:extLst>
           </p:cNvPr>
@@ -29956,7 +30040,15 @@
           <a:p>
             <a:r>
               <a:rPr lang="en-GB" dirty="0"/>
-              <a:t>June 4, 2019</a:t>
+              <a:t>June </a:t>
+            </a:r>
+            <a:r>
+              <a:rPr lang="en-GB" dirty="0" smtClean="0"/>
+              <a:t>24</a:t>
+            </a:r>
+            <a:r>
+              <a:rPr lang="en-GB" dirty="0"/>
+              <a:t>, 2019</a:t>
             </a:r>
           </a:p>
         </p:txBody>
@@ -29972,7 +30064,7 @@
           </p:nvPr>
         </p:nvPicPr>
         <p:blipFill>
-          <a:blip r:embed="rId2">
+          <a:blip r:embed="rId3">
             <a:extLst>
               <a:ext uri="{28A0092B-C50C-407E-A947-70E740481C1C}">
                 <a14:useLocalDpi xmlns:a14="http://schemas.microsoft.com/office/drawing/2010/main" val="0"/>
@@ -30178,21 +30270,21 @@
                 <a:gridCol w="4554908">
                   <a:extLst>
                     <a:ext uri="{9D8B030D-6E8A-4147-A177-3AD203B41FA5}">
-                      <a16:colId xmlns:a16="http://schemas.microsoft.com/office/drawing/2014/main" xmlns="" val="20000"/>
+                      <a16:colId xmlns="" xmlns:a16="http://schemas.microsoft.com/office/drawing/2014/main" val="20000"/>
                     </a:ext>
                   </a:extLst>
                 </a:gridCol>
                 <a:gridCol w="734939">
                   <a:extLst>
                     <a:ext uri="{9D8B030D-6E8A-4147-A177-3AD203B41FA5}">
-                      <a16:colId xmlns:a16="http://schemas.microsoft.com/office/drawing/2014/main" xmlns="" val="20001"/>
+                      <a16:colId xmlns="" xmlns:a16="http://schemas.microsoft.com/office/drawing/2014/main" val="20001"/>
                     </a:ext>
                   </a:extLst>
                 </a:gridCol>
                 <a:gridCol w="5888054">
                   <a:extLst>
                     <a:ext uri="{9D8B030D-6E8A-4147-A177-3AD203B41FA5}">
-                      <a16:colId xmlns:a16="http://schemas.microsoft.com/office/drawing/2014/main" xmlns="" val="20002"/>
+                      <a16:colId xmlns="" xmlns:a16="http://schemas.microsoft.com/office/drawing/2014/main" val="20002"/>
                     </a:ext>
                   </a:extLst>
                 </a:gridCol>
@@ -30589,7 +30681,7 @@
                 </a:tc>
                 <a:extLst>
                   <a:ext uri="{0D108BD9-81ED-4DB2-BD59-A6C34878D82A}">
-                    <a16:rowId xmlns:a16="http://schemas.microsoft.com/office/drawing/2014/main" xmlns="" val="10000"/>
+                    <a16:rowId xmlns="" xmlns:a16="http://schemas.microsoft.com/office/drawing/2014/main" val="10000"/>
                   </a:ext>
                 </a:extLst>
               </a:tr>
@@ -30647,21 +30739,21 @@
                 <a:gridCol w="4554908">
                   <a:extLst>
                     <a:ext uri="{9D8B030D-6E8A-4147-A177-3AD203B41FA5}">
-                      <a16:colId xmlns:a16="http://schemas.microsoft.com/office/drawing/2014/main" xmlns="" val="20000"/>
+                      <a16:colId xmlns="" xmlns:a16="http://schemas.microsoft.com/office/drawing/2014/main" val="20000"/>
                     </a:ext>
                   </a:extLst>
                 </a:gridCol>
                 <a:gridCol w="734939">
                   <a:extLst>
                     <a:ext uri="{9D8B030D-6E8A-4147-A177-3AD203B41FA5}">
-                      <a16:colId xmlns:a16="http://schemas.microsoft.com/office/drawing/2014/main" xmlns="" val="20001"/>
+                      <a16:colId xmlns="" xmlns:a16="http://schemas.microsoft.com/office/drawing/2014/main" val="20001"/>
                     </a:ext>
                   </a:extLst>
                 </a:gridCol>
                 <a:gridCol w="5888054">
                   <a:extLst>
                     <a:ext uri="{9D8B030D-6E8A-4147-A177-3AD203B41FA5}">
-                      <a16:colId xmlns:a16="http://schemas.microsoft.com/office/drawing/2014/main" xmlns="" val="20002"/>
+                      <a16:colId xmlns="" xmlns:a16="http://schemas.microsoft.com/office/drawing/2014/main" val="20002"/>
                     </a:ext>
                   </a:extLst>
                 </a:gridCol>
@@ -31715,7 +31807,7 @@
                 </a:tc>
                 <a:extLst>
                   <a:ext uri="{0D108BD9-81ED-4DB2-BD59-A6C34878D82A}">
-                    <a16:rowId xmlns:a16="http://schemas.microsoft.com/office/drawing/2014/main" xmlns="" val="10000"/>
+                    <a16:rowId xmlns="" xmlns:a16="http://schemas.microsoft.com/office/drawing/2014/main" val="10000"/>
                   </a:ext>
                 </a:extLst>
               </a:tr>
@@ -32208,7 +32300,6 @@
               <a:rPr lang="en-US" dirty="0" smtClean="0"/>
               <a:t>mock/spy</a:t>
             </a:r>
-            <a:endParaRPr lang="en-US" dirty="0" smtClean="0"/>
           </a:p>
           <a:p>
             <a:pPr marL="285750" indent="-285750">
@@ -32219,7 +32310,6 @@
               <a:rPr lang="en-US" dirty="0" smtClean="0"/>
               <a:t>Methods/functions </a:t>
             </a:r>
-            <a:endParaRPr lang="en-US" dirty="0" smtClean="0"/>
           </a:p>
           <a:p>
             <a:pPr marL="285750" indent="-285750">
@@ -32228,11 +32318,7 @@
             </a:pPr>
             <a:r>
               <a:rPr lang="en-US" dirty="0" smtClean="0"/>
-              <a:t>Manual </a:t>
-            </a:r>
-            <a:r>
-              <a:rPr lang="en-US" dirty="0" smtClean="0"/>
-              <a:t>mocking</a:t>
+              <a:t>Manual mocking</a:t>
             </a:r>
           </a:p>
           <a:p>
@@ -36269,7 +36355,7 @@
           <p:cNvPr id="3" name="Title 2">
             <a:extLst>
               <a:ext uri="{FF2B5EF4-FFF2-40B4-BE49-F238E27FC236}">
-                <a16:creationId xmlns:a16="http://schemas.microsoft.com/office/drawing/2014/main" xmlns="" id="{870FE32D-55EB-3F46-A319-A07CED6B7C01}"/>
+                <a16:creationId xmlns="" xmlns:a16="http://schemas.microsoft.com/office/drawing/2014/main" id="{870FE32D-55EB-3F46-A319-A07CED6B7C01}"/>
               </a:ext>
             </a:extLst>
           </p:cNvPr>
@@ -36298,7 +36384,7 @@
           <p:cNvPr id="6" name="Picture 5">
             <a:extLst>
               <a:ext uri="{FF2B5EF4-FFF2-40B4-BE49-F238E27FC236}">
-                <a16:creationId xmlns:a16="http://schemas.microsoft.com/office/drawing/2014/main" xmlns="" id="{94B37506-5E95-3A45-B75E-53F10C923674}"/>
+                <a16:creationId xmlns="" xmlns:a16="http://schemas.microsoft.com/office/drawing/2014/main" id="{94B37506-5E95-3A45-B75E-53F10C923674}"/>
               </a:ext>
             </a:extLst>
           </p:cNvPr>
